--- a/Presentation/Resources_and_RAII.pptx
+++ b/Presentation/Resources_and_RAII.pptx
@@ -19,11 +19,11 @@
     <p:sldId id="274" r:id="rId10"/>
     <p:sldId id="275" r:id="rId11"/>
     <p:sldId id="276" r:id="rId12"/>
-    <p:sldId id="277" r:id="rId13"/>
-    <p:sldId id="279" r:id="rId14"/>
-    <p:sldId id="280" r:id="rId15"/>
-    <p:sldId id="278" r:id="rId16"/>
-    <p:sldId id="281" r:id="rId17"/>
+    <p:sldId id="281" r:id="rId13"/>
+    <p:sldId id="277" r:id="rId14"/>
+    <p:sldId id="279" r:id="rId15"/>
+    <p:sldId id="280" r:id="rId16"/>
+    <p:sldId id="278" r:id="rId17"/>
   </p:sldIdLst>
   <p:sldSz cx="12188825" cy="6858000"/>
   <p:notesSz cx="6858000" cy="9144000"/>
@@ -160,16 +160,24 @@
   <pc:docChgLst>
     <pc:chgData userId="a6837a3618758c92" providerId="LiveId" clId="{7FB8FEF7-CB57-4686-BB3E-C32847BF6455}"/>
     <pc:docChg chg="undo custSel addSld delSld modSld sldOrd modMainMaster">
-      <pc:chgData name="" userId="a6837a3618758c92" providerId="LiveId" clId="{7FB8FEF7-CB57-4686-BB3E-C32847BF6455}" dt="2022-06-04T16:25:17.134" v="3118" actId="20577"/>
+      <pc:chgData name="" userId="a6837a3618758c92" providerId="LiveId" clId="{7FB8FEF7-CB57-4686-BB3E-C32847BF6455}" dt="2022-06-06T16:05:20.308" v="3280" actId="255"/>
       <pc:docMkLst>
         <pc:docMk/>
       </pc:docMkLst>
       <pc:sldChg chg="modSp">
-        <pc:chgData name="" userId="a6837a3618758c92" providerId="LiveId" clId="{7FB8FEF7-CB57-4686-BB3E-C32847BF6455}" dt="2022-06-04T16:25:17.134" v="3118" actId="20577"/>
+        <pc:chgData name="" userId="a6837a3618758c92" providerId="LiveId" clId="{7FB8FEF7-CB57-4686-BB3E-C32847BF6455}" dt="2022-06-06T15:38:37.060" v="3139" actId="120"/>
         <pc:sldMkLst>
           <pc:docMk/>
           <pc:sldMk cId="1332291891" sldId="257"/>
         </pc:sldMkLst>
+        <pc:spChg chg="mod">
+          <ac:chgData name="" userId="a6837a3618758c92" providerId="LiveId" clId="{7FB8FEF7-CB57-4686-BB3E-C32847BF6455}" dt="2022-06-06T15:38:37.060" v="3139" actId="120"/>
+          <ac:spMkLst>
+            <pc:docMk/>
+            <pc:sldMk cId="1332291891" sldId="257"/>
+            <ac:spMk id="2" creationId="{00000000-0000-0000-0000-000000000000}"/>
+          </ac:spMkLst>
+        </pc:spChg>
         <pc:spChg chg="mod">
           <ac:chgData name="" userId="a6837a3618758c92" providerId="LiveId" clId="{7FB8FEF7-CB57-4686-BB3E-C32847BF6455}" dt="2022-06-04T16:25:17.134" v="3118" actId="20577"/>
           <ac:spMkLst>
@@ -194,8 +202,8 @@
           </ac:spMkLst>
         </pc:spChg>
       </pc:sldChg>
-      <pc:sldChg chg="modSp">
-        <pc:chgData name="" userId="a6837a3618758c92" providerId="LiveId" clId="{7FB8FEF7-CB57-4686-BB3E-C32847BF6455}" dt="2022-06-02T16:51:50.010" v="3009" actId="20577"/>
+      <pc:sldChg chg="modSp modAnim">
+        <pc:chgData name="" userId="a6837a3618758c92" providerId="LiveId" clId="{7FB8FEF7-CB57-4686-BB3E-C32847BF6455}" dt="2022-06-06T15:35:49.887" v="3125"/>
         <pc:sldMkLst>
           <pc:docMk/>
           <pc:sldMk cId="3529114326" sldId="268"/>
@@ -209,8 +217,8 @@
           </ac:spMkLst>
         </pc:spChg>
       </pc:sldChg>
-      <pc:sldChg chg="addSp delSp modSp add">
-        <pc:chgData name="" userId="a6837a3618758c92" providerId="LiveId" clId="{7FB8FEF7-CB57-4686-BB3E-C32847BF6455}" dt="2022-06-02T16:31:47.039" v="2271" actId="790"/>
+      <pc:sldChg chg="addSp delSp modSp add modAnim">
+        <pc:chgData name="" userId="a6837a3618758c92" providerId="LiveId" clId="{7FB8FEF7-CB57-4686-BB3E-C32847BF6455}" dt="2022-06-06T15:47:07.059" v="3236" actId="20577"/>
         <pc:sldMkLst>
           <pc:docMk/>
           <pc:sldMk cId="2483493579" sldId="272"/>
@@ -240,7 +248,7 @@
           </ac:spMkLst>
         </pc:spChg>
         <pc:spChg chg="add mod">
-          <ac:chgData name="" userId="a6837a3618758c92" providerId="LiveId" clId="{7FB8FEF7-CB57-4686-BB3E-C32847BF6455}" dt="2022-06-02T16:31:47.039" v="2271" actId="790"/>
+          <ac:chgData name="" userId="a6837a3618758c92" providerId="LiveId" clId="{7FB8FEF7-CB57-4686-BB3E-C32847BF6455}" dt="2022-06-06T15:47:07.059" v="3236" actId="20577"/>
           <ac:spMkLst>
             <pc:docMk/>
             <pc:sldMk cId="2483493579" sldId="272"/>
@@ -271,8 +279,8 @@
           </ac:spMkLst>
         </pc:spChg>
       </pc:sldChg>
-      <pc:sldChg chg="modSp add ord">
-        <pc:chgData name="" userId="a6837a3618758c92" providerId="LiveId" clId="{7FB8FEF7-CB57-4686-BB3E-C32847BF6455}" dt="2022-06-02T15:43:02.181" v="1519" actId="207"/>
+      <pc:sldChg chg="modSp add ord modAnim">
+        <pc:chgData name="" userId="a6837a3618758c92" providerId="LiveId" clId="{7FB8FEF7-CB57-4686-BB3E-C32847BF6455}" dt="2022-06-06T15:38:51.062" v="3140"/>
         <pc:sldMkLst>
           <pc:docMk/>
           <pc:sldMk cId="2410356934" sldId="274"/>
@@ -294,8 +302,8 @@
           </ac:spMkLst>
         </pc:spChg>
       </pc:sldChg>
-      <pc:sldChg chg="addSp delSp modSp add setBg">
-        <pc:chgData name="" userId="a6837a3618758c92" providerId="LiveId" clId="{7FB8FEF7-CB57-4686-BB3E-C32847BF6455}" dt="2022-06-02T16:14:07.979" v="1900" actId="20577"/>
+      <pc:sldChg chg="addSp delSp modSp add setBg modAnim">
+        <pc:chgData name="" userId="a6837a3618758c92" providerId="LiveId" clId="{7FB8FEF7-CB57-4686-BB3E-C32847BF6455}" dt="2022-06-06T15:41:01.057" v="3173" actId="6549"/>
         <pc:sldMkLst>
           <pc:docMk/>
           <pc:sldMk cId="1635377593" sldId="275"/>
@@ -333,7 +341,7 @@
           </ac:spMkLst>
         </pc:spChg>
         <pc:spChg chg="add mod">
-          <ac:chgData name="" userId="a6837a3618758c92" providerId="LiveId" clId="{7FB8FEF7-CB57-4686-BB3E-C32847BF6455}" dt="2022-06-02T15:41:42.684" v="1495"/>
+          <ac:chgData name="" userId="a6837a3618758c92" providerId="LiveId" clId="{7FB8FEF7-CB57-4686-BB3E-C32847BF6455}" dt="2022-06-06T15:41:01.057" v="3173" actId="6549"/>
           <ac:spMkLst>
             <pc:docMk/>
             <pc:sldMk cId="1635377593" sldId="275"/>
@@ -341,7 +349,7 @@
           </ac:spMkLst>
         </pc:spChg>
         <pc:spChg chg="add mod">
-          <ac:chgData name="" userId="a6837a3618758c92" providerId="LiveId" clId="{7FB8FEF7-CB57-4686-BB3E-C32847BF6455}" dt="2022-06-02T15:42:34.376" v="1517" actId="20577"/>
+          <ac:chgData name="" userId="a6837a3618758c92" providerId="LiveId" clId="{7FB8FEF7-CB57-4686-BB3E-C32847BF6455}" dt="2022-06-06T15:40:34.516" v="3154" actId="1076"/>
           <ac:spMkLst>
             <pc:docMk/>
             <pc:sldMk cId="1635377593" sldId="275"/>
@@ -389,15 +397,15 @@
           </ac:spMkLst>
         </pc:spChg>
         <pc:spChg chg="add mod">
-          <ac:chgData name="" userId="a6837a3618758c92" providerId="LiveId" clId="{7FB8FEF7-CB57-4686-BB3E-C32847BF6455}" dt="2022-06-02T15:42:23.732" v="1512" actId="20577"/>
+          <ac:chgData name="" userId="a6837a3618758c92" providerId="LiveId" clId="{7FB8FEF7-CB57-4686-BB3E-C32847BF6455}" dt="2022-06-06T15:40:31.225" v="3153" actId="1076"/>
           <ac:spMkLst>
             <pc:docMk/>
             <pc:sldMk cId="1635377593" sldId="275"/>
             <ac:spMk id="13" creationId="{EA219FB8-D176-4C91-9B69-DD92987E4467}"/>
           </ac:spMkLst>
         </pc:spChg>
-        <pc:spChg chg="add">
-          <ac:chgData name="" userId="a6837a3618758c92" providerId="LiveId" clId="{7FB8FEF7-CB57-4686-BB3E-C32847BF6455}" dt="2022-06-02T15:42:25.801" v="1513"/>
+        <pc:spChg chg="add mod">
+          <ac:chgData name="" userId="a6837a3618758c92" providerId="LiveId" clId="{7FB8FEF7-CB57-4686-BB3E-C32847BF6455}" dt="2022-06-06T15:40:41.569" v="3155" actId="1076"/>
           <ac:spMkLst>
             <pc:docMk/>
             <pc:sldMk cId="1635377593" sldId="275"/>
@@ -405,8 +413,8 @@
           </ac:spMkLst>
         </pc:spChg>
       </pc:sldChg>
-      <pc:sldChg chg="addSp delSp modSp add ord">
-        <pc:chgData name="" userId="a6837a3618758c92" providerId="LiveId" clId="{7FB8FEF7-CB57-4686-BB3E-C32847BF6455}" dt="2022-06-02T16:14:38.927" v="1935" actId="20577"/>
+      <pc:sldChg chg="addSp delSp modSp add ord modAnim">
+        <pc:chgData name="" userId="a6837a3618758c92" providerId="LiveId" clId="{7FB8FEF7-CB57-4686-BB3E-C32847BF6455}" dt="2022-06-06T15:41:54.390" v="3179"/>
         <pc:sldMkLst>
           <pc:docMk/>
           <pc:sldMk cId="4274760944" sldId="276"/>
@@ -476,8 +484,8 @@
           </ac:cxnSpMkLst>
         </pc:cxnChg>
       </pc:sldChg>
-      <pc:sldChg chg="addSp delSp modSp add">
-        <pc:chgData name="" userId="a6837a3618758c92" providerId="LiveId" clId="{7FB8FEF7-CB57-4686-BB3E-C32847BF6455}" dt="2022-06-02T16:57:40.178" v="3117" actId="20577"/>
+      <pc:sldChg chg="addSp delSp modSp add modAnim">
+        <pc:chgData name="" userId="a6837a3618758c92" providerId="LiveId" clId="{7FB8FEF7-CB57-4686-BB3E-C32847BF6455}" dt="2022-06-06T15:57:29.103" v="3239" actId="20577"/>
         <pc:sldMkLst>
           <pc:docMk/>
           <pc:sldMk cId="3719227506" sldId="277"/>
@@ -499,7 +507,7 @@
           </ac:spMkLst>
         </pc:spChg>
         <pc:spChg chg="add mod">
-          <ac:chgData name="" userId="a6837a3618758c92" providerId="LiveId" clId="{7FB8FEF7-CB57-4686-BB3E-C32847BF6455}" dt="2022-06-02T16:28:40.452" v="2062" actId="207"/>
+          <ac:chgData name="" userId="a6837a3618758c92" providerId="LiveId" clId="{7FB8FEF7-CB57-4686-BB3E-C32847BF6455}" dt="2022-06-06T15:42:57.505" v="3206" actId="20577"/>
           <ac:spMkLst>
             <pc:docMk/>
             <pc:sldMk cId="3719227506" sldId="277"/>
@@ -507,7 +515,7 @@
           </ac:spMkLst>
         </pc:spChg>
         <pc:spChg chg="add mod">
-          <ac:chgData name="" userId="a6837a3618758c92" providerId="LiveId" clId="{7FB8FEF7-CB57-4686-BB3E-C32847BF6455}" dt="2022-06-02T16:40:14.834" v="2562" actId="122"/>
+          <ac:chgData name="" userId="a6837a3618758c92" providerId="LiveId" clId="{7FB8FEF7-CB57-4686-BB3E-C32847BF6455}" dt="2022-06-06T15:42:25.301" v="3198" actId="27636"/>
           <ac:spMkLst>
             <pc:docMk/>
             <pc:sldMk cId="3719227506" sldId="277"/>
@@ -515,7 +523,7 @@
           </ac:spMkLst>
         </pc:spChg>
         <pc:spChg chg="add mod">
-          <ac:chgData name="" userId="a6837a3618758c92" providerId="LiveId" clId="{7FB8FEF7-CB57-4686-BB3E-C32847BF6455}" dt="2022-06-02T16:57:40.178" v="3117" actId="20577"/>
+          <ac:chgData name="" userId="a6837a3618758c92" providerId="LiveId" clId="{7FB8FEF7-CB57-4686-BB3E-C32847BF6455}" dt="2022-06-06T15:57:29.103" v="3239" actId="20577"/>
           <ac:spMkLst>
             <pc:docMk/>
             <pc:sldMk cId="3719227506" sldId="277"/>
@@ -640,6 +648,53 @@
           </ac:spMkLst>
         </pc:spChg>
       </pc:sldChg>
+      <pc:sldChg chg="delSp modSp add delAnim modAnim">
+        <pc:chgData name="" userId="a6837a3618758c92" providerId="LiveId" clId="{7FB8FEF7-CB57-4686-BB3E-C32847BF6455}" dt="2022-06-06T16:05:20.308" v="3280" actId="255"/>
+        <pc:sldMkLst>
+          <pc:docMk/>
+          <pc:sldMk cId="1914557089" sldId="281"/>
+        </pc:sldMkLst>
+        <pc:spChg chg="mod">
+          <ac:chgData name="" userId="a6837a3618758c92" providerId="LiveId" clId="{7FB8FEF7-CB57-4686-BB3E-C32847BF6455}" dt="2022-06-06T16:02:53.012" v="3242" actId="20577"/>
+          <ac:spMkLst>
+            <pc:docMk/>
+            <pc:sldMk cId="1914557089" sldId="281"/>
+            <ac:spMk id="4" creationId="{7E589C5D-4EF9-41C5-842C-2E7DDCA32796}"/>
+          </ac:spMkLst>
+        </pc:spChg>
+        <pc:spChg chg="mod">
+          <ac:chgData name="" userId="a6837a3618758c92" providerId="LiveId" clId="{7FB8FEF7-CB57-4686-BB3E-C32847BF6455}" dt="2022-06-06T16:05:20.308" v="3280" actId="255"/>
+          <ac:spMkLst>
+            <pc:docMk/>
+            <pc:sldMk cId="1914557089" sldId="281"/>
+            <ac:spMk id="5" creationId="{864E921E-9E06-4E6C-9EBB-BEAB4385B508}"/>
+          </ac:spMkLst>
+        </pc:spChg>
+        <pc:spChg chg="del">
+          <ac:chgData name="" userId="a6837a3618758c92" providerId="LiveId" clId="{7FB8FEF7-CB57-4686-BB3E-C32847BF6455}" dt="2022-06-06T16:03:41.639" v="3264" actId="478"/>
+          <ac:spMkLst>
+            <pc:docMk/>
+            <pc:sldMk cId="1914557089" sldId="281"/>
+            <ac:spMk id="7" creationId="{89F36AB4-D26E-4ADC-985B-3A680A9480F8}"/>
+          </ac:spMkLst>
+        </pc:spChg>
+        <pc:spChg chg="del">
+          <ac:chgData name="" userId="a6837a3618758c92" providerId="LiveId" clId="{7FB8FEF7-CB57-4686-BB3E-C32847BF6455}" dt="2022-06-06T16:03:43.632" v="3266" actId="478"/>
+          <ac:spMkLst>
+            <pc:docMk/>
+            <pc:sldMk cId="1914557089" sldId="281"/>
+            <ac:spMk id="8" creationId="{41D27DA7-E5EC-4FFB-B777-BE5274DC862B}"/>
+          </ac:spMkLst>
+        </pc:spChg>
+        <pc:cxnChg chg="del mod">
+          <ac:chgData name="" userId="a6837a3618758c92" providerId="LiveId" clId="{7FB8FEF7-CB57-4686-BB3E-C32847BF6455}" dt="2022-06-06T16:03:42.508" v="3265" actId="478"/>
+          <ac:cxnSpMkLst>
+            <pc:docMk/>
+            <pc:sldMk cId="1914557089" sldId="281"/>
+            <ac:cxnSpMk id="10" creationId="{8660827C-0EAC-48A5-BA07-02DDE58E475E}"/>
+          </ac:cxnSpMkLst>
+        </pc:cxnChg>
+      </pc:sldChg>
       <pc:sldMasterChg chg="modSldLayout">
         <pc:chgData name="" userId="a6837a3618758c92" providerId="LiveId" clId="{7FB8FEF7-CB57-4686-BB3E-C32847BF6455}" dt="2022-06-02T15:17:35.492" v="0" actId="1076"/>
         <pc:sldMasterMkLst>
@@ -753,7 +808,7 @@
             <a:pPr algn="r" rtl="0"/>
             <a:fld id="{EA8C5A89-D750-4C9C-AD82-BD87E1631370}" type="datetime1">
               <a:rPr lang="de-DE" smtClean="0"/>
-              <a:t>04.06.2022</a:t>
+              <a:t>06.06.2022</a:t>
             </a:fld>
             <a:endParaRPr lang="de-DE" dirty="0"/>
           </a:p>
@@ -822,7 +877,7 @@
             <a:fld id="{79429053-DC2A-4342-ADD4-2FD729D91E2C}" type="slidenum">
               <a:rPr lang="de-DE" smtClean="0"/>
               <a:pPr algn="r" rtl="0"/>
-              <a:t>‹#›</a:t>
+              <a:t>‹Nr.›</a:t>
             </a:fld>
             <a:endParaRPr lang="de-DE" dirty="0"/>
           </a:p>
@@ -923,7 +978,7 @@
             <a:fld id="{729E0972-DB1D-4D71-93B8-56ECB99C47FF}" type="datetime1">
               <a:rPr lang="de-DE" smtClean="0"/>
               <a:pPr/>
-              <a:t>04.06.2022</a:t>
+              <a:t>06.06.2022</a:t>
             </a:fld>
             <a:endParaRPr lang="de-DE" dirty="0"/>
           </a:p>
@@ -1084,7 +1139,7 @@
             <a:fld id="{3EBA5BD7-F043-4D1B-AA17-CD412FC534DE}" type="slidenum">
               <a:rPr lang="de-DE" smtClean="0"/>
               <a:pPr/>
-              <a:t>‹#›</a:t>
+              <a:t>‹Nr.›</a:t>
             </a:fld>
             <a:endParaRPr lang="de-DE" dirty="0"/>
           </a:p>
@@ -2126,7 +2181,7 @@
             <a:fld id="{87490488-1D2D-45FC-A42D-25F856479C81}" type="datetime1">
               <a:rPr lang="de-DE" smtClean="0"/>
               <a:pPr/>
-              <a:t>04.06.2022</a:t>
+              <a:t>06.06.2022</a:t>
             </a:fld>
             <a:endParaRPr lang="de-DE" dirty="0"/>
           </a:p>
@@ -2170,7 +2225,7 @@
             <a:pPr rtl="0"/>
             <a:fld id="{C014DD1E-5D91-48A3-AD6D-45FBA980D106}" type="slidenum">
               <a:rPr lang="de-DE" smtClean="0"/>
-              <a:t>‹#›</a:t>
+              <a:t>‹Nr.›</a:t>
             </a:fld>
             <a:endParaRPr lang="de-DE" dirty="0"/>
           </a:p>
@@ -2332,7 +2387,7 @@
             <a:fld id="{A0E48D7D-22EE-42F4-A78D-BF51DA417E59}" type="datetime1">
               <a:rPr lang="de-DE" smtClean="0"/>
               <a:pPr/>
-              <a:t>04.06.2022</a:t>
+              <a:t>06.06.2022</a:t>
             </a:fld>
             <a:endParaRPr lang="de-DE" dirty="0"/>
           </a:p>
@@ -2376,7 +2431,7 @@
             <a:pPr rtl="0"/>
             <a:fld id="{C014DD1E-5D91-48A3-AD6D-45FBA980D106}" type="slidenum">
               <a:rPr lang="de-DE" smtClean="0"/>
-              <a:t>‹#›</a:t>
+              <a:t>‹Nr.›</a:t>
             </a:fld>
             <a:endParaRPr lang="de-DE" dirty="0"/>
           </a:p>
@@ -2548,7 +2603,7 @@
             <a:fld id="{29457F39-CBF0-4D6E-8223-6AABCE028B0C}" type="datetime1">
               <a:rPr lang="de-DE" smtClean="0"/>
               <a:pPr/>
-              <a:t>04.06.2022</a:t>
+              <a:t>06.06.2022</a:t>
             </a:fld>
             <a:endParaRPr lang="de-DE" dirty="0"/>
           </a:p>
@@ -2592,7 +2647,7 @@
             <a:pPr rtl="0"/>
             <a:fld id="{C014DD1E-5D91-48A3-AD6D-45FBA980D106}" type="slidenum">
               <a:rPr lang="de-DE" smtClean="0"/>
-              <a:t>‹#›</a:t>
+              <a:t>‹Nr.›</a:t>
             </a:fld>
             <a:endParaRPr lang="de-DE" dirty="0"/>
           </a:p>
@@ -2754,7 +2809,7 @@
             <a:fld id="{3D80A33B-F0D3-4CCD-934C-3A418D338F48}" type="datetime1">
               <a:rPr lang="de-DE" smtClean="0"/>
               <a:pPr/>
-              <a:t>04.06.2022</a:t>
+              <a:t>06.06.2022</a:t>
             </a:fld>
             <a:endParaRPr lang="de-DE" dirty="0"/>
           </a:p>
@@ -2798,7 +2853,7 @@
             <a:pPr rtl="0"/>
             <a:fld id="{C014DD1E-5D91-48A3-AD6D-45FBA980D106}" type="slidenum">
               <a:rPr lang="de-DE" smtClean="0"/>
-              <a:t>‹#›</a:t>
+              <a:t>‹Nr.›</a:t>
             </a:fld>
             <a:endParaRPr lang="de-DE" dirty="0"/>
           </a:p>
@@ -3194,7 +3249,7 @@
             <a:fld id="{5800029A-92A0-4B83-B83D-3D25E123C16B}" type="datetime1">
               <a:rPr lang="de-DE" smtClean="0"/>
               <a:pPr/>
-              <a:t>04.06.2022</a:t>
+              <a:t>06.06.2022</a:t>
             </a:fld>
             <a:endParaRPr lang="de-DE" dirty="0"/>
           </a:p>
@@ -3238,7 +3293,7 @@
             <a:pPr rtl="0"/>
             <a:fld id="{C014DD1E-5D91-48A3-AD6D-45FBA980D106}" type="slidenum">
               <a:rPr lang="de-DE" smtClean="0"/>
-              <a:t>‹#›</a:t>
+              <a:t>‹Nr.›</a:t>
             </a:fld>
             <a:endParaRPr lang="de-DE" dirty="0"/>
           </a:p>
@@ -3506,7 +3561,7 @@
             <a:fld id="{A50DE14F-832E-4243-A64C-072E4112B828}" type="datetime1">
               <a:rPr lang="de-DE" smtClean="0"/>
               <a:pPr/>
-              <a:t>04.06.2022</a:t>
+              <a:t>06.06.2022</a:t>
             </a:fld>
             <a:endParaRPr lang="de-DE" dirty="0"/>
           </a:p>
@@ -3550,7 +3605,7 @@
             <a:pPr rtl="0"/>
             <a:fld id="{C014DD1E-5D91-48A3-AD6D-45FBA980D106}" type="slidenum">
               <a:rPr lang="de-DE" smtClean="0"/>
-              <a:t>‹#›</a:t>
+              <a:t>‹Nr.›</a:t>
             </a:fld>
             <a:endParaRPr lang="de-DE" dirty="0"/>
           </a:p>
@@ -3970,7 +4025,7 @@
             <a:fld id="{9CA0E625-2BCF-471C-BF07-3E47DAD03A33}" type="datetime1">
               <a:rPr lang="de-DE" smtClean="0"/>
               <a:pPr/>
-              <a:t>04.06.2022</a:t>
+              <a:t>06.06.2022</a:t>
             </a:fld>
             <a:endParaRPr lang="de-DE" dirty="0"/>
           </a:p>
@@ -4014,7 +4069,7 @@
             <a:pPr rtl="0"/>
             <a:fld id="{C014DD1E-5D91-48A3-AD6D-45FBA980D106}" type="slidenum">
               <a:rPr lang="de-DE" smtClean="0"/>
-              <a:t>‹#›</a:t>
+              <a:t>‹Nr.›</a:t>
             </a:fld>
             <a:endParaRPr lang="de-DE" dirty="0"/>
           </a:p>
@@ -4108,7 +4163,7 @@
             <a:fld id="{01F216F1-5E6C-4D1E-8B04-BA461CF83008}" type="datetime1">
               <a:rPr lang="de-DE" smtClean="0"/>
               <a:pPr/>
-              <a:t>04.06.2022</a:t>
+              <a:t>06.06.2022</a:t>
             </a:fld>
             <a:endParaRPr lang="de-DE" dirty="0"/>
           </a:p>
@@ -4152,7 +4207,7 @@
             <a:pPr rtl="0"/>
             <a:fld id="{C014DD1E-5D91-48A3-AD6D-45FBA980D106}" type="slidenum">
               <a:rPr lang="de-DE" smtClean="0"/>
-              <a:t>‹#›</a:t>
+              <a:t>‹Nr.›</a:t>
             </a:fld>
             <a:endParaRPr lang="de-DE" dirty="0"/>
           </a:p>
@@ -4222,7 +4277,7 @@
             <a:fld id="{978460F5-0682-4F91-B958-17F2E22238F4}" type="datetime1">
               <a:rPr lang="de-DE" smtClean="0"/>
               <a:pPr/>
-              <a:t>04.06.2022</a:t>
+              <a:t>06.06.2022</a:t>
             </a:fld>
             <a:endParaRPr lang="de-DE" dirty="0"/>
           </a:p>
@@ -4266,7 +4321,7 @@
             <a:pPr rtl="0"/>
             <a:fld id="{C014DD1E-5D91-48A3-AD6D-45FBA980D106}" type="slidenum">
               <a:rPr lang="de-DE" smtClean="0"/>
-              <a:t>‹#›</a:t>
+              <a:t>‹Nr.›</a:t>
             </a:fld>
             <a:endParaRPr lang="de-DE" dirty="0"/>
           </a:p>
@@ -4529,7 +4584,7 @@
             <a:fld id="{432E1AF8-0C97-41FF-9C69-BFEB0F5A6EF5}" type="datetime1">
               <a:rPr lang="de-DE" smtClean="0"/>
               <a:pPr/>
-              <a:t>04.06.2022</a:t>
+              <a:t>06.06.2022</a:t>
             </a:fld>
             <a:endParaRPr lang="de-DE" dirty="0"/>
           </a:p>
@@ -4573,7 +4628,7 @@
             <a:pPr rtl="0"/>
             <a:fld id="{C014DD1E-5D91-48A3-AD6D-45FBA980D106}" type="slidenum">
               <a:rPr lang="de-DE" smtClean="0"/>
-              <a:t>‹#›</a:t>
+              <a:t>‹Nr.›</a:t>
             </a:fld>
             <a:endParaRPr lang="de-DE" dirty="0"/>
           </a:p>
@@ -4825,7 +4880,7 @@
             <a:fld id="{9DAA85DC-AC20-450F-8EFE-0D856D5BDC88}" type="datetime1">
               <a:rPr lang="de-DE" smtClean="0"/>
               <a:pPr/>
-              <a:t>04.06.2022</a:t>
+              <a:t>06.06.2022</a:t>
             </a:fld>
             <a:endParaRPr lang="de-DE" dirty="0"/>
           </a:p>
@@ -4869,7 +4924,7 @@
             <a:pPr rtl="0"/>
             <a:fld id="{C014DD1E-5D91-48A3-AD6D-45FBA980D106}" type="slidenum">
               <a:rPr lang="de-DE" smtClean="0"/>
-              <a:t>‹#›</a:t>
+              <a:t>‹Nr.›</a:t>
             </a:fld>
             <a:endParaRPr lang="de-DE" dirty="0"/>
           </a:p>
@@ -5449,7 +5504,7 @@
             <a:fld id="{D5E7EBCA-1808-4B9E-8140-5B390D90011A}" type="datetime1">
               <a:rPr lang="de-DE" smtClean="0"/>
               <a:pPr/>
-              <a:t>04.06.2022</a:t>
+              <a:t>06.06.2022</a:t>
             </a:fld>
             <a:endParaRPr lang="de-DE" dirty="0"/>
           </a:p>
@@ -5529,7 +5584,7 @@
             <a:fld id="{C014DD1E-5D91-48A3-AD6D-45FBA980D106}" type="slidenum">
               <a:rPr lang="de-DE" smtClean="0"/>
               <a:pPr/>
-              <a:t>‹#›</a:t>
+              <a:t>‹Nr.›</a:t>
             </a:fld>
             <a:endParaRPr lang="de-DE" dirty="0"/>
           </a:p>
@@ -5884,7 +5939,7 @@
       </a:lvl9pPr>
     </p:otherStyle>
   </p:txStyles>
-  <p:extLst>
+  <p:extLst mod="1">
     <p:ext uri="{27BBF7A9-308A-43DC-89C8-2F10F3537804}">
       <p15:sldGuideLst xmlns:p15="http://schemas.microsoft.com/office/powerpoint/2012/main">
         <p15:guide id="1" orient="horz" pos="2160" userDrawn="1">
@@ -5932,12 +5987,14 @@
         </p:nvSpPr>
         <p:spPr/>
         <p:txBody>
-          <a:bodyPr rtlCol="0"/>
+          <a:bodyPr rtlCol="0">
+            <a:normAutofit/>
+          </a:bodyPr>
           <a:lstStyle/>
           <a:p>
             <a:pPr rtl="0"/>
             <a:r>
-              <a:rPr lang="en-GB" dirty="0"/>
+              <a:rPr lang="de-DE" sz="6600" dirty="0"/>
               <a:t>Resources and RAII</a:t>
             </a:r>
           </a:p>
@@ -5959,7 +6016,7 @@
           <a:lstStyle/>
           <a:p>
             <a:pPr rtl="0"/>
-            <a:endParaRPr lang="en-GB" dirty="0"/>
+            <a:endParaRPr lang="de-DE" dirty="0"/>
           </a:p>
         </p:txBody>
       </p:sp>
@@ -6007,6 +6064,656 @@
       </p:grpSpPr>
       <p:sp>
         <p:nvSpPr>
+          <p:cNvPr id="4" name="Titel 3">
+            <a:extLst>
+              <a:ext uri="{FF2B5EF4-FFF2-40B4-BE49-F238E27FC236}">
+                <a16:creationId xmlns:a16="http://schemas.microsoft.com/office/drawing/2014/main" id="{3D235BB5-F0FA-4961-80D6-F81AEE39E313}"/>
+              </a:ext>
+            </a:extLst>
+          </p:cNvPr>
+          <p:cNvSpPr>
+            <a:spLocks noGrp="1"/>
+          </p:cNvSpPr>
+          <p:nvPr>
+            <p:ph type="title"/>
+          </p:nvPr>
+        </p:nvSpPr>
+        <p:spPr/>
+        <p:txBody>
+          <a:bodyPr/>
+          <a:lstStyle/>
+          <a:p>
+            <a:r>
+              <a:rPr lang="de-DE" dirty="0"/>
+              <a:t>RAII - </a:t>
+            </a:r>
+            <a:r>
+              <a:rPr lang="de-DE" dirty="0" err="1">
+                <a:solidFill>
+                  <a:schemeClr val="accent1">
+                    <a:lumMod val="60000"/>
+                    <a:lumOff val="40000"/>
+                  </a:schemeClr>
+                </a:solidFill>
+              </a:rPr>
+              <a:t>Reasons</a:t>
+            </a:r>
+            <a:r>
+              <a:rPr lang="de-DE" dirty="0">
+                <a:solidFill>
+                  <a:schemeClr val="accent1">
+                    <a:lumMod val="60000"/>
+                    <a:lumOff val="40000"/>
+                  </a:schemeClr>
+                </a:solidFill>
+              </a:rPr>
+              <a:t> (not) </a:t>
+            </a:r>
+            <a:r>
+              <a:rPr lang="de-DE" dirty="0" err="1">
+                <a:solidFill>
+                  <a:schemeClr val="accent1">
+                    <a:lumMod val="60000"/>
+                    <a:lumOff val="40000"/>
+                  </a:schemeClr>
+                </a:solidFill>
+              </a:rPr>
+              <a:t>to</a:t>
+            </a:r>
+            <a:r>
+              <a:rPr lang="de-DE" dirty="0">
+                <a:solidFill>
+                  <a:schemeClr val="accent1">
+                    <a:lumMod val="60000"/>
+                    <a:lumOff val="40000"/>
+                  </a:schemeClr>
+                </a:solidFill>
+              </a:rPr>
+              <a:t> </a:t>
+            </a:r>
+            <a:r>
+              <a:rPr lang="de-DE" dirty="0" err="1">
+                <a:solidFill>
+                  <a:schemeClr val="accent1">
+                    <a:lumMod val="60000"/>
+                    <a:lumOff val="40000"/>
+                  </a:schemeClr>
+                </a:solidFill>
+              </a:rPr>
+              <a:t>use</a:t>
+            </a:r>
+            <a:r>
+              <a:rPr lang="de-DE" dirty="0">
+                <a:solidFill>
+                  <a:schemeClr val="accent1">
+                    <a:lumMod val="60000"/>
+                    <a:lumOff val="40000"/>
+                  </a:schemeClr>
+                </a:solidFill>
+              </a:rPr>
+              <a:t> </a:t>
+            </a:r>
+            <a:r>
+              <a:rPr lang="de-DE" dirty="0" err="1">
+                <a:solidFill>
+                  <a:schemeClr val="accent1">
+                    <a:lumMod val="60000"/>
+                    <a:lumOff val="40000"/>
+                  </a:schemeClr>
+                </a:solidFill>
+              </a:rPr>
+              <a:t>it</a:t>
+            </a:r>
+            <a:r>
+              <a:rPr lang="de-DE" dirty="0">
+                <a:solidFill>
+                  <a:schemeClr val="accent1">
+                    <a:lumMod val="60000"/>
+                    <a:lumOff val="40000"/>
+                  </a:schemeClr>
+                </a:solidFill>
+              </a:rPr>
+              <a:t> </a:t>
+            </a:r>
+            <a:endParaRPr lang="en-GB" dirty="0">
+              <a:solidFill>
+                <a:schemeClr val="accent1">
+                  <a:lumMod val="60000"/>
+                  <a:lumOff val="40000"/>
+                </a:schemeClr>
+              </a:solidFill>
+            </a:endParaRPr>
+          </a:p>
+        </p:txBody>
+      </p:sp>
+      <p:sp>
+        <p:nvSpPr>
+          <p:cNvPr id="5" name="Inhaltsplatzhalter 4">
+            <a:extLst>
+              <a:ext uri="{FF2B5EF4-FFF2-40B4-BE49-F238E27FC236}">
+                <a16:creationId xmlns:a16="http://schemas.microsoft.com/office/drawing/2014/main" id="{6F4D22E1-1868-4345-926B-3EC800C6163F}"/>
+              </a:ext>
+            </a:extLst>
+          </p:cNvPr>
+          <p:cNvSpPr>
+            <a:spLocks noGrp="1"/>
+          </p:cNvSpPr>
+          <p:nvPr>
+            <p:ph sz="half" idx="1"/>
+          </p:nvPr>
+        </p:nvSpPr>
+        <p:spPr/>
+        <p:txBody>
+          <a:bodyPr>
+            <a:normAutofit fontScale="92500" lnSpcReduction="20000"/>
+          </a:bodyPr>
+          <a:lstStyle/>
+          <a:p>
+            <a:pPr marL="0" indent="0" algn="ctr">
+              <a:buNone/>
+            </a:pPr>
+            <a:r>
+              <a:rPr lang="en-US" dirty="0"/>
+              <a:t>+</a:t>
+            </a:r>
+          </a:p>
+          <a:p>
+            <a:r>
+              <a:rPr lang="en-US" dirty="0"/>
+              <a:t>Resource handling ensured even if problem while using resource</a:t>
+            </a:r>
+          </a:p>
+          <a:p>
+            <a:r>
+              <a:rPr lang="en-US" dirty="0"/>
+              <a:t>Clear distinguishing between resources and other parts of program</a:t>
+            </a:r>
+            <a:endParaRPr lang="en-US" dirty="0">
+              <a:sym typeface="Wingdings" panose="05000000000000000000" pitchFamily="2" charset="2"/>
+            </a:endParaRPr>
+          </a:p>
+          <a:p>
+            <a:r>
+              <a:rPr lang="en-US" dirty="0">
+                <a:sym typeface="Wingdings" panose="05000000000000000000" pitchFamily="2" charset="2"/>
+              </a:rPr>
+              <a:t>Preventing resource leaks</a:t>
+            </a:r>
+          </a:p>
+          <a:p>
+            <a:r>
+              <a:rPr lang="en-US" dirty="0"/>
+              <a:t>Already used in many programming libraries</a:t>
+            </a:r>
+          </a:p>
+          <a:p>
+            <a:r>
+              <a:rPr lang="en-US" dirty="0">
+                <a:sym typeface="Wingdings" panose="05000000000000000000" pitchFamily="2" charset="2"/>
+              </a:rPr>
+              <a:t>”You do not have to care about it while using the resource”</a:t>
+            </a:r>
+          </a:p>
+          <a:p>
+            <a:endParaRPr lang="en-US" dirty="0"/>
+          </a:p>
+        </p:txBody>
+      </p:sp>
+      <p:sp>
+        <p:nvSpPr>
+          <p:cNvPr id="6" name="Inhaltsplatzhalter 5">
+            <a:extLst>
+              <a:ext uri="{FF2B5EF4-FFF2-40B4-BE49-F238E27FC236}">
+                <a16:creationId xmlns:a16="http://schemas.microsoft.com/office/drawing/2014/main" id="{46F2562C-35EF-42DA-9386-B3EB785CF6A2}"/>
+              </a:ext>
+            </a:extLst>
+          </p:cNvPr>
+          <p:cNvSpPr>
+            <a:spLocks noGrp="1"/>
+          </p:cNvSpPr>
+          <p:nvPr>
+            <p:ph sz="half" idx="2"/>
+          </p:nvPr>
+        </p:nvSpPr>
+        <p:spPr/>
+        <p:txBody>
+          <a:bodyPr>
+            <a:normAutofit fontScale="92500" lnSpcReduction="20000"/>
+          </a:bodyPr>
+          <a:lstStyle/>
+          <a:p>
+            <a:pPr marL="0" indent="0" algn="ctr">
+              <a:buNone/>
+            </a:pPr>
+            <a:r>
+              <a:rPr lang="de-DE" dirty="0"/>
+              <a:t>-</a:t>
+            </a:r>
+          </a:p>
+          <a:p>
+            <a:r>
+              <a:rPr lang="de-DE" dirty="0" err="1"/>
+              <a:t>Some</a:t>
+            </a:r>
+            <a:r>
+              <a:rPr lang="de-DE" dirty="0"/>
+              <a:t> </a:t>
+            </a:r>
+            <a:r>
+              <a:rPr lang="de-DE" dirty="0" err="1"/>
+              <a:t>very</a:t>
+            </a:r>
+            <a:r>
+              <a:rPr lang="de-DE" dirty="0"/>
+              <a:t> rare </a:t>
+            </a:r>
+            <a:r>
+              <a:rPr lang="de-DE" dirty="0" err="1"/>
+              <a:t>cases</a:t>
+            </a:r>
+            <a:r>
+              <a:rPr lang="de-DE" dirty="0"/>
+              <a:t> do not </a:t>
+            </a:r>
+            <a:r>
+              <a:rPr lang="de-DE" dirty="0" err="1"/>
+              <a:t>allow</a:t>
+            </a:r>
+            <a:r>
+              <a:rPr lang="de-DE" dirty="0"/>
+              <a:t> </a:t>
+            </a:r>
+            <a:r>
+              <a:rPr lang="de-DE" dirty="0" err="1"/>
+              <a:t>use</a:t>
+            </a:r>
+            <a:r>
+              <a:rPr lang="de-DE" dirty="0"/>
+              <a:t> </a:t>
+            </a:r>
+            <a:r>
+              <a:rPr lang="de-DE" dirty="0" err="1"/>
+              <a:t>of</a:t>
+            </a:r>
+            <a:r>
+              <a:rPr lang="de-DE" dirty="0"/>
+              <a:t> RAII</a:t>
+            </a:r>
+          </a:p>
+        </p:txBody>
+      </p:sp>
+    </p:spTree>
+    <p:extLst>
+      <p:ext uri="{BB962C8B-B14F-4D97-AF65-F5344CB8AC3E}">
+        <p14:creationId xmlns:p14="http://schemas.microsoft.com/office/powerpoint/2010/main" val="3719227506"/>
+      </p:ext>
+    </p:extLst>
+  </p:cSld>
+  <p:clrMapOvr>
+    <a:masterClrMapping/>
+  </p:clrMapOvr>
+  <mc:AlternateContent xmlns:mc="http://schemas.openxmlformats.org/markup-compatibility/2006" xmlns:p14="http://schemas.microsoft.com/office/powerpoint/2010/main">
+    <mc:Choice Requires="p14">
+      <p:transition spd="med" p14:dur="700">
+        <p:fade/>
+      </p:transition>
+    </mc:Choice>
+    <mc:Fallback xmlns="">
+      <p:transition spd="med">
+        <p:fade/>
+      </p:transition>
+    </mc:Fallback>
+  </mc:AlternateContent>
+  <p:timing>
+    <p:tnLst>
+      <p:par>
+        <p:cTn id="1" dur="indefinite" restart="never" nodeType="tmRoot">
+          <p:childTnLst>
+            <p:seq concurrent="1" nextAc="seek">
+              <p:cTn id="2" dur="indefinite" nodeType="mainSeq">
+                <p:childTnLst>
+                  <p:par>
+                    <p:cTn id="3" fill="hold">
+                      <p:stCondLst>
+                        <p:cond delay="indefinite"/>
+                      </p:stCondLst>
+                      <p:childTnLst>
+                        <p:par>
+                          <p:cTn id="4" fill="hold">
+                            <p:stCondLst>
+                              <p:cond delay="0"/>
+                            </p:stCondLst>
+                            <p:childTnLst>
+                              <p:par>
+                                <p:cTn id="5" presetID="1" presetClass="entr" presetSubtype="0" fill="hold" grpId="0" nodeType="clickEffect">
+                                  <p:stCondLst>
+                                    <p:cond delay="0"/>
+                                  </p:stCondLst>
+                                  <p:childTnLst>
+                                    <p:set>
+                                      <p:cBhvr>
+                                        <p:cTn id="6" dur="1" fill="hold">
+                                          <p:stCondLst>
+                                            <p:cond delay="0"/>
+                                          </p:stCondLst>
+                                        </p:cTn>
+                                        <p:tgtEl>
+                                          <p:spTgt spid="5">
+                                            <p:txEl>
+                                              <p:pRg st="1" end="1"/>
+                                            </p:txEl>
+                                          </p:spTgt>
+                                        </p:tgtEl>
+                                        <p:attrNameLst>
+                                          <p:attrName>style.visibility</p:attrName>
+                                        </p:attrNameLst>
+                                      </p:cBhvr>
+                                      <p:to>
+                                        <p:strVal val="visible"/>
+                                      </p:to>
+                                    </p:set>
+                                  </p:childTnLst>
+                                </p:cTn>
+                              </p:par>
+                            </p:childTnLst>
+                          </p:cTn>
+                        </p:par>
+                      </p:childTnLst>
+                    </p:cTn>
+                  </p:par>
+                  <p:par>
+                    <p:cTn id="7" fill="hold">
+                      <p:stCondLst>
+                        <p:cond delay="indefinite"/>
+                      </p:stCondLst>
+                      <p:childTnLst>
+                        <p:par>
+                          <p:cTn id="8" fill="hold">
+                            <p:stCondLst>
+                              <p:cond delay="0"/>
+                            </p:stCondLst>
+                            <p:childTnLst>
+                              <p:par>
+                                <p:cTn id="9" presetID="1" presetClass="entr" presetSubtype="0" fill="hold" grpId="0" nodeType="clickEffect">
+                                  <p:stCondLst>
+                                    <p:cond delay="0"/>
+                                  </p:stCondLst>
+                                  <p:childTnLst>
+                                    <p:set>
+                                      <p:cBhvr>
+                                        <p:cTn id="10" dur="1" fill="hold">
+                                          <p:stCondLst>
+                                            <p:cond delay="0"/>
+                                          </p:stCondLst>
+                                        </p:cTn>
+                                        <p:tgtEl>
+                                          <p:spTgt spid="5">
+                                            <p:txEl>
+                                              <p:pRg st="2" end="2"/>
+                                            </p:txEl>
+                                          </p:spTgt>
+                                        </p:tgtEl>
+                                        <p:attrNameLst>
+                                          <p:attrName>style.visibility</p:attrName>
+                                        </p:attrNameLst>
+                                      </p:cBhvr>
+                                      <p:to>
+                                        <p:strVal val="visible"/>
+                                      </p:to>
+                                    </p:set>
+                                  </p:childTnLst>
+                                </p:cTn>
+                              </p:par>
+                            </p:childTnLst>
+                          </p:cTn>
+                        </p:par>
+                      </p:childTnLst>
+                    </p:cTn>
+                  </p:par>
+                  <p:par>
+                    <p:cTn id="11" fill="hold">
+                      <p:stCondLst>
+                        <p:cond delay="indefinite"/>
+                      </p:stCondLst>
+                      <p:childTnLst>
+                        <p:par>
+                          <p:cTn id="12" fill="hold">
+                            <p:stCondLst>
+                              <p:cond delay="0"/>
+                            </p:stCondLst>
+                            <p:childTnLst>
+                              <p:par>
+                                <p:cTn id="13" presetID="1" presetClass="entr" presetSubtype="0" fill="hold" grpId="0" nodeType="clickEffect">
+                                  <p:stCondLst>
+                                    <p:cond delay="0"/>
+                                  </p:stCondLst>
+                                  <p:childTnLst>
+                                    <p:set>
+                                      <p:cBhvr>
+                                        <p:cTn id="14" dur="1" fill="hold">
+                                          <p:stCondLst>
+                                            <p:cond delay="0"/>
+                                          </p:stCondLst>
+                                        </p:cTn>
+                                        <p:tgtEl>
+                                          <p:spTgt spid="5">
+                                            <p:txEl>
+                                              <p:pRg st="3" end="3"/>
+                                            </p:txEl>
+                                          </p:spTgt>
+                                        </p:tgtEl>
+                                        <p:attrNameLst>
+                                          <p:attrName>style.visibility</p:attrName>
+                                        </p:attrNameLst>
+                                      </p:cBhvr>
+                                      <p:to>
+                                        <p:strVal val="visible"/>
+                                      </p:to>
+                                    </p:set>
+                                  </p:childTnLst>
+                                </p:cTn>
+                              </p:par>
+                            </p:childTnLst>
+                          </p:cTn>
+                        </p:par>
+                      </p:childTnLst>
+                    </p:cTn>
+                  </p:par>
+                  <p:par>
+                    <p:cTn id="15" fill="hold">
+                      <p:stCondLst>
+                        <p:cond delay="indefinite"/>
+                      </p:stCondLst>
+                      <p:childTnLst>
+                        <p:par>
+                          <p:cTn id="16" fill="hold">
+                            <p:stCondLst>
+                              <p:cond delay="0"/>
+                            </p:stCondLst>
+                            <p:childTnLst>
+                              <p:par>
+                                <p:cTn id="17" presetID="1" presetClass="entr" presetSubtype="0" fill="hold" grpId="0" nodeType="clickEffect">
+                                  <p:stCondLst>
+                                    <p:cond delay="0"/>
+                                  </p:stCondLst>
+                                  <p:childTnLst>
+                                    <p:set>
+                                      <p:cBhvr>
+                                        <p:cTn id="18" dur="1" fill="hold">
+                                          <p:stCondLst>
+                                            <p:cond delay="0"/>
+                                          </p:stCondLst>
+                                        </p:cTn>
+                                        <p:tgtEl>
+                                          <p:spTgt spid="5">
+                                            <p:txEl>
+                                              <p:pRg st="4" end="4"/>
+                                            </p:txEl>
+                                          </p:spTgt>
+                                        </p:tgtEl>
+                                        <p:attrNameLst>
+                                          <p:attrName>style.visibility</p:attrName>
+                                        </p:attrNameLst>
+                                      </p:cBhvr>
+                                      <p:to>
+                                        <p:strVal val="visible"/>
+                                      </p:to>
+                                    </p:set>
+                                  </p:childTnLst>
+                                </p:cTn>
+                              </p:par>
+                            </p:childTnLst>
+                          </p:cTn>
+                        </p:par>
+                      </p:childTnLst>
+                    </p:cTn>
+                  </p:par>
+                  <p:par>
+                    <p:cTn id="19" fill="hold">
+                      <p:stCondLst>
+                        <p:cond delay="indefinite"/>
+                      </p:stCondLst>
+                      <p:childTnLst>
+                        <p:par>
+                          <p:cTn id="20" fill="hold">
+                            <p:stCondLst>
+                              <p:cond delay="0"/>
+                            </p:stCondLst>
+                            <p:childTnLst>
+                              <p:par>
+                                <p:cTn id="21" presetID="1" presetClass="entr" presetSubtype="0" fill="hold" grpId="0" nodeType="clickEffect">
+                                  <p:stCondLst>
+                                    <p:cond delay="0"/>
+                                  </p:stCondLst>
+                                  <p:childTnLst>
+                                    <p:set>
+                                      <p:cBhvr>
+                                        <p:cTn id="22" dur="1" fill="hold">
+                                          <p:stCondLst>
+                                            <p:cond delay="0"/>
+                                          </p:stCondLst>
+                                        </p:cTn>
+                                        <p:tgtEl>
+                                          <p:spTgt spid="5">
+                                            <p:txEl>
+                                              <p:pRg st="5" end="5"/>
+                                            </p:txEl>
+                                          </p:spTgt>
+                                        </p:tgtEl>
+                                        <p:attrNameLst>
+                                          <p:attrName>style.visibility</p:attrName>
+                                        </p:attrNameLst>
+                                      </p:cBhvr>
+                                      <p:to>
+                                        <p:strVal val="visible"/>
+                                      </p:to>
+                                    </p:set>
+                                  </p:childTnLst>
+                                </p:cTn>
+                              </p:par>
+                            </p:childTnLst>
+                          </p:cTn>
+                        </p:par>
+                      </p:childTnLst>
+                    </p:cTn>
+                  </p:par>
+                  <p:par>
+                    <p:cTn id="23" fill="hold">
+                      <p:stCondLst>
+                        <p:cond delay="indefinite"/>
+                      </p:stCondLst>
+                      <p:childTnLst>
+                        <p:par>
+                          <p:cTn id="24" fill="hold">
+                            <p:stCondLst>
+                              <p:cond delay="0"/>
+                            </p:stCondLst>
+                            <p:childTnLst>
+                              <p:par>
+                                <p:cTn id="25" presetID="1" presetClass="entr" presetSubtype="0" fill="hold" grpId="0" nodeType="clickEffect">
+                                  <p:stCondLst>
+                                    <p:cond delay="0"/>
+                                  </p:stCondLst>
+                                  <p:childTnLst>
+                                    <p:set>
+                                      <p:cBhvr>
+                                        <p:cTn id="26" dur="1" fill="hold">
+                                          <p:stCondLst>
+                                            <p:cond delay="0"/>
+                                          </p:stCondLst>
+                                        </p:cTn>
+                                        <p:tgtEl>
+                                          <p:spTgt spid="6">
+                                            <p:txEl>
+                                              <p:pRg st="1" end="1"/>
+                                            </p:txEl>
+                                          </p:spTgt>
+                                        </p:tgtEl>
+                                        <p:attrNameLst>
+                                          <p:attrName>style.visibility</p:attrName>
+                                        </p:attrNameLst>
+                                      </p:cBhvr>
+                                      <p:to>
+                                        <p:strVal val="visible"/>
+                                      </p:to>
+                                    </p:set>
+                                  </p:childTnLst>
+                                </p:cTn>
+                              </p:par>
+                            </p:childTnLst>
+                          </p:cTn>
+                        </p:par>
+                      </p:childTnLst>
+                    </p:cTn>
+                  </p:par>
+                </p:childTnLst>
+              </p:cTn>
+              <p:prevCondLst>
+                <p:cond evt="onPrev" delay="0">
+                  <p:tgtEl>
+                    <p:sldTgt/>
+                  </p:tgtEl>
+                </p:cond>
+              </p:prevCondLst>
+              <p:nextCondLst>
+                <p:cond evt="onNext" delay="0">
+                  <p:tgtEl>
+                    <p:sldTgt/>
+                  </p:tgtEl>
+                </p:cond>
+              </p:nextCondLst>
+            </p:seq>
+          </p:childTnLst>
+        </p:cTn>
+      </p:par>
+    </p:tnLst>
+    <p:bldLst>
+      <p:bldP spid="5" grpId="0" uiExpand="1" build="p"/>
+      <p:bldP spid="6" grpId="0" uiExpand="1" build="p"/>
+    </p:bldLst>
+  </p:timing>
+</p:sld>
+</file>
+
+<file path=ppt/slides/slide11.xml><?xml version="1.0" encoding="utf-8"?>
+<p:sld xmlns:a="http://schemas.openxmlformats.org/drawingml/2006/main" xmlns:r="http://schemas.openxmlformats.org/officeDocument/2006/relationships" xmlns:p="http://schemas.openxmlformats.org/presentationml/2006/main">
+  <p:cSld>
+    <p:spTree>
+      <p:nvGrpSpPr>
+        <p:cNvPr id="1" name=""/>
+        <p:cNvGrpSpPr/>
+        <p:nvPr/>
+      </p:nvGrpSpPr>
+      <p:grpSpPr>
+        <a:xfrm>
+          <a:off x="0" y="0"/>
+          <a:ext cx="0" cy="0"/>
+          <a:chOff x="0" y="0"/>
+          <a:chExt cx="0" cy="0"/>
+        </a:xfrm>
+      </p:grpSpPr>
+      <p:sp>
+        <p:nvSpPr>
           <p:cNvPr id="5" name="Titel 4">
             <a:extLst>
               <a:ext uri="{FF2B5EF4-FFF2-40B4-BE49-F238E27FC236}">
@@ -6027,9 +6734,10 @@
           <a:lstStyle/>
           <a:p>
             <a:r>
-              <a:rPr lang="en-GB" dirty="0"/>
+              <a:rPr lang="de-DE" dirty="0"/>
               <a:t>Demo</a:t>
             </a:r>
+            <a:endParaRPr lang="en-GB" dirty="0"/>
           </a:p>
         </p:txBody>
       </p:sp>
@@ -6083,7 +6791,7 @@
 </p:sld>
 </file>
 
-<file path=ppt/slides/slide11.xml><?xml version="1.0" encoding="utf-8"?>
+<file path=ppt/slides/slide12.xml><?xml version="1.0" encoding="utf-8"?>
 <p:sld xmlns:a="http://schemas.openxmlformats.org/drawingml/2006/main" xmlns:r="http://schemas.openxmlformats.org/officeDocument/2006/relationships" xmlns:p="http://schemas.openxmlformats.org/presentationml/2006/main">
   <p:cSld>
     <p:spTree>
@@ -6122,9 +6830,14 @@
           <a:lstStyle/>
           <a:p>
             <a:r>
-              <a:rPr lang="en-GB" dirty="0"/>
-              <a:t>Thanks.</a:t>
-            </a:r>
+              <a:rPr lang="de-DE" dirty="0" err="1"/>
+              <a:t>Thanks</a:t>
+            </a:r>
+            <a:r>
+              <a:rPr lang="de-DE" dirty="0"/>
+              <a:t>.</a:t>
+            </a:r>
+            <a:endParaRPr lang="en-GB" dirty="0"/>
           </a:p>
         </p:txBody>
       </p:sp>
@@ -6150,9 +6863,10 @@
           <a:lstStyle/>
           <a:p>
             <a:r>
-              <a:rPr lang="en-GB" dirty="0"/>
+              <a:rPr lang="de-DE" dirty="0"/>
               <a:t>YOU MAY NOW Free THIS RESOURCE.</a:t>
             </a:r>
+            <a:endParaRPr lang="en-GB" dirty="0"/>
           </a:p>
         </p:txBody>
       </p:sp>
@@ -6160,219 +6874,6 @@
     <p:extLst>
       <p:ext uri="{BB962C8B-B14F-4D97-AF65-F5344CB8AC3E}">
         <p14:creationId xmlns:p14="http://schemas.microsoft.com/office/powerpoint/2010/main" val="2248025449"/>
-      </p:ext>
-    </p:extLst>
-  </p:cSld>
-  <p:clrMapOvr>
-    <a:masterClrMapping/>
-  </p:clrMapOvr>
-  <mc:AlternateContent xmlns:mc="http://schemas.openxmlformats.org/markup-compatibility/2006" xmlns:p14="http://schemas.microsoft.com/office/powerpoint/2010/main">
-    <mc:Choice Requires="p14">
-      <p:transition spd="med" p14:dur="700">
-        <p:fade/>
-      </p:transition>
-    </mc:Choice>
-    <mc:Fallback xmlns="">
-      <p:transition spd="med">
-        <p:fade/>
-      </p:transition>
-    </mc:Fallback>
-  </mc:AlternateContent>
-</p:sld>
-</file>
-
-<file path=ppt/slides/slide12.xml><?xml version="1.0" encoding="utf-8"?>
-<p:sld xmlns:a="http://schemas.openxmlformats.org/drawingml/2006/main" xmlns:r="http://schemas.openxmlformats.org/officeDocument/2006/relationships" xmlns:p="http://schemas.openxmlformats.org/presentationml/2006/main" show="0">
-  <p:cSld>
-    <p:spTree>
-      <p:nvGrpSpPr>
-        <p:cNvPr id="1" name=""/>
-        <p:cNvGrpSpPr/>
-        <p:nvPr/>
-      </p:nvGrpSpPr>
-      <p:grpSpPr>
-        <a:xfrm>
-          <a:off x="0" y="0"/>
-          <a:ext cx="0" cy="0"/>
-          <a:chOff x="0" y="0"/>
-          <a:chExt cx="0" cy="0"/>
-        </a:xfrm>
-      </p:grpSpPr>
-      <p:sp>
-        <p:nvSpPr>
-          <p:cNvPr id="5" name="Titel 4">
-            <a:extLst>
-              <a:ext uri="{FF2B5EF4-FFF2-40B4-BE49-F238E27FC236}">
-                <a16:creationId xmlns:a16="http://schemas.microsoft.com/office/drawing/2014/main" id="{4918BEC1-F9FC-4BC2-9A35-753F7A408910}"/>
-              </a:ext>
-            </a:extLst>
-          </p:cNvPr>
-          <p:cNvSpPr>
-            <a:spLocks noGrp="1"/>
-          </p:cNvSpPr>
-          <p:nvPr>
-            <p:ph type="title"/>
-          </p:nvPr>
-        </p:nvSpPr>
-        <p:spPr/>
-        <p:txBody>
-          <a:bodyPr/>
-          <a:lstStyle/>
-          <a:p>
-            <a:r>
-              <a:rPr lang="en-GB" dirty="0"/>
-              <a:t>Sources</a:t>
-            </a:r>
-          </a:p>
-        </p:txBody>
-      </p:sp>
-      <p:sp>
-        <p:nvSpPr>
-          <p:cNvPr id="6" name="Inhaltsplatzhalter 5">
-            <a:extLst>
-              <a:ext uri="{FF2B5EF4-FFF2-40B4-BE49-F238E27FC236}">
-                <a16:creationId xmlns:a16="http://schemas.microsoft.com/office/drawing/2014/main" id="{650437B9-8D2E-4C11-A156-2E768EB02DAC}"/>
-              </a:ext>
-            </a:extLst>
-          </p:cNvPr>
-          <p:cNvSpPr>
-            <a:spLocks noGrp="1"/>
-          </p:cNvSpPr>
-          <p:nvPr>
-            <p:ph idx="1"/>
-          </p:nvPr>
-        </p:nvSpPr>
-        <p:spPr/>
-        <p:txBody>
-          <a:bodyPr>
-            <a:normAutofit fontScale="70000" lnSpcReduction="20000"/>
-          </a:bodyPr>
-          <a:lstStyle/>
-          <a:p>
-            <a:pPr marL="342900" indent="-342900"/>
-            <a:r>
-              <a:rPr lang="en-GB" dirty="0">
-                <a:latin typeface="Consolas" panose="020B0609020204030204" pitchFamily="49" charset="0"/>
-                <a:hlinkClick r:id="rId2"/>
-              </a:rPr>
-              <a:t>https://www.tomdalling.com/blog/software-design/resource-acquisition-is-initialisation-raii-explained/</a:t>
-            </a:r>
-            <a:r>
-              <a:rPr lang="en-GB" dirty="0">
-                <a:latin typeface="Consolas" panose="020B0609020204030204" pitchFamily="49" charset="0"/>
-              </a:rPr>
-              <a:t> </a:t>
-            </a:r>
-          </a:p>
-          <a:p>
-            <a:pPr marL="342900" indent="-342900"/>
-            <a:r>
-              <a:rPr lang="en-GB" dirty="0">
-                <a:latin typeface="Consolas" panose="020B0609020204030204" pitchFamily="49" charset="0"/>
-                <a:hlinkClick r:id="rId3"/>
-              </a:rPr>
-              <a:t>https://en.wikipedia.org/wiki/Resource_acquisition_is_initialization</a:t>
-            </a:r>
-            <a:endParaRPr lang="en-GB" dirty="0">
-              <a:latin typeface="Consolas" panose="020B0609020204030204" pitchFamily="49" charset="0"/>
-            </a:endParaRPr>
-          </a:p>
-          <a:p>
-            <a:pPr marL="342900" indent="-342900"/>
-            <a:r>
-              <a:rPr lang="en-GB" dirty="0">
-                <a:latin typeface="Consolas" panose="020B0609020204030204" pitchFamily="49" charset="0"/>
-                <a:hlinkClick r:id="rId4"/>
-              </a:rPr>
-              <a:t>https://de.wikipedia.org/wiki/Ressourcenbelegung_ist_Initialisierung</a:t>
-            </a:r>
-            <a:endParaRPr lang="en-GB" dirty="0">
-              <a:latin typeface="Consolas" panose="020B0609020204030204" pitchFamily="49" charset="0"/>
-            </a:endParaRPr>
-          </a:p>
-          <a:p>
-            <a:pPr marL="342900" indent="-342900"/>
-            <a:r>
-              <a:rPr lang="en-GB" dirty="0">
-                <a:latin typeface="Consolas" panose="020B0609020204030204" pitchFamily="49" charset="0"/>
-                <a:hlinkClick r:id="rId5"/>
-              </a:rPr>
-              <a:t>https://stackoverflow.com/questions/712639/understanding-the-meaning-of-the-term-and-the-concept-raii-resource-acquisiti</a:t>
-            </a:r>
-            <a:r>
-              <a:rPr lang="en-GB" dirty="0">
-                <a:latin typeface="Consolas" panose="020B0609020204030204" pitchFamily="49" charset="0"/>
-              </a:rPr>
-              <a:t> </a:t>
-            </a:r>
-          </a:p>
-          <a:p>
-            <a:pPr marL="342900" indent="-342900"/>
-            <a:r>
-              <a:rPr lang="en-GB" dirty="0">
-                <a:latin typeface="Consolas" panose="020B0609020204030204" pitchFamily="49" charset="0"/>
-                <a:hlinkClick r:id="rId6"/>
-              </a:rPr>
-              <a:t>https://softwareengineering.stackexchange.com/questions/29692/whats-raii-examples</a:t>
-            </a:r>
-            <a:r>
-              <a:rPr lang="en-GB" dirty="0">
-                <a:latin typeface="Consolas" panose="020B0609020204030204" pitchFamily="49" charset="0"/>
-              </a:rPr>
-              <a:t> </a:t>
-            </a:r>
-          </a:p>
-          <a:p>
-            <a:pPr marL="342900" indent="-342900"/>
-            <a:r>
-              <a:rPr lang="en-GB" dirty="0">
-                <a:latin typeface="Consolas" panose="020B0609020204030204" pitchFamily="49" charset="0"/>
-                <a:hlinkClick r:id="rId7"/>
-              </a:rPr>
-              <a:t>https://softwareengineering.stackexchange.com/questions/347569/when-to-actually-use-raii</a:t>
-            </a:r>
-            <a:endParaRPr lang="en-GB" dirty="0">
-              <a:latin typeface="Consolas" panose="020B0609020204030204" pitchFamily="49" charset="0"/>
-            </a:endParaRPr>
-          </a:p>
-          <a:p>
-            <a:pPr marL="342900" indent="-342900"/>
-            <a:r>
-              <a:rPr lang="en-GB" dirty="0">
-                <a:latin typeface="Consolas" panose="020B0609020204030204" pitchFamily="49" charset="0"/>
-                <a:hlinkClick r:id="rId8"/>
-              </a:rPr>
-              <a:t>https://stackoverflow.com/questions/3297998/when-not-to-use-raii-for-resource-management</a:t>
-            </a:r>
-            <a:r>
-              <a:rPr lang="en-GB" dirty="0">
-                <a:latin typeface="Consolas" panose="020B0609020204030204" pitchFamily="49" charset="0"/>
-              </a:rPr>
-              <a:t> </a:t>
-            </a:r>
-          </a:p>
-          <a:p>
-            <a:pPr marL="342900" indent="-342900"/>
-            <a:r>
-              <a:rPr lang="en-GB" dirty="0">
-                <a:latin typeface="Consolas" panose="020B0609020204030204" pitchFamily="49" charset="0"/>
-                <a:hlinkClick r:id="rId9"/>
-              </a:rPr>
-              <a:t>https://www.fluentcpp.com/2018/02/13/to-raii-or-not-to-raii/</a:t>
-            </a:r>
-            <a:endParaRPr lang="en-GB" dirty="0">
-              <a:latin typeface="Consolas" panose="020B0609020204030204" pitchFamily="49" charset="0"/>
-            </a:endParaRPr>
-          </a:p>
-          <a:p>
-            <a:endParaRPr lang="en-GB" dirty="0"/>
-          </a:p>
-        </p:txBody>
-      </p:sp>
-    </p:spTree>
-    <p:extLst>
-      <p:ext uri="{BB962C8B-B14F-4D97-AF65-F5344CB8AC3E}">
-        <p14:creationId xmlns:p14="http://schemas.microsoft.com/office/powerpoint/2010/main" val="1583720699"/>
       </p:ext>
     </p:extLst>
   </p:cSld>
@@ -6433,9 +6934,10 @@
           <a:lstStyle/>
           <a:p>
             <a:r>
-              <a:rPr lang="en-GB" dirty="0"/>
+              <a:rPr lang="de-DE" dirty="0"/>
               <a:t>Sources</a:t>
             </a:r>
+            <a:endParaRPr lang="en-GB" dirty="0"/>
           </a:p>
         </p:txBody>
       </p:sp>
@@ -6458,34 +6960,62 @@
         <p:spPr/>
         <p:txBody>
           <a:bodyPr>
-            <a:normAutofit fontScale="77500" lnSpcReduction="20000"/>
+            <a:normAutofit fontScale="70000" lnSpcReduction="20000"/>
           </a:bodyPr>
           <a:lstStyle/>
           <a:p>
             <a:pPr marL="342900" indent="-342900"/>
             <a:r>
-              <a:rPr lang="en-GB" dirty="0">
+              <a:rPr lang="en-US" dirty="0">
                 <a:latin typeface="Consolas" panose="020B0609020204030204" pitchFamily="49" charset="0"/>
                 <a:hlinkClick r:id="rId2"/>
               </a:rPr>
-              <a:t>https://en.cppreference.com/w/cpp/language/raii</a:t>
-            </a:r>
-            <a:endParaRPr lang="en-GB" dirty="0">
+              <a:t>https://www.tomdalling.com/blog/software-design/resource-acquisition-is-initialisation-raii-explained/</a:t>
+            </a:r>
+            <a:r>
+              <a:rPr lang="en-US" dirty="0">
+                <a:latin typeface="Consolas" panose="020B0609020204030204" pitchFamily="49" charset="0"/>
+              </a:rPr>
+              <a:t> </a:t>
+            </a:r>
+          </a:p>
+          <a:p>
+            <a:pPr marL="342900" indent="-342900"/>
+            <a:r>
+              <a:rPr lang="en-US" dirty="0">
+                <a:latin typeface="Consolas" panose="020B0609020204030204" pitchFamily="49" charset="0"/>
+                <a:hlinkClick r:id="rId3"/>
+              </a:rPr>
+              <a:t>https://en.wikipedia.org/wiki/Resource_acquisition_is_initialization</a:t>
+            </a:r>
+            <a:endParaRPr lang="en-US" dirty="0">
               <a:latin typeface="Consolas" panose="020B0609020204030204" pitchFamily="49" charset="0"/>
-              <a:hlinkClick r:id="rId3"/>
             </a:endParaRPr>
           </a:p>
           <a:p>
             <a:pPr marL="342900" indent="-342900"/>
             <a:r>
-              <a:rPr lang="en-GB" dirty="0">
-                <a:latin typeface="Consolas" panose="020B0609020204030204" pitchFamily="49" charset="0"/>
-                <a:hlinkClick r:id="rId3"/>
-              </a:rPr>
-              <a:t>https://gist.github.com/rahulbhadani/4bdc18992bffc0b1118777c227fe77e0</a:t>
-            </a:r>
-            <a:r>
-              <a:rPr lang="en-GB" dirty="0">
+              <a:rPr lang="en-US" dirty="0">
+                <a:latin typeface="Consolas" panose="020B0609020204030204" pitchFamily="49" charset="0"/>
+                <a:hlinkClick r:id="rId4"/>
+              </a:rPr>
+              <a:t>https://de.wikipedia.org/wiki/Ressourcenbelegung_ist_Initialisierung</a:t>
+            </a:r>
+            <a:endParaRPr lang="en-US" dirty="0">
+              <a:latin typeface="Consolas" panose="020B0609020204030204" pitchFamily="49" charset="0"/>
+            </a:endParaRPr>
+          </a:p>
+          <a:p>
+            <a:pPr marL="342900" indent="-342900"/>
+            <a:r>
+              <a:rPr lang="en-US" dirty="0">
+                <a:latin typeface="Consolas" panose="020B0609020204030204" pitchFamily="49" charset="0"/>
+                <a:hlinkClick r:id="rId5"/>
+              </a:rPr>
+              <a:t>https://stackoverflow.com/questions/712639/understanding-the-meaning-of-the-term-and-the-concept-raii-resource-acquisiti</a:t>
+            </a:r>
+            <a:r>
+              <a:rPr lang="en-US" dirty="0">
                 <a:latin typeface="Consolas" panose="020B0609020204030204" pitchFamily="49" charset="0"/>
               </a:rPr>
               <a:t> </a:t>
@@ -6494,95 +7024,66 @@
           <a:p>
             <a:pPr marL="342900" indent="-342900"/>
             <a:r>
-              <a:rPr lang="en-GB" dirty="0">
-                <a:latin typeface="Consolas" panose="020B0609020204030204" pitchFamily="49" charset="0"/>
-                <a:hlinkClick r:id="rId4"/>
-              </a:rPr>
-              <a:t>https://en.wikibooks.org/wiki/C%2B%2B_Programming/RAII</a:t>
-            </a:r>
-            <a:r>
-              <a:rPr lang="en-GB" dirty="0">
-                <a:latin typeface="Consolas" panose="020B0609020204030204" pitchFamily="49" charset="0"/>
-              </a:rPr>
-              <a:t> (C++ RAII Example)</a:t>
+              <a:rPr lang="en-US" dirty="0">
+                <a:latin typeface="Consolas" panose="020B0609020204030204" pitchFamily="49" charset="0"/>
+                <a:hlinkClick r:id="rId6"/>
+              </a:rPr>
+              <a:t>https://softwareengineering.stackexchange.com/questions/29692/whats-raii-examples</a:t>
+            </a:r>
+            <a:r>
+              <a:rPr lang="en-US" dirty="0">
+                <a:latin typeface="Consolas" panose="020B0609020204030204" pitchFamily="49" charset="0"/>
+              </a:rPr>
+              <a:t> </a:t>
             </a:r>
           </a:p>
           <a:p>
             <a:pPr marL="342900" indent="-342900"/>
             <a:r>
-              <a:rPr lang="en-GB" dirty="0">
-                <a:latin typeface="Consolas" panose="020B0609020204030204" pitchFamily="49" charset="0"/>
-                <a:hlinkClick r:id="rId5"/>
-              </a:rPr>
-              <a:t>https://stackoverflow.com/questions/9122331/how-does-raii-work-when-a-constructor-throws-an-exception</a:t>
-            </a:r>
-            <a:r>
-              <a:rPr lang="en-GB" dirty="0">
+              <a:rPr lang="en-US" dirty="0">
+                <a:latin typeface="Consolas" panose="020B0609020204030204" pitchFamily="49" charset="0"/>
+                <a:hlinkClick r:id="rId7"/>
+              </a:rPr>
+              <a:t>https://softwareengineering.stackexchange.com/questions/347569/when-to-actually-use-raii</a:t>
+            </a:r>
+            <a:endParaRPr lang="en-US" dirty="0">
+              <a:latin typeface="Consolas" panose="020B0609020204030204" pitchFamily="49" charset="0"/>
+            </a:endParaRPr>
+          </a:p>
+          <a:p>
+            <a:pPr marL="342900" indent="-342900"/>
+            <a:r>
+              <a:rPr lang="en-US" dirty="0">
+                <a:latin typeface="Consolas" panose="020B0609020204030204" pitchFamily="49" charset="0"/>
+                <a:hlinkClick r:id="rId8"/>
+              </a:rPr>
+              <a:t>https://stackoverflow.com/questions/3297998/when-not-to-use-raii-for-resource-management</a:t>
+            </a:r>
+            <a:r>
+              <a:rPr lang="en-US" dirty="0">
                 <a:latin typeface="Consolas" panose="020B0609020204030204" pitchFamily="49" charset="0"/>
               </a:rPr>
               <a:t> </a:t>
             </a:r>
-            <a:r>
-              <a:rPr lang="en-GB" dirty="0">
-                <a:latin typeface="Consolas" panose="020B0609020204030204" pitchFamily="49" charset="0"/>
-                <a:hlinkClick r:id="rId6"/>
-              </a:rPr>
-              <a:t>https://blog.stratifylabs.dev/device/2020-12-22-RAII-Everywhere-in-Cpp/</a:t>
-            </a:r>
-            <a:r>
-              <a:rPr lang="en-GB" dirty="0">
-                <a:latin typeface="Consolas" panose="020B0609020204030204" pitchFamily="49" charset="0"/>
-              </a:rPr>
-              <a:t> </a:t>
-            </a:r>
           </a:p>
           <a:p>
             <a:pPr marL="342900" indent="-342900"/>
             <a:r>
-              <a:rPr lang="en-GB" dirty="0">
-                <a:latin typeface="Consolas" panose="020B0609020204030204" pitchFamily="49" charset="0"/>
-                <a:hlinkClick r:id="rId7"/>
-              </a:rPr>
-              <a:t>https://www.cplusplus.com/reference/mutex/mutex/</a:t>
-            </a:r>
-            <a:r>
-              <a:rPr lang="en-GB" dirty="0">
-                <a:latin typeface="Consolas" panose="020B0609020204030204" pitchFamily="49" charset="0"/>
-              </a:rPr>
-              <a:t> </a:t>
-            </a:r>
+              <a:rPr lang="en-US" dirty="0">
+                <a:latin typeface="Consolas" panose="020B0609020204030204" pitchFamily="49" charset="0"/>
+                <a:hlinkClick r:id="rId9"/>
+              </a:rPr>
+              <a:t>https://www.fluentcpp.com/2018/02/13/to-raii-or-not-to-raii/</a:t>
+            </a:r>
+            <a:endParaRPr lang="en-US" dirty="0">
+              <a:latin typeface="Consolas" panose="020B0609020204030204" pitchFamily="49" charset="0"/>
+            </a:endParaRPr>
           </a:p>
           <a:p>
             <a:pPr marL="342900" indent="-342900"/>
-            <a:r>
-              <a:rPr lang="en-GB" dirty="0">
-                <a:latin typeface="Consolas" panose="020B0609020204030204" pitchFamily="49" charset="0"/>
-                <a:hlinkClick r:id="rId8"/>
-              </a:rPr>
-              <a:t>https://isocpp.org/wiki/faq/dtors#order-dtors-for-arrays</a:t>
-            </a:r>
-            <a:r>
-              <a:rPr lang="en-GB" dirty="0">
-                <a:latin typeface="Consolas" panose="020B0609020204030204" pitchFamily="49" charset="0"/>
-              </a:rPr>
-              <a:t> </a:t>
-            </a:r>
-          </a:p>
-          <a:p>
-            <a:pPr marL="342900" indent="-342900"/>
-            <a:r>
-              <a:rPr lang="en-GB" dirty="0">
-                <a:latin typeface="Consolas" panose="020B0609020204030204" pitchFamily="49" charset="0"/>
-                <a:hlinkClick r:id="rId9"/>
-              </a:rPr>
-              <a:t>https://stackoverflow.com/questions/2254263/order-of-member-constructor-and-destructor-calls</a:t>
-            </a:r>
-            <a:r>
-              <a:rPr lang="en-GB" dirty="0">
-                <a:latin typeface="Consolas" panose="020B0609020204030204" pitchFamily="49" charset="0"/>
-              </a:rPr>
-              <a:t> </a:t>
-            </a:r>
+            <a:endParaRPr lang="en-US" dirty="0">
+              <a:latin typeface="Consolas" panose="020B0609020204030204" pitchFamily="49" charset="0"/>
+            </a:endParaRPr>
           </a:p>
           <a:p>
             <a:endParaRPr lang="en-GB" dirty="0"/>
@@ -6592,20 +7093,20 @@
     </p:spTree>
     <p:extLst>
       <p:ext uri="{BB962C8B-B14F-4D97-AF65-F5344CB8AC3E}">
-        <p14:creationId xmlns:p14="http://schemas.microsoft.com/office/powerpoint/2010/main" val="2390051690"/>
+        <p14:creationId xmlns:p14="http://schemas.microsoft.com/office/powerpoint/2010/main" val="1583720699"/>
       </p:ext>
     </p:extLst>
   </p:cSld>
   <p:clrMapOvr>
     <a:masterClrMapping/>
   </p:clrMapOvr>
-  <mc:AlternateContent xmlns:mc="http://schemas.openxmlformats.org/markup-compatibility/2006">
-    <mc:Choice xmlns:p14="http://schemas.microsoft.com/office/powerpoint/2010/main" Requires="p14">
+  <mc:AlternateContent xmlns:mc="http://schemas.openxmlformats.org/markup-compatibility/2006" xmlns:p14="http://schemas.microsoft.com/office/powerpoint/2010/main">
+    <mc:Choice Requires="p14">
       <p:transition spd="med" p14:dur="700">
         <p:fade/>
       </p:transition>
     </mc:Choice>
-    <mc:Fallback>
+    <mc:Fallback xmlns="">
       <p:transition spd="med">
         <p:fade/>
       </p:transition>
@@ -6648,7 +7149,7 @@
           <a:p>
             <a:pPr rtl="0"/>
             <a:r>
-              <a:rPr lang="en-GB" dirty="0"/>
+              <a:rPr lang="de-DE" dirty="0"/>
               <a:t>Agenda</a:t>
             </a:r>
           </a:p>
@@ -6671,61 +7172,61 @@
           <a:p>
             <a:pPr rtl="0"/>
             <a:r>
-              <a:rPr lang="en-GB" dirty="0"/>
+              <a:rPr lang="en-US" dirty="0"/>
               <a:t>Resources</a:t>
             </a:r>
           </a:p>
           <a:p>
             <a:pPr lvl="1"/>
             <a:r>
-              <a:rPr lang="en-GB" dirty="0"/>
+              <a:rPr lang="en-US" dirty="0"/>
               <a:t>Definition</a:t>
             </a:r>
           </a:p>
           <a:p>
             <a:pPr lvl="1"/>
             <a:r>
-              <a:rPr lang="en-GB" dirty="0"/>
+              <a:rPr lang="en-US" dirty="0"/>
               <a:t>Examples</a:t>
             </a:r>
           </a:p>
           <a:p>
             <a:r>
-              <a:rPr lang="en-GB" dirty="0"/>
+              <a:rPr lang="en-US" dirty="0"/>
               <a:t>RAII</a:t>
             </a:r>
           </a:p>
           <a:p>
             <a:pPr lvl="1"/>
             <a:r>
-              <a:rPr lang="en-GB" dirty="0"/>
+              <a:rPr lang="en-US" dirty="0"/>
               <a:t>Definition</a:t>
             </a:r>
           </a:p>
           <a:p>
             <a:pPr lvl="1"/>
             <a:r>
-              <a:rPr lang="en-GB" dirty="0"/>
+              <a:rPr lang="en-US" dirty="0"/>
               <a:t>Concept</a:t>
             </a:r>
           </a:p>
           <a:p>
             <a:pPr lvl="1"/>
             <a:r>
-              <a:rPr lang="en-GB" dirty="0"/>
+              <a:rPr lang="en-US" dirty="0"/>
               <a:t>Example </a:t>
             </a:r>
           </a:p>
           <a:p>
             <a:pPr lvl="1"/>
             <a:r>
-              <a:rPr lang="en-GB" dirty="0"/>
+              <a:rPr lang="en-US" dirty="0"/>
               <a:t>Reasons (not) to use</a:t>
             </a:r>
           </a:p>
           <a:p>
             <a:r>
-              <a:rPr lang="en-GB" dirty="0"/>
+              <a:rPr lang="en-US" dirty="0"/>
               <a:t>Demo</a:t>
             </a:r>
           </a:p>
@@ -6753,6 +7254,642 @@
       </p:transition>
     </mc:Fallback>
   </mc:AlternateContent>
+  <p:timing>
+    <p:tnLst>
+      <p:par>
+        <p:cTn id="1" dur="indefinite" restart="never" nodeType="tmRoot">
+          <p:childTnLst>
+            <p:seq concurrent="1" nextAc="seek">
+              <p:cTn id="2" dur="indefinite" nodeType="mainSeq">
+                <p:childTnLst>
+                  <p:par>
+                    <p:cTn id="3" fill="hold">
+                      <p:stCondLst>
+                        <p:cond delay="indefinite"/>
+                      </p:stCondLst>
+                      <p:childTnLst>
+                        <p:par>
+                          <p:cTn id="4" fill="hold">
+                            <p:stCondLst>
+                              <p:cond delay="0"/>
+                            </p:stCondLst>
+                            <p:childTnLst>
+                              <p:par>
+                                <p:cTn id="5" presetID="2" presetClass="entr" presetSubtype="8" fill="hold" grpId="0" nodeType="clickEffect">
+                                  <p:stCondLst>
+                                    <p:cond delay="0"/>
+                                  </p:stCondLst>
+                                  <p:childTnLst>
+                                    <p:set>
+                                      <p:cBhvr>
+                                        <p:cTn id="6" dur="1" fill="hold">
+                                          <p:stCondLst>
+                                            <p:cond delay="0"/>
+                                          </p:stCondLst>
+                                        </p:cTn>
+                                        <p:tgtEl>
+                                          <p:spTgt spid="14">
+                                            <p:txEl>
+                                              <p:pRg st="0" end="0"/>
+                                            </p:txEl>
+                                          </p:spTgt>
+                                        </p:tgtEl>
+                                        <p:attrNameLst>
+                                          <p:attrName>style.visibility</p:attrName>
+                                        </p:attrNameLst>
+                                      </p:cBhvr>
+                                      <p:to>
+                                        <p:strVal val="visible"/>
+                                      </p:to>
+                                    </p:set>
+                                    <p:anim calcmode="lin" valueType="num">
+                                      <p:cBhvr additive="base">
+                                        <p:cTn id="7" dur="500" fill="hold"/>
+                                        <p:tgtEl>
+                                          <p:spTgt spid="14">
+                                            <p:txEl>
+                                              <p:pRg st="0" end="0"/>
+                                            </p:txEl>
+                                          </p:spTgt>
+                                        </p:tgtEl>
+                                        <p:attrNameLst>
+                                          <p:attrName>ppt_x</p:attrName>
+                                        </p:attrNameLst>
+                                      </p:cBhvr>
+                                      <p:tavLst>
+                                        <p:tav tm="0">
+                                          <p:val>
+                                            <p:strVal val="0-#ppt_w/2"/>
+                                          </p:val>
+                                        </p:tav>
+                                        <p:tav tm="100000">
+                                          <p:val>
+                                            <p:strVal val="#ppt_x"/>
+                                          </p:val>
+                                        </p:tav>
+                                      </p:tavLst>
+                                    </p:anim>
+                                    <p:anim calcmode="lin" valueType="num">
+                                      <p:cBhvr additive="base">
+                                        <p:cTn id="8" dur="500" fill="hold"/>
+                                        <p:tgtEl>
+                                          <p:spTgt spid="14">
+                                            <p:txEl>
+                                              <p:pRg st="0" end="0"/>
+                                            </p:txEl>
+                                          </p:spTgt>
+                                        </p:tgtEl>
+                                        <p:attrNameLst>
+                                          <p:attrName>ppt_y</p:attrName>
+                                        </p:attrNameLst>
+                                      </p:cBhvr>
+                                      <p:tavLst>
+                                        <p:tav tm="0">
+                                          <p:val>
+                                            <p:strVal val="#ppt_y"/>
+                                          </p:val>
+                                        </p:tav>
+                                        <p:tav tm="100000">
+                                          <p:val>
+                                            <p:strVal val="#ppt_y"/>
+                                          </p:val>
+                                        </p:tav>
+                                      </p:tavLst>
+                                    </p:anim>
+                                  </p:childTnLst>
+                                </p:cTn>
+                              </p:par>
+                            </p:childTnLst>
+                          </p:cTn>
+                        </p:par>
+                      </p:childTnLst>
+                    </p:cTn>
+                  </p:par>
+                  <p:par>
+                    <p:cTn id="9" fill="hold">
+                      <p:stCondLst>
+                        <p:cond delay="indefinite"/>
+                      </p:stCondLst>
+                      <p:childTnLst>
+                        <p:par>
+                          <p:cTn id="10" fill="hold">
+                            <p:stCondLst>
+                              <p:cond delay="0"/>
+                            </p:stCondLst>
+                            <p:childTnLst>
+                              <p:par>
+                                <p:cTn id="11" presetID="1" presetClass="entr" presetSubtype="0" fill="hold" grpId="0" nodeType="clickEffect">
+                                  <p:stCondLst>
+                                    <p:cond delay="0"/>
+                                  </p:stCondLst>
+                                  <p:childTnLst>
+                                    <p:set>
+                                      <p:cBhvr>
+                                        <p:cTn id="12" dur="1" fill="hold">
+                                          <p:stCondLst>
+                                            <p:cond delay="0"/>
+                                          </p:stCondLst>
+                                        </p:cTn>
+                                        <p:tgtEl>
+                                          <p:spTgt spid="14">
+                                            <p:txEl>
+                                              <p:pRg st="1" end="1"/>
+                                            </p:txEl>
+                                          </p:spTgt>
+                                        </p:tgtEl>
+                                        <p:attrNameLst>
+                                          <p:attrName>style.visibility</p:attrName>
+                                        </p:attrNameLst>
+                                      </p:cBhvr>
+                                      <p:to>
+                                        <p:strVal val="visible"/>
+                                      </p:to>
+                                    </p:set>
+                                  </p:childTnLst>
+                                </p:cTn>
+                              </p:par>
+                            </p:childTnLst>
+                          </p:cTn>
+                        </p:par>
+                      </p:childTnLst>
+                    </p:cTn>
+                  </p:par>
+                  <p:par>
+                    <p:cTn id="13" fill="hold">
+                      <p:stCondLst>
+                        <p:cond delay="indefinite"/>
+                      </p:stCondLst>
+                      <p:childTnLst>
+                        <p:par>
+                          <p:cTn id="14" fill="hold">
+                            <p:stCondLst>
+                              <p:cond delay="0"/>
+                            </p:stCondLst>
+                            <p:childTnLst>
+                              <p:par>
+                                <p:cTn id="15" presetID="1" presetClass="entr" presetSubtype="0" fill="hold" grpId="0" nodeType="clickEffect">
+                                  <p:stCondLst>
+                                    <p:cond delay="0"/>
+                                  </p:stCondLst>
+                                  <p:childTnLst>
+                                    <p:set>
+                                      <p:cBhvr>
+                                        <p:cTn id="16" dur="1" fill="hold">
+                                          <p:stCondLst>
+                                            <p:cond delay="0"/>
+                                          </p:stCondLst>
+                                        </p:cTn>
+                                        <p:tgtEl>
+                                          <p:spTgt spid="14">
+                                            <p:txEl>
+                                              <p:pRg st="2" end="2"/>
+                                            </p:txEl>
+                                          </p:spTgt>
+                                        </p:tgtEl>
+                                        <p:attrNameLst>
+                                          <p:attrName>style.visibility</p:attrName>
+                                        </p:attrNameLst>
+                                      </p:cBhvr>
+                                      <p:to>
+                                        <p:strVal val="visible"/>
+                                      </p:to>
+                                    </p:set>
+                                  </p:childTnLst>
+                                </p:cTn>
+                              </p:par>
+                            </p:childTnLst>
+                          </p:cTn>
+                        </p:par>
+                      </p:childTnLst>
+                    </p:cTn>
+                  </p:par>
+                  <p:par>
+                    <p:cTn id="17" fill="hold">
+                      <p:stCondLst>
+                        <p:cond delay="indefinite"/>
+                      </p:stCondLst>
+                      <p:childTnLst>
+                        <p:par>
+                          <p:cTn id="18" fill="hold">
+                            <p:stCondLst>
+                              <p:cond delay="0"/>
+                            </p:stCondLst>
+                            <p:childTnLst>
+                              <p:par>
+                                <p:cTn id="19" presetID="2" presetClass="entr" presetSubtype="8" fill="hold" grpId="0" nodeType="clickEffect">
+                                  <p:stCondLst>
+                                    <p:cond delay="0"/>
+                                  </p:stCondLst>
+                                  <p:childTnLst>
+                                    <p:set>
+                                      <p:cBhvr>
+                                        <p:cTn id="20" dur="1" fill="hold">
+                                          <p:stCondLst>
+                                            <p:cond delay="0"/>
+                                          </p:stCondLst>
+                                        </p:cTn>
+                                        <p:tgtEl>
+                                          <p:spTgt spid="14">
+                                            <p:txEl>
+                                              <p:pRg st="3" end="3"/>
+                                            </p:txEl>
+                                          </p:spTgt>
+                                        </p:tgtEl>
+                                        <p:attrNameLst>
+                                          <p:attrName>style.visibility</p:attrName>
+                                        </p:attrNameLst>
+                                      </p:cBhvr>
+                                      <p:to>
+                                        <p:strVal val="visible"/>
+                                      </p:to>
+                                    </p:set>
+                                    <p:anim calcmode="lin" valueType="num">
+                                      <p:cBhvr additive="base">
+                                        <p:cTn id="21" dur="500" fill="hold"/>
+                                        <p:tgtEl>
+                                          <p:spTgt spid="14">
+                                            <p:txEl>
+                                              <p:pRg st="3" end="3"/>
+                                            </p:txEl>
+                                          </p:spTgt>
+                                        </p:tgtEl>
+                                        <p:attrNameLst>
+                                          <p:attrName>ppt_x</p:attrName>
+                                        </p:attrNameLst>
+                                      </p:cBhvr>
+                                      <p:tavLst>
+                                        <p:tav tm="0">
+                                          <p:val>
+                                            <p:strVal val="0-#ppt_w/2"/>
+                                          </p:val>
+                                        </p:tav>
+                                        <p:tav tm="100000">
+                                          <p:val>
+                                            <p:strVal val="#ppt_x"/>
+                                          </p:val>
+                                        </p:tav>
+                                      </p:tavLst>
+                                    </p:anim>
+                                    <p:anim calcmode="lin" valueType="num">
+                                      <p:cBhvr additive="base">
+                                        <p:cTn id="22" dur="500" fill="hold"/>
+                                        <p:tgtEl>
+                                          <p:spTgt spid="14">
+                                            <p:txEl>
+                                              <p:pRg st="3" end="3"/>
+                                            </p:txEl>
+                                          </p:spTgt>
+                                        </p:tgtEl>
+                                        <p:attrNameLst>
+                                          <p:attrName>ppt_y</p:attrName>
+                                        </p:attrNameLst>
+                                      </p:cBhvr>
+                                      <p:tavLst>
+                                        <p:tav tm="0">
+                                          <p:val>
+                                            <p:strVal val="#ppt_y"/>
+                                          </p:val>
+                                        </p:tav>
+                                        <p:tav tm="100000">
+                                          <p:val>
+                                            <p:strVal val="#ppt_y"/>
+                                          </p:val>
+                                        </p:tav>
+                                      </p:tavLst>
+                                    </p:anim>
+                                  </p:childTnLst>
+                                </p:cTn>
+                              </p:par>
+                            </p:childTnLst>
+                          </p:cTn>
+                        </p:par>
+                      </p:childTnLst>
+                    </p:cTn>
+                  </p:par>
+                  <p:par>
+                    <p:cTn id="23" fill="hold">
+                      <p:stCondLst>
+                        <p:cond delay="indefinite"/>
+                      </p:stCondLst>
+                      <p:childTnLst>
+                        <p:par>
+                          <p:cTn id="24" fill="hold">
+                            <p:stCondLst>
+                              <p:cond delay="0"/>
+                            </p:stCondLst>
+                            <p:childTnLst>
+                              <p:par>
+                                <p:cTn id="25" presetID="1" presetClass="entr" presetSubtype="0" fill="hold" grpId="0" nodeType="clickEffect">
+                                  <p:stCondLst>
+                                    <p:cond delay="0"/>
+                                  </p:stCondLst>
+                                  <p:childTnLst>
+                                    <p:set>
+                                      <p:cBhvr>
+                                        <p:cTn id="26" dur="1" fill="hold">
+                                          <p:stCondLst>
+                                            <p:cond delay="0"/>
+                                          </p:stCondLst>
+                                        </p:cTn>
+                                        <p:tgtEl>
+                                          <p:spTgt spid="14">
+                                            <p:txEl>
+                                              <p:pRg st="4" end="4"/>
+                                            </p:txEl>
+                                          </p:spTgt>
+                                        </p:tgtEl>
+                                        <p:attrNameLst>
+                                          <p:attrName>style.visibility</p:attrName>
+                                        </p:attrNameLst>
+                                      </p:cBhvr>
+                                      <p:to>
+                                        <p:strVal val="visible"/>
+                                      </p:to>
+                                    </p:set>
+                                  </p:childTnLst>
+                                </p:cTn>
+                              </p:par>
+                            </p:childTnLst>
+                          </p:cTn>
+                        </p:par>
+                      </p:childTnLst>
+                    </p:cTn>
+                  </p:par>
+                  <p:par>
+                    <p:cTn id="27" fill="hold">
+                      <p:stCondLst>
+                        <p:cond delay="indefinite"/>
+                      </p:stCondLst>
+                      <p:childTnLst>
+                        <p:par>
+                          <p:cTn id="28" fill="hold">
+                            <p:stCondLst>
+                              <p:cond delay="0"/>
+                            </p:stCondLst>
+                            <p:childTnLst>
+                              <p:par>
+                                <p:cTn id="29" presetID="1" presetClass="entr" presetSubtype="0" fill="hold" grpId="0" nodeType="clickEffect">
+                                  <p:stCondLst>
+                                    <p:cond delay="0"/>
+                                  </p:stCondLst>
+                                  <p:childTnLst>
+                                    <p:set>
+                                      <p:cBhvr>
+                                        <p:cTn id="30" dur="1" fill="hold">
+                                          <p:stCondLst>
+                                            <p:cond delay="0"/>
+                                          </p:stCondLst>
+                                        </p:cTn>
+                                        <p:tgtEl>
+                                          <p:spTgt spid="14">
+                                            <p:txEl>
+                                              <p:pRg st="5" end="5"/>
+                                            </p:txEl>
+                                          </p:spTgt>
+                                        </p:tgtEl>
+                                        <p:attrNameLst>
+                                          <p:attrName>style.visibility</p:attrName>
+                                        </p:attrNameLst>
+                                      </p:cBhvr>
+                                      <p:to>
+                                        <p:strVal val="visible"/>
+                                      </p:to>
+                                    </p:set>
+                                  </p:childTnLst>
+                                </p:cTn>
+                              </p:par>
+                            </p:childTnLst>
+                          </p:cTn>
+                        </p:par>
+                      </p:childTnLst>
+                    </p:cTn>
+                  </p:par>
+                  <p:par>
+                    <p:cTn id="31" fill="hold">
+                      <p:stCondLst>
+                        <p:cond delay="indefinite"/>
+                      </p:stCondLst>
+                      <p:childTnLst>
+                        <p:par>
+                          <p:cTn id="32" fill="hold">
+                            <p:stCondLst>
+                              <p:cond delay="0"/>
+                            </p:stCondLst>
+                            <p:childTnLst>
+                              <p:par>
+                                <p:cTn id="33" presetID="1" presetClass="entr" presetSubtype="0" fill="hold" grpId="0" nodeType="clickEffect">
+                                  <p:stCondLst>
+                                    <p:cond delay="0"/>
+                                  </p:stCondLst>
+                                  <p:childTnLst>
+                                    <p:set>
+                                      <p:cBhvr>
+                                        <p:cTn id="34" dur="1" fill="hold">
+                                          <p:stCondLst>
+                                            <p:cond delay="0"/>
+                                          </p:stCondLst>
+                                        </p:cTn>
+                                        <p:tgtEl>
+                                          <p:spTgt spid="14">
+                                            <p:txEl>
+                                              <p:pRg st="6" end="6"/>
+                                            </p:txEl>
+                                          </p:spTgt>
+                                        </p:tgtEl>
+                                        <p:attrNameLst>
+                                          <p:attrName>style.visibility</p:attrName>
+                                        </p:attrNameLst>
+                                      </p:cBhvr>
+                                      <p:to>
+                                        <p:strVal val="visible"/>
+                                      </p:to>
+                                    </p:set>
+                                  </p:childTnLst>
+                                </p:cTn>
+                              </p:par>
+                            </p:childTnLst>
+                          </p:cTn>
+                        </p:par>
+                      </p:childTnLst>
+                    </p:cTn>
+                  </p:par>
+                  <p:par>
+                    <p:cTn id="35" fill="hold">
+                      <p:stCondLst>
+                        <p:cond delay="indefinite"/>
+                      </p:stCondLst>
+                      <p:childTnLst>
+                        <p:par>
+                          <p:cTn id="36" fill="hold">
+                            <p:stCondLst>
+                              <p:cond delay="0"/>
+                            </p:stCondLst>
+                            <p:childTnLst>
+                              <p:par>
+                                <p:cTn id="37" presetID="1" presetClass="entr" presetSubtype="0" fill="hold" grpId="0" nodeType="clickEffect">
+                                  <p:stCondLst>
+                                    <p:cond delay="0"/>
+                                  </p:stCondLst>
+                                  <p:childTnLst>
+                                    <p:set>
+                                      <p:cBhvr>
+                                        <p:cTn id="38" dur="1" fill="hold">
+                                          <p:stCondLst>
+                                            <p:cond delay="0"/>
+                                          </p:stCondLst>
+                                        </p:cTn>
+                                        <p:tgtEl>
+                                          <p:spTgt spid="14">
+                                            <p:txEl>
+                                              <p:pRg st="7" end="7"/>
+                                            </p:txEl>
+                                          </p:spTgt>
+                                        </p:tgtEl>
+                                        <p:attrNameLst>
+                                          <p:attrName>style.visibility</p:attrName>
+                                        </p:attrNameLst>
+                                      </p:cBhvr>
+                                      <p:to>
+                                        <p:strVal val="visible"/>
+                                      </p:to>
+                                    </p:set>
+                                  </p:childTnLst>
+                                </p:cTn>
+                              </p:par>
+                            </p:childTnLst>
+                          </p:cTn>
+                        </p:par>
+                      </p:childTnLst>
+                    </p:cTn>
+                  </p:par>
+                  <p:par>
+                    <p:cTn id="39" fill="hold">
+                      <p:stCondLst>
+                        <p:cond delay="indefinite"/>
+                      </p:stCondLst>
+                      <p:childTnLst>
+                        <p:par>
+                          <p:cTn id="40" fill="hold">
+                            <p:stCondLst>
+                              <p:cond delay="0"/>
+                            </p:stCondLst>
+                            <p:childTnLst>
+                              <p:par>
+                                <p:cTn id="41" presetID="2" presetClass="entr" presetSubtype="8" fill="hold" grpId="0" nodeType="clickEffect">
+                                  <p:stCondLst>
+                                    <p:cond delay="0"/>
+                                  </p:stCondLst>
+                                  <p:childTnLst>
+                                    <p:set>
+                                      <p:cBhvr>
+                                        <p:cTn id="42" dur="1" fill="hold">
+                                          <p:stCondLst>
+                                            <p:cond delay="0"/>
+                                          </p:stCondLst>
+                                        </p:cTn>
+                                        <p:tgtEl>
+                                          <p:spTgt spid="14">
+                                            <p:txEl>
+                                              <p:pRg st="8" end="8"/>
+                                            </p:txEl>
+                                          </p:spTgt>
+                                        </p:tgtEl>
+                                        <p:attrNameLst>
+                                          <p:attrName>style.visibility</p:attrName>
+                                        </p:attrNameLst>
+                                      </p:cBhvr>
+                                      <p:to>
+                                        <p:strVal val="visible"/>
+                                      </p:to>
+                                    </p:set>
+                                    <p:anim calcmode="lin" valueType="num">
+                                      <p:cBhvr additive="base">
+                                        <p:cTn id="43" dur="500" fill="hold"/>
+                                        <p:tgtEl>
+                                          <p:spTgt spid="14">
+                                            <p:txEl>
+                                              <p:pRg st="8" end="8"/>
+                                            </p:txEl>
+                                          </p:spTgt>
+                                        </p:tgtEl>
+                                        <p:attrNameLst>
+                                          <p:attrName>ppt_x</p:attrName>
+                                        </p:attrNameLst>
+                                      </p:cBhvr>
+                                      <p:tavLst>
+                                        <p:tav tm="0">
+                                          <p:val>
+                                            <p:strVal val="0-#ppt_w/2"/>
+                                          </p:val>
+                                        </p:tav>
+                                        <p:tav tm="100000">
+                                          <p:val>
+                                            <p:strVal val="#ppt_x"/>
+                                          </p:val>
+                                        </p:tav>
+                                      </p:tavLst>
+                                    </p:anim>
+                                    <p:anim calcmode="lin" valueType="num">
+                                      <p:cBhvr additive="base">
+                                        <p:cTn id="44" dur="500" fill="hold"/>
+                                        <p:tgtEl>
+                                          <p:spTgt spid="14">
+                                            <p:txEl>
+                                              <p:pRg st="8" end="8"/>
+                                            </p:txEl>
+                                          </p:spTgt>
+                                        </p:tgtEl>
+                                        <p:attrNameLst>
+                                          <p:attrName>ppt_y</p:attrName>
+                                        </p:attrNameLst>
+                                      </p:cBhvr>
+                                      <p:tavLst>
+                                        <p:tav tm="0">
+                                          <p:val>
+                                            <p:strVal val="#ppt_y"/>
+                                          </p:val>
+                                        </p:tav>
+                                        <p:tav tm="100000">
+                                          <p:val>
+                                            <p:strVal val="#ppt_y"/>
+                                          </p:val>
+                                        </p:tav>
+                                      </p:tavLst>
+                                    </p:anim>
+                                  </p:childTnLst>
+                                </p:cTn>
+                              </p:par>
+                            </p:childTnLst>
+                          </p:cTn>
+                        </p:par>
+                      </p:childTnLst>
+                    </p:cTn>
+                  </p:par>
+                </p:childTnLst>
+              </p:cTn>
+              <p:prevCondLst>
+                <p:cond evt="onPrev" delay="0">
+                  <p:tgtEl>
+                    <p:sldTgt/>
+                  </p:tgtEl>
+                </p:cond>
+              </p:prevCondLst>
+              <p:nextCondLst>
+                <p:cond evt="onNext" delay="0">
+                  <p:tgtEl>
+                    <p:sldTgt/>
+                  </p:tgtEl>
+                </p:cond>
+              </p:nextCondLst>
+            </p:seq>
+          </p:childTnLst>
+        </p:cTn>
+      </p:par>
+    </p:tnLst>
+    <p:bldLst>
+      <p:bldP spid="14" grpId="0" uiExpand="1" build="p"/>
+    </p:bldLst>
+  </p:timing>
 </p:sld>
 </file>
 
@@ -6790,7 +7927,7 @@
           <a:p>
             <a:pPr rtl="0"/>
             <a:r>
-              <a:rPr lang="en-GB" dirty="0"/>
+              <a:rPr lang="de-DE" dirty="0"/>
               <a:t>Resources</a:t>
             </a:r>
           </a:p>
@@ -6812,7 +7949,7 @@
           <a:lstStyle/>
           <a:p>
             <a:pPr rtl="0"/>
-            <a:endParaRPr lang="en-GB" dirty="0"/>
+            <a:endParaRPr lang="de-DE" dirty="0"/>
           </a:p>
         </p:txBody>
       </p:sp>
@@ -6880,9 +8017,10 @@
           <a:lstStyle/>
           <a:p>
             <a:r>
-              <a:rPr lang="en-GB" dirty="0"/>
+              <a:rPr lang="de-DE" dirty="0"/>
               <a:t>Resources</a:t>
             </a:r>
+            <a:endParaRPr lang="en-GB" dirty="0"/>
           </a:p>
         </p:txBody>
       </p:sp>
@@ -6913,7 +8051,7 @@
               <a:buNone/>
             </a:pPr>
             <a:r>
-              <a:rPr lang="en-GB" dirty="0">
+              <a:rPr lang="en-US" dirty="0">
                 <a:solidFill>
                   <a:schemeClr val="accent1">
                     <a:lumMod val="60000"/>
@@ -6926,35 +8064,35 @@
           </a:p>
           <a:p>
             <a:r>
-              <a:rPr lang="en-GB" dirty="0"/>
+              <a:rPr lang="en-US" dirty="0"/>
               <a:t>Managed parts of program</a:t>
             </a:r>
           </a:p>
           <a:p>
             <a:r>
-              <a:rPr lang="en-GB" dirty="0"/>
+              <a:rPr lang="en-US" dirty="0"/>
               <a:t>Sometimes limited</a:t>
             </a:r>
           </a:p>
           <a:p>
             <a:r>
-              <a:rPr lang="en-GB" dirty="0"/>
+              <a:rPr lang="en-US" dirty="0"/>
               <a:t>Have to be acquired and freed </a:t>
             </a:r>
             <a:r>
-              <a:rPr lang="en-GB" dirty="0">
+              <a:rPr lang="en-US" dirty="0">
                 <a:sym typeface="Wingdings" panose="05000000000000000000" pitchFamily="2" charset="2"/>
               </a:rPr>
               <a:t> possible source of problems</a:t>
             </a:r>
-            <a:endParaRPr lang="en-GB" dirty="0"/>
+            <a:endParaRPr lang="en-US" dirty="0"/>
           </a:p>
           <a:p>
             <a:pPr marL="0" indent="0">
               <a:buNone/>
             </a:pPr>
             <a:r>
-              <a:rPr lang="en-GB" dirty="0">
+              <a:rPr lang="en-US" dirty="0">
                 <a:solidFill>
                   <a:schemeClr val="accent1">
                     <a:lumMod val="60000"/>
@@ -6967,32 +8105,32 @@
           </a:p>
           <a:p>
             <a:r>
-              <a:rPr lang="en-GB" dirty="0"/>
+              <a:rPr lang="en-US" dirty="0"/>
               <a:t>Files</a:t>
             </a:r>
           </a:p>
           <a:p>
             <a:r>
-              <a:rPr lang="en-GB" dirty="0"/>
+              <a:rPr lang="en-US" dirty="0"/>
               <a:t>Heap</a:t>
             </a:r>
           </a:p>
           <a:p>
             <a:r>
-              <a:rPr lang="en-GB" dirty="0"/>
+              <a:rPr lang="en-US" dirty="0"/>
               <a:t>Sockets</a:t>
             </a:r>
           </a:p>
           <a:p>
             <a:r>
-              <a:rPr lang="en-GB" dirty="0"/>
+              <a:rPr lang="en-US" dirty="0"/>
               <a:t>Interfaces</a:t>
             </a:r>
           </a:p>
           <a:p>
             <a:r>
-              <a:rPr lang="en-GB" dirty="0"/>
-              <a:t>Functionalities beyond scope of program</a:t>
+              <a:rPr lang="en-US" dirty="0"/>
+              <a:t>Functionalities beyond scope of program (e.g. (USB) devices)</a:t>
             </a:r>
           </a:p>
         </p:txBody>
@@ -7019,6 +8157,577 @@
       </p:transition>
     </mc:Fallback>
   </mc:AlternateContent>
+  <p:timing>
+    <p:tnLst>
+      <p:par>
+        <p:cTn id="1" dur="indefinite" restart="never" nodeType="tmRoot">
+          <p:childTnLst>
+            <p:seq concurrent="1" nextAc="seek">
+              <p:cTn id="2" dur="indefinite" nodeType="mainSeq">
+                <p:childTnLst>
+                  <p:par>
+                    <p:cTn id="3" fill="hold">
+                      <p:stCondLst>
+                        <p:cond delay="indefinite"/>
+                      </p:stCondLst>
+                      <p:childTnLst>
+                        <p:par>
+                          <p:cTn id="4" fill="hold">
+                            <p:stCondLst>
+                              <p:cond delay="0"/>
+                            </p:stCondLst>
+                            <p:childTnLst>
+                              <p:par>
+                                <p:cTn id="5" presetID="10" presetClass="entr" presetSubtype="0" fill="hold" grpId="0" nodeType="clickEffect">
+                                  <p:stCondLst>
+                                    <p:cond delay="0"/>
+                                  </p:stCondLst>
+                                  <p:childTnLst>
+                                    <p:set>
+                                      <p:cBhvr>
+                                        <p:cTn id="6" dur="1" fill="hold">
+                                          <p:stCondLst>
+                                            <p:cond delay="0"/>
+                                          </p:stCondLst>
+                                        </p:cTn>
+                                        <p:tgtEl>
+                                          <p:spTgt spid="5">
+                                            <p:txEl>
+                                              <p:pRg st="0" end="0"/>
+                                            </p:txEl>
+                                          </p:spTgt>
+                                        </p:tgtEl>
+                                        <p:attrNameLst>
+                                          <p:attrName>style.visibility</p:attrName>
+                                        </p:attrNameLst>
+                                      </p:cBhvr>
+                                      <p:to>
+                                        <p:strVal val="visible"/>
+                                      </p:to>
+                                    </p:set>
+                                    <p:animEffect transition="in" filter="fade">
+                                      <p:cBhvr>
+                                        <p:cTn id="7" dur="500"/>
+                                        <p:tgtEl>
+                                          <p:spTgt spid="5">
+                                            <p:txEl>
+                                              <p:pRg st="0" end="0"/>
+                                            </p:txEl>
+                                          </p:spTgt>
+                                        </p:tgtEl>
+                                      </p:cBhvr>
+                                    </p:animEffect>
+                                  </p:childTnLst>
+                                </p:cTn>
+                              </p:par>
+                            </p:childTnLst>
+                          </p:cTn>
+                        </p:par>
+                      </p:childTnLst>
+                    </p:cTn>
+                  </p:par>
+                  <p:par>
+                    <p:cTn id="8" fill="hold">
+                      <p:stCondLst>
+                        <p:cond delay="indefinite"/>
+                      </p:stCondLst>
+                      <p:childTnLst>
+                        <p:par>
+                          <p:cTn id="9" fill="hold">
+                            <p:stCondLst>
+                              <p:cond delay="0"/>
+                            </p:stCondLst>
+                            <p:childTnLst>
+                              <p:par>
+                                <p:cTn id="10" presetID="10" presetClass="entr" presetSubtype="0" fill="hold" grpId="0" nodeType="clickEffect">
+                                  <p:stCondLst>
+                                    <p:cond delay="0"/>
+                                  </p:stCondLst>
+                                  <p:childTnLst>
+                                    <p:set>
+                                      <p:cBhvr>
+                                        <p:cTn id="11" dur="1" fill="hold">
+                                          <p:stCondLst>
+                                            <p:cond delay="0"/>
+                                          </p:stCondLst>
+                                        </p:cTn>
+                                        <p:tgtEl>
+                                          <p:spTgt spid="5">
+                                            <p:txEl>
+                                              <p:pRg st="1" end="1"/>
+                                            </p:txEl>
+                                          </p:spTgt>
+                                        </p:tgtEl>
+                                        <p:attrNameLst>
+                                          <p:attrName>style.visibility</p:attrName>
+                                        </p:attrNameLst>
+                                      </p:cBhvr>
+                                      <p:to>
+                                        <p:strVal val="visible"/>
+                                      </p:to>
+                                    </p:set>
+                                    <p:animEffect transition="in" filter="fade">
+                                      <p:cBhvr>
+                                        <p:cTn id="12" dur="500"/>
+                                        <p:tgtEl>
+                                          <p:spTgt spid="5">
+                                            <p:txEl>
+                                              <p:pRg st="1" end="1"/>
+                                            </p:txEl>
+                                          </p:spTgt>
+                                        </p:tgtEl>
+                                      </p:cBhvr>
+                                    </p:animEffect>
+                                  </p:childTnLst>
+                                </p:cTn>
+                              </p:par>
+                            </p:childTnLst>
+                          </p:cTn>
+                        </p:par>
+                      </p:childTnLst>
+                    </p:cTn>
+                  </p:par>
+                  <p:par>
+                    <p:cTn id="13" fill="hold">
+                      <p:stCondLst>
+                        <p:cond delay="indefinite"/>
+                      </p:stCondLst>
+                      <p:childTnLst>
+                        <p:par>
+                          <p:cTn id="14" fill="hold">
+                            <p:stCondLst>
+                              <p:cond delay="0"/>
+                            </p:stCondLst>
+                            <p:childTnLst>
+                              <p:par>
+                                <p:cTn id="15" presetID="10" presetClass="entr" presetSubtype="0" fill="hold" grpId="0" nodeType="clickEffect">
+                                  <p:stCondLst>
+                                    <p:cond delay="0"/>
+                                  </p:stCondLst>
+                                  <p:childTnLst>
+                                    <p:set>
+                                      <p:cBhvr>
+                                        <p:cTn id="16" dur="1" fill="hold">
+                                          <p:stCondLst>
+                                            <p:cond delay="0"/>
+                                          </p:stCondLst>
+                                        </p:cTn>
+                                        <p:tgtEl>
+                                          <p:spTgt spid="5">
+                                            <p:txEl>
+                                              <p:pRg st="2" end="2"/>
+                                            </p:txEl>
+                                          </p:spTgt>
+                                        </p:tgtEl>
+                                        <p:attrNameLst>
+                                          <p:attrName>style.visibility</p:attrName>
+                                        </p:attrNameLst>
+                                      </p:cBhvr>
+                                      <p:to>
+                                        <p:strVal val="visible"/>
+                                      </p:to>
+                                    </p:set>
+                                    <p:animEffect transition="in" filter="fade">
+                                      <p:cBhvr>
+                                        <p:cTn id="17" dur="500"/>
+                                        <p:tgtEl>
+                                          <p:spTgt spid="5">
+                                            <p:txEl>
+                                              <p:pRg st="2" end="2"/>
+                                            </p:txEl>
+                                          </p:spTgt>
+                                        </p:tgtEl>
+                                      </p:cBhvr>
+                                    </p:animEffect>
+                                  </p:childTnLst>
+                                </p:cTn>
+                              </p:par>
+                            </p:childTnLst>
+                          </p:cTn>
+                        </p:par>
+                      </p:childTnLst>
+                    </p:cTn>
+                  </p:par>
+                  <p:par>
+                    <p:cTn id="18" fill="hold">
+                      <p:stCondLst>
+                        <p:cond delay="indefinite"/>
+                      </p:stCondLst>
+                      <p:childTnLst>
+                        <p:par>
+                          <p:cTn id="19" fill="hold">
+                            <p:stCondLst>
+                              <p:cond delay="0"/>
+                            </p:stCondLst>
+                            <p:childTnLst>
+                              <p:par>
+                                <p:cTn id="20" presetID="10" presetClass="entr" presetSubtype="0" fill="hold" grpId="0" nodeType="clickEffect">
+                                  <p:stCondLst>
+                                    <p:cond delay="0"/>
+                                  </p:stCondLst>
+                                  <p:childTnLst>
+                                    <p:set>
+                                      <p:cBhvr>
+                                        <p:cTn id="21" dur="1" fill="hold">
+                                          <p:stCondLst>
+                                            <p:cond delay="0"/>
+                                          </p:stCondLst>
+                                        </p:cTn>
+                                        <p:tgtEl>
+                                          <p:spTgt spid="5">
+                                            <p:txEl>
+                                              <p:pRg st="3" end="3"/>
+                                            </p:txEl>
+                                          </p:spTgt>
+                                        </p:tgtEl>
+                                        <p:attrNameLst>
+                                          <p:attrName>style.visibility</p:attrName>
+                                        </p:attrNameLst>
+                                      </p:cBhvr>
+                                      <p:to>
+                                        <p:strVal val="visible"/>
+                                      </p:to>
+                                    </p:set>
+                                    <p:animEffect transition="in" filter="fade">
+                                      <p:cBhvr>
+                                        <p:cTn id="22" dur="500"/>
+                                        <p:tgtEl>
+                                          <p:spTgt spid="5">
+                                            <p:txEl>
+                                              <p:pRg st="3" end="3"/>
+                                            </p:txEl>
+                                          </p:spTgt>
+                                        </p:tgtEl>
+                                      </p:cBhvr>
+                                    </p:animEffect>
+                                  </p:childTnLst>
+                                </p:cTn>
+                              </p:par>
+                            </p:childTnLst>
+                          </p:cTn>
+                        </p:par>
+                      </p:childTnLst>
+                    </p:cTn>
+                  </p:par>
+                  <p:par>
+                    <p:cTn id="23" fill="hold">
+                      <p:stCondLst>
+                        <p:cond delay="indefinite"/>
+                      </p:stCondLst>
+                      <p:childTnLst>
+                        <p:par>
+                          <p:cTn id="24" fill="hold">
+                            <p:stCondLst>
+                              <p:cond delay="0"/>
+                            </p:stCondLst>
+                            <p:childTnLst>
+                              <p:par>
+                                <p:cTn id="25" presetID="10" presetClass="entr" presetSubtype="0" fill="hold" grpId="0" nodeType="clickEffect">
+                                  <p:stCondLst>
+                                    <p:cond delay="0"/>
+                                  </p:stCondLst>
+                                  <p:childTnLst>
+                                    <p:set>
+                                      <p:cBhvr>
+                                        <p:cTn id="26" dur="1" fill="hold">
+                                          <p:stCondLst>
+                                            <p:cond delay="0"/>
+                                          </p:stCondLst>
+                                        </p:cTn>
+                                        <p:tgtEl>
+                                          <p:spTgt spid="5">
+                                            <p:txEl>
+                                              <p:pRg st="4" end="4"/>
+                                            </p:txEl>
+                                          </p:spTgt>
+                                        </p:tgtEl>
+                                        <p:attrNameLst>
+                                          <p:attrName>style.visibility</p:attrName>
+                                        </p:attrNameLst>
+                                      </p:cBhvr>
+                                      <p:to>
+                                        <p:strVal val="visible"/>
+                                      </p:to>
+                                    </p:set>
+                                    <p:animEffect transition="in" filter="fade">
+                                      <p:cBhvr>
+                                        <p:cTn id="27" dur="500"/>
+                                        <p:tgtEl>
+                                          <p:spTgt spid="5">
+                                            <p:txEl>
+                                              <p:pRg st="4" end="4"/>
+                                            </p:txEl>
+                                          </p:spTgt>
+                                        </p:tgtEl>
+                                      </p:cBhvr>
+                                    </p:animEffect>
+                                  </p:childTnLst>
+                                </p:cTn>
+                              </p:par>
+                            </p:childTnLst>
+                          </p:cTn>
+                        </p:par>
+                      </p:childTnLst>
+                    </p:cTn>
+                  </p:par>
+                  <p:par>
+                    <p:cTn id="28" fill="hold">
+                      <p:stCondLst>
+                        <p:cond delay="indefinite"/>
+                      </p:stCondLst>
+                      <p:childTnLst>
+                        <p:par>
+                          <p:cTn id="29" fill="hold">
+                            <p:stCondLst>
+                              <p:cond delay="0"/>
+                            </p:stCondLst>
+                            <p:childTnLst>
+                              <p:par>
+                                <p:cTn id="30" presetID="10" presetClass="entr" presetSubtype="0" fill="hold" grpId="0" nodeType="clickEffect">
+                                  <p:stCondLst>
+                                    <p:cond delay="0"/>
+                                  </p:stCondLst>
+                                  <p:childTnLst>
+                                    <p:set>
+                                      <p:cBhvr>
+                                        <p:cTn id="31" dur="1" fill="hold">
+                                          <p:stCondLst>
+                                            <p:cond delay="0"/>
+                                          </p:stCondLst>
+                                        </p:cTn>
+                                        <p:tgtEl>
+                                          <p:spTgt spid="5">
+                                            <p:txEl>
+                                              <p:pRg st="5" end="5"/>
+                                            </p:txEl>
+                                          </p:spTgt>
+                                        </p:tgtEl>
+                                        <p:attrNameLst>
+                                          <p:attrName>style.visibility</p:attrName>
+                                        </p:attrNameLst>
+                                      </p:cBhvr>
+                                      <p:to>
+                                        <p:strVal val="visible"/>
+                                      </p:to>
+                                    </p:set>
+                                    <p:animEffect transition="in" filter="fade">
+                                      <p:cBhvr>
+                                        <p:cTn id="32" dur="500"/>
+                                        <p:tgtEl>
+                                          <p:spTgt spid="5">
+                                            <p:txEl>
+                                              <p:pRg st="5" end="5"/>
+                                            </p:txEl>
+                                          </p:spTgt>
+                                        </p:tgtEl>
+                                      </p:cBhvr>
+                                    </p:animEffect>
+                                  </p:childTnLst>
+                                </p:cTn>
+                              </p:par>
+                              <p:par>
+                                <p:cTn id="33" presetID="10" presetClass="entr" presetSubtype="0" fill="hold" grpId="0" nodeType="withEffect">
+                                  <p:stCondLst>
+                                    <p:cond delay="0"/>
+                                  </p:stCondLst>
+                                  <p:childTnLst>
+                                    <p:set>
+                                      <p:cBhvr>
+                                        <p:cTn id="34" dur="1" fill="hold">
+                                          <p:stCondLst>
+                                            <p:cond delay="0"/>
+                                          </p:stCondLst>
+                                        </p:cTn>
+                                        <p:tgtEl>
+                                          <p:spTgt spid="5">
+                                            <p:txEl>
+                                              <p:pRg st="6" end="6"/>
+                                            </p:txEl>
+                                          </p:spTgt>
+                                        </p:tgtEl>
+                                        <p:attrNameLst>
+                                          <p:attrName>style.visibility</p:attrName>
+                                        </p:attrNameLst>
+                                      </p:cBhvr>
+                                      <p:to>
+                                        <p:strVal val="visible"/>
+                                      </p:to>
+                                    </p:set>
+                                    <p:animEffect transition="in" filter="fade">
+                                      <p:cBhvr>
+                                        <p:cTn id="35" dur="500"/>
+                                        <p:tgtEl>
+                                          <p:spTgt spid="5">
+                                            <p:txEl>
+                                              <p:pRg st="6" end="6"/>
+                                            </p:txEl>
+                                          </p:spTgt>
+                                        </p:tgtEl>
+                                      </p:cBhvr>
+                                    </p:animEffect>
+                                  </p:childTnLst>
+                                </p:cTn>
+                              </p:par>
+                              <p:par>
+                                <p:cTn id="36" presetID="10" presetClass="entr" presetSubtype="0" fill="hold" grpId="0" nodeType="withEffect">
+                                  <p:stCondLst>
+                                    <p:cond delay="0"/>
+                                  </p:stCondLst>
+                                  <p:childTnLst>
+                                    <p:set>
+                                      <p:cBhvr>
+                                        <p:cTn id="37" dur="1" fill="hold">
+                                          <p:stCondLst>
+                                            <p:cond delay="0"/>
+                                          </p:stCondLst>
+                                        </p:cTn>
+                                        <p:tgtEl>
+                                          <p:spTgt spid="5">
+                                            <p:txEl>
+                                              <p:pRg st="7" end="7"/>
+                                            </p:txEl>
+                                          </p:spTgt>
+                                        </p:tgtEl>
+                                        <p:attrNameLst>
+                                          <p:attrName>style.visibility</p:attrName>
+                                        </p:attrNameLst>
+                                      </p:cBhvr>
+                                      <p:to>
+                                        <p:strVal val="visible"/>
+                                      </p:to>
+                                    </p:set>
+                                    <p:animEffect transition="in" filter="fade">
+                                      <p:cBhvr>
+                                        <p:cTn id="38" dur="500"/>
+                                        <p:tgtEl>
+                                          <p:spTgt spid="5">
+                                            <p:txEl>
+                                              <p:pRg st="7" end="7"/>
+                                            </p:txEl>
+                                          </p:spTgt>
+                                        </p:tgtEl>
+                                      </p:cBhvr>
+                                    </p:animEffect>
+                                  </p:childTnLst>
+                                </p:cTn>
+                              </p:par>
+                              <p:par>
+                                <p:cTn id="39" presetID="10" presetClass="entr" presetSubtype="0" fill="hold" grpId="0" nodeType="withEffect">
+                                  <p:stCondLst>
+                                    <p:cond delay="0"/>
+                                  </p:stCondLst>
+                                  <p:childTnLst>
+                                    <p:set>
+                                      <p:cBhvr>
+                                        <p:cTn id="40" dur="1" fill="hold">
+                                          <p:stCondLst>
+                                            <p:cond delay="0"/>
+                                          </p:stCondLst>
+                                        </p:cTn>
+                                        <p:tgtEl>
+                                          <p:spTgt spid="5">
+                                            <p:txEl>
+                                              <p:pRg st="8" end="8"/>
+                                            </p:txEl>
+                                          </p:spTgt>
+                                        </p:tgtEl>
+                                        <p:attrNameLst>
+                                          <p:attrName>style.visibility</p:attrName>
+                                        </p:attrNameLst>
+                                      </p:cBhvr>
+                                      <p:to>
+                                        <p:strVal val="visible"/>
+                                      </p:to>
+                                    </p:set>
+                                    <p:animEffect transition="in" filter="fade">
+                                      <p:cBhvr>
+                                        <p:cTn id="41" dur="500"/>
+                                        <p:tgtEl>
+                                          <p:spTgt spid="5">
+                                            <p:txEl>
+                                              <p:pRg st="8" end="8"/>
+                                            </p:txEl>
+                                          </p:spTgt>
+                                        </p:tgtEl>
+                                      </p:cBhvr>
+                                    </p:animEffect>
+                                  </p:childTnLst>
+                                </p:cTn>
+                              </p:par>
+                              <p:par>
+                                <p:cTn id="42" presetID="10" presetClass="entr" presetSubtype="0" fill="hold" grpId="0" nodeType="withEffect">
+                                  <p:stCondLst>
+                                    <p:cond delay="0"/>
+                                  </p:stCondLst>
+                                  <p:childTnLst>
+                                    <p:set>
+                                      <p:cBhvr>
+                                        <p:cTn id="43" dur="1" fill="hold">
+                                          <p:stCondLst>
+                                            <p:cond delay="0"/>
+                                          </p:stCondLst>
+                                        </p:cTn>
+                                        <p:tgtEl>
+                                          <p:spTgt spid="5">
+                                            <p:txEl>
+                                              <p:pRg st="9" end="9"/>
+                                            </p:txEl>
+                                          </p:spTgt>
+                                        </p:tgtEl>
+                                        <p:attrNameLst>
+                                          <p:attrName>style.visibility</p:attrName>
+                                        </p:attrNameLst>
+                                      </p:cBhvr>
+                                      <p:to>
+                                        <p:strVal val="visible"/>
+                                      </p:to>
+                                    </p:set>
+                                    <p:animEffect transition="in" filter="fade">
+                                      <p:cBhvr>
+                                        <p:cTn id="44" dur="500"/>
+                                        <p:tgtEl>
+                                          <p:spTgt spid="5">
+                                            <p:txEl>
+                                              <p:pRg st="9" end="9"/>
+                                            </p:txEl>
+                                          </p:spTgt>
+                                        </p:tgtEl>
+                                      </p:cBhvr>
+                                    </p:animEffect>
+                                  </p:childTnLst>
+                                </p:cTn>
+                              </p:par>
+                            </p:childTnLst>
+                          </p:cTn>
+                        </p:par>
+                      </p:childTnLst>
+                    </p:cTn>
+                  </p:par>
+                </p:childTnLst>
+              </p:cTn>
+              <p:prevCondLst>
+                <p:cond evt="onPrev" delay="0">
+                  <p:tgtEl>
+                    <p:sldTgt/>
+                  </p:tgtEl>
+                </p:cond>
+              </p:prevCondLst>
+              <p:nextCondLst>
+                <p:cond evt="onNext" delay="0">
+                  <p:tgtEl>
+                    <p:sldTgt/>
+                  </p:tgtEl>
+                </p:cond>
+              </p:nextCondLst>
+            </p:seq>
+          </p:childTnLst>
+        </p:cTn>
+      </p:par>
+    </p:tnLst>
+    <p:bldLst>
+      <p:bldP spid="5" grpId="0" uiExpand="1" build="p"/>
+    </p:bldLst>
+  </p:timing>
 </p:sld>
 </file>
 
@@ -7056,7 +8765,7 @@
           <a:p>
             <a:pPr rtl="0"/>
             <a:r>
-              <a:rPr lang="en-GB" dirty="0"/>
+              <a:rPr lang="de-DE" dirty="0"/>
               <a:t>RAII</a:t>
             </a:r>
           </a:p>
@@ -7078,7 +8787,7 @@
           <a:lstStyle/>
           <a:p>
             <a:pPr rtl="0"/>
-            <a:endParaRPr lang="en-GB" dirty="0"/>
+            <a:endParaRPr lang="de-DE" dirty="0"/>
           </a:p>
         </p:txBody>
       </p:sp>
@@ -7146,11 +8855,11 @@
           <a:lstStyle/>
           <a:p>
             <a:r>
-              <a:rPr lang="en-GB" dirty="0"/>
+              <a:rPr lang="de-DE" dirty="0"/>
               <a:t>RAII - </a:t>
             </a:r>
             <a:r>
-              <a:rPr lang="en-GB" dirty="0">
+              <a:rPr lang="de-DE" dirty="0">
                 <a:solidFill>
                   <a:schemeClr val="accent1">
                     <a:lumMod val="60000"/>
@@ -7160,6 +8869,14 @@
               </a:rPr>
               <a:t>General</a:t>
             </a:r>
+            <a:endParaRPr lang="en-GB" dirty="0">
+              <a:solidFill>
+                <a:schemeClr val="accent1">
+                  <a:lumMod val="60000"/>
+                  <a:lumOff val="40000"/>
+                </a:schemeClr>
+              </a:solidFill>
+            </a:endParaRPr>
           </a:p>
         </p:txBody>
       </p:sp>
@@ -7187,11 +8904,11 @@
           <a:lstStyle/>
           <a:p>
             <a:r>
-              <a:rPr lang="en-GB" dirty="0"/>
+              <a:rPr lang="en-US" dirty="0"/>
               <a:t>„</a:t>
             </a:r>
             <a:r>
-              <a:rPr lang="en-GB" dirty="0">
+              <a:rPr lang="en-US" dirty="0">
                 <a:solidFill>
                   <a:schemeClr val="accent1">
                     <a:lumMod val="60000"/>
@@ -7202,11 +8919,11 @@
               <a:t>R</a:t>
             </a:r>
             <a:r>
-              <a:rPr lang="en-GB" dirty="0"/>
+              <a:rPr lang="en-US" dirty="0"/>
               <a:t>esource </a:t>
             </a:r>
             <a:r>
-              <a:rPr lang="en-GB" dirty="0">
+              <a:rPr lang="en-US" dirty="0">
                 <a:solidFill>
                   <a:schemeClr val="accent1">
                     <a:lumMod val="60000"/>
@@ -7217,11 +8934,11 @@
               <a:t>A</a:t>
             </a:r>
             <a:r>
-              <a:rPr lang="en-GB" dirty="0"/>
+              <a:rPr lang="en-US" dirty="0"/>
               <a:t>llocation </a:t>
             </a:r>
             <a:r>
-              <a:rPr lang="en-GB" dirty="0">
+              <a:rPr lang="en-US" dirty="0">
                 <a:solidFill>
                   <a:schemeClr val="accent1">
                     <a:lumMod val="60000"/>
@@ -7232,11 +8949,11 @@
               <a:t>I</a:t>
             </a:r>
             <a:r>
-              <a:rPr lang="en-GB" dirty="0"/>
+              <a:rPr lang="en-US" dirty="0"/>
               <a:t>s </a:t>
             </a:r>
             <a:r>
-              <a:rPr lang="en-GB" dirty="0">
+              <a:rPr lang="en-US" dirty="0">
                 <a:solidFill>
                   <a:schemeClr val="accent1">
                     <a:lumMod val="60000"/>
@@ -7247,29 +8964,29 @@
               <a:t>I</a:t>
             </a:r>
             <a:r>
-              <a:rPr lang="en-GB" dirty="0"/>
+              <a:rPr lang="en-US" dirty="0"/>
               <a:t>nitialization“ </a:t>
             </a:r>
           </a:p>
           <a:p>
             <a:r>
-              <a:rPr lang="en-GB" dirty="0"/>
+              <a:rPr lang="en-US" dirty="0"/>
               <a:t>Widely spread concept in higher programming languages</a:t>
             </a:r>
           </a:p>
           <a:p>
             <a:r>
-              <a:rPr lang="en-GB" dirty="0"/>
+              <a:rPr lang="en-US" dirty="0"/>
               <a:t>Reason: Avoiding problems while managing resources</a:t>
             </a:r>
           </a:p>
           <a:p>
             <a:r>
-              <a:rPr lang="en-GB" dirty="0"/>
+              <a:rPr lang="en-US" dirty="0"/>
               <a:t>Part of some programming language specification (e.g. </a:t>
             </a:r>
             <a:r>
-              <a:rPr lang="en-GB" dirty="0">
+              <a:rPr lang="de-DE" dirty="0" err="1">
                 <a:solidFill>
                   <a:srgbClr val="4EC9B0"/>
                 </a:solidFill>
@@ -7278,24 +8995,33 @@
               <a:t>std</a:t>
             </a:r>
             <a:r>
-              <a:rPr lang="en-GB" dirty="0">
+              <a:rPr lang="de-DE" dirty="0">
                 <a:solidFill>
                   <a:srgbClr val="D4D4D4"/>
                 </a:solidFill>
                 <a:latin typeface="Consolas" panose="020B0609020204030204" pitchFamily="49" charset="0"/>
               </a:rPr>
-              <a:t>::vector</a:t>
-            </a:r>
-            <a:r>
-              <a:rPr lang="en-GB" dirty="0">
+              <a:t>::</a:t>
+            </a:r>
+            <a:r>
+              <a:rPr lang="de-DE" dirty="0" err="1">
                 <a:solidFill>
                   <a:srgbClr val="D4D4D4"/>
                 </a:solidFill>
+                <a:latin typeface="Consolas" panose="020B0609020204030204" pitchFamily="49" charset="0"/>
+              </a:rPr>
+              <a:t>vector</a:t>
+            </a:r>
+            <a:r>
+              <a:rPr lang="de-DE" dirty="0">
+                <a:solidFill>
+                  <a:srgbClr val="D4D4D4"/>
+                </a:solidFill>
               </a:rPr>
               <a:t>, </a:t>
             </a:r>
             <a:r>
-              <a:rPr lang="en-GB" dirty="0">
+              <a:rPr lang="de-DE" dirty="0" err="1">
                 <a:solidFill>
                   <a:srgbClr val="4EC9B0"/>
                 </a:solidFill>
@@ -7304,16 +9030,34 @@
               <a:t>std</a:t>
             </a:r>
             <a:r>
-              <a:rPr lang="en-GB" dirty="0">
+              <a:rPr lang="de-DE" dirty="0">
                 <a:solidFill>
                   <a:srgbClr val="D4D4D4"/>
                 </a:solidFill>
                 <a:latin typeface="Consolas" panose="020B0609020204030204" pitchFamily="49" charset="0"/>
               </a:rPr>
-              <a:t>::string </a:t>
-            </a:r>
-            <a:r>
-              <a:rPr lang="en-GB" dirty="0"/>
+              <a:t>::</a:t>
+            </a:r>
+            <a:r>
+              <a:rPr lang="de-DE" dirty="0" err="1">
+                <a:solidFill>
+                  <a:srgbClr val="D4D4D4"/>
+                </a:solidFill>
+                <a:latin typeface="Consolas" panose="020B0609020204030204" pitchFamily="49" charset="0"/>
+              </a:rPr>
+              <a:t>string</a:t>
+            </a:r>
+            <a:r>
+              <a:rPr lang="en-US" dirty="0">
+                <a:solidFill>
+                  <a:srgbClr val="D4D4D4"/>
+                </a:solidFill>
+                <a:latin typeface="Consolas" panose="020B0609020204030204" pitchFamily="49" charset="0"/>
+              </a:rPr>
+              <a:t> </a:t>
+            </a:r>
+            <a:r>
+              <a:rPr lang="en-US" dirty="0"/>
               <a:t>in C++)</a:t>
             </a:r>
           </a:p>
@@ -7341,6 +9085,235 @@
       </p:transition>
     </mc:Fallback>
   </mc:AlternateContent>
+  <p:timing>
+    <p:tnLst>
+      <p:par>
+        <p:cTn id="1" dur="indefinite" restart="never" nodeType="tmRoot">
+          <p:childTnLst>
+            <p:seq concurrent="1" nextAc="seek">
+              <p:cTn id="2" dur="indefinite" nodeType="mainSeq">
+                <p:childTnLst>
+                  <p:par>
+                    <p:cTn id="3" fill="hold">
+                      <p:stCondLst>
+                        <p:cond delay="indefinite"/>
+                      </p:stCondLst>
+                      <p:childTnLst>
+                        <p:par>
+                          <p:cTn id="4" fill="hold">
+                            <p:stCondLst>
+                              <p:cond delay="0"/>
+                            </p:stCondLst>
+                            <p:childTnLst>
+                              <p:par>
+                                <p:cTn id="5" presetID="1" presetClass="entr" presetSubtype="0" fill="hold" grpId="0" nodeType="clickEffect">
+                                  <p:stCondLst>
+                                    <p:cond delay="0"/>
+                                  </p:stCondLst>
+                                  <p:childTnLst>
+                                    <p:set>
+                                      <p:cBhvr>
+                                        <p:cTn id="6" dur="1" fill="hold">
+                                          <p:stCondLst>
+                                            <p:cond delay="0"/>
+                                          </p:stCondLst>
+                                        </p:cTn>
+                                        <p:tgtEl>
+                                          <p:spTgt spid="5">
+                                            <p:txEl>
+                                              <p:pRg st="0" end="0"/>
+                                            </p:txEl>
+                                          </p:spTgt>
+                                        </p:tgtEl>
+                                        <p:attrNameLst>
+                                          <p:attrName>style.visibility</p:attrName>
+                                        </p:attrNameLst>
+                                      </p:cBhvr>
+                                      <p:to>
+                                        <p:strVal val="visible"/>
+                                      </p:to>
+                                    </p:set>
+                                  </p:childTnLst>
+                                </p:cTn>
+                              </p:par>
+                            </p:childTnLst>
+                          </p:cTn>
+                        </p:par>
+                      </p:childTnLst>
+                    </p:cTn>
+                  </p:par>
+                  <p:par>
+                    <p:cTn id="7" fill="hold">
+                      <p:stCondLst>
+                        <p:cond delay="indefinite"/>
+                      </p:stCondLst>
+                      <p:childTnLst>
+                        <p:par>
+                          <p:cTn id="8" fill="hold">
+                            <p:stCondLst>
+                              <p:cond delay="0"/>
+                            </p:stCondLst>
+                            <p:childTnLst>
+                              <p:par>
+                                <p:cTn id="9" presetID="1" presetClass="entr" presetSubtype="0" fill="hold" grpId="0" nodeType="clickEffect">
+                                  <p:stCondLst>
+                                    <p:cond delay="0"/>
+                                  </p:stCondLst>
+                                  <p:childTnLst>
+                                    <p:set>
+                                      <p:cBhvr>
+                                        <p:cTn id="10" dur="1" fill="hold">
+                                          <p:stCondLst>
+                                            <p:cond delay="0"/>
+                                          </p:stCondLst>
+                                        </p:cTn>
+                                        <p:tgtEl>
+                                          <p:spTgt spid="5">
+                                            <p:txEl>
+                                              <p:pRg st="1" end="1"/>
+                                            </p:txEl>
+                                          </p:spTgt>
+                                        </p:tgtEl>
+                                        <p:attrNameLst>
+                                          <p:attrName>style.visibility</p:attrName>
+                                        </p:attrNameLst>
+                                      </p:cBhvr>
+                                      <p:to>
+                                        <p:strVal val="visible"/>
+                                      </p:to>
+                                    </p:set>
+                                  </p:childTnLst>
+                                </p:cTn>
+                              </p:par>
+                            </p:childTnLst>
+                          </p:cTn>
+                        </p:par>
+                      </p:childTnLst>
+                    </p:cTn>
+                  </p:par>
+                  <p:par>
+                    <p:cTn id="11" fill="hold">
+                      <p:stCondLst>
+                        <p:cond delay="indefinite"/>
+                      </p:stCondLst>
+                      <p:childTnLst>
+                        <p:par>
+                          <p:cTn id="12" fill="hold">
+                            <p:stCondLst>
+                              <p:cond delay="0"/>
+                            </p:stCondLst>
+                            <p:childTnLst>
+                              <p:par>
+                                <p:cTn id="13" presetID="1" presetClass="entr" presetSubtype="0" fill="hold" grpId="0" nodeType="clickEffect">
+                                  <p:stCondLst>
+                                    <p:cond delay="0"/>
+                                  </p:stCondLst>
+                                  <p:childTnLst>
+                                    <p:set>
+                                      <p:cBhvr>
+                                        <p:cTn id="14" dur="1" fill="hold">
+                                          <p:stCondLst>
+                                            <p:cond delay="0"/>
+                                          </p:stCondLst>
+                                        </p:cTn>
+                                        <p:tgtEl>
+                                          <p:spTgt spid="5">
+                                            <p:txEl>
+                                              <p:pRg st="2" end="2"/>
+                                            </p:txEl>
+                                          </p:spTgt>
+                                        </p:tgtEl>
+                                        <p:attrNameLst>
+                                          <p:attrName>style.visibility</p:attrName>
+                                        </p:attrNameLst>
+                                      </p:cBhvr>
+                                      <p:to>
+                                        <p:strVal val="visible"/>
+                                      </p:to>
+                                    </p:set>
+                                  </p:childTnLst>
+                                </p:cTn>
+                              </p:par>
+                            </p:childTnLst>
+                          </p:cTn>
+                        </p:par>
+                      </p:childTnLst>
+                    </p:cTn>
+                  </p:par>
+                  <p:par>
+                    <p:cTn id="15" fill="hold">
+                      <p:stCondLst>
+                        <p:cond delay="indefinite"/>
+                      </p:stCondLst>
+                      <p:childTnLst>
+                        <p:par>
+                          <p:cTn id="16" fill="hold">
+                            <p:stCondLst>
+                              <p:cond delay="0"/>
+                            </p:stCondLst>
+                            <p:childTnLst>
+                              <p:par>
+                                <p:cTn id="17" presetID="1" presetClass="entr" presetSubtype="0" fill="hold" grpId="0" nodeType="clickEffect">
+                                  <p:stCondLst>
+                                    <p:cond delay="0"/>
+                                  </p:stCondLst>
+                                  <p:childTnLst>
+                                    <p:set>
+                                      <p:cBhvr>
+                                        <p:cTn id="18" dur="1" fill="hold">
+                                          <p:stCondLst>
+                                            <p:cond delay="0"/>
+                                          </p:stCondLst>
+                                        </p:cTn>
+                                        <p:tgtEl>
+                                          <p:spTgt spid="5">
+                                            <p:txEl>
+                                              <p:pRg st="3" end="3"/>
+                                            </p:txEl>
+                                          </p:spTgt>
+                                        </p:tgtEl>
+                                        <p:attrNameLst>
+                                          <p:attrName>style.visibility</p:attrName>
+                                        </p:attrNameLst>
+                                      </p:cBhvr>
+                                      <p:to>
+                                        <p:strVal val="visible"/>
+                                      </p:to>
+                                    </p:set>
+                                  </p:childTnLst>
+                                </p:cTn>
+                              </p:par>
+                            </p:childTnLst>
+                          </p:cTn>
+                        </p:par>
+                      </p:childTnLst>
+                    </p:cTn>
+                  </p:par>
+                </p:childTnLst>
+              </p:cTn>
+              <p:prevCondLst>
+                <p:cond evt="onPrev" delay="0">
+                  <p:tgtEl>
+                    <p:sldTgt/>
+                  </p:tgtEl>
+                </p:cond>
+              </p:prevCondLst>
+              <p:nextCondLst>
+                <p:cond evt="onNext" delay="0">
+                  <p:tgtEl>
+                    <p:sldTgt/>
+                  </p:tgtEl>
+                </p:cond>
+              </p:nextCondLst>
+            </p:seq>
+          </p:childTnLst>
+        </p:cTn>
+      </p:par>
+    </p:tnLst>
+    <p:bldLst>
+      <p:bldP spid="5" grpId="0" build="p"/>
+    </p:bldLst>
+  </p:timing>
 </p:sld>
 </file>
 
@@ -7408,11 +9381,11 @@
           <a:lstStyle/>
           <a:p>
             <a:r>
-              <a:rPr lang="en-GB" dirty="0"/>
+              <a:rPr lang="de-DE" dirty="0"/>
               <a:t>RAII - </a:t>
             </a:r>
             <a:r>
-              <a:rPr lang="en-GB" dirty="0">
+              <a:rPr lang="de-DE" dirty="0">
                 <a:solidFill>
                   <a:schemeClr val="accent1">
                     <a:lumMod val="60000"/>
@@ -7422,6 +9395,14 @@
               </a:rPr>
               <a:t>Concept</a:t>
             </a:r>
+            <a:endParaRPr lang="en-GB" dirty="0">
+              <a:solidFill>
+                <a:schemeClr val="accent1">
+                  <a:lumMod val="60000"/>
+                  <a:lumOff val="40000"/>
+                </a:schemeClr>
+              </a:solidFill>
+            </a:endParaRPr>
           </a:p>
         </p:txBody>
       </p:sp>
@@ -7452,8 +9433,20 @@
               <a:buNone/>
             </a:pPr>
             <a:r>
-              <a:rPr lang="en-GB" dirty="0"/>
-              <a:t>Using classes:</a:t>
+              <a:rPr lang="de-DE" dirty="0" err="1"/>
+              <a:t>Using</a:t>
+            </a:r>
+            <a:r>
+              <a:rPr lang="de-DE" dirty="0"/>
+              <a:t> </a:t>
+            </a:r>
+            <a:r>
+              <a:rPr lang="de-DE" dirty="0" err="1"/>
+              <a:t>classes</a:t>
+            </a:r>
+            <a:r>
+              <a:rPr lang="de-DE" dirty="0"/>
+              <a:t>:</a:t>
             </a:r>
           </a:p>
           <a:p>
@@ -7462,9 +9455,34 @@
               <a:buAutoNum type="arabicPeriod"/>
             </a:pPr>
             <a:r>
-              <a:rPr lang="en-GB" dirty="0"/>
-              <a:t>Acquire resource in class constructor</a:t>
-            </a:r>
+              <a:rPr lang="de-DE" dirty="0" err="1"/>
+              <a:t>Acquire</a:t>
+            </a:r>
+            <a:r>
+              <a:rPr lang="de-DE" dirty="0"/>
+              <a:t> </a:t>
+            </a:r>
+            <a:r>
+              <a:rPr lang="de-DE" dirty="0" err="1"/>
+              <a:t>resource</a:t>
+            </a:r>
+            <a:r>
+              <a:rPr lang="de-DE" dirty="0"/>
+              <a:t> in </a:t>
+            </a:r>
+            <a:r>
+              <a:rPr lang="de-DE" dirty="0" err="1"/>
+              <a:t>class</a:t>
+            </a:r>
+            <a:r>
+              <a:rPr lang="de-DE" dirty="0"/>
+              <a:t> </a:t>
+            </a:r>
+            <a:r>
+              <a:rPr lang="de-DE" dirty="0" err="1"/>
+              <a:t>constructor</a:t>
+            </a:r>
+            <a:endParaRPr lang="de-DE" dirty="0"/>
           </a:p>
           <a:p>
             <a:pPr marL="514350" indent="-514350">
@@ -7472,9 +9490,14 @@
               <a:buAutoNum type="arabicPeriod"/>
             </a:pPr>
             <a:r>
-              <a:rPr lang="en-GB" dirty="0"/>
-              <a:t>Use resource</a:t>
-            </a:r>
+              <a:rPr lang="de-DE" dirty="0"/>
+              <a:t>Use </a:t>
+            </a:r>
+            <a:r>
+              <a:rPr lang="de-DE" dirty="0" err="1"/>
+              <a:t>resource</a:t>
+            </a:r>
+            <a:endParaRPr lang="de-DE" dirty="0"/>
           </a:p>
           <a:p>
             <a:pPr marL="514350" indent="-514350">
@@ -7482,9 +9505,30 @@
               <a:buAutoNum type="arabicPeriod"/>
             </a:pPr>
             <a:r>
-              <a:rPr lang="en-GB" dirty="0"/>
-              <a:t>Free resource in class destructor</a:t>
-            </a:r>
+              <a:rPr lang="de-DE" dirty="0"/>
+              <a:t>Free </a:t>
+            </a:r>
+            <a:r>
+              <a:rPr lang="de-DE" dirty="0" err="1"/>
+              <a:t>resource</a:t>
+            </a:r>
+            <a:r>
+              <a:rPr lang="de-DE" dirty="0"/>
+              <a:t> in </a:t>
+            </a:r>
+            <a:r>
+              <a:rPr lang="de-DE" dirty="0" err="1"/>
+              <a:t>class</a:t>
+            </a:r>
+            <a:r>
+              <a:rPr lang="de-DE" dirty="0"/>
+              <a:t> </a:t>
+            </a:r>
+            <a:r>
+              <a:rPr lang="de-DE" dirty="0" err="1"/>
+              <a:t>destructor</a:t>
+            </a:r>
+            <a:endParaRPr lang="en-GB" dirty="0"/>
           </a:p>
         </p:txBody>
       </p:sp>
@@ -7535,7 +9579,7 @@
               <a:buNone/>
             </a:pPr>
             <a:r>
-              <a:rPr lang="en-GB" sz="1200" dirty="0">
+              <a:rPr lang="de-DE" sz="1200" dirty="0">
                 <a:ln w="3175">
                   <a:noFill/>
                 </a:ln>
@@ -7544,33 +9588,69 @@
                 </a:solidFill>
                 <a:latin typeface="Consolas" panose="020B0609020204030204" pitchFamily="49" charset="0"/>
               </a:rPr>
-              <a:t>#include</a:t>
-            </a:r>
-            <a:r>
-              <a:rPr lang="en-GB" sz="1200" dirty="0">
+              <a:t>#</a:t>
+            </a:r>
+            <a:r>
+              <a:rPr lang="de-DE" sz="1200" dirty="0" err="1">
                 <a:ln w="3175">
                   <a:noFill/>
                 </a:ln>
                 <a:solidFill>
-                  <a:srgbClr val="569CD6"/>
-                </a:solidFill>
-                <a:latin typeface="Consolas" panose="020B0609020204030204" pitchFamily="49" charset="0"/>
-              </a:rPr>
-              <a:t> </a:t>
-            </a:r>
-            <a:r>
-              <a:rPr lang="en-GB" sz="1200" dirty="0">
+                  <a:srgbClr val="C586C0"/>
+                </a:solidFill>
+                <a:latin typeface="Consolas" panose="020B0609020204030204" pitchFamily="49" charset="0"/>
+              </a:rPr>
+              <a:t>include</a:t>
+            </a:r>
+            <a:r>
+              <a:rPr lang="de-DE" sz="1200" dirty="0">
                 <a:ln w="3175">
                   <a:noFill/>
                 </a:ln>
                 <a:solidFill>
+                  <a:srgbClr val="569CD6"/>
+                </a:solidFill>
+                <a:latin typeface="Consolas" panose="020B0609020204030204" pitchFamily="49" charset="0"/>
+              </a:rPr>
+              <a:t> </a:t>
+            </a:r>
+            <a:r>
+              <a:rPr lang="de-DE" sz="1200" dirty="0">
+                <a:ln w="3175">
+                  <a:noFill/>
+                </a:ln>
+                <a:solidFill>
                   <a:srgbClr val="CE9178"/>
                 </a:solidFill>
                 <a:latin typeface="Consolas" panose="020B0609020204030204" pitchFamily="49" charset="0"/>
               </a:rPr>
-              <a:t>&lt;iostream&gt;</a:t>
-            </a:r>
-            <a:endParaRPr lang="en-GB" sz="1200" dirty="0">
+              <a:t>&lt;</a:t>
+            </a:r>
+            <a:r>
+              <a:rPr lang="de-DE" sz="1200" dirty="0" err="1">
+                <a:ln w="3175">
+                  <a:noFill/>
+                </a:ln>
+                <a:solidFill>
+                  <a:srgbClr val="CE9178"/>
+                </a:solidFill>
+                <a:latin typeface="Consolas" panose="020B0609020204030204" pitchFamily="49" charset="0"/>
+              </a:rPr>
+              <a:t>iostream</a:t>
+            </a:r>
+            <a:r>
+              <a:rPr lang="de-DE" sz="1200" dirty="0">
+                <a:ln w="3175">
+                  <a:noFill/>
+                </a:ln>
+                <a:solidFill>
+                  <a:srgbClr val="CE9178"/>
+                </a:solidFill>
+                <a:latin typeface="Consolas" panose="020B0609020204030204" pitchFamily="49" charset="0"/>
+              </a:rPr>
+              <a:t>&gt;</a:t>
+            </a:r>
+            <a:endParaRPr lang="de-DE" sz="1200" dirty="0">
               <a:ln w="3175">
                 <a:noFill/>
               </a:ln>
@@ -7591,7 +9671,7 @@
               <a:buNone/>
             </a:pPr>
             <a:r>
-              <a:rPr lang="en-GB" sz="1200" dirty="0">
+              <a:rPr lang="de-DE" sz="1200" dirty="0" err="1">
                 <a:ln w="3175">
                   <a:noFill/>
                 </a:ln>
@@ -7603,7 +9683,7 @@
               <a:t>class</a:t>
             </a:r>
             <a:r>
-              <a:rPr lang="en-GB" sz="1200" dirty="0">
+              <a:rPr lang="de-DE" sz="1200" dirty="0">
                 <a:ln w="3175">
                   <a:noFill/>
                 </a:ln>
@@ -7615,7 +9695,7 @@
               <a:t> </a:t>
             </a:r>
             <a:r>
-              <a:rPr lang="en-GB" sz="1200" dirty="0" err="1">
+              <a:rPr lang="de-DE" sz="1200" dirty="0" err="1">
                 <a:ln w="3175">
                   <a:noFill/>
                 </a:ln>
@@ -7627,7 +9707,7 @@
               <a:t>FileHandle</a:t>
             </a:r>
             <a:r>
-              <a:rPr lang="en-GB" sz="1200" dirty="0">
+              <a:rPr lang="de-DE" sz="1200" dirty="0">
                 <a:ln w="3175">
                   <a:noFill/>
                 </a:ln>
@@ -7650,7 +9730,7 @@
               <a:buNone/>
             </a:pPr>
             <a:r>
-              <a:rPr lang="en-GB" sz="1200" dirty="0">
+              <a:rPr lang="de-DE" sz="1200" dirty="0" err="1">
                 <a:ln w="3175">
                   <a:noFill/>
                 </a:ln>
@@ -7659,9 +9739,21 @@
                 </a:solidFill>
                 <a:latin typeface="Consolas" panose="020B0609020204030204" pitchFamily="49" charset="0"/>
               </a:rPr>
-              <a:t>public:</a:t>
-            </a:r>
-            <a:endParaRPr lang="en-GB" sz="1200" dirty="0">
+              <a:t>public</a:t>
+            </a:r>
+            <a:r>
+              <a:rPr lang="de-DE" sz="1200" dirty="0">
+                <a:ln w="3175">
+                  <a:noFill/>
+                </a:ln>
+                <a:solidFill>
+                  <a:srgbClr val="569CD6"/>
+                </a:solidFill>
+                <a:latin typeface="Consolas" panose="020B0609020204030204" pitchFamily="49" charset="0"/>
+              </a:rPr>
+              <a:t>:</a:t>
+            </a:r>
+            <a:endParaRPr lang="de-DE" sz="1200" dirty="0">
               <a:ln w="3175">
                 <a:noFill/>
               </a:ln>
@@ -7682,7 +9774,7 @@
               <a:buNone/>
             </a:pPr>
             <a:r>
-              <a:rPr lang="en-GB" sz="1200" dirty="0">
+              <a:rPr lang="de-DE" sz="1200" dirty="0">
                 <a:ln w="3175">
                   <a:noFill/>
                 </a:ln>
@@ -7694,7 +9786,7 @@
               <a:t>  </a:t>
             </a:r>
             <a:r>
-              <a:rPr lang="en-GB" sz="1200" dirty="0" err="1">
+              <a:rPr lang="de-DE" sz="1200" dirty="0" err="1">
                 <a:ln w="3175">
                   <a:noFill/>
                 </a:ln>
@@ -7706,7 +9798,7 @@
               <a:t>FileHandle</a:t>
             </a:r>
             <a:r>
-              <a:rPr lang="en-GB" sz="1200" dirty="0">
+              <a:rPr lang="de-DE" sz="1200" dirty="0">
                 <a:ln w="3175">
                   <a:noFill/>
                 </a:ln>
@@ -7718,7 +9810,7 @@
               <a:t>(</a:t>
             </a:r>
             <a:r>
-              <a:rPr lang="en-GB" sz="1200" dirty="0" err="1">
+              <a:rPr lang="de-DE" sz="1200" dirty="0" err="1">
                 <a:ln w="3175">
                   <a:noFill/>
                 </a:ln>
@@ -7730,7 +9822,7 @@
               <a:t>const</a:t>
             </a:r>
             <a:r>
-              <a:rPr lang="en-GB" sz="1200" dirty="0">
+              <a:rPr lang="de-DE" sz="1200" dirty="0">
                 <a:ln w="3175">
                   <a:noFill/>
                 </a:ln>
@@ -7742,7 +9834,7 @@
               <a:t> </a:t>
             </a:r>
             <a:r>
-              <a:rPr lang="en-GB" sz="1200" dirty="0">
+              <a:rPr lang="de-DE" sz="1200" dirty="0" err="1">
                 <a:ln w="3175">
                   <a:noFill/>
                 </a:ln>
@@ -7751,26 +9843,38 @@
                 </a:solidFill>
                 <a:latin typeface="Consolas" panose="020B0609020204030204" pitchFamily="49" charset="0"/>
               </a:rPr>
-              <a:t>char*</a:t>
-            </a:r>
-            <a:r>
-              <a:rPr lang="en-GB" sz="1200" dirty="0">
+              <a:t>char</a:t>
+            </a:r>
+            <a:r>
+              <a:rPr lang="de-DE" sz="1200" dirty="0">
                 <a:ln w="3175">
                   <a:noFill/>
                 </a:ln>
                 <a:solidFill>
-                  <a:srgbClr val="D4D4D4"/>
-                </a:solidFill>
-                <a:latin typeface="Consolas" panose="020B0609020204030204" pitchFamily="49" charset="0"/>
-              </a:rPr>
-              <a:t> </a:t>
-            </a:r>
-            <a:r>
-              <a:rPr lang="en-GB" sz="1200" dirty="0">
+                  <a:srgbClr val="569CD6"/>
+                </a:solidFill>
+                <a:latin typeface="Consolas" panose="020B0609020204030204" pitchFamily="49" charset="0"/>
+              </a:rPr>
+              <a:t>*</a:t>
+            </a:r>
+            <a:r>
+              <a:rPr lang="de-DE" sz="1200" dirty="0">
                 <a:ln w="3175">
                   <a:noFill/>
                 </a:ln>
                 <a:solidFill>
+                  <a:srgbClr val="D4D4D4"/>
+                </a:solidFill>
+                <a:latin typeface="Consolas" panose="020B0609020204030204" pitchFamily="49" charset="0"/>
+              </a:rPr>
+              <a:t> </a:t>
+            </a:r>
+            <a:r>
+              <a:rPr lang="de-DE" sz="1200" dirty="0" err="1">
+                <a:ln w="3175">
+                  <a:noFill/>
+                </a:ln>
+                <a:solidFill>
                   <a:srgbClr val="9CDCFE"/>
                 </a:solidFill>
                 <a:latin typeface="Consolas" panose="020B0609020204030204" pitchFamily="49" charset="0"/>
@@ -7778,7 +9882,7 @@
               <a:t>name</a:t>
             </a:r>
             <a:r>
-              <a:rPr lang="en-GB" sz="1200" dirty="0">
+              <a:rPr lang="de-DE" sz="1200" dirty="0">
                 <a:ln w="3175">
                   <a:noFill/>
                 </a:ln>
@@ -7801,7 +9905,7 @@
               <a:buNone/>
             </a:pPr>
             <a:r>
-              <a:rPr lang="en-GB" sz="1200" dirty="0">
+              <a:rPr lang="de-DE" sz="1200" dirty="0">
                 <a:ln w="3175">
                   <a:noFill/>
                 </a:ln>
@@ -7813,7 +9917,7 @@
               <a:t>    </a:t>
             </a:r>
             <a:r>
-              <a:rPr lang="en-GB" sz="1200" dirty="0">
+              <a:rPr lang="de-DE" sz="1200" dirty="0">
                 <a:ln w="3175">
                   <a:noFill/>
                 </a:ln>
@@ -7825,7 +9929,7 @@
               <a:t>f_</a:t>
             </a:r>
             <a:r>
-              <a:rPr lang="en-GB" sz="1200" dirty="0">
+              <a:rPr lang="de-DE" sz="1200" dirty="0">
                 <a:ln w="3175">
                   <a:noFill/>
                 </a:ln>
@@ -7837,7 +9941,7 @@
               <a:t> = </a:t>
             </a:r>
             <a:r>
-              <a:rPr lang="en-GB" sz="1200" dirty="0" err="1">
+              <a:rPr lang="de-DE" sz="1200" dirty="0" err="1">
                 <a:ln w="3175">
                   <a:noFill/>
                 </a:ln>
@@ -7849,7 +9953,7 @@
               <a:t>fopen</a:t>
             </a:r>
             <a:r>
-              <a:rPr lang="en-GB" sz="1200" dirty="0">
+              <a:rPr lang="de-DE" sz="1200" dirty="0">
                 <a:ln w="3175">
                   <a:noFill/>
                 </a:ln>
@@ -7861,7 +9965,7 @@
               <a:t>(</a:t>
             </a:r>
             <a:r>
-              <a:rPr lang="en-GB" sz="1200" dirty="0">
+              <a:rPr lang="de-DE" sz="1200" dirty="0" err="1">
                 <a:ln w="3175">
                   <a:noFill/>
                 </a:ln>
@@ -7873,7 +9977,7 @@
               <a:t>name</a:t>
             </a:r>
             <a:r>
-              <a:rPr lang="en-GB" sz="1200" dirty="0">
+              <a:rPr lang="de-DE" sz="1200" dirty="0">
                 <a:ln w="3175">
                   <a:noFill/>
                 </a:ln>
@@ -7885,7 +9989,7 @@
               <a:t>, </a:t>
             </a:r>
             <a:r>
-              <a:rPr lang="en-GB" sz="1200" dirty="0">
+              <a:rPr lang="de-DE" sz="1200" dirty="0">
                 <a:ln w="3175">
                   <a:noFill/>
                 </a:ln>
@@ -7897,7 +10001,7 @@
               <a:t>"r"</a:t>
             </a:r>
             <a:r>
-              <a:rPr lang="en-GB" sz="1200" dirty="0">
+              <a:rPr lang="de-DE" sz="1200" dirty="0">
                 <a:ln w="3175">
                   <a:noFill/>
                 </a:ln>
@@ -7920,7 +10024,7 @@
               <a:buNone/>
             </a:pPr>
             <a:r>
-              <a:rPr lang="en-GB" sz="1200" dirty="0">
+              <a:rPr lang="de-DE" sz="1200" dirty="0">
                 <a:ln w="3175">
                   <a:noFill/>
                 </a:ln>
@@ -7943,7 +10047,7 @@
               <a:buNone/>
             </a:pPr>
             <a:r>
-              <a:rPr lang="en-GB" sz="1200" dirty="0">
+              <a:rPr lang="de-DE" sz="1200" dirty="0">
                 <a:ln w="3175">
                   <a:noFill/>
                 </a:ln>
@@ -7955,7 +10059,7 @@
               <a:t>  </a:t>
             </a:r>
             <a:r>
-              <a:rPr lang="en-GB" sz="1200" dirty="0">
+              <a:rPr lang="de-DE" sz="1200" dirty="0">
                 <a:ln w="3175">
                   <a:noFill/>
                 </a:ln>
@@ -7967,7 +10071,7 @@
               <a:t>FILE</a:t>
             </a:r>
             <a:r>
-              <a:rPr lang="en-GB" sz="1200" dirty="0">
+              <a:rPr lang="de-DE" sz="1200" dirty="0">
                 <a:ln w="3175">
                   <a:noFill/>
                 </a:ln>
@@ -7979,7 +10083,7 @@
               <a:t>*</a:t>
             </a:r>
             <a:r>
-              <a:rPr lang="en-GB" sz="1200" dirty="0">
+              <a:rPr lang="de-DE" sz="1200" dirty="0">
                 <a:ln w="3175">
                   <a:noFill/>
                 </a:ln>
@@ -7991,7 +10095,7 @@
               <a:t> </a:t>
             </a:r>
             <a:r>
-              <a:rPr lang="en-GB" sz="1200" dirty="0">
+              <a:rPr lang="de-DE" sz="1200" dirty="0" err="1">
                 <a:ln w="3175">
                   <a:noFill/>
                 </a:ln>
@@ -8000,10 +10104,10 @@
                 </a:solidFill>
                 <a:latin typeface="Consolas" panose="020B0609020204030204" pitchFamily="49" charset="0"/>
               </a:rPr>
-              <a:t>file</a:t>
-            </a:r>
-            <a:r>
-              <a:rPr lang="en-GB" sz="1200" dirty="0">
+              <a:t>getFile</a:t>
+            </a:r>
+            <a:r>
+              <a:rPr lang="de-DE" sz="1200" dirty="0">
                 <a:ln w="3175">
                   <a:noFill/>
                 </a:ln>
@@ -8026,7 +10130,7 @@
               <a:buNone/>
             </a:pPr>
             <a:r>
-              <a:rPr lang="en-GB" sz="1200" dirty="0">
+              <a:rPr lang="de-DE" sz="1200" dirty="0">
                 <a:ln w="3175">
                   <a:noFill/>
                 </a:ln>
@@ -8038,7 +10142,7 @@
               <a:t>    </a:t>
             </a:r>
             <a:r>
-              <a:rPr lang="en-GB" sz="1200" dirty="0">
+              <a:rPr lang="de-DE" sz="1200" dirty="0" err="1">
                 <a:ln w="3175">
                   <a:noFill/>
                 </a:ln>
@@ -8050,7 +10154,7 @@
               <a:t>return</a:t>
             </a:r>
             <a:r>
-              <a:rPr lang="en-GB" sz="1200" dirty="0">
+              <a:rPr lang="de-DE" sz="1200" dirty="0">
                 <a:ln w="3175">
                   <a:noFill/>
                 </a:ln>
@@ -8062,7 +10166,7 @@
               <a:t> </a:t>
             </a:r>
             <a:r>
-              <a:rPr lang="en-GB" sz="1200" dirty="0">
+              <a:rPr lang="de-DE" sz="1200" dirty="0">
                 <a:ln w="3175">
                   <a:noFill/>
                 </a:ln>
@@ -8074,7 +10178,7 @@
               <a:t>f_</a:t>
             </a:r>
             <a:r>
-              <a:rPr lang="en-GB" sz="1200" dirty="0">
+              <a:rPr lang="de-DE" sz="1200" dirty="0">
                 <a:ln w="3175">
                   <a:noFill/>
                 </a:ln>
@@ -8097,7 +10201,7 @@
               <a:buNone/>
             </a:pPr>
             <a:r>
-              <a:rPr lang="en-GB" sz="1200" dirty="0">
+              <a:rPr lang="de-DE" sz="1200" dirty="0">
                 <a:ln w="3175">
                   <a:noFill/>
                 </a:ln>
@@ -8120,7 +10224,7 @@
               <a:buNone/>
             </a:pPr>
             <a:r>
-              <a:rPr lang="en-GB" sz="1200" dirty="0">
+              <a:rPr lang="de-DE" sz="1200" dirty="0">
                 <a:ln w="3175">
                   <a:noFill/>
                 </a:ln>
@@ -8132,7 +10236,7 @@
               <a:t>  </a:t>
             </a:r>
             <a:r>
-              <a:rPr lang="en-GB" sz="1200" dirty="0">
+              <a:rPr lang="de-DE" sz="1200" dirty="0">
                 <a:ln w="3175">
                   <a:noFill/>
                 </a:ln>
@@ -8144,7 +10248,7 @@
               <a:t>~</a:t>
             </a:r>
             <a:r>
-              <a:rPr lang="en-GB" sz="1200" dirty="0" err="1">
+              <a:rPr lang="de-DE" sz="1200" dirty="0" err="1">
                 <a:ln w="3175">
                   <a:noFill/>
                 </a:ln>
@@ -8156,7 +10260,7 @@
               <a:t>FileHandle</a:t>
             </a:r>
             <a:r>
-              <a:rPr lang="en-GB" sz="1200" dirty="0">
+              <a:rPr lang="de-DE" sz="1200" dirty="0">
                 <a:ln w="3175">
                   <a:noFill/>
                 </a:ln>
@@ -8179,7 +10283,7 @@
               <a:buNone/>
             </a:pPr>
             <a:r>
-              <a:rPr lang="en-GB" sz="1200" dirty="0">
+              <a:rPr lang="de-DE" sz="1200" dirty="0">
                 <a:ln w="3175">
                   <a:noFill/>
                 </a:ln>
@@ -8191,7 +10295,7 @@
               <a:t>    </a:t>
             </a:r>
             <a:r>
-              <a:rPr lang="en-GB" sz="1200" dirty="0">
+              <a:rPr lang="de-DE" sz="1200" dirty="0" err="1">
                 <a:ln w="3175">
                   <a:noFill/>
                 </a:ln>
@@ -8203,7 +10307,7 @@
               <a:t>if</a:t>
             </a:r>
             <a:r>
-              <a:rPr lang="en-GB" sz="1200" dirty="0">
+              <a:rPr lang="de-DE" sz="1200" dirty="0">
                 <a:ln w="3175">
                   <a:noFill/>
                 </a:ln>
@@ -8215,7 +10319,7 @@
               <a:t> (</a:t>
             </a:r>
             <a:r>
-              <a:rPr lang="en-GB" sz="1200" dirty="0">
+              <a:rPr lang="de-DE" sz="1200" dirty="0">
                 <a:ln w="3175">
                   <a:noFill/>
                 </a:ln>
@@ -8227,7 +10331,7 @@
               <a:t>f_</a:t>
             </a:r>
             <a:r>
-              <a:rPr lang="en-GB" sz="1200" dirty="0">
+              <a:rPr lang="de-DE" sz="1200" dirty="0">
                 <a:ln w="3175">
                   <a:noFill/>
                 </a:ln>
@@ -8239,7 +10343,7 @@
               <a:t> != </a:t>
             </a:r>
             <a:r>
-              <a:rPr lang="en-GB" sz="1200" dirty="0" err="1">
+              <a:rPr lang="de-DE" sz="1200" dirty="0" err="1">
                 <a:ln w="3175">
                   <a:noFill/>
                 </a:ln>
@@ -8251,7 +10355,7 @@
               <a:t>nullptr</a:t>
             </a:r>
             <a:r>
-              <a:rPr lang="en-GB" sz="1200" dirty="0">
+              <a:rPr lang="de-DE" sz="1200" dirty="0">
                 <a:ln w="3175">
                   <a:noFill/>
                 </a:ln>
@@ -8274,7 +10378,7 @@
               <a:buNone/>
             </a:pPr>
             <a:r>
-              <a:rPr lang="en-GB" sz="1200" dirty="0">
+              <a:rPr lang="de-DE" sz="1200" dirty="0">
                 <a:ln w="3175">
                   <a:noFill/>
                 </a:ln>
@@ -8286,7 +10390,7 @@
               <a:t>      </a:t>
             </a:r>
             <a:r>
-              <a:rPr lang="en-GB" sz="1200" dirty="0" err="1">
+              <a:rPr lang="de-DE" sz="1200" dirty="0" err="1">
                 <a:ln w="3175">
                   <a:noFill/>
                 </a:ln>
@@ -8298,7 +10402,7 @@
               <a:t>fclose</a:t>
             </a:r>
             <a:r>
-              <a:rPr lang="en-GB" sz="1200" dirty="0">
+              <a:rPr lang="de-DE" sz="1200" dirty="0">
                 <a:ln w="3175">
                   <a:noFill/>
                 </a:ln>
@@ -8310,7 +10414,7 @@
               <a:t>(</a:t>
             </a:r>
             <a:r>
-              <a:rPr lang="en-GB" sz="1200" dirty="0">
+              <a:rPr lang="de-DE" sz="1200" dirty="0">
                 <a:ln w="3175">
                   <a:noFill/>
                 </a:ln>
@@ -8322,7 +10426,7 @@
               <a:t>f_</a:t>
             </a:r>
             <a:r>
-              <a:rPr lang="en-GB" sz="1200" dirty="0">
+              <a:rPr lang="de-DE" sz="1200" dirty="0">
                 <a:ln w="3175">
                   <a:noFill/>
                 </a:ln>
@@ -8345,7 +10449,7 @@
               <a:buNone/>
             </a:pPr>
             <a:r>
-              <a:rPr lang="en-GB" sz="1200" dirty="0">
+              <a:rPr lang="de-DE" sz="1200" dirty="0">
                 <a:ln w="3175">
                   <a:noFill/>
                 </a:ln>
@@ -8368,7 +10472,7 @@
               <a:buNone/>
             </a:pPr>
             <a:r>
-              <a:rPr lang="en-GB" sz="1200" dirty="0">
+              <a:rPr lang="de-DE" sz="1200" dirty="0">
                 <a:ln w="3175">
                   <a:noFill/>
                 </a:ln>
@@ -8391,7 +10495,7 @@
               <a:buNone/>
             </a:pPr>
             <a:r>
-              <a:rPr lang="en-GB" sz="1200" dirty="0">
+              <a:rPr lang="de-DE" sz="1200" dirty="0">
                 <a:ln w="3175">
                   <a:noFill/>
                 </a:ln>
@@ -8402,7 +10506,7 @@
               </a:rPr>
               <a:t>private:</a:t>
             </a:r>
-            <a:endParaRPr lang="en-GB" sz="1200" dirty="0">
+            <a:endParaRPr lang="de-DE" sz="1200" dirty="0">
               <a:ln w="3175">
                 <a:noFill/>
               </a:ln>
@@ -8423,7 +10527,7 @@
               <a:buNone/>
             </a:pPr>
             <a:r>
-              <a:rPr lang="en-GB" sz="1200" dirty="0">
+              <a:rPr lang="de-DE" sz="1200" dirty="0">
                 <a:ln w="3175">
                   <a:noFill/>
                 </a:ln>
@@ -8435,7 +10539,7 @@
               <a:t>  </a:t>
             </a:r>
             <a:r>
-              <a:rPr lang="en-GB" sz="1200" dirty="0">
+              <a:rPr lang="de-DE" sz="1200" dirty="0">
                 <a:ln w="3175">
                   <a:noFill/>
                 </a:ln>
@@ -8447,7 +10551,7 @@
               <a:t>FILE</a:t>
             </a:r>
             <a:r>
-              <a:rPr lang="en-GB" sz="1200" dirty="0">
+              <a:rPr lang="de-DE" sz="1200" dirty="0">
                 <a:ln w="3175">
                   <a:noFill/>
                 </a:ln>
@@ -8459,7 +10563,7 @@
               <a:t>* </a:t>
             </a:r>
             <a:r>
-              <a:rPr lang="en-GB" sz="1200" dirty="0">
+              <a:rPr lang="de-DE" sz="1200" dirty="0">
                 <a:ln w="3175">
                   <a:noFill/>
                 </a:ln>
@@ -8471,7 +10575,7 @@
               <a:t>f_</a:t>
             </a:r>
             <a:r>
-              <a:rPr lang="en-GB" sz="1200" dirty="0">
+              <a:rPr lang="de-DE" sz="1200" dirty="0">
                 <a:ln w="3175">
                   <a:noFill/>
                 </a:ln>
@@ -8494,7 +10598,7 @@
               <a:buNone/>
             </a:pPr>
             <a:r>
-              <a:rPr lang="en-GB" sz="1200" dirty="0">
+              <a:rPr lang="de-DE" sz="1200" dirty="0">
                 <a:ln w="3175">
                   <a:noFill/>
                 </a:ln>
@@ -8506,7 +10610,7 @@
               <a:t>};</a:t>
             </a:r>
             <a:br>
-              <a:rPr lang="en-GB" sz="1200" dirty="0">
+              <a:rPr lang="de-DE" sz="1200" dirty="0">
                 <a:ln w="3175">
                   <a:noFill/>
                 </a:ln>
@@ -8517,7 +10621,7 @@
               </a:rPr>
             </a:br>
             <a:r>
-              <a:rPr lang="en-GB" sz="1200" dirty="0">
+              <a:rPr lang="de-DE" sz="1200" dirty="0" err="1">
                 <a:ln w="3175">
                   <a:noFill/>
                 </a:ln>
@@ -8529,7 +10633,7 @@
               <a:t>void</a:t>
             </a:r>
             <a:r>
-              <a:rPr lang="en-GB" sz="1200" dirty="0">
+              <a:rPr lang="de-DE" sz="1200" dirty="0">
                 <a:ln w="3175">
                   <a:noFill/>
                 </a:ln>
@@ -8541,7 +10645,7 @@
               <a:t> </a:t>
             </a:r>
             <a:r>
-              <a:rPr lang="en-GB" sz="1200" dirty="0" err="1">
+              <a:rPr lang="de-DE" sz="1200" dirty="0" err="1">
                 <a:ln w="3175">
                   <a:noFill/>
                 </a:ln>
@@ -8553,7 +10657,7 @@
               <a:t>printFirstChar</a:t>
             </a:r>
             <a:r>
-              <a:rPr lang="en-GB" sz="1200" dirty="0">
+              <a:rPr lang="de-DE" sz="1200" dirty="0">
                 <a:ln w="3175">
                   <a:noFill/>
                 </a:ln>
@@ -8565,7 +10669,7 @@
               <a:t>(</a:t>
             </a:r>
             <a:r>
-              <a:rPr lang="en-GB" sz="1200" dirty="0">
+              <a:rPr lang="de-DE" sz="1200" dirty="0" err="1">
                 <a:ln w="3175">
                   <a:noFill/>
                 </a:ln>
@@ -8577,7 +10681,7 @@
               <a:t>std</a:t>
             </a:r>
             <a:r>
-              <a:rPr lang="en-GB" sz="1200" dirty="0">
+              <a:rPr lang="de-DE" sz="1200" dirty="0">
                 <a:ln w="3175">
                   <a:noFill/>
                 </a:ln>
@@ -8589,7 +10693,7 @@
               <a:t>::</a:t>
             </a:r>
             <a:r>
-              <a:rPr lang="en-GB" sz="1200" dirty="0">
+              <a:rPr lang="de-DE" sz="1200" dirty="0" err="1">
                 <a:ln w="3175">
                   <a:noFill/>
                 </a:ln>
@@ -8601,7 +10705,7 @@
               <a:t>string</a:t>
             </a:r>
             <a:r>
-              <a:rPr lang="en-GB" sz="1200" dirty="0">
+              <a:rPr lang="de-DE" sz="1200" dirty="0">
                 <a:ln w="3175">
                   <a:noFill/>
                 </a:ln>
@@ -8613,7 +10717,7 @@
               <a:t> </a:t>
             </a:r>
             <a:r>
-              <a:rPr lang="en-GB" sz="1200" dirty="0">
+              <a:rPr lang="de-DE" sz="1200" dirty="0" err="1">
                 <a:ln w="3175">
                   <a:noFill/>
                 </a:ln>
@@ -8625,7 +10729,7 @@
               <a:t>filename</a:t>
             </a:r>
             <a:r>
-              <a:rPr lang="en-GB" sz="1200" dirty="0">
+              <a:rPr lang="de-DE" sz="1200" dirty="0">
                 <a:ln w="3175">
                   <a:noFill/>
                 </a:ln>
@@ -8648,7 +10752,7 @@
               <a:buNone/>
             </a:pPr>
             <a:r>
-              <a:rPr lang="en-GB" sz="1200" dirty="0">
+              <a:rPr lang="de-DE" sz="1200" dirty="0">
                 <a:ln w="3175">
                   <a:noFill/>
                 </a:ln>
@@ -8660,7 +10764,7 @@
               <a:t>  </a:t>
             </a:r>
             <a:r>
-              <a:rPr lang="en-GB" sz="1200" dirty="0" err="1">
+              <a:rPr lang="de-DE" sz="1200" dirty="0" err="1">
                 <a:ln w="3175">
                   <a:noFill/>
                 </a:ln>
@@ -8672,7 +10776,7 @@
               <a:t>FileHandle</a:t>
             </a:r>
             <a:r>
-              <a:rPr lang="en-GB" sz="1200" dirty="0">
+              <a:rPr lang="de-DE" sz="1200" dirty="0">
                 <a:ln w="3175">
                   <a:noFill/>
                 </a:ln>
@@ -8684,7 +10788,7 @@
               <a:t> </a:t>
             </a:r>
             <a:r>
-              <a:rPr lang="en-GB" sz="1200" dirty="0">
+              <a:rPr lang="de-DE" sz="1200" dirty="0">
                 <a:ln w="3175">
                   <a:noFill/>
                 </a:ln>
@@ -8696,7 +10800,7 @@
               <a:t>handle</a:t>
             </a:r>
             <a:r>
-              <a:rPr lang="en-GB" sz="1200" dirty="0">
+              <a:rPr lang="de-DE" sz="1200" dirty="0">
                 <a:ln w="3175">
                   <a:noFill/>
                 </a:ln>
@@ -8708,7 +10812,7 @@
               <a:t>(</a:t>
             </a:r>
             <a:r>
-              <a:rPr lang="en-GB" sz="1200" dirty="0" err="1">
+              <a:rPr lang="de-DE" sz="1200" dirty="0" err="1">
                 <a:ln w="3175">
                   <a:noFill/>
                 </a:ln>
@@ -8720,7 +10824,7 @@
               <a:t>filename</a:t>
             </a:r>
             <a:r>
-              <a:rPr lang="en-GB" sz="1200" dirty="0" err="1">
+              <a:rPr lang="de-DE" sz="1200" dirty="0" err="1">
                 <a:ln w="3175">
                   <a:noFill/>
                 </a:ln>
@@ -8732,7 +10836,7 @@
               <a:t>.</a:t>
             </a:r>
             <a:r>
-              <a:rPr lang="en-GB" sz="1200" dirty="0" err="1">
+              <a:rPr lang="de-DE" sz="1200" dirty="0" err="1">
                 <a:ln w="3175">
                   <a:noFill/>
                 </a:ln>
@@ -8744,7 +10848,7 @@
               <a:t>c_str</a:t>
             </a:r>
             <a:r>
-              <a:rPr lang="en-GB" sz="1200" dirty="0">
+              <a:rPr lang="de-DE" sz="1200" dirty="0">
                 <a:ln w="3175">
                   <a:noFill/>
                 </a:ln>
@@ -8767,7 +10871,7 @@
               <a:buNone/>
             </a:pPr>
             <a:r>
-              <a:rPr lang="en-GB" sz="1200" dirty="0">
+              <a:rPr lang="de-DE" sz="1200" dirty="0">
                 <a:ln w="3175">
                   <a:noFill/>
                 </a:ln>
@@ -8779,7 +10883,7 @@
               <a:t>  </a:t>
             </a:r>
             <a:r>
-              <a:rPr lang="en-GB" sz="1200" dirty="0">
+              <a:rPr lang="de-DE" sz="1200" dirty="0" err="1">
                 <a:ln w="3175">
                   <a:noFill/>
                 </a:ln>
@@ -8791,7 +10895,7 @@
               <a:t>int</a:t>
             </a:r>
             <a:r>
-              <a:rPr lang="en-GB" sz="1200" dirty="0">
+              <a:rPr lang="de-DE" sz="1200" dirty="0">
                 <a:ln w="3175">
                   <a:noFill/>
                 </a:ln>
@@ -8803,7 +10907,7 @@
               <a:t> </a:t>
             </a:r>
             <a:r>
-              <a:rPr lang="en-GB" sz="1200" dirty="0" err="1">
+              <a:rPr lang="de-DE" sz="1200" dirty="0" err="1">
                 <a:ln w="3175">
                   <a:noFill/>
                 </a:ln>
@@ -8815,7 +10919,7 @@
               <a:t>firstchar</a:t>
             </a:r>
             <a:r>
-              <a:rPr lang="en-GB" sz="1200" dirty="0">
+              <a:rPr lang="de-DE" sz="1200" dirty="0">
                 <a:ln w="3175">
                   <a:noFill/>
                 </a:ln>
@@ -8827,7 +10931,7 @@
               <a:t> = </a:t>
             </a:r>
             <a:r>
-              <a:rPr lang="en-GB" sz="1200" dirty="0" err="1">
+              <a:rPr lang="de-DE" sz="1200" dirty="0" err="1">
                 <a:ln w="3175">
                   <a:noFill/>
                 </a:ln>
@@ -8839,7 +10943,7 @@
               <a:t>fgetc</a:t>
             </a:r>
             <a:r>
-              <a:rPr lang="en-GB" sz="1200" dirty="0">
+              <a:rPr lang="de-DE" sz="1200" dirty="0">
                 <a:ln w="3175">
                   <a:noFill/>
                 </a:ln>
@@ -8851,7 +10955,7 @@
               <a:t>(</a:t>
             </a:r>
             <a:r>
-              <a:rPr lang="en-GB" sz="1200" dirty="0" err="1">
+              <a:rPr lang="de-DE" sz="1200" dirty="0" err="1">
                 <a:ln w="3175">
                   <a:noFill/>
                 </a:ln>
@@ -8863,7 +10967,7 @@
               <a:t>handle</a:t>
             </a:r>
             <a:r>
-              <a:rPr lang="en-GB" sz="1200" dirty="0" err="1">
+              <a:rPr lang="de-DE" sz="1200" dirty="0" err="1">
                 <a:ln w="3175">
                   <a:noFill/>
                 </a:ln>
@@ -8872,10 +10976,10 @@
                 </a:solidFill>
                 <a:latin typeface="Consolas" panose="020B0609020204030204" pitchFamily="49" charset="0"/>
               </a:rPr>
-              <a:t>.</a:t>
-            </a:r>
-            <a:r>
-              <a:rPr lang="en-GB" sz="1200" dirty="0" err="1">
+              <a:t>.getF</a:t>
+            </a:r>
+            <a:r>
+              <a:rPr lang="de-DE" sz="1200" dirty="0" err="1">
                 <a:ln w="3175">
                   <a:noFill/>
                 </a:ln>
@@ -8884,10 +10988,10 @@
                 </a:solidFill>
                 <a:latin typeface="Consolas" panose="020B0609020204030204" pitchFamily="49" charset="0"/>
               </a:rPr>
-              <a:t>file</a:t>
-            </a:r>
-            <a:r>
-              <a:rPr lang="en-GB" sz="1200" dirty="0">
+              <a:t>ile</a:t>
+            </a:r>
+            <a:r>
+              <a:rPr lang="de-DE" sz="1200" dirty="0">
                 <a:ln w="3175">
                   <a:noFill/>
                 </a:ln>
@@ -8909,7 +11013,7 @@
               </a:spcBef>
               <a:buNone/>
             </a:pPr>
-            <a:endParaRPr lang="en-GB" sz="1200" dirty="0">
+            <a:endParaRPr lang="de-DE" sz="1200" dirty="0">
               <a:ln w="3175">
                 <a:noFill/>
               </a:ln>
@@ -8930,7 +11034,7 @@
               <a:buNone/>
             </a:pPr>
             <a:r>
-              <a:rPr lang="en-GB" sz="1200" dirty="0">
+              <a:rPr lang="de-DE" sz="1200" dirty="0">
                 <a:ln w="3175">
                   <a:noFill/>
                 </a:ln>
@@ -8942,7 +11046,7 @@
               <a:t>  </a:t>
             </a:r>
             <a:r>
-              <a:rPr lang="en-GB" sz="1200" dirty="0">
+              <a:rPr lang="de-DE" sz="1200" dirty="0" err="1">
                 <a:ln w="3175">
                   <a:noFill/>
                 </a:ln>
@@ -8954,7 +11058,7 @@
               <a:t>std</a:t>
             </a:r>
             <a:r>
-              <a:rPr lang="en-GB" sz="1200" dirty="0">
+              <a:rPr lang="de-DE" sz="1200" dirty="0">
                 <a:ln w="3175">
                   <a:noFill/>
                 </a:ln>
@@ -8966,7 +11070,7 @@
               <a:t>::</a:t>
             </a:r>
             <a:r>
-              <a:rPr lang="en-GB" sz="1200" dirty="0" err="1">
+              <a:rPr lang="de-DE" sz="1200" dirty="0" err="1">
                 <a:ln w="3175">
                   <a:noFill/>
                 </a:ln>
@@ -8978,7 +11082,7 @@
               <a:t>cout</a:t>
             </a:r>
             <a:r>
-              <a:rPr lang="en-GB" sz="1200" dirty="0">
+              <a:rPr lang="de-DE" sz="1200" dirty="0">
                 <a:ln w="3175">
                   <a:noFill/>
                 </a:ln>
@@ -8990,7 +11094,7 @@
               <a:t> </a:t>
             </a:r>
             <a:r>
-              <a:rPr lang="en-GB" sz="1200" dirty="0">
+              <a:rPr lang="de-DE" sz="1200" dirty="0">
                 <a:ln w="3175">
                   <a:noFill/>
                 </a:ln>
@@ -9002,7 +11106,7 @@
               <a:t>&lt;&lt;</a:t>
             </a:r>
             <a:r>
-              <a:rPr lang="en-GB" sz="1200" dirty="0">
+              <a:rPr lang="de-DE" sz="1200" dirty="0">
                 <a:ln w="3175">
                   <a:noFill/>
                 </a:ln>
@@ -9014,7 +11118,7 @@
               <a:t> </a:t>
             </a:r>
             <a:r>
-              <a:rPr lang="en-GB" sz="1200" dirty="0">
+              <a:rPr lang="de-DE" sz="1200" dirty="0">
                 <a:ln w="3175">
                   <a:noFill/>
                 </a:ln>
@@ -9023,58 +11127,58 @@
                 </a:solidFill>
                 <a:latin typeface="Consolas" panose="020B0609020204030204" pitchFamily="49" charset="0"/>
               </a:rPr>
-              <a:t>"first char in file:'"</a:t>
-            </a:r>
-            <a:r>
-              <a:rPr lang="en-GB" sz="1200" dirty="0">
+              <a:t>"</a:t>
+            </a:r>
+            <a:r>
+              <a:rPr lang="de-DE" sz="1200" dirty="0" err="1">
                 <a:ln w="3175">
                   <a:noFill/>
                 </a:ln>
                 <a:solidFill>
-                  <a:srgbClr val="D4D4D4"/>
-                </a:solidFill>
-                <a:latin typeface="Consolas" panose="020B0609020204030204" pitchFamily="49" charset="0"/>
-              </a:rPr>
-              <a:t> </a:t>
-            </a:r>
-            <a:r>
-              <a:rPr lang="en-GB" sz="1200" dirty="0">
+                  <a:srgbClr val="CE9178"/>
+                </a:solidFill>
+                <a:latin typeface="Consolas" panose="020B0609020204030204" pitchFamily="49" charset="0"/>
+              </a:rPr>
+              <a:t>first</a:t>
+            </a:r>
+            <a:r>
+              <a:rPr lang="de-DE" sz="1200" dirty="0">
                 <a:ln w="3175">
                   <a:noFill/>
                 </a:ln>
                 <a:solidFill>
-                  <a:srgbClr val="DCDCAA"/>
-                </a:solidFill>
-                <a:latin typeface="Consolas" panose="020B0609020204030204" pitchFamily="49" charset="0"/>
-              </a:rPr>
-              <a:t>&lt;&lt;</a:t>
-            </a:r>
-            <a:r>
-              <a:rPr lang="en-GB" sz="1200" dirty="0">
+                  <a:srgbClr val="CE9178"/>
+                </a:solidFill>
+                <a:latin typeface="Consolas" panose="020B0609020204030204" pitchFamily="49" charset="0"/>
+              </a:rPr>
+              <a:t> </a:t>
+            </a:r>
+            <a:r>
+              <a:rPr lang="de-DE" sz="1200" dirty="0" err="1">
                 <a:ln w="3175">
                   <a:noFill/>
                 </a:ln>
                 <a:solidFill>
-                  <a:srgbClr val="D4D4D4"/>
-                </a:solidFill>
-                <a:latin typeface="Consolas" panose="020B0609020204030204" pitchFamily="49" charset="0"/>
-              </a:rPr>
-              <a:t> </a:t>
-            </a:r>
-            <a:r>
-              <a:rPr lang="en-GB" sz="1200" dirty="0" err="1">
+                  <a:srgbClr val="CE9178"/>
+                </a:solidFill>
+                <a:latin typeface="Consolas" panose="020B0609020204030204" pitchFamily="49" charset="0"/>
+              </a:rPr>
+              <a:t>char</a:t>
+            </a:r>
+            <a:r>
+              <a:rPr lang="de-DE" sz="1200" dirty="0">
                 <a:ln w="3175">
                   <a:noFill/>
                 </a:ln>
                 <a:solidFill>
-                  <a:srgbClr val="9CDCFE"/>
-                </a:solidFill>
-                <a:latin typeface="Consolas" panose="020B0609020204030204" pitchFamily="49" charset="0"/>
-              </a:rPr>
-              <a:t>firstchar</a:t>
-            </a:r>
-            <a:r>
-              <a:rPr lang="en-GB" sz="1200" dirty="0">
+                  <a:srgbClr val="CE9178"/>
+                </a:solidFill>
+                <a:latin typeface="Consolas" panose="020B0609020204030204" pitchFamily="49" charset="0"/>
+              </a:rPr>
+              <a:t> in file:'"</a:t>
+            </a:r>
+            <a:r>
+              <a:rPr lang="de-DE" sz="1200" dirty="0">
                 <a:ln w="3175">
                   <a:noFill/>
                 </a:ln>
@@ -9086,7 +11190,7 @@
               <a:t> </a:t>
             </a:r>
             <a:r>
-              <a:rPr lang="en-GB" sz="1200" dirty="0">
+              <a:rPr lang="de-DE" sz="1200" dirty="0">
                 <a:ln w="3175">
                   <a:noFill/>
                 </a:ln>
@@ -9098,7 +11202,7 @@
               <a:t>&lt;&lt;</a:t>
             </a:r>
             <a:r>
-              <a:rPr lang="en-GB" sz="1200" dirty="0">
+              <a:rPr lang="de-DE" sz="1200" dirty="0">
                 <a:ln w="3175">
                   <a:noFill/>
                 </a:ln>
@@ -9110,11 +11214,59 @@
               <a:t> </a:t>
             </a:r>
             <a:r>
-              <a:rPr lang="en-GB" sz="1200" dirty="0">
+              <a:rPr lang="de-DE" sz="1200" dirty="0" err="1">
                 <a:ln w="3175">
                   <a:noFill/>
                 </a:ln>
                 <a:solidFill>
+                  <a:srgbClr val="9CDCFE"/>
+                </a:solidFill>
+                <a:latin typeface="Consolas" panose="020B0609020204030204" pitchFamily="49" charset="0"/>
+              </a:rPr>
+              <a:t>firstchar</a:t>
+            </a:r>
+            <a:r>
+              <a:rPr lang="de-DE" sz="1200" dirty="0">
+                <a:ln w="3175">
+                  <a:noFill/>
+                </a:ln>
+                <a:solidFill>
+                  <a:srgbClr val="D4D4D4"/>
+                </a:solidFill>
+                <a:latin typeface="Consolas" panose="020B0609020204030204" pitchFamily="49" charset="0"/>
+              </a:rPr>
+              <a:t> </a:t>
+            </a:r>
+            <a:r>
+              <a:rPr lang="de-DE" sz="1200" dirty="0">
+                <a:ln w="3175">
+                  <a:noFill/>
+                </a:ln>
+                <a:solidFill>
+                  <a:srgbClr val="DCDCAA"/>
+                </a:solidFill>
+                <a:latin typeface="Consolas" panose="020B0609020204030204" pitchFamily="49" charset="0"/>
+              </a:rPr>
+              <a:t>&lt;&lt;</a:t>
+            </a:r>
+            <a:r>
+              <a:rPr lang="de-DE" sz="1200" dirty="0">
+                <a:ln w="3175">
+                  <a:noFill/>
+                </a:ln>
+                <a:solidFill>
+                  <a:srgbClr val="D4D4D4"/>
+                </a:solidFill>
+                <a:latin typeface="Consolas" panose="020B0609020204030204" pitchFamily="49" charset="0"/>
+              </a:rPr>
+              <a:t> </a:t>
+            </a:r>
+            <a:r>
+              <a:rPr lang="de-DE" sz="1200" dirty="0">
+                <a:ln w="3175">
+                  <a:noFill/>
+                </a:ln>
+                <a:solidFill>
                   <a:srgbClr val="CE9178"/>
                 </a:solidFill>
                 <a:latin typeface="Consolas" panose="020B0609020204030204" pitchFamily="49" charset="0"/>
@@ -9122,7 +11274,7 @@
               <a:t>"'"</a:t>
             </a:r>
             <a:r>
-              <a:rPr lang="en-GB" sz="1200" dirty="0">
+              <a:rPr lang="de-DE" sz="1200" dirty="0">
                 <a:ln w="3175">
                   <a:noFill/>
                 </a:ln>
@@ -9145,7 +11297,7 @@
               <a:buNone/>
             </a:pPr>
             <a:r>
-              <a:rPr lang="en-GB" sz="1200" dirty="0">
+              <a:rPr lang="de-DE" sz="1200" dirty="0">
                 <a:solidFill>
                   <a:srgbClr val="D4D4D4"/>
                 </a:solidFill>
@@ -9170,7 +11322,7 @@
         </p:nvSpPr>
         <p:spPr>
           <a:xfrm rot="5400000">
-            <a:off x="9853553" y="3435484"/>
+            <a:off x="8681005" y="3432735"/>
             <a:ext cx="512925" cy="1008112"/>
           </a:xfrm>
           <a:prstGeom prst="downArrow">
@@ -9199,9 +11351,10 @@
           <a:p>
             <a:pPr algn="ctr"/>
             <a:r>
-              <a:rPr lang="en-GB" sz="2000" dirty="0"/>
+              <a:rPr lang="de-DE" sz="2000" dirty="0"/>
               <a:t>3.</a:t>
             </a:r>
+            <a:endParaRPr lang="en-GB" sz="2000" dirty="0"/>
           </a:p>
         </p:txBody>
       </p:sp>
@@ -9234,9 +11387,14 @@
           <a:lstStyle/>
           <a:p>
             <a:r>
-              <a:rPr lang="en-GB" sz="1800" dirty="0"/>
-              <a:t>Example in C++</a:t>
-            </a:r>
+              <a:rPr lang="de-DE" sz="1800" dirty="0" err="1"/>
+              <a:t>Example</a:t>
+            </a:r>
+            <a:r>
+              <a:rPr lang="de-DE" sz="1800" dirty="0"/>
+              <a:t> in C++</a:t>
+            </a:r>
+            <a:endParaRPr lang="en-GB" sz="1800" dirty="0"/>
           </a:p>
         </p:txBody>
       </p:sp>
@@ -9254,7 +11412,7 @@
         </p:nvSpPr>
         <p:spPr>
           <a:xfrm rot="5400000">
-            <a:off x="10590477" y="4903527"/>
+            <a:off x="10192011" y="4837591"/>
             <a:ext cx="512925" cy="1008112"/>
           </a:xfrm>
           <a:prstGeom prst="downArrow">
@@ -9283,9 +11441,10 @@
           <a:p>
             <a:pPr algn="ctr"/>
             <a:r>
-              <a:rPr lang="en-GB" sz="2000" dirty="0"/>
+              <a:rPr lang="de-DE" sz="2000" dirty="0"/>
               <a:t>2.</a:t>
             </a:r>
+            <a:endParaRPr lang="en-GB" sz="2000" dirty="0"/>
           </a:p>
         </p:txBody>
       </p:sp>
@@ -9303,7 +11462,7 @@
         </p:nvSpPr>
         <p:spPr>
           <a:xfrm rot="5400000">
-            <a:off x="9806773" y="2253687"/>
+            <a:off x="9438349" y="2094756"/>
             <a:ext cx="512925" cy="1008112"/>
           </a:xfrm>
           <a:prstGeom prst="downArrow">
@@ -9332,9 +11491,10 @@
           <a:p>
             <a:pPr algn="ctr"/>
             <a:r>
-              <a:rPr lang="en-GB" sz="2000" dirty="0"/>
+              <a:rPr lang="de-DE" sz="2000" dirty="0"/>
               <a:t>1.</a:t>
             </a:r>
+            <a:endParaRPr lang="en-GB" sz="2000" dirty="0"/>
           </a:p>
         </p:txBody>
       </p:sp>
@@ -9360,6 +11520,1096 @@
       </p:transition>
     </mc:Fallback>
   </mc:AlternateContent>
+  <p:timing>
+    <p:tnLst>
+      <p:par>
+        <p:cTn id="1" dur="indefinite" restart="never" nodeType="tmRoot">
+          <p:childTnLst>
+            <p:seq concurrent="1" nextAc="seek">
+              <p:cTn id="2" dur="indefinite" nodeType="mainSeq">
+                <p:childTnLst>
+                  <p:par>
+                    <p:cTn id="3" fill="hold">
+                      <p:stCondLst>
+                        <p:cond delay="indefinite"/>
+                      </p:stCondLst>
+                      <p:childTnLst>
+                        <p:par>
+                          <p:cTn id="4" fill="hold">
+                            <p:stCondLst>
+                              <p:cond delay="0"/>
+                            </p:stCondLst>
+                            <p:childTnLst>
+                              <p:par>
+                                <p:cTn id="5" presetID="1" presetClass="entr" presetSubtype="0" fill="hold" grpId="0" nodeType="clickEffect">
+                                  <p:stCondLst>
+                                    <p:cond delay="0"/>
+                                  </p:stCondLst>
+                                  <p:childTnLst>
+                                    <p:set>
+                                      <p:cBhvr>
+                                        <p:cTn id="6" dur="1" fill="hold">
+                                          <p:stCondLst>
+                                            <p:cond delay="0"/>
+                                          </p:stCondLst>
+                                        </p:cTn>
+                                        <p:tgtEl>
+                                          <p:spTgt spid="5">
+                                            <p:txEl>
+                                              <p:pRg st="0" end="0"/>
+                                            </p:txEl>
+                                          </p:spTgt>
+                                        </p:tgtEl>
+                                        <p:attrNameLst>
+                                          <p:attrName>style.visibility</p:attrName>
+                                        </p:attrNameLst>
+                                      </p:cBhvr>
+                                      <p:to>
+                                        <p:strVal val="visible"/>
+                                      </p:to>
+                                    </p:set>
+                                  </p:childTnLst>
+                                </p:cTn>
+                              </p:par>
+                            </p:childTnLst>
+                          </p:cTn>
+                        </p:par>
+                      </p:childTnLst>
+                    </p:cTn>
+                  </p:par>
+                  <p:par>
+                    <p:cTn id="7" fill="hold">
+                      <p:stCondLst>
+                        <p:cond delay="indefinite"/>
+                      </p:stCondLst>
+                      <p:childTnLst>
+                        <p:par>
+                          <p:cTn id="8" fill="hold">
+                            <p:stCondLst>
+                              <p:cond delay="0"/>
+                            </p:stCondLst>
+                            <p:childTnLst>
+                              <p:par>
+                                <p:cTn id="9" presetID="1" presetClass="entr" presetSubtype="0" fill="hold" grpId="0" nodeType="clickEffect">
+                                  <p:stCondLst>
+                                    <p:cond delay="0"/>
+                                  </p:stCondLst>
+                                  <p:childTnLst>
+                                    <p:set>
+                                      <p:cBhvr>
+                                        <p:cTn id="10" dur="1" fill="hold">
+                                          <p:stCondLst>
+                                            <p:cond delay="0"/>
+                                          </p:stCondLst>
+                                        </p:cTn>
+                                        <p:tgtEl>
+                                          <p:spTgt spid="5">
+                                            <p:txEl>
+                                              <p:pRg st="1" end="1"/>
+                                            </p:txEl>
+                                          </p:spTgt>
+                                        </p:tgtEl>
+                                        <p:attrNameLst>
+                                          <p:attrName>style.visibility</p:attrName>
+                                        </p:attrNameLst>
+                                      </p:cBhvr>
+                                      <p:to>
+                                        <p:strVal val="visible"/>
+                                      </p:to>
+                                    </p:set>
+                                  </p:childTnLst>
+                                </p:cTn>
+                              </p:par>
+                            </p:childTnLst>
+                          </p:cTn>
+                        </p:par>
+                      </p:childTnLst>
+                    </p:cTn>
+                  </p:par>
+                  <p:par>
+                    <p:cTn id="11" fill="hold">
+                      <p:stCondLst>
+                        <p:cond delay="indefinite"/>
+                      </p:stCondLst>
+                      <p:childTnLst>
+                        <p:par>
+                          <p:cTn id="12" fill="hold">
+                            <p:stCondLst>
+                              <p:cond delay="0"/>
+                            </p:stCondLst>
+                            <p:childTnLst>
+                              <p:par>
+                                <p:cTn id="13" presetID="1" presetClass="entr" presetSubtype="0" fill="hold" grpId="0" nodeType="clickEffect">
+                                  <p:stCondLst>
+                                    <p:cond delay="0"/>
+                                  </p:stCondLst>
+                                  <p:childTnLst>
+                                    <p:set>
+                                      <p:cBhvr>
+                                        <p:cTn id="14" dur="1" fill="hold">
+                                          <p:stCondLst>
+                                            <p:cond delay="0"/>
+                                          </p:stCondLst>
+                                        </p:cTn>
+                                        <p:tgtEl>
+                                          <p:spTgt spid="5">
+                                            <p:txEl>
+                                              <p:pRg st="2" end="2"/>
+                                            </p:txEl>
+                                          </p:spTgt>
+                                        </p:tgtEl>
+                                        <p:attrNameLst>
+                                          <p:attrName>style.visibility</p:attrName>
+                                        </p:attrNameLst>
+                                      </p:cBhvr>
+                                      <p:to>
+                                        <p:strVal val="visible"/>
+                                      </p:to>
+                                    </p:set>
+                                  </p:childTnLst>
+                                </p:cTn>
+                              </p:par>
+                            </p:childTnLst>
+                          </p:cTn>
+                        </p:par>
+                      </p:childTnLst>
+                    </p:cTn>
+                  </p:par>
+                  <p:par>
+                    <p:cTn id="15" fill="hold">
+                      <p:stCondLst>
+                        <p:cond delay="indefinite"/>
+                      </p:stCondLst>
+                      <p:childTnLst>
+                        <p:par>
+                          <p:cTn id="16" fill="hold">
+                            <p:stCondLst>
+                              <p:cond delay="0"/>
+                            </p:stCondLst>
+                            <p:childTnLst>
+                              <p:par>
+                                <p:cTn id="17" presetID="1" presetClass="entr" presetSubtype="0" fill="hold" grpId="0" nodeType="clickEffect">
+                                  <p:stCondLst>
+                                    <p:cond delay="0"/>
+                                  </p:stCondLst>
+                                  <p:childTnLst>
+                                    <p:set>
+                                      <p:cBhvr>
+                                        <p:cTn id="18" dur="1" fill="hold">
+                                          <p:stCondLst>
+                                            <p:cond delay="0"/>
+                                          </p:stCondLst>
+                                        </p:cTn>
+                                        <p:tgtEl>
+                                          <p:spTgt spid="5">
+                                            <p:txEl>
+                                              <p:pRg st="3" end="3"/>
+                                            </p:txEl>
+                                          </p:spTgt>
+                                        </p:tgtEl>
+                                        <p:attrNameLst>
+                                          <p:attrName>style.visibility</p:attrName>
+                                        </p:attrNameLst>
+                                      </p:cBhvr>
+                                      <p:to>
+                                        <p:strVal val="visible"/>
+                                      </p:to>
+                                    </p:set>
+                                  </p:childTnLst>
+                                </p:cTn>
+                              </p:par>
+                            </p:childTnLst>
+                          </p:cTn>
+                        </p:par>
+                      </p:childTnLst>
+                    </p:cTn>
+                  </p:par>
+                  <p:par>
+                    <p:cTn id="19" fill="hold">
+                      <p:stCondLst>
+                        <p:cond delay="indefinite"/>
+                      </p:stCondLst>
+                      <p:childTnLst>
+                        <p:par>
+                          <p:cTn id="20" fill="hold">
+                            <p:stCondLst>
+                              <p:cond delay="0"/>
+                            </p:stCondLst>
+                            <p:childTnLst>
+                              <p:par>
+                                <p:cTn id="21" presetID="1" presetClass="entr" presetSubtype="0" fill="hold" grpId="0" nodeType="clickEffect">
+                                  <p:stCondLst>
+                                    <p:cond delay="0"/>
+                                  </p:stCondLst>
+                                  <p:childTnLst>
+                                    <p:set>
+                                      <p:cBhvr>
+                                        <p:cTn id="22" dur="1" fill="hold">
+                                          <p:stCondLst>
+                                            <p:cond delay="0"/>
+                                          </p:stCondLst>
+                                        </p:cTn>
+                                        <p:tgtEl>
+                                          <p:spTgt spid="6">
+                                            <p:bg/>
+                                          </p:spTgt>
+                                        </p:tgtEl>
+                                        <p:attrNameLst>
+                                          <p:attrName>style.visibility</p:attrName>
+                                        </p:attrNameLst>
+                                      </p:cBhvr>
+                                      <p:to>
+                                        <p:strVal val="visible"/>
+                                      </p:to>
+                                    </p:set>
+                                  </p:childTnLst>
+                                </p:cTn>
+                              </p:par>
+                              <p:par>
+                                <p:cTn id="23" presetID="1" presetClass="entr" presetSubtype="0" fill="hold" grpId="0" nodeType="withEffect">
+                                  <p:stCondLst>
+                                    <p:cond delay="0"/>
+                                  </p:stCondLst>
+                                  <p:childTnLst>
+                                    <p:set>
+                                      <p:cBhvr>
+                                        <p:cTn id="24" dur="1" fill="hold">
+                                          <p:stCondLst>
+                                            <p:cond delay="0"/>
+                                          </p:stCondLst>
+                                        </p:cTn>
+                                        <p:tgtEl>
+                                          <p:spTgt spid="6">
+                                            <p:txEl>
+                                              <p:pRg st="0" end="0"/>
+                                            </p:txEl>
+                                          </p:spTgt>
+                                        </p:tgtEl>
+                                        <p:attrNameLst>
+                                          <p:attrName>style.visibility</p:attrName>
+                                        </p:attrNameLst>
+                                      </p:cBhvr>
+                                      <p:to>
+                                        <p:strVal val="visible"/>
+                                      </p:to>
+                                    </p:set>
+                                  </p:childTnLst>
+                                </p:cTn>
+                              </p:par>
+                              <p:par>
+                                <p:cTn id="25" presetID="1" presetClass="entr" presetSubtype="0" fill="hold" grpId="0" nodeType="withEffect">
+                                  <p:stCondLst>
+                                    <p:cond delay="0"/>
+                                  </p:stCondLst>
+                                  <p:childTnLst>
+                                    <p:set>
+                                      <p:cBhvr>
+                                        <p:cTn id="26" dur="1" fill="hold">
+                                          <p:stCondLst>
+                                            <p:cond delay="0"/>
+                                          </p:stCondLst>
+                                        </p:cTn>
+                                        <p:tgtEl>
+                                          <p:spTgt spid="6">
+                                            <p:txEl>
+                                              <p:pRg st="1" end="1"/>
+                                            </p:txEl>
+                                          </p:spTgt>
+                                        </p:tgtEl>
+                                        <p:attrNameLst>
+                                          <p:attrName>style.visibility</p:attrName>
+                                        </p:attrNameLst>
+                                      </p:cBhvr>
+                                      <p:to>
+                                        <p:strVal val="visible"/>
+                                      </p:to>
+                                    </p:set>
+                                  </p:childTnLst>
+                                </p:cTn>
+                              </p:par>
+                              <p:par>
+                                <p:cTn id="27" presetID="1" presetClass="entr" presetSubtype="0" fill="hold" grpId="0" nodeType="withEffect">
+                                  <p:stCondLst>
+                                    <p:cond delay="0"/>
+                                  </p:stCondLst>
+                                  <p:childTnLst>
+                                    <p:set>
+                                      <p:cBhvr>
+                                        <p:cTn id="28" dur="1" fill="hold">
+                                          <p:stCondLst>
+                                            <p:cond delay="0"/>
+                                          </p:stCondLst>
+                                        </p:cTn>
+                                        <p:tgtEl>
+                                          <p:spTgt spid="6">
+                                            <p:txEl>
+                                              <p:pRg st="2" end="2"/>
+                                            </p:txEl>
+                                          </p:spTgt>
+                                        </p:tgtEl>
+                                        <p:attrNameLst>
+                                          <p:attrName>style.visibility</p:attrName>
+                                        </p:attrNameLst>
+                                      </p:cBhvr>
+                                      <p:to>
+                                        <p:strVal val="visible"/>
+                                      </p:to>
+                                    </p:set>
+                                  </p:childTnLst>
+                                </p:cTn>
+                              </p:par>
+                              <p:par>
+                                <p:cTn id="29" presetID="1" presetClass="entr" presetSubtype="0" fill="hold" grpId="0" nodeType="withEffect">
+                                  <p:stCondLst>
+                                    <p:cond delay="0"/>
+                                  </p:stCondLst>
+                                  <p:childTnLst>
+                                    <p:set>
+                                      <p:cBhvr>
+                                        <p:cTn id="30" dur="1" fill="hold">
+                                          <p:stCondLst>
+                                            <p:cond delay="0"/>
+                                          </p:stCondLst>
+                                        </p:cTn>
+                                        <p:tgtEl>
+                                          <p:spTgt spid="6">
+                                            <p:txEl>
+                                              <p:pRg st="3" end="3"/>
+                                            </p:txEl>
+                                          </p:spTgt>
+                                        </p:tgtEl>
+                                        <p:attrNameLst>
+                                          <p:attrName>style.visibility</p:attrName>
+                                        </p:attrNameLst>
+                                      </p:cBhvr>
+                                      <p:to>
+                                        <p:strVal val="visible"/>
+                                      </p:to>
+                                    </p:set>
+                                  </p:childTnLst>
+                                </p:cTn>
+                              </p:par>
+                              <p:par>
+                                <p:cTn id="31" presetID="1" presetClass="entr" presetSubtype="0" fill="hold" grpId="0" nodeType="withEffect">
+                                  <p:stCondLst>
+                                    <p:cond delay="0"/>
+                                  </p:stCondLst>
+                                  <p:childTnLst>
+                                    <p:set>
+                                      <p:cBhvr>
+                                        <p:cTn id="32" dur="1" fill="hold">
+                                          <p:stCondLst>
+                                            <p:cond delay="0"/>
+                                          </p:stCondLst>
+                                        </p:cTn>
+                                        <p:tgtEl>
+                                          <p:spTgt spid="6">
+                                            <p:txEl>
+                                              <p:pRg st="4" end="4"/>
+                                            </p:txEl>
+                                          </p:spTgt>
+                                        </p:tgtEl>
+                                        <p:attrNameLst>
+                                          <p:attrName>style.visibility</p:attrName>
+                                        </p:attrNameLst>
+                                      </p:cBhvr>
+                                      <p:to>
+                                        <p:strVal val="visible"/>
+                                      </p:to>
+                                    </p:set>
+                                  </p:childTnLst>
+                                </p:cTn>
+                              </p:par>
+                              <p:par>
+                                <p:cTn id="33" presetID="1" presetClass="entr" presetSubtype="0" fill="hold" grpId="0" nodeType="withEffect">
+                                  <p:stCondLst>
+                                    <p:cond delay="0"/>
+                                  </p:stCondLst>
+                                  <p:childTnLst>
+                                    <p:set>
+                                      <p:cBhvr>
+                                        <p:cTn id="34" dur="1" fill="hold">
+                                          <p:stCondLst>
+                                            <p:cond delay="0"/>
+                                          </p:stCondLst>
+                                        </p:cTn>
+                                        <p:tgtEl>
+                                          <p:spTgt spid="6">
+                                            <p:txEl>
+                                              <p:pRg st="5" end="5"/>
+                                            </p:txEl>
+                                          </p:spTgt>
+                                        </p:tgtEl>
+                                        <p:attrNameLst>
+                                          <p:attrName>style.visibility</p:attrName>
+                                        </p:attrNameLst>
+                                      </p:cBhvr>
+                                      <p:to>
+                                        <p:strVal val="visible"/>
+                                      </p:to>
+                                    </p:set>
+                                  </p:childTnLst>
+                                </p:cTn>
+                              </p:par>
+                              <p:par>
+                                <p:cTn id="35" presetID="1" presetClass="entr" presetSubtype="0" fill="hold" grpId="0" nodeType="withEffect">
+                                  <p:stCondLst>
+                                    <p:cond delay="0"/>
+                                  </p:stCondLst>
+                                  <p:childTnLst>
+                                    <p:set>
+                                      <p:cBhvr>
+                                        <p:cTn id="36" dur="1" fill="hold">
+                                          <p:stCondLst>
+                                            <p:cond delay="0"/>
+                                          </p:stCondLst>
+                                        </p:cTn>
+                                        <p:tgtEl>
+                                          <p:spTgt spid="6">
+                                            <p:txEl>
+                                              <p:pRg st="6" end="6"/>
+                                            </p:txEl>
+                                          </p:spTgt>
+                                        </p:tgtEl>
+                                        <p:attrNameLst>
+                                          <p:attrName>style.visibility</p:attrName>
+                                        </p:attrNameLst>
+                                      </p:cBhvr>
+                                      <p:to>
+                                        <p:strVal val="visible"/>
+                                      </p:to>
+                                    </p:set>
+                                  </p:childTnLst>
+                                </p:cTn>
+                              </p:par>
+                              <p:par>
+                                <p:cTn id="37" presetID="1" presetClass="entr" presetSubtype="0" fill="hold" grpId="0" nodeType="withEffect">
+                                  <p:stCondLst>
+                                    <p:cond delay="0"/>
+                                  </p:stCondLst>
+                                  <p:childTnLst>
+                                    <p:set>
+                                      <p:cBhvr>
+                                        <p:cTn id="38" dur="1" fill="hold">
+                                          <p:stCondLst>
+                                            <p:cond delay="0"/>
+                                          </p:stCondLst>
+                                        </p:cTn>
+                                        <p:tgtEl>
+                                          <p:spTgt spid="6">
+                                            <p:txEl>
+                                              <p:pRg st="7" end="7"/>
+                                            </p:txEl>
+                                          </p:spTgt>
+                                        </p:tgtEl>
+                                        <p:attrNameLst>
+                                          <p:attrName>style.visibility</p:attrName>
+                                        </p:attrNameLst>
+                                      </p:cBhvr>
+                                      <p:to>
+                                        <p:strVal val="visible"/>
+                                      </p:to>
+                                    </p:set>
+                                  </p:childTnLst>
+                                </p:cTn>
+                              </p:par>
+                              <p:par>
+                                <p:cTn id="39" presetID="1" presetClass="entr" presetSubtype="0" fill="hold" grpId="0" nodeType="withEffect">
+                                  <p:stCondLst>
+                                    <p:cond delay="0"/>
+                                  </p:stCondLst>
+                                  <p:childTnLst>
+                                    <p:set>
+                                      <p:cBhvr>
+                                        <p:cTn id="40" dur="1" fill="hold">
+                                          <p:stCondLst>
+                                            <p:cond delay="0"/>
+                                          </p:stCondLst>
+                                        </p:cTn>
+                                        <p:tgtEl>
+                                          <p:spTgt spid="6">
+                                            <p:txEl>
+                                              <p:pRg st="8" end="8"/>
+                                            </p:txEl>
+                                          </p:spTgt>
+                                        </p:tgtEl>
+                                        <p:attrNameLst>
+                                          <p:attrName>style.visibility</p:attrName>
+                                        </p:attrNameLst>
+                                      </p:cBhvr>
+                                      <p:to>
+                                        <p:strVal val="visible"/>
+                                      </p:to>
+                                    </p:set>
+                                  </p:childTnLst>
+                                </p:cTn>
+                              </p:par>
+                              <p:par>
+                                <p:cTn id="41" presetID="1" presetClass="entr" presetSubtype="0" fill="hold" grpId="0" nodeType="withEffect">
+                                  <p:stCondLst>
+                                    <p:cond delay="0"/>
+                                  </p:stCondLst>
+                                  <p:childTnLst>
+                                    <p:set>
+                                      <p:cBhvr>
+                                        <p:cTn id="42" dur="1" fill="hold">
+                                          <p:stCondLst>
+                                            <p:cond delay="0"/>
+                                          </p:stCondLst>
+                                        </p:cTn>
+                                        <p:tgtEl>
+                                          <p:spTgt spid="6">
+                                            <p:txEl>
+                                              <p:pRg st="9" end="9"/>
+                                            </p:txEl>
+                                          </p:spTgt>
+                                        </p:tgtEl>
+                                        <p:attrNameLst>
+                                          <p:attrName>style.visibility</p:attrName>
+                                        </p:attrNameLst>
+                                      </p:cBhvr>
+                                      <p:to>
+                                        <p:strVal val="visible"/>
+                                      </p:to>
+                                    </p:set>
+                                  </p:childTnLst>
+                                </p:cTn>
+                              </p:par>
+                              <p:par>
+                                <p:cTn id="43" presetID="1" presetClass="entr" presetSubtype="0" fill="hold" grpId="0" nodeType="withEffect">
+                                  <p:stCondLst>
+                                    <p:cond delay="0"/>
+                                  </p:stCondLst>
+                                  <p:childTnLst>
+                                    <p:set>
+                                      <p:cBhvr>
+                                        <p:cTn id="44" dur="1" fill="hold">
+                                          <p:stCondLst>
+                                            <p:cond delay="0"/>
+                                          </p:stCondLst>
+                                        </p:cTn>
+                                        <p:tgtEl>
+                                          <p:spTgt spid="6">
+                                            <p:txEl>
+                                              <p:pRg st="10" end="10"/>
+                                            </p:txEl>
+                                          </p:spTgt>
+                                        </p:tgtEl>
+                                        <p:attrNameLst>
+                                          <p:attrName>style.visibility</p:attrName>
+                                        </p:attrNameLst>
+                                      </p:cBhvr>
+                                      <p:to>
+                                        <p:strVal val="visible"/>
+                                      </p:to>
+                                    </p:set>
+                                  </p:childTnLst>
+                                </p:cTn>
+                              </p:par>
+                              <p:par>
+                                <p:cTn id="45" presetID="1" presetClass="entr" presetSubtype="0" fill="hold" grpId="0" nodeType="withEffect">
+                                  <p:stCondLst>
+                                    <p:cond delay="0"/>
+                                  </p:stCondLst>
+                                  <p:childTnLst>
+                                    <p:set>
+                                      <p:cBhvr>
+                                        <p:cTn id="46" dur="1" fill="hold">
+                                          <p:stCondLst>
+                                            <p:cond delay="0"/>
+                                          </p:stCondLst>
+                                        </p:cTn>
+                                        <p:tgtEl>
+                                          <p:spTgt spid="6">
+                                            <p:txEl>
+                                              <p:pRg st="11" end="11"/>
+                                            </p:txEl>
+                                          </p:spTgt>
+                                        </p:tgtEl>
+                                        <p:attrNameLst>
+                                          <p:attrName>style.visibility</p:attrName>
+                                        </p:attrNameLst>
+                                      </p:cBhvr>
+                                      <p:to>
+                                        <p:strVal val="visible"/>
+                                      </p:to>
+                                    </p:set>
+                                  </p:childTnLst>
+                                </p:cTn>
+                              </p:par>
+                              <p:par>
+                                <p:cTn id="47" presetID="1" presetClass="entr" presetSubtype="0" fill="hold" grpId="0" nodeType="withEffect">
+                                  <p:stCondLst>
+                                    <p:cond delay="0"/>
+                                  </p:stCondLst>
+                                  <p:childTnLst>
+                                    <p:set>
+                                      <p:cBhvr>
+                                        <p:cTn id="48" dur="1" fill="hold">
+                                          <p:stCondLst>
+                                            <p:cond delay="0"/>
+                                          </p:stCondLst>
+                                        </p:cTn>
+                                        <p:tgtEl>
+                                          <p:spTgt spid="6">
+                                            <p:txEl>
+                                              <p:pRg st="12" end="12"/>
+                                            </p:txEl>
+                                          </p:spTgt>
+                                        </p:tgtEl>
+                                        <p:attrNameLst>
+                                          <p:attrName>style.visibility</p:attrName>
+                                        </p:attrNameLst>
+                                      </p:cBhvr>
+                                      <p:to>
+                                        <p:strVal val="visible"/>
+                                      </p:to>
+                                    </p:set>
+                                  </p:childTnLst>
+                                </p:cTn>
+                              </p:par>
+                              <p:par>
+                                <p:cTn id="49" presetID="1" presetClass="entr" presetSubtype="0" fill="hold" grpId="0" nodeType="withEffect">
+                                  <p:stCondLst>
+                                    <p:cond delay="0"/>
+                                  </p:stCondLst>
+                                  <p:childTnLst>
+                                    <p:set>
+                                      <p:cBhvr>
+                                        <p:cTn id="50" dur="1" fill="hold">
+                                          <p:stCondLst>
+                                            <p:cond delay="0"/>
+                                          </p:stCondLst>
+                                        </p:cTn>
+                                        <p:tgtEl>
+                                          <p:spTgt spid="6">
+                                            <p:txEl>
+                                              <p:pRg st="13" end="13"/>
+                                            </p:txEl>
+                                          </p:spTgt>
+                                        </p:tgtEl>
+                                        <p:attrNameLst>
+                                          <p:attrName>style.visibility</p:attrName>
+                                        </p:attrNameLst>
+                                      </p:cBhvr>
+                                      <p:to>
+                                        <p:strVal val="visible"/>
+                                      </p:to>
+                                    </p:set>
+                                  </p:childTnLst>
+                                </p:cTn>
+                              </p:par>
+                              <p:par>
+                                <p:cTn id="51" presetID="1" presetClass="entr" presetSubtype="0" fill="hold" grpId="0" nodeType="withEffect">
+                                  <p:stCondLst>
+                                    <p:cond delay="0"/>
+                                  </p:stCondLst>
+                                  <p:childTnLst>
+                                    <p:set>
+                                      <p:cBhvr>
+                                        <p:cTn id="52" dur="1" fill="hold">
+                                          <p:stCondLst>
+                                            <p:cond delay="0"/>
+                                          </p:stCondLst>
+                                        </p:cTn>
+                                        <p:tgtEl>
+                                          <p:spTgt spid="6">
+                                            <p:txEl>
+                                              <p:pRg st="14" end="14"/>
+                                            </p:txEl>
+                                          </p:spTgt>
+                                        </p:tgtEl>
+                                        <p:attrNameLst>
+                                          <p:attrName>style.visibility</p:attrName>
+                                        </p:attrNameLst>
+                                      </p:cBhvr>
+                                      <p:to>
+                                        <p:strVal val="visible"/>
+                                      </p:to>
+                                    </p:set>
+                                  </p:childTnLst>
+                                </p:cTn>
+                              </p:par>
+                              <p:par>
+                                <p:cTn id="53" presetID="1" presetClass="entr" presetSubtype="0" fill="hold" grpId="0" nodeType="withEffect">
+                                  <p:stCondLst>
+                                    <p:cond delay="0"/>
+                                  </p:stCondLst>
+                                  <p:childTnLst>
+                                    <p:set>
+                                      <p:cBhvr>
+                                        <p:cTn id="54" dur="1" fill="hold">
+                                          <p:stCondLst>
+                                            <p:cond delay="0"/>
+                                          </p:stCondLst>
+                                        </p:cTn>
+                                        <p:tgtEl>
+                                          <p:spTgt spid="6">
+                                            <p:txEl>
+                                              <p:pRg st="15" end="15"/>
+                                            </p:txEl>
+                                          </p:spTgt>
+                                        </p:tgtEl>
+                                        <p:attrNameLst>
+                                          <p:attrName>style.visibility</p:attrName>
+                                        </p:attrNameLst>
+                                      </p:cBhvr>
+                                      <p:to>
+                                        <p:strVal val="visible"/>
+                                      </p:to>
+                                    </p:set>
+                                  </p:childTnLst>
+                                </p:cTn>
+                              </p:par>
+                              <p:par>
+                                <p:cTn id="55" presetID="1" presetClass="entr" presetSubtype="0" fill="hold" grpId="0" nodeType="withEffect">
+                                  <p:stCondLst>
+                                    <p:cond delay="0"/>
+                                  </p:stCondLst>
+                                  <p:childTnLst>
+                                    <p:set>
+                                      <p:cBhvr>
+                                        <p:cTn id="56" dur="1" fill="hold">
+                                          <p:stCondLst>
+                                            <p:cond delay="0"/>
+                                          </p:stCondLst>
+                                        </p:cTn>
+                                        <p:tgtEl>
+                                          <p:spTgt spid="6">
+                                            <p:txEl>
+                                              <p:pRg st="16" end="16"/>
+                                            </p:txEl>
+                                          </p:spTgt>
+                                        </p:tgtEl>
+                                        <p:attrNameLst>
+                                          <p:attrName>style.visibility</p:attrName>
+                                        </p:attrNameLst>
+                                      </p:cBhvr>
+                                      <p:to>
+                                        <p:strVal val="visible"/>
+                                      </p:to>
+                                    </p:set>
+                                  </p:childTnLst>
+                                </p:cTn>
+                              </p:par>
+                              <p:par>
+                                <p:cTn id="57" presetID="1" presetClass="entr" presetSubtype="0" fill="hold" grpId="0" nodeType="withEffect">
+                                  <p:stCondLst>
+                                    <p:cond delay="0"/>
+                                  </p:stCondLst>
+                                  <p:childTnLst>
+                                    <p:set>
+                                      <p:cBhvr>
+                                        <p:cTn id="58" dur="1" fill="hold">
+                                          <p:stCondLst>
+                                            <p:cond delay="0"/>
+                                          </p:stCondLst>
+                                        </p:cTn>
+                                        <p:tgtEl>
+                                          <p:spTgt spid="6">
+                                            <p:txEl>
+                                              <p:pRg st="17" end="17"/>
+                                            </p:txEl>
+                                          </p:spTgt>
+                                        </p:tgtEl>
+                                        <p:attrNameLst>
+                                          <p:attrName>style.visibility</p:attrName>
+                                        </p:attrNameLst>
+                                      </p:cBhvr>
+                                      <p:to>
+                                        <p:strVal val="visible"/>
+                                      </p:to>
+                                    </p:set>
+                                  </p:childTnLst>
+                                </p:cTn>
+                              </p:par>
+                              <p:par>
+                                <p:cTn id="59" presetID="1" presetClass="entr" presetSubtype="0" fill="hold" grpId="0" nodeType="withEffect">
+                                  <p:stCondLst>
+                                    <p:cond delay="0"/>
+                                  </p:stCondLst>
+                                  <p:childTnLst>
+                                    <p:set>
+                                      <p:cBhvr>
+                                        <p:cTn id="60" dur="1" fill="hold">
+                                          <p:stCondLst>
+                                            <p:cond delay="0"/>
+                                          </p:stCondLst>
+                                        </p:cTn>
+                                        <p:tgtEl>
+                                          <p:spTgt spid="6">
+                                            <p:txEl>
+                                              <p:pRg st="18" end="18"/>
+                                            </p:txEl>
+                                          </p:spTgt>
+                                        </p:tgtEl>
+                                        <p:attrNameLst>
+                                          <p:attrName>style.visibility</p:attrName>
+                                        </p:attrNameLst>
+                                      </p:cBhvr>
+                                      <p:to>
+                                        <p:strVal val="visible"/>
+                                      </p:to>
+                                    </p:set>
+                                  </p:childTnLst>
+                                </p:cTn>
+                              </p:par>
+                              <p:par>
+                                <p:cTn id="61" presetID="1" presetClass="entr" presetSubtype="0" fill="hold" grpId="0" nodeType="withEffect">
+                                  <p:stCondLst>
+                                    <p:cond delay="0"/>
+                                  </p:stCondLst>
+                                  <p:childTnLst>
+                                    <p:set>
+                                      <p:cBhvr>
+                                        <p:cTn id="62" dur="1" fill="hold">
+                                          <p:stCondLst>
+                                            <p:cond delay="0"/>
+                                          </p:stCondLst>
+                                        </p:cTn>
+                                        <p:tgtEl>
+                                          <p:spTgt spid="6">
+                                            <p:txEl>
+                                              <p:pRg st="20" end="20"/>
+                                            </p:txEl>
+                                          </p:spTgt>
+                                        </p:tgtEl>
+                                        <p:attrNameLst>
+                                          <p:attrName>style.visibility</p:attrName>
+                                        </p:attrNameLst>
+                                      </p:cBhvr>
+                                      <p:to>
+                                        <p:strVal val="visible"/>
+                                      </p:to>
+                                    </p:set>
+                                  </p:childTnLst>
+                                </p:cTn>
+                              </p:par>
+                              <p:par>
+                                <p:cTn id="63" presetID="1" presetClass="entr" presetSubtype="0" fill="hold" grpId="0" nodeType="withEffect">
+                                  <p:stCondLst>
+                                    <p:cond delay="0"/>
+                                  </p:stCondLst>
+                                  <p:childTnLst>
+                                    <p:set>
+                                      <p:cBhvr>
+                                        <p:cTn id="64" dur="1" fill="hold">
+                                          <p:stCondLst>
+                                            <p:cond delay="0"/>
+                                          </p:stCondLst>
+                                        </p:cTn>
+                                        <p:tgtEl>
+                                          <p:spTgt spid="6">
+                                            <p:txEl>
+                                              <p:pRg st="21" end="21"/>
+                                            </p:txEl>
+                                          </p:spTgt>
+                                        </p:tgtEl>
+                                        <p:attrNameLst>
+                                          <p:attrName>style.visibility</p:attrName>
+                                        </p:attrNameLst>
+                                      </p:cBhvr>
+                                      <p:to>
+                                        <p:strVal val="visible"/>
+                                      </p:to>
+                                    </p:set>
+                                  </p:childTnLst>
+                                </p:cTn>
+                              </p:par>
+                            </p:childTnLst>
+                          </p:cTn>
+                        </p:par>
+                      </p:childTnLst>
+                    </p:cTn>
+                  </p:par>
+                  <p:par>
+                    <p:cTn id="65" fill="hold">
+                      <p:stCondLst>
+                        <p:cond delay="indefinite"/>
+                      </p:stCondLst>
+                      <p:childTnLst>
+                        <p:par>
+                          <p:cTn id="66" fill="hold">
+                            <p:stCondLst>
+                              <p:cond delay="0"/>
+                            </p:stCondLst>
+                            <p:childTnLst>
+                              <p:par>
+                                <p:cTn id="67" presetID="10" presetClass="entr" presetSubtype="0" fill="hold" grpId="0" nodeType="clickEffect">
+                                  <p:stCondLst>
+                                    <p:cond delay="0"/>
+                                  </p:stCondLst>
+                                  <p:childTnLst>
+                                    <p:set>
+                                      <p:cBhvr>
+                                        <p:cTn id="68" dur="1" fill="hold">
+                                          <p:stCondLst>
+                                            <p:cond delay="0"/>
+                                          </p:stCondLst>
+                                        </p:cTn>
+                                        <p:tgtEl>
+                                          <p:spTgt spid="14"/>
+                                        </p:tgtEl>
+                                        <p:attrNameLst>
+                                          <p:attrName>style.visibility</p:attrName>
+                                        </p:attrNameLst>
+                                      </p:cBhvr>
+                                      <p:to>
+                                        <p:strVal val="visible"/>
+                                      </p:to>
+                                    </p:set>
+                                    <p:animEffect transition="in" filter="fade">
+                                      <p:cBhvr>
+                                        <p:cTn id="69" dur="500"/>
+                                        <p:tgtEl>
+                                          <p:spTgt spid="14"/>
+                                        </p:tgtEl>
+                                      </p:cBhvr>
+                                    </p:animEffect>
+                                  </p:childTnLst>
+                                </p:cTn>
+                              </p:par>
+                            </p:childTnLst>
+                          </p:cTn>
+                        </p:par>
+                      </p:childTnLst>
+                    </p:cTn>
+                  </p:par>
+                  <p:par>
+                    <p:cTn id="70" fill="hold">
+                      <p:stCondLst>
+                        <p:cond delay="indefinite"/>
+                      </p:stCondLst>
+                      <p:childTnLst>
+                        <p:par>
+                          <p:cTn id="71" fill="hold">
+                            <p:stCondLst>
+                              <p:cond delay="0"/>
+                            </p:stCondLst>
+                            <p:childTnLst>
+                              <p:par>
+                                <p:cTn id="72" presetID="10" presetClass="entr" presetSubtype="0" fill="hold" grpId="0" nodeType="clickEffect">
+                                  <p:stCondLst>
+                                    <p:cond delay="0"/>
+                                  </p:stCondLst>
+                                  <p:childTnLst>
+                                    <p:set>
+                                      <p:cBhvr>
+                                        <p:cTn id="73" dur="1" fill="hold">
+                                          <p:stCondLst>
+                                            <p:cond delay="0"/>
+                                          </p:stCondLst>
+                                        </p:cTn>
+                                        <p:tgtEl>
+                                          <p:spTgt spid="13"/>
+                                        </p:tgtEl>
+                                        <p:attrNameLst>
+                                          <p:attrName>style.visibility</p:attrName>
+                                        </p:attrNameLst>
+                                      </p:cBhvr>
+                                      <p:to>
+                                        <p:strVal val="visible"/>
+                                      </p:to>
+                                    </p:set>
+                                    <p:animEffect transition="in" filter="fade">
+                                      <p:cBhvr>
+                                        <p:cTn id="74" dur="500"/>
+                                        <p:tgtEl>
+                                          <p:spTgt spid="13"/>
+                                        </p:tgtEl>
+                                      </p:cBhvr>
+                                    </p:animEffect>
+                                  </p:childTnLst>
+                                </p:cTn>
+                              </p:par>
+                            </p:childTnLst>
+                          </p:cTn>
+                        </p:par>
+                      </p:childTnLst>
+                    </p:cTn>
+                  </p:par>
+                  <p:par>
+                    <p:cTn id="75" fill="hold">
+                      <p:stCondLst>
+                        <p:cond delay="indefinite"/>
+                      </p:stCondLst>
+                      <p:childTnLst>
+                        <p:par>
+                          <p:cTn id="76" fill="hold">
+                            <p:stCondLst>
+                              <p:cond delay="0"/>
+                            </p:stCondLst>
+                            <p:childTnLst>
+                              <p:par>
+                                <p:cTn id="77" presetID="10" presetClass="entr" presetSubtype="0" fill="hold" grpId="0" nodeType="clickEffect">
+                                  <p:stCondLst>
+                                    <p:cond delay="0"/>
+                                  </p:stCondLst>
+                                  <p:childTnLst>
+                                    <p:set>
+                                      <p:cBhvr>
+                                        <p:cTn id="78" dur="1" fill="hold">
+                                          <p:stCondLst>
+                                            <p:cond delay="0"/>
+                                          </p:stCondLst>
+                                        </p:cTn>
+                                        <p:tgtEl>
+                                          <p:spTgt spid="7"/>
+                                        </p:tgtEl>
+                                        <p:attrNameLst>
+                                          <p:attrName>style.visibility</p:attrName>
+                                        </p:attrNameLst>
+                                      </p:cBhvr>
+                                      <p:to>
+                                        <p:strVal val="visible"/>
+                                      </p:to>
+                                    </p:set>
+                                    <p:animEffect transition="in" filter="fade">
+                                      <p:cBhvr>
+                                        <p:cTn id="79" dur="500"/>
+                                        <p:tgtEl>
+                                          <p:spTgt spid="7"/>
+                                        </p:tgtEl>
+                                      </p:cBhvr>
+                                    </p:animEffect>
+                                  </p:childTnLst>
+                                </p:cTn>
+                              </p:par>
+                            </p:childTnLst>
+                          </p:cTn>
+                        </p:par>
+                      </p:childTnLst>
+                    </p:cTn>
+                  </p:par>
+                </p:childTnLst>
+              </p:cTn>
+              <p:prevCondLst>
+                <p:cond evt="onPrev" delay="0">
+                  <p:tgtEl>
+                    <p:sldTgt/>
+                  </p:tgtEl>
+                </p:cond>
+              </p:prevCondLst>
+              <p:nextCondLst>
+                <p:cond evt="onNext" delay="0">
+                  <p:tgtEl>
+                    <p:sldTgt/>
+                  </p:tgtEl>
+                </p:cond>
+              </p:nextCondLst>
+            </p:seq>
+          </p:childTnLst>
+        </p:cTn>
+      </p:par>
+    </p:tnLst>
+    <p:bldLst>
+      <p:bldP spid="5" grpId="0" build="p"/>
+      <p:bldP spid="6" grpId="0" uiExpand="1" build="p" animBg="1"/>
+      <p:bldP spid="7" grpId="0" animBg="1"/>
+      <p:bldP spid="13" grpId="0" animBg="1"/>
+      <p:bldP spid="14" grpId="0" animBg="1"/>
+    </p:bldLst>
+  </p:timing>
 </p:sld>
 </file>
 
@@ -9402,11 +12652,11 @@
           <a:lstStyle/>
           <a:p>
             <a:r>
-              <a:rPr lang="en-GB" dirty="0"/>
+              <a:rPr lang="de-DE" dirty="0"/>
               <a:t>RAII - </a:t>
             </a:r>
             <a:r>
-              <a:rPr lang="en-GB" dirty="0">
+              <a:rPr lang="de-DE" dirty="0" err="1">
                 <a:solidFill>
                   <a:schemeClr val="accent1">
                     <a:lumMod val="60000"/>
@@ -9414,8 +12664,27 @@
                   </a:schemeClr>
                 </a:solidFill>
               </a:rPr>
-              <a:t>Example in Java</a:t>
-            </a:r>
+              <a:t>Example</a:t>
+            </a:r>
+            <a:r>
+              <a:rPr lang="de-DE" dirty="0">
+                <a:solidFill>
+                  <a:schemeClr val="accent1">
+                    <a:lumMod val="60000"/>
+                    <a:lumOff val="40000"/>
+                  </a:schemeClr>
+                </a:solidFill>
+              </a:rPr>
+              <a:t> in Java</a:t>
+            </a:r>
+            <a:endParaRPr lang="en-GB" dirty="0">
+              <a:solidFill>
+                <a:schemeClr val="accent1">
+                  <a:lumMod val="60000"/>
+                  <a:lumOff val="40000"/>
+                </a:schemeClr>
+              </a:solidFill>
+            </a:endParaRPr>
           </a:p>
         </p:txBody>
       </p:sp>
@@ -9449,8 +12718,24 @@
               <a:buNone/>
             </a:pPr>
             <a:r>
-              <a:rPr lang="en-GB" dirty="0"/>
-              <a:t>Try-with-resources:</a:t>
+              <a:rPr lang="de-DE" dirty="0"/>
+              <a:t>Try-</a:t>
+            </a:r>
+            <a:r>
+              <a:rPr lang="de-DE" dirty="0" err="1"/>
+              <a:t>with</a:t>
+            </a:r>
+            <a:r>
+              <a:rPr lang="de-DE" dirty="0"/>
+              <a:t>-</a:t>
+            </a:r>
+            <a:r>
+              <a:rPr lang="de-DE" dirty="0" err="1"/>
+              <a:t>resources</a:t>
+            </a:r>
+            <a:r>
+              <a:rPr lang="de-DE" dirty="0"/>
+              <a:t>:</a:t>
             </a:r>
           </a:p>
           <a:p>
@@ -9464,7 +12749,7 @@
               <a:buNone/>
             </a:pPr>
             <a:r>
-              <a:rPr lang="en-GB" sz="1600" dirty="0">
+              <a:rPr lang="en-US" sz="1600" dirty="0">
                 <a:solidFill>
                   <a:srgbClr val="569CD6"/>
                 </a:solidFill>
@@ -9473,7 +12758,7 @@
               <a:t>static</a:t>
             </a:r>
             <a:r>
-              <a:rPr lang="en-GB" sz="1600" dirty="0">
+              <a:rPr lang="en-US" sz="1600" dirty="0">
                 <a:solidFill>
                   <a:srgbClr val="D4D4D4"/>
                 </a:solidFill>
@@ -9482,7 +12767,7 @@
               <a:t> </a:t>
             </a:r>
             <a:r>
-              <a:rPr lang="en-GB" sz="1600" dirty="0">
+              <a:rPr lang="en-US" sz="1600" dirty="0">
                 <a:solidFill>
                   <a:srgbClr val="4EC9B0"/>
                 </a:solidFill>
@@ -9491,7 +12776,7 @@
               <a:t>String</a:t>
             </a:r>
             <a:r>
-              <a:rPr lang="en-GB" sz="1600" dirty="0">
+              <a:rPr lang="en-US" sz="1600" dirty="0">
                 <a:solidFill>
                   <a:srgbClr val="D4D4D4"/>
                 </a:solidFill>
@@ -9500,7 +12785,7 @@
               <a:t> </a:t>
             </a:r>
             <a:r>
-              <a:rPr lang="en-GB" sz="1600" dirty="0" err="1">
+              <a:rPr lang="en-US" sz="1600" dirty="0" err="1">
                 <a:solidFill>
                   <a:srgbClr val="DCDCAA"/>
                 </a:solidFill>
@@ -9509,7 +12794,7 @@
               <a:t>readFirstLine</a:t>
             </a:r>
             <a:r>
-              <a:rPr lang="en-GB" sz="1600" dirty="0">
+              <a:rPr lang="en-US" sz="1600" dirty="0">
                 <a:solidFill>
                   <a:srgbClr val="D4D4D4"/>
                 </a:solidFill>
@@ -9518,7 +12803,7 @@
               <a:t>(</a:t>
             </a:r>
             <a:r>
-              <a:rPr lang="en-GB" sz="1600" dirty="0">
+              <a:rPr lang="en-US" sz="1600" dirty="0">
                 <a:solidFill>
                   <a:srgbClr val="4EC9B0"/>
                 </a:solidFill>
@@ -9527,7 +12812,7 @@
               <a:t>String</a:t>
             </a:r>
             <a:r>
-              <a:rPr lang="en-GB" sz="1600" dirty="0">
+              <a:rPr lang="en-US" sz="1600" dirty="0">
                 <a:solidFill>
                   <a:srgbClr val="D4D4D4"/>
                 </a:solidFill>
@@ -9536,7 +12821,7 @@
               <a:t> path) throws </a:t>
             </a:r>
             <a:r>
-              <a:rPr lang="en-GB" sz="1600" dirty="0" err="1">
+              <a:rPr lang="en-US" sz="1600" dirty="0" err="1">
                 <a:solidFill>
                   <a:srgbClr val="4EC9B0"/>
                 </a:solidFill>
@@ -9545,7 +12830,7 @@
               <a:t>IOException</a:t>
             </a:r>
             <a:r>
-              <a:rPr lang="en-GB" sz="1600" dirty="0">
+              <a:rPr lang="en-US" sz="1600" dirty="0">
                 <a:solidFill>
                   <a:srgbClr val="D4D4D4"/>
                 </a:solidFill>
@@ -9565,7 +12850,7 @@
               <a:buNone/>
             </a:pPr>
             <a:r>
-              <a:rPr lang="en-GB" sz="1600" dirty="0">
+              <a:rPr lang="en-US" sz="1600" dirty="0">
                 <a:solidFill>
                   <a:srgbClr val="D4D4D4"/>
                 </a:solidFill>
@@ -9574,7 +12859,7 @@
               <a:t>    </a:t>
             </a:r>
             <a:r>
-              <a:rPr lang="en-GB" sz="1600" dirty="0">
+              <a:rPr lang="en-US" sz="1600" dirty="0">
                 <a:solidFill>
                   <a:srgbClr val="C586C0"/>
                 </a:solidFill>
@@ -9583,7 +12868,7 @@
               <a:t>try</a:t>
             </a:r>
             <a:r>
-              <a:rPr lang="en-GB" sz="1600" dirty="0">
+              <a:rPr lang="en-US" sz="1600" dirty="0">
                 <a:solidFill>
                   <a:srgbClr val="D4D4D4"/>
                 </a:solidFill>
@@ -9592,7 +12877,7 @@
               <a:t> (</a:t>
             </a:r>
             <a:r>
-              <a:rPr lang="en-GB" sz="1600" dirty="0" err="1">
+              <a:rPr lang="en-US" sz="1600" dirty="0" err="1">
                 <a:solidFill>
                   <a:srgbClr val="4EC9B0"/>
                 </a:solidFill>
@@ -9601,7 +12886,7 @@
               <a:t>BufferedReader</a:t>
             </a:r>
             <a:r>
-              <a:rPr lang="en-GB" sz="1600" dirty="0">
+              <a:rPr lang="en-US" sz="1600" dirty="0">
                 <a:solidFill>
                   <a:srgbClr val="D4D4D4"/>
                 </a:solidFill>
@@ -9610,7 +12895,7 @@
               <a:t> </a:t>
             </a:r>
             <a:r>
-              <a:rPr lang="en-GB" sz="1600" dirty="0" err="1">
+              <a:rPr lang="en-US" sz="1600" dirty="0" err="1">
                 <a:solidFill>
                   <a:srgbClr val="9CDCFE"/>
                 </a:solidFill>
@@ -9619,7 +12904,7 @@
               <a:t>br</a:t>
             </a:r>
             <a:r>
-              <a:rPr lang="en-GB" sz="1600" dirty="0">
+              <a:rPr lang="en-US" sz="1600" dirty="0">
                 <a:solidFill>
                   <a:srgbClr val="D4D4D4"/>
                 </a:solidFill>
@@ -9628,7 +12913,7 @@
               <a:t> = </a:t>
             </a:r>
             <a:r>
-              <a:rPr lang="en-GB" sz="1600" dirty="0">
+              <a:rPr lang="en-US" sz="1600" dirty="0">
                 <a:solidFill>
                   <a:srgbClr val="C586C0"/>
                 </a:solidFill>
@@ -9637,7 +12922,7 @@
               <a:t>new</a:t>
             </a:r>
             <a:r>
-              <a:rPr lang="en-GB" sz="1600" dirty="0">
+              <a:rPr lang="en-US" sz="1600" dirty="0">
                 <a:solidFill>
                   <a:srgbClr val="D4D4D4"/>
                 </a:solidFill>
@@ -9646,7 +12931,7 @@
               <a:t> </a:t>
             </a:r>
             <a:r>
-              <a:rPr lang="en-GB" sz="1600" dirty="0" err="1">
+              <a:rPr lang="en-US" sz="1600" dirty="0" err="1">
                 <a:solidFill>
                   <a:srgbClr val="DCDCAA"/>
                 </a:solidFill>
@@ -9655,7 +12940,7 @@
               <a:t>BufferedReader</a:t>
             </a:r>
             <a:r>
-              <a:rPr lang="en-GB" sz="1600" dirty="0">
+              <a:rPr lang="en-US" sz="1600" dirty="0">
                 <a:solidFill>
                   <a:srgbClr val="D4D4D4"/>
                 </a:solidFill>
@@ -9664,7 +12949,7 @@
               <a:t>(</a:t>
             </a:r>
             <a:r>
-              <a:rPr lang="en-GB" sz="1600" dirty="0">
+              <a:rPr lang="en-US" sz="1600" dirty="0">
                 <a:solidFill>
                   <a:srgbClr val="C586C0"/>
                 </a:solidFill>
@@ -9673,7 +12958,7 @@
               <a:t>new</a:t>
             </a:r>
             <a:r>
-              <a:rPr lang="en-GB" sz="1600" dirty="0">
+              <a:rPr lang="en-US" sz="1600" dirty="0">
                 <a:solidFill>
                   <a:srgbClr val="D4D4D4"/>
                 </a:solidFill>
@@ -9682,7 +12967,7 @@
               <a:t> </a:t>
             </a:r>
             <a:r>
-              <a:rPr lang="en-GB" sz="1600" dirty="0" err="1">
+              <a:rPr lang="en-US" sz="1600" dirty="0" err="1">
                 <a:solidFill>
                   <a:srgbClr val="DCDCAA"/>
                 </a:solidFill>
@@ -9691,7 +12976,7 @@
               <a:t>FileReader</a:t>
             </a:r>
             <a:r>
-              <a:rPr lang="en-GB" sz="1600" dirty="0">
+              <a:rPr lang="en-US" sz="1600" dirty="0">
                 <a:solidFill>
                   <a:srgbClr val="D4D4D4"/>
                 </a:solidFill>
@@ -9711,7 +12996,7 @@
               <a:buNone/>
             </a:pPr>
             <a:r>
-              <a:rPr lang="en-GB" sz="1600" dirty="0">
+              <a:rPr lang="en-US" sz="1600" dirty="0">
                 <a:solidFill>
                   <a:srgbClr val="D4D4D4"/>
                 </a:solidFill>
@@ -9720,7 +13005,7 @@
               <a:t>        </a:t>
             </a:r>
             <a:r>
-              <a:rPr lang="en-GB" sz="1600" dirty="0">
+              <a:rPr lang="en-US" sz="1600" dirty="0">
                 <a:solidFill>
                   <a:srgbClr val="C586C0"/>
                 </a:solidFill>
@@ -9729,7 +13014,7 @@
               <a:t>return</a:t>
             </a:r>
             <a:r>
-              <a:rPr lang="en-GB" sz="1600" dirty="0">
+              <a:rPr lang="en-US" sz="1600" dirty="0">
                 <a:solidFill>
                   <a:srgbClr val="D4D4D4"/>
                 </a:solidFill>
@@ -9738,7 +13023,7 @@
               <a:t> </a:t>
             </a:r>
             <a:r>
-              <a:rPr lang="en-GB" sz="1600" dirty="0" err="1">
+              <a:rPr lang="en-US" sz="1600" dirty="0" err="1">
                 <a:solidFill>
                   <a:srgbClr val="9CDCFE"/>
                 </a:solidFill>
@@ -9747,7 +13032,7 @@
               <a:t>br</a:t>
             </a:r>
             <a:r>
-              <a:rPr lang="en-GB" sz="1600" dirty="0" err="1">
+              <a:rPr lang="en-US" sz="1600" dirty="0" err="1">
                 <a:solidFill>
                   <a:srgbClr val="D4D4D4"/>
                 </a:solidFill>
@@ -9756,7 +13041,7 @@
               <a:t>.</a:t>
             </a:r>
             <a:r>
-              <a:rPr lang="en-GB" sz="1600" dirty="0" err="1">
+              <a:rPr lang="en-US" sz="1600" dirty="0" err="1">
                 <a:solidFill>
                   <a:srgbClr val="DCDCAA"/>
                 </a:solidFill>
@@ -9765,7 +13050,7 @@
               <a:t>readLine</a:t>
             </a:r>
             <a:r>
-              <a:rPr lang="en-GB" sz="1600" dirty="0">
+              <a:rPr lang="en-US" sz="1600" dirty="0">
                 <a:solidFill>
                   <a:srgbClr val="D4D4D4"/>
                 </a:solidFill>
@@ -9785,7 +13070,7 @@
               <a:buNone/>
             </a:pPr>
             <a:r>
-              <a:rPr lang="en-GB" sz="1600" dirty="0">
+              <a:rPr lang="en-US" sz="1600" dirty="0">
                 <a:solidFill>
                   <a:srgbClr val="D4D4D4"/>
                 </a:solidFill>
@@ -9805,7 +13090,7 @@
               <a:buNone/>
             </a:pPr>
             <a:r>
-              <a:rPr lang="en-GB" sz="1600" dirty="0">
+              <a:rPr lang="en-US" sz="1600" dirty="0">
                 <a:solidFill>
                   <a:srgbClr val="D4D4D4"/>
                 </a:solidFill>
@@ -9822,7 +13107,7 @@
               <a:buNone/>
             </a:pPr>
             <a:r>
-              <a:rPr lang="en-GB" dirty="0"/>
+              <a:rPr lang="en-US" dirty="0"/>
               <a:t>Without try-with-resources: </a:t>
             </a:r>
           </a:p>
@@ -9906,7 +13191,7 @@
               <a:t> path) throws </a:t>
             </a:r>
             <a:r>
-              <a:rPr lang="en-GB" sz="1800" dirty="0" err="1">
+              <a:rPr lang="en-US" sz="1800" dirty="0" err="1">
                 <a:solidFill>
                   <a:srgbClr val="4EC9B0"/>
                 </a:solidFill>
@@ -10146,7 +13431,7 @@
               <a:buNone/>
             </a:pPr>
             <a:r>
-              <a:rPr lang="en-GB" sz="1700" dirty="0">
+              <a:rPr lang="de-DE" sz="1700" dirty="0">
                 <a:solidFill>
                   <a:srgbClr val="D4D4D4"/>
                 </a:solidFill>
@@ -10366,7 +13651,7 @@
           <a:lstStyle/>
           <a:p>
             <a:r>
-              <a:rPr lang="en-GB" sz="2800" dirty="0">
+              <a:rPr lang="de-DE" sz="2800" dirty="0" err="1">
                 <a:solidFill>
                   <a:schemeClr val="accent1">
                     <a:lumMod val="60000"/>
@@ -10374,8 +13659,38 @@
                   </a:schemeClr>
                 </a:solidFill>
               </a:rPr>
-              <a:t>Freeing resource</a:t>
-            </a:r>
+              <a:t>Freeing</a:t>
+            </a:r>
+            <a:r>
+              <a:rPr lang="de-DE" sz="2800" dirty="0">
+                <a:solidFill>
+                  <a:schemeClr val="accent1">
+                    <a:lumMod val="60000"/>
+                    <a:lumOff val="40000"/>
+                  </a:schemeClr>
+                </a:solidFill>
+              </a:rPr>
+              <a:t> </a:t>
+            </a:r>
+            <a:r>
+              <a:rPr lang="de-DE" sz="2800" dirty="0" err="1">
+                <a:solidFill>
+                  <a:schemeClr val="accent1">
+                    <a:lumMod val="60000"/>
+                    <a:lumOff val="40000"/>
+                  </a:schemeClr>
+                </a:solidFill>
+              </a:rPr>
+              <a:t>resource</a:t>
+            </a:r>
+            <a:endParaRPr lang="en-GB" sz="2800" dirty="0">
+              <a:solidFill>
+                <a:schemeClr val="accent1">
+                  <a:lumMod val="60000"/>
+                  <a:lumOff val="40000"/>
+                </a:schemeClr>
+              </a:solidFill>
+            </a:endParaRPr>
           </a:p>
         </p:txBody>
       </p:sp>
@@ -10450,6 +13765,578 @@
       </p:transition>
     </mc:Fallback>
   </mc:AlternateContent>
+  <p:timing>
+    <p:tnLst>
+      <p:par>
+        <p:cTn id="1" dur="indefinite" restart="never" nodeType="tmRoot">
+          <p:childTnLst>
+            <p:seq concurrent="1" nextAc="seek">
+              <p:cTn id="2" dur="indefinite" nodeType="mainSeq">
+                <p:childTnLst>
+                  <p:par>
+                    <p:cTn id="3" fill="hold">
+                      <p:stCondLst>
+                        <p:cond delay="indefinite"/>
+                      </p:stCondLst>
+                      <p:childTnLst>
+                        <p:par>
+                          <p:cTn id="4" fill="hold">
+                            <p:stCondLst>
+                              <p:cond delay="0"/>
+                            </p:stCondLst>
+                            <p:childTnLst>
+                              <p:par>
+                                <p:cTn id="5" presetID="1" presetClass="entr" presetSubtype="0" fill="hold" nodeType="clickEffect">
+                                  <p:stCondLst>
+                                    <p:cond delay="0"/>
+                                  </p:stCondLst>
+                                  <p:childTnLst>
+                                    <p:set>
+                                      <p:cBhvr>
+                                        <p:cTn id="6" dur="1" fill="hold">
+                                          <p:stCondLst>
+                                            <p:cond delay="0"/>
+                                          </p:stCondLst>
+                                        </p:cTn>
+                                        <p:tgtEl>
+                                          <p:spTgt spid="5">
+                                            <p:txEl>
+                                              <p:pRg st="0" end="0"/>
+                                            </p:txEl>
+                                          </p:spTgt>
+                                        </p:tgtEl>
+                                        <p:attrNameLst>
+                                          <p:attrName>style.visibility</p:attrName>
+                                        </p:attrNameLst>
+                                      </p:cBhvr>
+                                      <p:to>
+                                        <p:strVal val="visible"/>
+                                      </p:to>
+                                    </p:set>
+                                  </p:childTnLst>
+                                </p:cTn>
+                              </p:par>
+                              <p:par>
+                                <p:cTn id="7" presetID="1" presetClass="entr" presetSubtype="0" fill="hold" nodeType="withEffect">
+                                  <p:stCondLst>
+                                    <p:cond delay="0"/>
+                                  </p:stCondLst>
+                                  <p:childTnLst>
+                                    <p:set>
+                                      <p:cBhvr>
+                                        <p:cTn id="8" dur="1" fill="hold">
+                                          <p:stCondLst>
+                                            <p:cond delay="0"/>
+                                          </p:stCondLst>
+                                        </p:cTn>
+                                        <p:tgtEl>
+                                          <p:spTgt spid="5">
+                                            <p:txEl>
+                                              <p:pRg st="1" end="1"/>
+                                            </p:txEl>
+                                          </p:spTgt>
+                                        </p:tgtEl>
+                                        <p:attrNameLst>
+                                          <p:attrName>style.visibility</p:attrName>
+                                        </p:attrNameLst>
+                                      </p:cBhvr>
+                                      <p:to>
+                                        <p:strVal val="visible"/>
+                                      </p:to>
+                                    </p:set>
+                                  </p:childTnLst>
+                                </p:cTn>
+                              </p:par>
+                              <p:par>
+                                <p:cTn id="9" presetID="1" presetClass="entr" presetSubtype="0" fill="hold" nodeType="withEffect">
+                                  <p:stCondLst>
+                                    <p:cond delay="0"/>
+                                  </p:stCondLst>
+                                  <p:childTnLst>
+                                    <p:set>
+                                      <p:cBhvr>
+                                        <p:cTn id="10" dur="1" fill="hold">
+                                          <p:stCondLst>
+                                            <p:cond delay="0"/>
+                                          </p:stCondLst>
+                                        </p:cTn>
+                                        <p:tgtEl>
+                                          <p:spTgt spid="5">
+                                            <p:txEl>
+                                              <p:pRg st="2" end="2"/>
+                                            </p:txEl>
+                                          </p:spTgt>
+                                        </p:tgtEl>
+                                        <p:attrNameLst>
+                                          <p:attrName>style.visibility</p:attrName>
+                                        </p:attrNameLst>
+                                      </p:cBhvr>
+                                      <p:to>
+                                        <p:strVal val="visible"/>
+                                      </p:to>
+                                    </p:set>
+                                  </p:childTnLst>
+                                </p:cTn>
+                              </p:par>
+                              <p:par>
+                                <p:cTn id="11" presetID="1" presetClass="entr" presetSubtype="0" fill="hold" nodeType="withEffect">
+                                  <p:stCondLst>
+                                    <p:cond delay="0"/>
+                                  </p:stCondLst>
+                                  <p:childTnLst>
+                                    <p:set>
+                                      <p:cBhvr>
+                                        <p:cTn id="12" dur="1" fill="hold">
+                                          <p:stCondLst>
+                                            <p:cond delay="0"/>
+                                          </p:stCondLst>
+                                        </p:cTn>
+                                        <p:tgtEl>
+                                          <p:spTgt spid="5">
+                                            <p:txEl>
+                                              <p:pRg st="3" end="3"/>
+                                            </p:txEl>
+                                          </p:spTgt>
+                                        </p:tgtEl>
+                                        <p:attrNameLst>
+                                          <p:attrName>style.visibility</p:attrName>
+                                        </p:attrNameLst>
+                                      </p:cBhvr>
+                                      <p:to>
+                                        <p:strVal val="visible"/>
+                                      </p:to>
+                                    </p:set>
+                                  </p:childTnLst>
+                                </p:cTn>
+                              </p:par>
+                              <p:par>
+                                <p:cTn id="13" presetID="1" presetClass="entr" presetSubtype="0" fill="hold" nodeType="withEffect">
+                                  <p:stCondLst>
+                                    <p:cond delay="0"/>
+                                  </p:stCondLst>
+                                  <p:childTnLst>
+                                    <p:set>
+                                      <p:cBhvr>
+                                        <p:cTn id="14" dur="1" fill="hold">
+                                          <p:stCondLst>
+                                            <p:cond delay="0"/>
+                                          </p:stCondLst>
+                                        </p:cTn>
+                                        <p:tgtEl>
+                                          <p:spTgt spid="5">
+                                            <p:txEl>
+                                              <p:pRg st="4" end="4"/>
+                                            </p:txEl>
+                                          </p:spTgt>
+                                        </p:tgtEl>
+                                        <p:attrNameLst>
+                                          <p:attrName>style.visibility</p:attrName>
+                                        </p:attrNameLst>
+                                      </p:cBhvr>
+                                      <p:to>
+                                        <p:strVal val="visible"/>
+                                      </p:to>
+                                    </p:set>
+                                  </p:childTnLst>
+                                </p:cTn>
+                              </p:par>
+                              <p:par>
+                                <p:cTn id="15" presetID="1" presetClass="entr" presetSubtype="0" fill="hold" nodeType="withEffect">
+                                  <p:stCondLst>
+                                    <p:cond delay="0"/>
+                                  </p:stCondLst>
+                                  <p:childTnLst>
+                                    <p:set>
+                                      <p:cBhvr>
+                                        <p:cTn id="16" dur="1" fill="hold">
+                                          <p:stCondLst>
+                                            <p:cond delay="0"/>
+                                          </p:stCondLst>
+                                        </p:cTn>
+                                        <p:tgtEl>
+                                          <p:spTgt spid="5">
+                                            <p:txEl>
+                                              <p:pRg st="5" end="5"/>
+                                            </p:txEl>
+                                          </p:spTgt>
+                                        </p:tgtEl>
+                                        <p:attrNameLst>
+                                          <p:attrName>style.visibility</p:attrName>
+                                        </p:attrNameLst>
+                                      </p:cBhvr>
+                                      <p:to>
+                                        <p:strVal val="visible"/>
+                                      </p:to>
+                                    </p:set>
+                                  </p:childTnLst>
+                                </p:cTn>
+                              </p:par>
+                            </p:childTnLst>
+                          </p:cTn>
+                        </p:par>
+                      </p:childTnLst>
+                    </p:cTn>
+                  </p:par>
+                  <p:par>
+                    <p:cTn id="17" fill="hold">
+                      <p:stCondLst>
+                        <p:cond delay="indefinite"/>
+                      </p:stCondLst>
+                      <p:childTnLst>
+                        <p:par>
+                          <p:cTn id="18" fill="hold">
+                            <p:stCondLst>
+                              <p:cond delay="0"/>
+                            </p:stCondLst>
+                            <p:childTnLst>
+                              <p:par>
+                                <p:cTn id="19" presetID="1" presetClass="entr" presetSubtype="0" fill="hold" nodeType="clickEffect">
+                                  <p:stCondLst>
+                                    <p:cond delay="0"/>
+                                  </p:stCondLst>
+                                  <p:childTnLst>
+                                    <p:set>
+                                      <p:cBhvr>
+                                        <p:cTn id="20" dur="1" fill="hold">
+                                          <p:stCondLst>
+                                            <p:cond delay="0"/>
+                                          </p:stCondLst>
+                                        </p:cTn>
+                                        <p:tgtEl>
+                                          <p:spTgt spid="5">
+                                            <p:txEl>
+                                              <p:pRg st="6" end="6"/>
+                                            </p:txEl>
+                                          </p:spTgt>
+                                        </p:tgtEl>
+                                        <p:attrNameLst>
+                                          <p:attrName>style.visibility</p:attrName>
+                                        </p:attrNameLst>
+                                      </p:cBhvr>
+                                      <p:to>
+                                        <p:strVal val="visible"/>
+                                      </p:to>
+                                    </p:set>
+                                  </p:childTnLst>
+                                </p:cTn>
+                              </p:par>
+                              <p:par>
+                                <p:cTn id="21" presetID="1" presetClass="entr" presetSubtype="0" fill="hold" nodeType="withEffect">
+                                  <p:stCondLst>
+                                    <p:cond delay="0"/>
+                                  </p:stCondLst>
+                                  <p:childTnLst>
+                                    <p:set>
+                                      <p:cBhvr>
+                                        <p:cTn id="22" dur="1" fill="hold">
+                                          <p:stCondLst>
+                                            <p:cond delay="0"/>
+                                          </p:stCondLst>
+                                        </p:cTn>
+                                        <p:tgtEl>
+                                          <p:spTgt spid="5">
+                                            <p:txEl>
+                                              <p:pRg st="7" end="7"/>
+                                            </p:txEl>
+                                          </p:spTgt>
+                                        </p:tgtEl>
+                                        <p:attrNameLst>
+                                          <p:attrName>style.visibility</p:attrName>
+                                        </p:attrNameLst>
+                                      </p:cBhvr>
+                                      <p:to>
+                                        <p:strVal val="visible"/>
+                                      </p:to>
+                                    </p:set>
+                                  </p:childTnLst>
+                                </p:cTn>
+                              </p:par>
+                              <p:par>
+                                <p:cTn id="23" presetID="1" presetClass="entr" presetSubtype="0" fill="hold" nodeType="withEffect">
+                                  <p:stCondLst>
+                                    <p:cond delay="0"/>
+                                  </p:stCondLst>
+                                  <p:childTnLst>
+                                    <p:set>
+                                      <p:cBhvr>
+                                        <p:cTn id="24" dur="1" fill="hold">
+                                          <p:stCondLst>
+                                            <p:cond delay="0"/>
+                                          </p:stCondLst>
+                                        </p:cTn>
+                                        <p:tgtEl>
+                                          <p:spTgt spid="5">
+                                            <p:txEl>
+                                              <p:pRg st="8" end="8"/>
+                                            </p:txEl>
+                                          </p:spTgt>
+                                        </p:tgtEl>
+                                        <p:attrNameLst>
+                                          <p:attrName>style.visibility</p:attrName>
+                                        </p:attrNameLst>
+                                      </p:cBhvr>
+                                      <p:to>
+                                        <p:strVal val="visible"/>
+                                      </p:to>
+                                    </p:set>
+                                  </p:childTnLst>
+                                </p:cTn>
+                              </p:par>
+                              <p:par>
+                                <p:cTn id="25" presetID="1" presetClass="entr" presetSubtype="0" fill="hold" nodeType="withEffect">
+                                  <p:stCondLst>
+                                    <p:cond delay="0"/>
+                                  </p:stCondLst>
+                                  <p:childTnLst>
+                                    <p:set>
+                                      <p:cBhvr>
+                                        <p:cTn id="26" dur="1" fill="hold">
+                                          <p:stCondLst>
+                                            <p:cond delay="0"/>
+                                          </p:stCondLst>
+                                        </p:cTn>
+                                        <p:tgtEl>
+                                          <p:spTgt spid="5">
+                                            <p:txEl>
+                                              <p:pRg st="9" end="9"/>
+                                            </p:txEl>
+                                          </p:spTgt>
+                                        </p:tgtEl>
+                                        <p:attrNameLst>
+                                          <p:attrName>style.visibility</p:attrName>
+                                        </p:attrNameLst>
+                                      </p:cBhvr>
+                                      <p:to>
+                                        <p:strVal val="visible"/>
+                                      </p:to>
+                                    </p:set>
+                                  </p:childTnLst>
+                                </p:cTn>
+                              </p:par>
+                              <p:par>
+                                <p:cTn id="27" presetID="1" presetClass="entr" presetSubtype="0" fill="hold" nodeType="withEffect">
+                                  <p:stCondLst>
+                                    <p:cond delay="0"/>
+                                  </p:stCondLst>
+                                  <p:childTnLst>
+                                    <p:set>
+                                      <p:cBhvr>
+                                        <p:cTn id="28" dur="1" fill="hold">
+                                          <p:stCondLst>
+                                            <p:cond delay="0"/>
+                                          </p:stCondLst>
+                                        </p:cTn>
+                                        <p:tgtEl>
+                                          <p:spTgt spid="5">
+                                            <p:txEl>
+                                              <p:pRg st="10" end="10"/>
+                                            </p:txEl>
+                                          </p:spTgt>
+                                        </p:tgtEl>
+                                        <p:attrNameLst>
+                                          <p:attrName>style.visibility</p:attrName>
+                                        </p:attrNameLst>
+                                      </p:cBhvr>
+                                      <p:to>
+                                        <p:strVal val="visible"/>
+                                      </p:to>
+                                    </p:set>
+                                  </p:childTnLst>
+                                </p:cTn>
+                              </p:par>
+                              <p:par>
+                                <p:cTn id="29" presetID="1" presetClass="entr" presetSubtype="0" fill="hold" nodeType="withEffect">
+                                  <p:stCondLst>
+                                    <p:cond delay="0"/>
+                                  </p:stCondLst>
+                                  <p:childTnLst>
+                                    <p:set>
+                                      <p:cBhvr>
+                                        <p:cTn id="30" dur="1" fill="hold">
+                                          <p:stCondLst>
+                                            <p:cond delay="0"/>
+                                          </p:stCondLst>
+                                        </p:cTn>
+                                        <p:tgtEl>
+                                          <p:spTgt spid="5">
+                                            <p:txEl>
+                                              <p:pRg st="11" end="11"/>
+                                            </p:txEl>
+                                          </p:spTgt>
+                                        </p:tgtEl>
+                                        <p:attrNameLst>
+                                          <p:attrName>style.visibility</p:attrName>
+                                        </p:attrNameLst>
+                                      </p:cBhvr>
+                                      <p:to>
+                                        <p:strVal val="visible"/>
+                                      </p:to>
+                                    </p:set>
+                                  </p:childTnLst>
+                                </p:cTn>
+                              </p:par>
+                              <p:par>
+                                <p:cTn id="31" presetID="1" presetClass="entr" presetSubtype="0" fill="hold" nodeType="withEffect">
+                                  <p:stCondLst>
+                                    <p:cond delay="0"/>
+                                  </p:stCondLst>
+                                  <p:childTnLst>
+                                    <p:set>
+                                      <p:cBhvr>
+                                        <p:cTn id="32" dur="1" fill="hold">
+                                          <p:stCondLst>
+                                            <p:cond delay="0"/>
+                                          </p:stCondLst>
+                                        </p:cTn>
+                                        <p:tgtEl>
+                                          <p:spTgt spid="5">
+                                            <p:txEl>
+                                              <p:pRg st="12" end="12"/>
+                                            </p:txEl>
+                                          </p:spTgt>
+                                        </p:tgtEl>
+                                        <p:attrNameLst>
+                                          <p:attrName>style.visibility</p:attrName>
+                                        </p:attrNameLst>
+                                      </p:cBhvr>
+                                      <p:to>
+                                        <p:strVal val="visible"/>
+                                      </p:to>
+                                    </p:set>
+                                  </p:childTnLst>
+                                </p:cTn>
+                              </p:par>
+                            </p:childTnLst>
+                          </p:cTn>
+                        </p:par>
+                      </p:childTnLst>
+                    </p:cTn>
+                  </p:par>
+                  <p:par>
+                    <p:cTn id="33" fill="hold">
+                      <p:stCondLst>
+                        <p:cond delay="indefinite"/>
+                      </p:stCondLst>
+                      <p:childTnLst>
+                        <p:par>
+                          <p:cTn id="34" fill="hold">
+                            <p:stCondLst>
+                              <p:cond delay="0"/>
+                            </p:stCondLst>
+                            <p:childTnLst>
+                              <p:par>
+                                <p:cTn id="35" presetID="1" presetClass="entr" presetSubtype="0" fill="hold" grpId="0" nodeType="clickEffect">
+                                  <p:stCondLst>
+                                    <p:cond delay="0"/>
+                                  </p:stCondLst>
+                                  <p:childTnLst>
+                                    <p:set>
+                                      <p:cBhvr>
+                                        <p:cTn id="36" dur="1" fill="hold">
+                                          <p:stCondLst>
+                                            <p:cond delay="0"/>
+                                          </p:stCondLst>
+                                        </p:cTn>
+                                        <p:tgtEl>
+                                          <p:spTgt spid="7"/>
+                                        </p:tgtEl>
+                                        <p:attrNameLst>
+                                          <p:attrName>style.visibility</p:attrName>
+                                        </p:attrNameLst>
+                                      </p:cBhvr>
+                                      <p:to>
+                                        <p:strVal val="visible"/>
+                                      </p:to>
+                                    </p:set>
+                                  </p:childTnLst>
+                                </p:cTn>
+                              </p:par>
+                              <p:par>
+                                <p:cTn id="37" presetID="1" presetClass="entr" presetSubtype="0" fill="hold" nodeType="withEffect">
+                                  <p:stCondLst>
+                                    <p:cond delay="0"/>
+                                  </p:stCondLst>
+                                  <p:childTnLst>
+                                    <p:set>
+                                      <p:cBhvr>
+                                        <p:cTn id="38" dur="1" fill="hold">
+                                          <p:stCondLst>
+                                            <p:cond delay="0"/>
+                                          </p:stCondLst>
+                                        </p:cTn>
+                                        <p:tgtEl>
+                                          <p:spTgt spid="10"/>
+                                        </p:tgtEl>
+                                        <p:attrNameLst>
+                                          <p:attrName>style.visibility</p:attrName>
+                                        </p:attrNameLst>
+                                      </p:cBhvr>
+                                      <p:to>
+                                        <p:strVal val="visible"/>
+                                      </p:to>
+                                    </p:set>
+                                  </p:childTnLst>
+                                </p:cTn>
+                              </p:par>
+                              <p:par>
+                                <p:cTn id="39" presetID="1" presetClass="entr" presetSubtype="0" fill="hold" grpId="0" nodeType="withEffect">
+                                  <p:stCondLst>
+                                    <p:cond delay="0"/>
+                                  </p:stCondLst>
+                                  <p:childTnLst>
+                                    <p:set>
+                                      <p:cBhvr>
+                                        <p:cTn id="40" dur="1" fill="hold">
+                                          <p:stCondLst>
+                                            <p:cond delay="0"/>
+                                          </p:stCondLst>
+                                        </p:cTn>
+                                        <p:tgtEl>
+                                          <p:spTgt spid="8"/>
+                                        </p:tgtEl>
+                                        <p:attrNameLst>
+                                          <p:attrName>style.visibility</p:attrName>
+                                        </p:attrNameLst>
+                                      </p:cBhvr>
+                                      <p:to>
+                                        <p:strVal val="visible"/>
+                                      </p:to>
+                                    </p:set>
+                                  </p:childTnLst>
+                                </p:cTn>
+                              </p:par>
+                            </p:childTnLst>
+                          </p:cTn>
+                        </p:par>
+                      </p:childTnLst>
+                    </p:cTn>
+                  </p:par>
+                </p:childTnLst>
+              </p:cTn>
+              <p:prevCondLst>
+                <p:cond evt="onPrev" delay="0">
+                  <p:tgtEl>
+                    <p:sldTgt/>
+                  </p:tgtEl>
+                </p:cond>
+              </p:prevCondLst>
+              <p:nextCondLst>
+                <p:cond evt="onNext" delay="0">
+                  <p:tgtEl>
+                    <p:sldTgt/>
+                  </p:tgtEl>
+                </p:cond>
+              </p:nextCondLst>
+            </p:seq>
+          </p:childTnLst>
+        </p:cTn>
+      </p:par>
+    </p:tnLst>
+    <p:bldLst>
+      <p:bldP spid="7" grpId="0" animBg="1"/>
+      <p:bldP spid="8" grpId="0" animBg="1"/>
+    </p:bldLst>
+  </p:timing>
 </p:sld>
 </file>
 
@@ -10475,7 +14362,7 @@
           <p:cNvPr id="4" name="Titel 3">
             <a:extLst>
               <a:ext uri="{FF2B5EF4-FFF2-40B4-BE49-F238E27FC236}">
-                <a16:creationId xmlns:a16="http://schemas.microsoft.com/office/drawing/2014/main" id="{3D235BB5-F0FA-4961-80D6-F81AEE39E313}"/>
+                <a16:creationId xmlns:a16="http://schemas.microsoft.com/office/drawing/2014/main" id="{7E589C5D-4EF9-41C5-842C-2E7DDCA32796}"/>
               </a:ext>
             </a:extLst>
           </p:cNvPr>
@@ -10492,11 +14379,11 @@
           <a:lstStyle/>
           <a:p>
             <a:r>
-              <a:rPr lang="en-GB" dirty="0"/>
+              <a:rPr lang="de-DE" dirty="0"/>
               <a:t>RAII - </a:t>
             </a:r>
             <a:r>
-              <a:rPr lang="en-GB" dirty="0">
+              <a:rPr lang="de-DE" dirty="0" err="1">
                 <a:solidFill>
                   <a:schemeClr val="accent1">
                     <a:lumMod val="60000"/>
@@ -10504,8 +14391,27 @@
                   </a:schemeClr>
                 </a:solidFill>
               </a:rPr>
-              <a:t>Reasons (not) to use it </a:t>
-            </a:r>
+              <a:t>Example</a:t>
+            </a:r>
+            <a:r>
+              <a:rPr lang="de-DE" dirty="0">
+                <a:solidFill>
+                  <a:schemeClr val="accent1">
+                    <a:lumMod val="60000"/>
+                    <a:lumOff val="40000"/>
+                  </a:schemeClr>
+                </a:solidFill>
+              </a:rPr>
+              <a:t> in C#</a:t>
+            </a:r>
+            <a:endParaRPr lang="en-GB" dirty="0">
+              <a:solidFill>
+                <a:schemeClr val="accent1">
+                  <a:lumMod val="60000"/>
+                  <a:lumOff val="40000"/>
+                </a:schemeClr>
+              </a:solidFill>
+            </a:endParaRPr>
           </a:p>
         </p:txBody>
       </p:sp>
@@ -10514,7 +14420,7 @@
           <p:cNvPr id="5" name="Inhaltsplatzhalter 4">
             <a:extLst>
               <a:ext uri="{FF2B5EF4-FFF2-40B4-BE49-F238E27FC236}">
-                <a16:creationId xmlns:a16="http://schemas.microsoft.com/office/drawing/2014/main" id="{6F4D22E1-1868-4345-926B-3EC800C6163F}"/>
+                <a16:creationId xmlns:a16="http://schemas.microsoft.com/office/drawing/2014/main" id="{864E921E-9E06-4E6C-9EBB-BEAB4385B508}"/>
               </a:ext>
             </a:extLst>
           </p:cNvPr>
@@ -10522,249 +14428,694 @@
             <a:spLocks noGrp="1"/>
           </p:cNvSpPr>
           <p:nvPr>
-            <p:ph sz="half" idx="1"/>
+            <p:ph idx="1"/>
           </p:nvPr>
         </p:nvSpPr>
         <p:spPr/>
         <p:txBody>
           <a:bodyPr>
-            <a:normAutofit fontScale="92500" lnSpcReduction="20000"/>
+            <a:normAutofit/>
           </a:bodyPr>
           <a:lstStyle/>
           <a:p>
-            <a:pPr marL="0" indent="0" algn="ctr">
+            <a:pPr marL="0" indent="0">
+              <a:spcBef>
+                <a:spcPts val="0"/>
+              </a:spcBef>
               <a:buNone/>
             </a:pPr>
             <a:r>
-              <a:rPr lang="en-US" dirty="0"/>
-              <a:t>+</a:t>
-            </a:r>
-          </a:p>
-          <a:p>
-            <a:r>
-              <a:rPr lang="en-US" dirty="0"/>
-              <a:t>Resource handling ensured even if problem while using resource</a:t>
-            </a:r>
-          </a:p>
-          <a:p>
-            <a:r>
-              <a:rPr lang="en-US" dirty="0"/>
-              <a:t>Already used in many programming libraries</a:t>
-            </a:r>
-          </a:p>
-          <a:p>
-            <a:r>
-              <a:rPr lang="en-US" dirty="0"/>
-              <a:t>Clear distinguishing between resources and other parts </a:t>
-            </a:r>
-            <a:r>
-              <a:rPr lang="en-US"/>
-              <a:t>of program</a:t>
-            </a:r>
-            <a:endParaRPr lang="en-GB" dirty="0">
-              <a:sym typeface="Wingdings" panose="05000000000000000000" pitchFamily="2" charset="2"/>
-            </a:endParaRPr>
-          </a:p>
-          <a:p>
-            <a:r>
-              <a:rPr lang="en-GB" dirty="0">
-                <a:sym typeface="Wingdings" panose="05000000000000000000" pitchFamily="2" charset="2"/>
-              </a:rPr>
-              <a:t>Preventing resource leaks</a:t>
-            </a:r>
-            <a:endParaRPr lang="en-GB" dirty="0"/>
-          </a:p>
-          <a:p>
-            <a:r>
-              <a:rPr lang="en-GB" dirty="0">
-                <a:sym typeface="Wingdings" panose="05000000000000000000" pitchFamily="2" charset="2"/>
-              </a:rPr>
-              <a:t>”You do not have to care about it while using the resource”</a:t>
-            </a:r>
-          </a:p>
-          <a:p>
-            <a:endParaRPr lang="en-US" dirty="0"/>
-          </a:p>
-        </p:txBody>
-      </p:sp>
-      <p:sp>
-        <p:nvSpPr>
-          <p:cNvPr id="6" name="Inhaltsplatzhalter 5">
-            <a:extLst>
-              <a:ext uri="{FF2B5EF4-FFF2-40B4-BE49-F238E27FC236}">
-                <a16:creationId xmlns:a16="http://schemas.microsoft.com/office/drawing/2014/main" id="{46F2562C-35EF-42DA-9386-B3EB785CF6A2}"/>
-              </a:ext>
-            </a:extLst>
-          </p:cNvPr>
-          <p:cNvSpPr>
-            <a:spLocks noGrp="1"/>
-          </p:cNvSpPr>
-          <p:nvPr>
-            <p:ph sz="half" idx="2"/>
-          </p:nvPr>
-        </p:nvSpPr>
-        <p:spPr/>
-        <p:txBody>
-          <a:bodyPr>
-            <a:normAutofit fontScale="92500" lnSpcReduction="20000"/>
-          </a:bodyPr>
-          <a:lstStyle/>
-          <a:p>
-            <a:pPr marL="0" indent="0" algn="ctr">
+              <a:rPr lang="de-DE" dirty="0" err="1">
+                <a:solidFill>
+                  <a:schemeClr val="accent1">
+                    <a:lumMod val="60000"/>
+                    <a:lumOff val="40000"/>
+                  </a:schemeClr>
+                </a:solidFill>
+              </a:rPr>
+              <a:t>Using</a:t>
+            </a:r>
+            <a:r>
+              <a:rPr lang="de-DE" dirty="0">
+                <a:solidFill>
+                  <a:schemeClr val="accent1">
+                    <a:lumMod val="60000"/>
+                    <a:lumOff val="40000"/>
+                  </a:schemeClr>
+                </a:solidFill>
+              </a:rPr>
+              <a:t>:</a:t>
+            </a:r>
+          </a:p>
+          <a:p>
+            <a:pPr marL="0" indent="0">
+              <a:spcBef>
+                <a:spcPts val="0"/>
+              </a:spcBef>
               <a:buNone/>
             </a:pPr>
             <a:r>
-              <a:rPr lang="de-DE" dirty="0"/>
-              <a:t>-</a:t>
-            </a:r>
-          </a:p>
-          <a:p>
-            <a:r>
-              <a:rPr lang="de-DE" dirty="0" err="1"/>
-              <a:t>Some</a:t>
-            </a:r>
-            <a:r>
-              <a:rPr lang="de-DE" dirty="0"/>
+              <a:rPr lang="de-DE" sz="2200" dirty="0" err="1">
+                <a:solidFill>
+                  <a:srgbClr val="569CD6"/>
+                </a:solidFill>
+                <a:latin typeface="Consolas" panose="020B0609020204030204" pitchFamily="49" charset="0"/>
+              </a:rPr>
+              <a:t>public</a:t>
+            </a:r>
+            <a:r>
+              <a:rPr lang="de-DE" sz="2200" dirty="0">
+                <a:solidFill>
+                  <a:srgbClr val="D4D4D4"/>
+                </a:solidFill>
+                <a:latin typeface="Consolas" panose="020B0609020204030204" pitchFamily="49" charset="0"/>
+              </a:rPr>
               <a:t> </a:t>
             </a:r>
             <a:r>
-              <a:rPr lang="de-DE" dirty="0" err="1"/>
-              <a:t>very</a:t>
-            </a:r>
-            <a:r>
-              <a:rPr lang="de-DE" dirty="0"/>
-              <a:t> rare </a:t>
-            </a:r>
-            <a:r>
-              <a:rPr lang="de-DE" dirty="0" err="1"/>
-              <a:t>cases</a:t>
-            </a:r>
-            <a:r>
-              <a:rPr lang="de-DE" dirty="0"/>
-              <a:t> do not </a:t>
-            </a:r>
-            <a:r>
-              <a:rPr lang="de-DE" dirty="0" err="1"/>
-              <a:t>allow</a:t>
-            </a:r>
-            <a:r>
-              <a:rPr lang="de-DE" dirty="0"/>
+              <a:rPr lang="de-DE" sz="2200" dirty="0" err="1">
+                <a:solidFill>
+                  <a:srgbClr val="569CD6"/>
+                </a:solidFill>
+                <a:latin typeface="Consolas" panose="020B0609020204030204" pitchFamily="49" charset="0"/>
+              </a:rPr>
+              <a:t>static</a:t>
+            </a:r>
+            <a:r>
+              <a:rPr lang="de-DE" sz="2200" dirty="0">
+                <a:solidFill>
+                  <a:srgbClr val="D4D4D4"/>
+                </a:solidFill>
+                <a:latin typeface="Consolas" panose="020B0609020204030204" pitchFamily="49" charset="0"/>
+              </a:rPr>
               <a:t> </a:t>
             </a:r>
             <a:r>
-              <a:rPr lang="de-DE" dirty="0" err="1"/>
-              <a:t>use</a:t>
-            </a:r>
-            <a:r>
-              <a:rPr lang="de-DE" dirty="0"/>
+              <a:rPr lang="de-DE" sz="2200" dirty="0" err="1">
+                <a:solidFill>
+                  <a:srgbClr val="569CD6"/>
+                </a:solidFill>
+                <a:latin typeface="Consolas" panose="020B0609020204030204" pitchFamily="49" charset="0"/>
+              </a:rPr>
+              <a:t>void</a:t>
+            </a:r>
+            <a:r>
+              <a:rPr lang="de-DE" sz="2200" dirty="0">
+                <a:solidFill>
+                  <a:srgbClr val="D4D4D4"/>
+                </a:solidFill>
+                <a:latin typeface="Consolas" panose="020B0609020204030204" pitchFamily="49" charset="0"/>
+              </a:rPr>
               <a:t> </a:t>
             </a:r>
             <a:r>
-              <a:rPr lang="de-DE" dirty="0" err="1"/>
-              <a:t>of</a:t>
-            </a:r>
-            <a:r>
-              <a:rPr lang="de-DE" dirty="0"/>
-              <a:t> RAII</a:t>
-            </a:r>
-          </a:p>
-          <a:p>
-            <a:r>
-              <a:rPr lang="de-DE" dirty="0"/>
+              <a:rPr lang="de-DE" sz="2200" dirty="0">
+                <a:solidFill>
+                  <a:srgbClr val="DCDCAA"/>
+                </a:solidFill>
+                <a:latin typeface="Consolas" panose="020B0609020204030204" pitchFamily="49" charset="0"/>
+              </a:rPr>
+              <a:t>Main</a:t>
+            </a:r>
+            <a:r>
+              <a:rPr lang="de-DE" sz="2200" dirty="0">
+                <a:solidFill>
+                  <a:srgbClr val="D4D4D4"/>
+                </a:solidFill>
+                <a:latin typeface="Consolas" panose="020B0609020204030204" pitchFamily="49" charset="0"/>
+              </a:rPr>
+              <a:t>(){</a:t>
+            </a:r>
+          </a:p>
+          <a:p>
+            <a:pPr marL="0" indent="0">
+              <a:spcBef>
+                <a:spcPts val="0"/>
+              </a:spcBef>
+              <a:buNone/>
+            </a:pPr>
+            <a:r>
+              <a:rPr lang="de-DE" sz="2200" dirty="0">
+                <a:solidFill>
+                  <a:srgbClr val="D4D4D4"/>
+                </a:solidFill>
+                <a:latin typeface="Consolas" panose="020B0609020204030204" pitchFamily="49" charset="0"/>
+              </a:rPr>
+              <a:t>    </a:t>
+            </a:r>
+            <a:r>
+              <a:rPr lang="de-DE" sz="2200" dirty="0" err="1">
+                <a:solidFill>
+                  <a:srgbClr val="569CD6"/>
+                </a:solidFill>
+                <a:latin typeface="Consolas" panose="020B0609020204030204" pitchFamily="49" charset="0"/>
+              </a:rPr>
+              <a:t>string</a:t>
+            </a:r>
+            <a:r>
+              <a:rPr lang="de-DE" sz="2200" dirty="0">
+                <a:solidFill>
+                  <a:srgbClr val="D4D4D4"/>
+                </a:solidFill>
+                <a:latin typeface="Consolas" panose="020B0609020204030204" pitchFamily="49" charset="0"/>
+              </a:rPr>
+              <a:t> </a:t>
+            </a:r>
+            <a:r>
+              <a:rPr lang="de-DE" sz="2200" dirty="0" err="1">
+                <a:solidFill>
+                  <a:srgbClr val="9CDCFE"/>
+                </a:solidFill>
+                <a:latin typeface="Consolas" panose="020B0609020204030204" pitchFamily="49" charset="0"/>
+              </a:rPr>
+              <a:t>path</a:t>
+            </a:r>
+            <a:r>
+              <a:rPr lang="de-DE" sz="2200" dirty="0">
+                <a:solidFill>
+                  <a:srgbClr val="D4D4D4"/>
+                </a:solidFill>
+                <a:latin typeface="Consolas" panose="020B0609020204030204" pitchFamily="49" charset="0"/>
+              </a:rPr>
+              <a:t> = </a:t>
+            </a:r>
+            <a:r>
+              <a:rPr lang="de-DE" sz="2200" dirty="0">
+                <a:solidFill>
+                  <a:srgbClr val="CE9178"/>
+                </a:solidFill>
+                <a:latin typeface="Consolas" panose="020B0609020204030204" pitchFamily="49" charset="0"/>
+              </a:rPr>
+              <a:t>@"c:\temp\MyTest.txt"</a:t>
+            </a:r>
+            <a:r>
+              <a:rPr lang="de-DE" sz="2200" dirty="0">
+                <a:solidFill>
+                  <a:srgbClr val="D4D4D4"/>
+                </a:solidFill>
+                <a:latin typeface="Consolas" panose="020B0609020204030204" pitchFamily="49" charset="0"/>
+              </a:rPr>
+              <a:t>;</a:t>
+            </a:r>
+          </a:p>
+          <a:p>
+            <a:pPr marL="0" indent="0">
+              <a:spcBef>
+                <a:spcPts val="0"/>
+              </a:spcBef>
+              <a:buNone/>
+            </a:pPr>
+            <a:r>
+              <a:rPr lang="de-DE" sz="2200" dirty="0">
+                <a:solidFill>
+                  <a:srgbClr val="D4D4D4"/>
+                </a:solidFill>
+                <a:latin typeface="Consolas" panose="020B0609020204030204" pitchFamily="49" charset="0"/>
+              </a:rPr>
+              <a:t>    </a:t>
+            </a:r>
+            <a:r>
+              <a:rPr lang="de-DE" sz="2200" dirty="0" err="1">
+                <a:solidFill>
+                  <a:srgbClr val="C586C0"/>
+                </a:solidFill>
+                <a:latin typeface="Consolas" panose="020B0609020204030204" pitchFamily="49" charset="0"/>
+              </a:rPr>
+              <a:t>if</a:t>
+            </a:r>
+            <a:r>
+              <a:rPr lang="de-DE" sz="2200" dirty="0">
+                <a:solidFill>
+                  <a:srgbClr val="D4D4D4"/>
+                </a:solidFill>
+                <a:latin typeface="Consolas" panose="020B0609020204030204" pitchFamily="49" charset="0"/>
+              </a:rPr>
+              <a:t> (!</a:t>
+            </a:r>
+            <a:r>
+              <a:rPr lang="de-DE" sz="2200" dirty="0" err="1">
+                <a:solidFill>
+                  <a:srgbClr val="9CDCFE"/>
+                </a:solidFill>
+                <a:latin typeface="Consolas" panose="020B0609020204030204" pitchFamily="49" charset="0"/>
+              </a:rPr>
+              <a:t>File</a:t>
+            </a:r>
+            <a:r>
+              <a:rPr lang="de-DE" sz="2200" dirty="0" err="1">
+                <a:solidFill>
+                  <a:srgbClr val="D4D4D4"/>
+                </a:solidFill>
+                <a:latin typeface="Consolas" panose="020B0609020204030204" pitchFamily="49" charset="0"/>
+              </a:rPr>
+              <a:t>.</a:t>
+            </a:r>
+            <a:r>
+              <a:rPr lang="de-DE" sz="2200" dirty="0" err="1">
+                <a:solidFill>
+                  <a:srgbClr val="DCDCAA"/>
+                </a:solidFill>
+                <a:latin typeface="Consolas" panose="020B0609020204030204" pitchFamily="49" charset="0"/>
+              </a:rPr>
+              <a:t>Exists</a:t>
+            </a:r>
+            <a:r>
+              <a:rPr lang="de-DE" sz="2200" dirty="0">
+                <a:solidFill>
+                  <a:srgbClr val="D4D4D4"/>
+                </a:solidFill>
+                <a:latin typeface="Consolas" panose="020B0609020204030204" pitchFamily="49" charset="0"/>
+              </a:rPr>
               <a:t>(</a:t>
             </a:r>
             <a:r>
-              <a:rPr lang="de-DE" dirty="0" err="1"/>
-              <a:t>You</a:t>
-            </a:r>
-            <a:r>
-              <a:rPr lang="de-DE" dirty="0"/>
+              <a:rPr lang="de-DE" sz="2200" dirty="0" err="1">
+                <a:solidFill>
+                  <a:srgbClr val="9CDCFE"/>
+                </a:solidFill>
+                <a:latin typeface="Consolas" panose="020B0609020204030204" pitchFamily="49" charset="0"/>
+              </a:rPr>
+              <a:t>path</a:t>
+            </a:r>
+            <a:r>
+              <a:rPr lang="de-DE" sz="2200" dirty="0">
+                <a:solidFill>
+                  <a:srgbClr val="D4D4D4"/>
+                </a:solidFill>
+                <a:latin typeface="Consolas" panose="020B0609020204030204" pitchFamily="49" charset="0"/>
+              </a:rPr>
+              <a:t>)){</a:t>
+            </a:r>
+          </a:p>
+          <a:p>
+            <a:pPr marL="0" indent="0">
+              <a:spcBef>
+                <a:spcPts val="0"/>
+              </a:spcBef>
+              <a:buNone/>
+            </a:pPr>
+            <a:r>
+              <a:rPr lang="de-DE" sz="2200" dirty="0">
+                <a:solidFill>
+                  <a:srgbClr val="D4D4D4"/>
+                </a:solidFill>
+                <a:latin typeface="Consolas" panose="020B0609020204030204" pitchFamily="49" charset="0"/>
+              </a:rPr>
+              <a:t>        </a:t>
+            </a:r>
+            <a:r>
+              <a:rPr lang="de-DE" sz="2200" dirty="0" err="1">
+                <a:solidFill>
+                  <a:srgbClr val="C586C0"/>
+                </a:solidFill>
+                <a:latin typeface="Consolas" panose="020B0609020204030204" pitchFamily="49" charset="0"/>
+              </a:rPr>
+              <a:t>using</a:t>
+            </a:r>
+            <a:r>
+              <a:rPr lang="de-DE" sz="2200" dirty="0">
+                <a:solidFill>
+                  <a:srgbClr val="D4D4D4"/>
+                </a:solidFill>
+                <a:latin typeface="Consolas" panose="020B0609020204030204" pitchFamily="49" charset="0"/>
+              </a:rPr>
+              <a:t> (</a:t>
+            </a:r>
+            <a:r>
+              <a:rPr lang="de-DE" sz="2200" dirty="0" err="1">
+                <a:solidFill>
+                  <a:srgbClr val="4EC9B0"/>
+                </a:solidFill>
+                <a:latin typeface="Consolas" panose="020B0609020204030204" pitchFamily="49" charset="0"/>
+              </a:rPr>
+              <a:t>StreamWriter</a:t>
+            </a:r>
+            <a:r>
+              <a:rPr lang="de-DE" sz="2200" dirty="0">
+                <a:solidFill>
+                  <a:srgbClr val="D4D4D4"/>
+                </a:solidFill>
+                <a:latin typeface="Consolas" panose="020B0609020204030204" pitchFamily="49" charset="0"/>
+              </a:rPr>
               <a:t> </a:t>
             </a:r>
             <a:r>
-              <a:rPr lang="de-DE" dirty="0" err="1"/>
-              <a:t>feel</a:t>
-            </a:r>
-            <a:r>
-              <a:rPr lang="de-DE" dirty="0"/>
-              <a:t> like „</a:t>
-            </a:r>
-            <a:r>
-              <a:rPr lang="de-DE" dirty="0" err="1"/>
-              <a:t>Taking</a:t>
-            </a:r>
-            <a:r>
-              <a:rPr lang="de-DE" dirty="0"/>
-              <a:t> </a:t>
-            </a:r>
-            <a:r>
-              <a:rPr lang="de-DE" dirty="0" err="1"/>
-              <a:t>risks</a:t>
-            </a:r>
-            <a:r>
-              <a:rPr lang="de-DE" dirty="0"/>
-              <a:t> </a:t>
-            </a:r>
-            <a:r>
-              <a:rPr lang="de-DE" dirty="0" err="1"/>
-              <a:t>is</a:t>
-            </a:r>
-            <a:r>
-              <a:rPr lang="de-DE" dirty="0"/>
-              <a:t> a </a:t>
-            </a:r>
-            <a:r>
-              <a:rPr lang="de-DE" dirty="0" err="1"/>
-              <a:t>very</a:t>
-            </a:r>
-            <a:r>
-              <a:rPr lang="de-DE" dirty="0"/>
-              <a:t> </a:t>
-            </a:r>
-            <a:r>
-              <a:rPr lang="de-DE" dirty="0" err="1"/>
-              <a:t>good</a:t>
-            </a:r>
-            <a:r>
-              <a:rPr lang="de-DE" dirty="0"/>
-              <a:t> </a:t>
-            </a:r>
-            <a:r>
-              <a:rPr lang="de-DE" dirty="0" err="1"/>
-              <a:t>idea</a:t>
-            </a:r>
-            <a:r>
-              <a:rPr lang="de-DE" dirty="0"/>
-              <a:t>. </a:t>
-            </a:r>
-            <a:r>
-              <a:rPr lang="de-DE" dirty="0" err="1"/>
-              <a:t>Let‘s</a:t>
-            </a:r>
-            <a:r>
-              <a:rPr lang="de-DE" dirty="0"/>
-              <a:t> not </a:t>
-            </a:r>
-            <a:r>
-              <a:rPr lang="de-DE" dirty="0" err="1"/>
-              <a:t>write</a:t>
-            </a:r>
-            <a:r>
-              <a:rPr lang="de-DE" dirty="0"/>
-              <a:t> clean </a:t>
-            </a:r>
-            <a:r>
-              <a:rPr lang="de-DE"/>
-              <a:t>code.“)</a:t>
-            </a:r>
-            <a:endParaRPr lang="en-GB" dirty="0"/>
+              <a:rPr lang="de-DE" sz="2200" dirty="0" err="1">
+                <a:solidFill>
+                  <a:srgbClr val="9CDCFE"/>
+                </a:solidFill>
+                <a:latin typeface="Consolas" panose="020B0609020204030204" pitchFamily="49" charset="0"/>
+              </a:rPr>
+              <a:t>sw</a:t>
+            </a:r>
+            <a:r>
+              <a:rPr lang="de-DE" sz="2200" dirty="0">
+                <a:solidFill>
+                  <a:srgbClr val="D4D4D4"/>
+                </a:solidFill>
+                <a:latin typeface="Consolas" panose="020B0609020204030204" pitchFamily="49" charset="0"/>
+              </a:rPr>
+              <a:t> = </a:t>
+            </a:r>
+            <a:r>
+              <a:rPr lang="de-DE" sz="2200" dirty="0" err="1">
+                <a:solidFill>
+                  <a:srgbClr val="9CDCFE"/>
+                </a:solidFill>
+                <a:latin typeface="Consolas" panose="020B0609020204030204" pitchFamily="49" charset="0"/>
+              </a:rPr>
+              <a:t>File</a:t>
+            </a:r>
+            <a:r>
+              <a:rPr lang="de-DE" sz="2200" dirty="0" err="1">
+                <a:solidFill>
+                  <a:srgbClr val="D4D4D4"/>
+                </a:solidFill>
+                <a:latin typeface="Consolas" panose="020B0609020204030204" pitchFamily="49" charset="0"/>
+              </a:rPr>
+              <a:t>.</a:t>
+            </a:r>
+            <a:r>
+              <a:rPr lang="de-DE" sz="2200" dirty="0" err="1">
+                <a:solidFill>
+                  <a:srgbClr val="DCDCAA"/>
+                </a:solidFill>
+                <a:latin typeface="Consolas" panose="020B0609020204030204" pitchFamily="49" charset="0"/>
+              </a:rPr>
+              <a:t>CreateText</a:t>
+            </a:r>
+            <a:r>
+              <a:rPr lang="de-DE" sz="2200" dirty="0">
+                <a:solidFill>
+                  <a:srgbClr val="D4D4D4"/>
+                </a:solidFill>
+                <a:latin typeface="Consolas" panose="020B0609020204030204" pitchFamily="49" charset="0"/>
+              </a:rPr>
+              <a:t>(</a:t>
+            </a:r>
+            <a:r>
+              <a:rPr lang="de-DE" sz="2200" dirty="0" err="1">
+                <a:solidFill>
+                  <a:srgbClr val="9CDCFE"/>
+                </a:solidFill>
+                <a:latin typeface="Consolas" panose="020B0609020204030204" pitchFamily="49" charset="0"/>
+              </a:rPr>
+              <a:t>path</a:t>
+            </a:r>
+            <a:r>
+              <a:rPr lang="de-DE" sz="2200" dirty="0">
+                <a:solidFill>
+                  <a:srgbClr val="D4D4D4"/>
+                </a:solidFill>
+                <a:latin typeface="Consolas" panose="020B0609020204030204" pitchFamily="49" charset="0"/>
+              </a:rPr>
+              <a:t>)){</a:t>
+            </a:r>
+          </a:p>
+          <a:p>
+            <a:pPr marL="0" indent="0">
+              <a:spcBef>
+                <a:spcPts val="0"/>
+              </a:spcBef>
+              <a:buNone/>
+            </a:pPr>
+            <a:r>
+              <a:rPr lang="de-DE" sz="2200" dirty="0">
+                <a:solidFill>
+                  <a:srgbClr val="D4D4D4"/>
+                </a:solidFill>
+                <a:latin typeface="Consolas" panose="020B0609020204030204" pitchFamily="49" charset="0"/>
+              </a:rPr>
+              <a:t>            </a:t>
+            </a:r>
+            <a:r>
+              <a:rPr lang="de-DE" sz="2200" dirty="0" err="1">
+                <a:solidFill>
+                  <a:srgbClr val="9CDCFE"/>
+                </a:solidFill>
+                <a:latin typeface="Consolas" panose="020B0609020204030204" pitchFamily="49" charset="0"/>
+              </a:rPr>
+              <a:t>sw</a:t>
+            </a:r>
+            <a:r>
+              <a:rPr lang="de-DE" sz="2200" dirty="0" err="1">
+                <a:solidFill>
+                  <a:srgbClr val="D4D4D4"/>
+                </a:solidFill>
+                <a:latin typeface="Consolas" panose="020B0609020204030204" pitchFamily="49" charset="0"/>
+              </a:rPr>
+              <a:t>.</a:t>
+            </a:r>
+            <a:r>
+              <a:rPr lang="de-DE" sz="2200" dirty="0" err="1">
+                <a:solidFill>
+                  <a:srgbClr val="DCDCAA"/>
+                </a:solidFill>
+                <a:latin typeface="Consolas" panose="020B0609020204030204" pitchFamily="49" charset="0"/>
+              </a:rPr>
+              <a:t>WriteLine</a:t>
+            </a:r>
+            <a:r>
+              <a:rPr lang="de-DE" sz="2200" dirty="0">
+                <a:solidFill>
+                  <a:srgbClr val="D4D4D4"/>
+                </a:solidFill>
+                <a:latin typeface="Consolas" panose="020B0609020204030204" pitchFamily="49" charset="0"/>
+              </a:rPr>
+              <a:t>(</a:t>
+            </a:r>
+            <a:r>
+              <a:rPr lang="de-DE" sz="2200" dirty="0">
+                <a:solidFill>
+                  <a:srgbClr val="CE9178"/>
+                </a:solidFill>
+                <a:latin typeface="Consolas" panose="020B0609020204030204" pitchFamily="49" charset="0"/>
+              </a:rPr>
+              <a:t>"Hello"</a:t>
+            </a:r>
+            <a:r>
+              <a:rPr lang="de-DE" sz="2200" dirty="0">
+                <a:solidFill>
+                  <a:srgbClr val="D4D4D4"/>
+                </a:solidFill>
+                <a:latin typeface="Consolas" panose="020B0609020204030204" pitchFamily="49" charset="0"/>
+              </a:rPr>
+              <a:t>);</a:t>
+            </a:r>
+          </a:p>
+          <a:p>
+            <a:pPr marL="0" indent="0">
+              <a:spcBef>
+                <a:spcPts val="0"/>
+              </a:spcBef>
+              <a:buNone/>
+            </a:pPr>
+            <a:r>
+              <a:rPr lang="de-DE" sz="2200" dirty="0">
+                <a:solidFill>
+                  <a:srgbClr val="D4D4D4"/>
+                </a:solidFill>
+                <a:latin typeface="Consolas" panose="020B0609020204030204" pitchFamily="49" charset="0"/>
+              </a:rPr>
+              <a:t>            </a:t>
+            </a:r>
+            <a:r>
+              <a:rPr lang="de-DE" sz="2200" dirty="0" err="1">
+                <a:solidFill>
+                  <a:srgbClr val="9CDCFE"/>
+                </a:solidFill>
+                <a:latin typeface="Consolas" panose="020B0609020204030204" pitchFamily="49" charset="0"/>
+              </a:rPr>
+              <a:t>sw</a:t>
+            </a:r>
+            <a:r>
+              <a:rPr lang="de-DE" sz="2200" dirty="0" err="1">
+                <a:solidFill>
+                  <a:srgbClr val="D4D4D4"/>
+                </a:solidFill>
+                <a:latin typeface="Consolas" panose="020B0609020204030204" pitchFamily="49" charset="0"/>
+              </a:rPr>
+              <a:t>.</a:t>
+            </a:r>
+            <a:r>
+              <a:rPr lang="de-DE" sz="2200" dirty="0" err="1">
+                <a:solidFill>
+                  <a:srgbClr val="DCDCAA"/>
+                </a:solidFill>
+                <a:latin typeface="Consolas" panose="020B0609020204030204" pitchFamily="49" charset="0"/>
+              </a:rPr>
+              <a:t>WriteLine</a:t>
+            </a:r>
+            <a:r>
+              <a:rPr lang="de-DE" sz="2200" dirty="0">
+                <a:solidFill>
+                  <a:srgbClr val="D4D4D4"/>
+                </a:solidFill>
+                <a:latin typeface="Consolas" panose="020B0609020204030204" pitchFamily="49" charset="0"/>
+              </a:rPr>
+              <a:t>(</a:t>
+            </a:r>
+            <a:r>
+              <a:rPr lang="de-DE" sz="2200" dirty="0">
+                <a:solidFill>
+                  <a:srgbClr val="CE9178"/>
+                </a:solidFill>
+                <a:latin typeface="Consolas" panose="020B0609020204030204" pitchFamily="49" charset="0"/>
+              </a:rPr>
+              <a:t>"And"</a:t>
+            </a:r>
+            <a:r>
+              <a:rPr lang="de-DE" sz="2200" dirty="0">
+                <a:solidFill>
+                  <a:srgbClr val="D4D4D4"/>
+                </a:solidFill>
+                <a:latin typeface="Consolas" panose="020B0609020204030204" pitchFamily="49" charset="0"/>
+              </a:rPr>
+              <a:t>);</a:t>
+            </a:r>
+          </a:p>
+          <a:p>
+            <a:pPr marL="0" indent="0">
+              <a:spcBef>
+                <a:spcPts val="0"/>
+              </a:spcBef>
+              <a:buNone/>
+            </a:pPr>
+            <a:r>
+              <a:rPr lang="de-DE" sz="2200" dirty="0">
+                <a:solidFill>
+                  <a:srgbClr val="D4D4D4"/>
+                </a:solidFill>
+                <a:latin typeface="Consolas" panose="020B0609020204030204" pitchFamily="49" charset="0"/>
+              </a:rPr>
+              <a:t>            </a:t>
+            </a:r>
+            <a:r>
+              <a:rPr lang="de-DE" sz="2200" dirty="0" err="1">
+                <a:solidFill>
+                  <a:srgbClr val="9CDCFE"/>
+                </a:solidFill>
+                <a:latin typeface="Consolas" panose="020B0609020204030204" pitchFamily="49" charset="0"/>
+              </a:rPr>
+              <a:t>sw</a:t>
+            </a:r>
+            <a:r>
+              <a:rPr lang="de-DE" sz="2200" dirty="0" err="1">
+                <a:solidFill>
+                  <a:srgbClr val="D4D4D4"/>
+                </a:solidFill>
+                <a:latin typeface="Consolas" panose="020B0609020204030204" pitchFamily="49" charset="0"/>
+              </a:rPr>
+              <a:t>.</a:t>
+            </a:r>
+            <a:r>
+              <a:rPr lang="de-DE" sz="2200" dirty="0" err="1">
+                <a:solidFill>
+                  <a:srgbClr val="DCDCAA"/>
+                </a:solidFill>
+                <a:latin typeface="Consolas" panose="020B0609020204030204" pitchFamily="49" charset="0"/>
+              </a:rPr>
+              <a:t>WriteLine</a:t>
+            </a:r>
+            <a:r>
+              <a:rPr lang="de-DE" sz="2200" dirty="0">
+                <a:solidFill>
+                  <a:srgbClr val="D4D4D4"/>
+                </a:solidFill>
+                <a:latin typeface="Consolas" panose="020B0609020204030204" pitchFamily="49" charset="0"/>
+              </a:rPr>
+              <a:t>(</a:t>
+            </a:r>
+            <a:r>
+              <a:rPr lang="de-DE" sz="2200" dirty="0">
+                <a:solidFill>
+                  <a:srgbClr val="CE9178"/>
+                </a:solidFill>
+                <a:latin typeface="Consolas" panose="020B0609020204030204" pitchFamily="49" charset="0"/>
+              </a:rPr>
+              <a:t>"Welcome"</a:t>
+            </a:r>
+            <a:r>
+              <a:rPr lang="de-DE" sz="2200" dirty="0">
+                <a:solidFill>
+                  <a:srgbClr val="D4D4D4"/>
+                </a:solidFill>
+                <a:latin typeface="Consolas" panose="020B0609020204030204" pitchFamily="49" charset="0"/>
+              </a:rPr>
+              <a:t>);</a:t>
+            </a:r>
+          </a:p>
+          <a:p>
+            <a:pPr marL="0" indent="0">
+              <a:spcBef>
+                <a:spcPts val="0"/>
+              </a:spcBef>
+              <a:buNone/>
+            </a:pPr>
+            <a:r>
+              <a:rPr lang="de-DE" sz="2200" dirty="0">
+                <a:solidFill>
+                  <a:srgbClr val="D4D4D4"/>
+                </a:solidFill>
+                <a:latin typeface="Consolas" panose="020B0609020204030204" pitchFamily="49" charset="0"/>
+              </a:rPr>
+              <a:t>        }</a:t>
+            </a:r>
+          </a:p>
+          <a:p>
+            <a:pPr marL="0" indent="0">
+              <a:spcBef>
+                <a:spcPts val="0"/>
+              </a:spcBef>
+              <a:buNone/>
+            </a:pPr>
+            <a:r>
+              <a:rPr lang="de-DE" sz="2200" dirty="0">
+                <a:solidFill>
+                  <a:srgbClr val="D4D4D4"/>
+                </a:solidFill>
+                <a:latin typeface="Consolas" panose="020B0609020204030204" pitchFamily="49" charset="0"/>
+              </a:rPr>
+              <a:t>    }</a:t>
+            </a:r>
+          </a:p>
+          <a:p>
+            <a:pPr marL="0" indent="0">
+              <a:spcBef>
+                <a:spcPts val="0"/>
+              </a:spcBef>
+              <a:buNone/>
+            </a:pPr>
+            <a:r>
+              <a:rPr lang="de-DE" sz="2200" dirty="0">
+                <a:solidFill>
+                  <a:srgbClr val="D4D4D4"/>
+                </a:solidFill>
+                <a:latin typeface="Consolas" panose="020B0609020204030204" pitchFamily="49" charset="0"/>
+              </a:rPr>
+              <a:t>}</a:t>
+            </a:r>
+          </a:p>
+          <a:p>
+            <a:pPr marL="0" indent="0">
+              <a:spcBef>
+                <a:spcPts val="600"/>
+              </a:spcBef>
+              <a:buNone/>
+            </a:pPr>
+            <a:endParaRPr lang="en-GB" sz="1700" dirty="0">
+              <a:solidFill>
+                <a:srgbClr val="D4D4D4"/>
+              </a:solidFill>
+              <a:latin typeface="Consolas" panose="020B0609020204030204" pitchFamily="49" charset="0"/>
+            </a:endParaRPr>
           </a:p>
         </p:txBody>
       </p:sp>
     </p:spTree>
     <p:extLst>
       <p:ext uri="{BB962C8B-B14F-4D97-AF65-F5344CB8AC3E}">
-        <p14:creationId xmlns:p14="http://schemas.microsoft.com/office/powerpoint/2010/main" val="3719227506"/>
+        <p14:creationId xmlns:p14="http://schemas.microsoft.com/office/powerpoint/2010/main" val="1914557089"/>
       </p:ext>
     </p:extLst>
   </p:cSld>
@@ -10783,6 +15134,413 @@
       </p:transition>
     </mc:Fallback>
   </mc:AlternateContent>
+  <p:timing>
+    <p:tnLst>
+      <p:par>
+        <p:cTn id="1" dur="indefinite" restart="never" nodeType="tmRoot">
+          <p:childTnLst>
+            <p:seq concurrent="1" nextAc="seek">
+              <p:cTn id="2" dur="indefinite" nodeType="mainSeq">
+                <p:childTnLst>
+                  <p:par>
+                    <p:cTn id="3" fill="hold">
+                      <p:stCondLst>
+                        <p:cond delay="indefinite"/>
+                      </p:stCondLst>
+                      <p:childTnLst>
+                        <p:par>
+                          <p:cTn id="4" fill="hold">
+                            <p:stCondLst>
+                              <p:cond delay="0"/>
+                            </p:stCondLst>
+                            <p:childTnLst>
+                              <p:par>
+                                <p:cTn id="5" presetID="1" presetClass="entr" presetSubtype="0" fill="hold" nodeType="clickEffect">
+                                  <p:stCondLst>
+                                    <p:cond delay="0"/>
+                                  </p:stCondLst>
+                                  <p:childTnLst>
+                                    <p:set>
+                                      <p:cBhvr>
+                                        <p:cTn id="6" dur="1" fill="hold">
+                                          <p:stCondLst>
+                                            <p:cond delay="0"/>
+                                          </p:stCondLst>
+                                        </p:cTn>
+                                        <p:tgtEl>
+                                          <p:spTgt spid="5">
+                                            <p:txEl>
+                                              <p:pRg st="0" end="0"/>
+                                            </p:txEl>
+                                          </p:spTgt>
+                                        </p:tgtEl>
+                                        <p:attrNameLst>
+                                          <p:attrName>style.visibility</p:attrName>
+                                        </p:attrNameLst>
+                                      </p:cBhvr>
+                                      <p:to>
+                                        <p:strVal val="visible"/>
+                                      </p:to>
+                                    </p:set>
+                                  </p:childTnLst>
+                                </p:cTn>
+                              </p:par>
+                            </p:childTnLst>
+                          </p:cTn>
+                        </p:par>
+                      </p:childTnLst>
+                    </p:cTn>
+                  </p:par>
+                  <p:par>
+                    <p:cTn id="7" fill="hold">
+                      <p:stCondLst>
+                        <p:cond delay="indefinite"/>
+                      </p:stCondLst>
+                      <p:childTnLst>
+                        <p:par>
+                          <p:cTn id="8" fill="hold">
+                            <p:stCondLst>
+                              <p:cond delay="0"/>
+                            </p:stCondLst>
+                            <p:childTnLst>
+                              <p:par>
+                                <p:cTn id="9" presetID="1" presetClass="entr" presetSubtype="0" fill="hold" nodeType="clickEffect">
+                                  <p:stCondLst>
+                                    <p:cond delay="0"/>
+                                  </p:stCondLst>
+                                  <p:childTnLst>
+                                    <p:set>
+                                      <p:cBhvr>
+                                        <p:cTn id="10" dur="1" fill="hold">
+                                          <p:stCondLst>
+                                            <p:cond delay="0"/>
+                                          </p:stCondLst>
+                                        </p:cTn>
+                                        <p:tgtEl>
+                                          <p:spTgt spid="5">
+                                            <p:txEl>
+                                              <p:pRg st="1" end="1"/>
+                                            </p:txEl>
+                                          </p:spTgt>
+                                        </p:tgtEl>
+                                        <p:attrNameLst>
+                                          <p:attrName>style.visibility</p:attrName>
+                                        </p:attrNameLst>
+                                      </p:cBhvr>
+                                      <p:to>
+                                        <p:strVal val="visible"/>
+                                      </p:to>
+                                    </p:set>
+                                  </p:childTnLst>
+                                </p:cTn>
+                              </p:par>
+                              <p:par>
+                                <p:cTn id="11" presetID="1" presetClass="entr" presetSubtype="0" fill="hold" nodeType="withEffect">
+                                  <p:stCondLst>
+                                    <p:cond delay="0"/>
+                                  </p:stCondLst>
+                                  <p:childTnLst>
+                                    <p:set>
+                                      <p:cBhvr>
+                                        <p:cTn id="12" dur="1" fill="hold">
+                                          <p:stCondLst>
+                                            <p:cond delay="0"/>
+                                          </p:stCondLst>
+                                        </p:cTn>
+                                        <p:tgtEl>
+                                          <p:spTgt spid="5">
+                                            <p:txEl>
+                                              <p:pRg st="2" end="2"/>
+                                            </p:txEl>
+                                          </p:spTgt>
+                                        </p:tgtEl>
+                                        <p:attrNameLst>
+                                          <p:attrName>style.visibility</p:attrName>
+                                        </p:attrNameLst>
+                                      </p:cBhvr>
+                                      <p:to>
+                                        <p:strVal val="visible"/>
+                                      </p:to>
+                                    </p:set>
+                                  </p:childTnLst>
+                                </p:cTn>
+                              </p:par>
+                              <p:par>
+                                <p:cTn id="13" presetID="1" presetClass="entr" presetSubtype="0" fill="hold" nodeType="withEffect">
+                                  <p:stCondLst>
+                                    <p:cond delay="0"/>
+                                  </p:stCondLst>
+                                  <p:childTnLst>
+                                    <p:set>
+                                      <p:cBhvr>
+                                        <p:cTn id="14" dur="1" fill="hold">
+                                          <p:stCondLst>
+                                            <p:cond delay="0"/>
+                                          </p:stCondLst>
+                                        </p:cTn>
+                                        <p:tgtEl>
+                                          <p:spTgt spid="5">
+                                            <p:txEl>
+                                              <p:pRg st="3" end="3"/>
+                                            </p:txEl>
+                                          </p:spTgt>
+                                        </p:tgtEl>
+                                        <p:attrNameLst>
+                                          <p:attrName>style.visibility</p:attrName>
+                                        </p:attrNameLst>
+                                      </p:cBhvr>
+                                      <p:to>
+                                        <p:strVal val="visible"/>
+                                      </p:to>
+                                    </p:set>
+                                  </p:childTnLst>
+                                </p:cTn>
+                              </p:par>
+                              <p:par>
+                                <p:cTn id="15" presetID="1" presetClass="entr" presetSubtype="0" fill="hold" nodeType="withEffect">
+                                  <p:stCondLst>
+                                    <p:cond delay="0"/>
+                                  </p:stCondLst>
+                                  <p:childTnLst>
+                                    <p:set>
+                                      <p:cBhvr>
+                                        <p:cTn id="16" dur="1" fill="hold">
+                                          <p:stCondLst>
+                                            <p:cond delay="0"/>
+                                          </p:stCondLst>
+                                        </p:cTn>
+                                        <p:tgtEl>
+                                          <p:spTgt spid="5">
+                                            <p:txEl>
+                                              <p:pRg st="4" end="4"/>
+                                            </p:txEl>
+                                          </p:spTgt>
+                                        </p:tgtEl>
+                                        <p:attrNameLst>
+                                          <p:attrName>style.visibility</p:attrName>
+                                        </p:attrNameLst>
+                                      </p:cBhvr>
+                                      <p:to>
+                                        <p:strVal val="visible"/>
+                                      </p:to>
+                                    </p:set>
+                                  </p:childTnLst>
+                                </p:cTn>
+                              </p:par>
+                              <p:par>
+                                <p:cTn id="17" presetID="1" presetClass="entr" presetSubtype="0" fill="hold" nodeType="withEffect">
+                                  <p:stCondLst>
+                                    <p:cond delay="0"/>
+                                  </p:stCondLst>
+                                  <p:childTnLst>
+                                    <p:set>
+                                      <p:cBhvr>
+                                        <p:cTn id="18" dur="1" fill="hold">
+                                          <p:stCondLst>
+                                            <p:cond delay="0"/>
+                                          </p:stCondLst>
+                                        </p:cTn>
+                                        <p:tgtEl>
+                                          <p:spTgt spid="5">
+                                            <p:txEl>
+                                              <p:pRg st="5" end="5"/>
+                                            </p:txEl>
+                                          </p:spTgt>
+                                        </p:tgtEl>
+                                        <p:attrNameLst>
+                                          <p:attrName>style.visibility</p:attrName>
+                                        </p:attrNameLst>
+                                      </p:cBhvr>
+                                      <p:to>
+                                        <p:strVal val="visible"/>
+                                      </p:to>
+                                    </p:set>
+                                  </p:childTnLst>
+                                </p:cTn>
+                              </p:par>
+                              <p:par>
+                                <p:cTn id="19" presetID="1" presetClass="entr" presetSubtype="0" fill="hold" nodeType="withEffect">
+                                  <p:stCondLst>
+                                    <p:cond delay="0"/>
+                                  </p:stCondLst>
+                                  <p:childTnLst>
+                                    <p:set>
+                                      <p:cBhvr>
+                                        <p:cTn id="20" dur="1" fill="hold">
+                                          <p:stCondLst>
+                                            <p:cond delay="0"/>
+                                          </p:stCondLst>
+                                        </p:cTn>
+                                        <p:tgtEl>
+                                          <p:spTgt spid="5">
+                                            <p:txEl>
+                                              <p:pRg st="6" end="6"/>
+                                            </p:txEl>
+                                          </p:spTgt>
+                                        </p:tgtEl>
+                                        <p:attrNameLst>
+                                          <p:attrName>style.visibility</p:attrName>
+                                        </p:attrNameLst>
+                                      </p:cBhvr>
+                                      <p:to>
+                                        <p:strVal val="visible"/>
+                                      </p:to>
+                                    </p:set>
+                                  </p:childTnLst>
+                                </p:cTn>
+                              </p:par>
+                              <p:par>
+                                <p:cTn id="21" presetID="1" presetClass="entr" presetSubtype="0" fill="hold" nodeType="withEffect">
+                                  <p:stCondLst>
+                                    <p:cond delay="0"/>
+                                  </p:stCondLst>
+                                  <p:childTnLst>
+                                    <p:set>
+                                      <p:cBhvr>
+                                        <p:cTn id="22" dur="1" fill="hold">
+                                          <p:stCondLst>
+                                            <p:cond delay="0"/>
+                                          </p:stCondLst>
+                                        </p:cTn>
+                                        <p:tgtEl>
+                                          <p:spTgt spid="5">
+                                            <p:txEl>
+                                              <p:pRg st="7" end="7"/>
+                                            </p:txEl>
+                                          </p:spTgt>
+                                        </p:tgtEl>
+                                        <p:attrNameLst>
+                                          <p:attrName>style.visibility</p:attrName>
+                                        </p:attrNameLst>
+                                      </p:cBhvr>
+                                      <p:to>
+                                        <p:strVal val="visible"/>
+                                      </p:to>
+                                    </p:set>
+                                  </p:childTnLst>
+                                </p:cTn>
+                              </p:par>
+                              <p:par>
+                                <p:cTn id="23" presetID="1" presetClass="entr" presetSubtype="0" fill="hold" nodeType="withEffect">
+                                  <p:stCondLst>
+                                    <p:cond delay="0"/>
+                                  </p:stCondLst>
+                                  <p:childTnLst>
+                                    <p:set>
+                                      <p:cBhvr>
+                                        <p:cTn id="24" dur="1" fill="hold">
+                                          <p:stCondLst>
+                                            <p:cond delay="0"/>
+                                          </p:stCondLst>
+                                        </p:cTn>
+                                        <p:tgtEl>
+                                          <p:spTgt spid="5">
+                                            <p:txEl>
+                                              <p:pRg st="8" end="8"/>
+                                            </p:txEl>
+                                          </p:spTgt>
+                                        </p:tgtEl>
+                                        <p:attrNameLst>
+                                          <p:attrName>style.visibility</p:attrName>
+                                        </p:attrNameLst>
+                                      </p:cBhvr>
+                                      <p:to>
+                                        <p:strVal val="visible"/>
+                                      </p:to>
+                                    </p:set>
+                                  </p:childTnLst>
+                                </p:cTn>
+                              </p:par>
+                              <p:par>
+                                <p:cTn id="25" presetID="1" presetClass="entr" presetSubtype="0" fill="hold" nodeType="withEffect">
+                                  <p:stCondLst>
+                                    <p:cond delay="0"/>
+                                  </p:stCondLst>
+                                  <p:childTnLst>
+                                    <p:set>
+                                      <p:cBhvr>
+                                        <p:cTn id="26" dur="1" fill="hold">
+                                          <p:stCondLst>
+                                            <p:cond delay="0"/>
+                                          </p:stCondLst>
+                                        </p:cTn>
+                                        <p:tgtEl>
+                                          <p:spTgt spid="5">
+                                            <p:txEl>
+                                              <p:pRg st="9" end="9"/>
+                                            </p:txEl>
+                                          </p:spTgt>
+                                        </p:tgtEl>
+                                        <p:attrNameLst>
+                                          <p:attrName>style.visibility</p:attrName>
+                                        </p:attrNameLst>
+                                      </p:cBhvr>
+                                      <p:to>
+                                        <p:strVal val="visible"/>
+                                      </p:to>
+                                    </p:set>
+                                  </p:childTnLst>
+                                </p:cTn>
+                              </p:par>
+                              <p:par>
+                                <p:cTn id="27" presetID="1" presetClass="entr" presetSubtype="0" fill="hold" nodeType="withEffect">
+                                  <p:stCondLst>
+                                    <p:cond delay="0"/>
+                                  </p:stCondLst>
+                                  <p:childTnLst>
+                                    <p:set>
+                                      <p:cBhvr>
+                                        <p:cTn id="28" dur="1" fill="hold">
+                                          <p:stCondLst>
+                                            <p:cond delay="0"/>
+                                          </p:stCondLst>
+                                        </p:cTn>
+                                        <p:tgtEl>
+                                          <p:spTgt spid="5">
+                                            <p:txEl>
+                                              <p:pRg st="10" end="10"/>
+                                            </p:txEl>
+                                          </p:spTgt>
+                                        </p:tgtEl>
+                                        <p:attrNameLst>
+                                          <p:attrName>style.visibility</p:attrName>
+                                        </p:attrNameLst>
+                                      </p:cBhvr>
+                                      <p:to>
+                                        <p:strVal val="visible"/>
+                                      </p:to>
+                                    </p:set>
+                                  </p:childTnLst>
+                                </p:cTn>
+                              </p:par>
+                            </p:childTnLst>
+                          </p:cTn>
+                        </p:par>
+                      </p:childTnLst>
+                    </p:cTn>
+                  </p:par>
+                </p:childTnLst>
+              </p:cTn>
+              <p:prevCondLst>
+                <p:cond evt="onPrev" delay="0">
+                  <p:tgtEl>
+                    <p:sldTgt/>
+                  </p:tgtEl>
+                </p:cond>
+              </p:prevCondLst>
+              <p:nextCondLst>
+                <p:cond evt="onNext" delay="0">
+                  <p:tgtEl>
+                    <p:sldTgt/>
+                  </p:tgtEl>
+                </p:cond>
+              </p:nextCondLst>
+            </p:seq>
+          </p:childTnLst>
+        </p:cTn>
+      </p:par>
+    </p:tnLst>
+  </p:timing>
 </p:sld>
 </file>
 
@@ -11737,142 +16495,6 @@
 </file>
 
 <file path=customXml/item1.xml><?xml version="1.0" encoding="utf-8"?>
-<p:properties xmlns:p="http://schemas.microsoft.com/office/2006/metadata/properties" xmlns:xsi="http://www.w3.org/2001/XMLSchema-instance" xmlns:pc="http://schemas.microsoft.com/office/infopath/2007/PartnerControls">
-  <documentManagement>
-    <LocPublishedLinkedAssetsLookup xmlns="4873beb7-5857-4685-be1f-d57550cc96cc" xsi:nil="true"/>
-    <ApprovalStatus xmlns="4873beb7-5857-4685-be1f-d57550cc96cc">InProgress</ApprovalStatus>
-    <MarketSpecific xmlns="4873beb7-5857-4685-be1f-d57550cc96cc">false</MarketSpecific>
-    <LocComments xmlns="4873beb7-5857-4685-be1f-d57550cc96cc" xsi:nil="true"/>
-    <LocLastLocAttemptVersionTypeLookup xmlns="4873beb7-5857-4685-be1f-d57550cc96cc" xsi:nil="true"/>
-    <DirectSourceMarket xmlns="4873beb7-5857-4685-be1f-d57550cc96cc" xsi:nil="true"/>
-    <ThumbnailAssetId xmlns="4873beb7-5857-4685-be1f-d57550cc96cc" xsi:nil="true"/>
-    <PrimaryImageGen xmlns="4873beb7-5857-4685-be1f-d57550cc96cc">false</PrimaryImageGen>
-    <LocNewPublishedVersionLookup xmlns="4873beb7-5857-4685-be1f-d57550cc96cc" xsi:nil="true"/>
-    <LegacyData xmlns="4873beb7-5857-4685-be1f-d57550cc96cc" xsi:nil="true"/>
-    <LocRecommendedHandoff xmlns="4873beb7-5857-4685-be1f-d57550cc96cc" xsi:nil="true"/>
-    <BusinessGroup xmlns="4873beb7-5857-4685-be1f-d57550cc96cc" xsi:nil="true"/>
-    <BlockPublish xmlns="4873beb7-5857-4685-be1f-d57550cc96cc">false</BlockPublish>
-    <TPFriendlyName xmlns="4873beb7-5857-4685-be1f-d57550cc96cc" xsi:nil="true"/>
-    <LocOverallPublishStatusLookup xmlns="4873beb7-5857-4685-be1f-d57550cc96cc" xsi:nil="true"/>
-    <NumericId xmlns="4873beb7-5857-4685-be1f-d57550cc96cc" xsi:nil="true"/>
-    <APEditor xmlns="4873beb7-5857-4685-be1f-d57550cc96cc">
-      <UserInfo>
-        <DisplayName/>
-        <AccountId xsi:nil="true"/>
-        <AccountType/>
-      </UserInfo>
-    </APEditor>
-    <SourceTitle xmlns="4873beb7-5857-4685-be1f-d57550cc96cc" xsi:nil="true"/>
-    <OpenTemplate xmlns="4873beb7-5857-4685-be1f-d57550cc96cc">true</OpenTemplate>
-    <LocOverallLocStatusLookup xmlns="4873beb7-5857-4685-be1f-d57550cc96cc" xsi:nil="true"/>
-    <UALocComments xmlns="4873beb7-5857-4685-be1f-d57550cc96cc" xsi:nil="true"/>
-    <ParentAssetId xmlns="4873beb7-5857-4685-be1f-d57550cc96cc" xsi:nil="true"/>
-    <IntlLangReviewDate xmlns="4873beb7-5857-4685-be1f-d57550cc96cc" xsi:nil="true"/>
-    <FeatureTagsTaxHTField0 xmlns="4873beb7-5857-4685-be1f-d57550cc96cc">
-      <Terms xmlns="http://schemas.microsoft.com/office/infopath/2007/PartnerControls"/>
-    </FeatureTagsTaxHTField0>
-    <PublishStatusLookup xmlns="4873beb7-5857-4685-be1f-d57550cc96cc">
-      <Value>1345093</Value>
-    </PublishStatusLookup>
-    <Providers xmlns="4873beb7-5857-4685-be1f-d57550cc96cc" xsi:nil="true"/>
-    <MachineTranslated xmlns="4873beb7-5857-4685-be1f-d57550cc96cc">false</MachineTranslated>
-    <OriginalSourceMarket xmlns="4873beb7-5857-4685-be1f-d57550cc96cc" xsi:nil="true"/>
-    <APDescription xmlns="4873beb7-5857-4685-be1f-d57550cc96cc">This simple template design works for technology and  businesses, but it's versatile enough to use in other contexts.  It features multiple slide layouts designed for widescreen (16x9 resolution) and includes a sample SmartArt list and chart that are easily editable.</APDescription>
-    <ClipArtFilename xmlns="4873beb7-5857-4685-be1f-d57550cc96cc" xsi:nil="true"/>
-    <ContentItem xmlns="4873beb7-5857-4685-be1f-d57550cc96cc" xsi:nil="true"/>
-    <TPInstallLocation xmlns="4873beb7-5857-4685-be1f-d57550cc96cc" xsi:nil="true"/>
-    <PublishTargets xmlns="4873beb7-5857-4685-be1f-d57550cc96cc">OfficeOnlineVNext</PublishTargets>
-    <TimesCloned xmlns="4873beb7-5857-4685-be1f-d57550cc96cc" xsi:nil="true"/>
-    <AssetStart xmlns="4873beb7-5857-4685-be1f-d57550cc96cc">2011-11-26T00:30:00+00:00</AssetStart>
-    <Provider xmlns="4873beb7-5857-4685-be1f-d57550cc96cc" xsi:nil="true"/>
-    <AcquiredFrom xmlns="4873beb7-5857-4685-be1f-d57550cc96cc">Internal MS</AcquiredFrom>
-    <FriendlyTitle xmlns="4873beb7-5857-4685-be1f-d57550cc96cc" xsi:nil="true"/>
-    <LastHandOff xmlns="4873beb7-5857-4685-be1f-d57550cc96cc" xsi:nil="true"/>
-    <TPClientViewer xmlns="4873beb7-5857-4685-be1f-d57550cc96cc" xsi:nil="true"/>
-    <TemplateStatus xmlns="4873beb7-5857-4685-be1f-d57550cc96cc">Complete</TemplateStatus>
-    <Downloads xmlns="4873beb7-5857-4685-be1f-d57550cc96cc">0</Downloads>
-    <OOCacheId xmlns="4873beb7-5857-4685-be1f-d57550cc96cc" xsi:nil="true"/>
-    <IsDeleted xmlns="4873beb7-5857-4685-be1f-d57550cc96cc">false</IsDeleted>
-    <LocPublishedDependentAssetsLookup xmlns="4873beb7-5857-4685-be1f-d57550cc96cc" xsi:nil="true"/>
-    <TPExecutable xmlns="4873beb7-5857-4685-be1f-d57550cc96cc" xsi:nil="true"/>
-    <EditorialTags xmlns="4873beb7-5857-4685-be1f-d57550cc96cc" xsi:nil="true"/>
-    <SubmitterId xmlns="4873beb7-5857-4685-be1f-d57550cc96cc" xsi:nil="true"/>
-    <ApprovalLog xmlns="4873beb7-5857-4685-be1f-d57550cc96cc" xsi:nil="true"/>
-    <AssetType xmlns="4873beb7-5857-4685-be1f-d57550cc96cc">TP</AssetType>
-    <BugNumber xmlns="4873beb7-5857-4685-be1f-d57550cc96cc" xsi:nil="true"/>
-    <CSXSubmissionDate xmlns="4873beb7-5857-4685-be1f-d57550cc96cc" xsi:nil="true"/>
-    <CSXUpdate xmlns="4873beb7-5857-4685-be1f-d57550cc96cc">false</CSXUpdate>
-    <Milestone xmlns="4873beb7-5857-4685-be1f-d57550cc96cc" xsi:nil="true"/>
-    <RecommendationsModifier xmlns="4873beb7-5857-4685-be1f-d57550cc96cc" xsi:nil="true"/>
-    <OriginAsset xmlns="4873beb7-5857-4685-be1f-d57550cc96cc" xsi:nil="true"/>
-    <TPComponent xmlns="4873beb7-5857-4685-be1f-d57550cc96cc" xsi:nil="true"/>
-    <AssetId xmlns="4873beb7-5857-4685-be1f-d57550cc96cc">TP102787989</AssetId>
-    <IntlLocPriority xmlns="4873beb7-5857-4685-be1f-d57550cc96cc" xsi:nil="true"/>
-    <PolicheckWords xmlns="4873beb7-5857-4685-be1f-d57550cc96cc" xsi:nil="true"/>
-    <TPLaunchHelpLink xmlns="4873beb7-5857-4685-be1f-d57550cc96cc" xsi:nil="true"/>
-    <TPApplication xmlns="4873beb7-5857-4685-be1f-d57550cc96cc" xsi:nil="true"/>
-    <CrawlForDependencies xmlns="4873beb7-5857-4685-be1f-d57550cc96cc">false</CrawlForDependencies>
-    <HandoffToMSDN xmlns="4873beb7-5857-4685-be1f-d57550cc96cc" xsi:nil="true"/>
-    <PlannedPubDate xmlns="4873beb7-5857-4685-be1f-d57550cc96cc" xsi:nil="true"/>
-    <IntlLangReviewer xmlns="4873beb7-5857-4685-be1f-d57550cc96cc" xsi:nil="true"/>
-    <TrustLevel xmlns="4873beb7-5857-4685-be1f-d57550cc96cc">1 Microsoft Managed Content</TrustLevel>
-    <LocLastLocAttemptVersionLookup xmlns="4873beb7-5857-4685-be1f-d57550cc96cc">694266</LocLastLocAttemptVersionLookup>
-    <LocProcessedForHandoffsLookup xmlns="4873beb7-5857-4685-be1f-d57550cc96cc" xsi:nil="true"/>
-    <IsSearchable xmlns="4873beb7-5857-4685-be1f-d57550cc96cc">true</IsSearchable>
-    <TemplateTemplateType xmlns="4873beb7-5857-4685-be1f-d57550cc96cc">PowerPoint Presentation Template</TemplateTemplateType>
-    <CampaignTagsTaxHTField0 xmlns="4873beb7-5857-4685-be1f-d57550cc96cc">
-      <Terms xmlns="http://schemas.microsoft.com/office/infopath/2007/PartnerControls"/>
-    </CampaignTagsTaxHTField0>
-    <TPNamespace xmlns="4873beb7-5857-4685-be1f-d57550cc96cc" xsi:nil="true"/>
-    <LocOverallPreviewStatusLookup xmlns="4873beb7-5857-4685-be1f-d57550cc96cc" xsi:nil="true"/>
-    <TaxCatchAll xmlns="4873beb7-5857-4685-be1f-d57550cc96cc"/>
-    <Markets xmlns="4873beb7-5857-4685-be1f-d57550cc96cc"/>
-    <UAProjectedTotalWords xmlns="4873beb7-5857-4685-be1f-d57550cc96cc" xsi:nil="true"/>
-    <IntlLangReview xmlns="4873beb7-5857-4685-be1f-d57550cc96cc" xsi:nil="true"/>
-    <OutputCachingOn xmlns="4873beb7-5857-4685-be1f-d57550cc96cc">false</OutputCachingOn>
-    <AverageRating xmlns="4873beb7-5857-4685-be1f-d57550cc96cc" xsi:nil="true"/>
-    <APAuthor xmlns="4873beb7-5857-4685-be1f-d57550cc96cc">
-      <UserInfo>
-        <DisplayName>REDMOND\kristaa</DisplayName>
-        <AccountId>136</AccountId>
-        <AccountType/>
-      </UserInfo>
-    </APAuthor>
-    <LocManualTestRequired xmlns="4873beb7-5857-4685-be1f-d57550cc96cc">false</LocManualTestRequired>
-    <TPCommandLine xmlns="4873beb7-5857-4685-be1f-d57550cc96cc" xsi:nil="true"/>
-    <TPAppVersion xmlns="4873beb7-5857-4685-be1f-d57550cc96cc" xsi:nil="true"/>
-    <EditorialStatus xmlns="4873beb7-5857-4685-be1f-d57550cc96cc">Complete</EditorialStatus>
-    <LastModifiedDateTime xmlns="4873beb7-5857-4685-be1f-d57550cc96cc" xsi:nil="true"/>
-    <ScenarioTagsTaxHTField0 xmlns="4873beb7-5857-4685-be1f-d57550cc96cc">
-      <Terms xmlns="http://schemas.microsoft.com/office/infopath/2007/PartnerControls"/>
-    </ScenarioTagsTaxHTField0>
-    <LocProcessedForMarketsLookup xmlns="4873beb7-5857-4685-be1f-d57550cc96cc" xsi:nil="true"/>
-    <TPLaunchHelpLinkType xmlns="4873beb7-5857-4685-be1f-d57550cc96cc">Template</TPLaunchHelpLinkType>
-    <OriginalRelease xmlns="4873beb7-5857-4685-be1f-d57550cc96cc">15</OriginalRelease>
-    <LocalizationTagsTaxHTField0 xmlns="4873beb7-5857-4685-be1f-d57550cc96cc">
-      <Terms xmlns="http://schemas.microsoft.com/office/infopath/2007/PartnerControls"/>
-    </LocalizationTagsTaxHTField0>
-    <UACurrentWords xmlns="4873beb7-5857-4685-be1f-d57550cc96cc" xsi:nil="true"/>
-    <ArtSampleDocs xmlns="4873beb7-5857-4685-be1f-d57550cc96cc" xsi:nil="true"/>
-    <UALocRecommendation xmlns="4873beb7-5857-4685-be1f-d57550cc96cc">Localize</UALocRecommendation>
-    <Manager xmlns="4873beb7-5857-4685-be1f-d57550cc96cc" xsi:nil="true"/>
-    <LocOverallHandbackStatusLookup xmlns="4873beb7-5857-4685-be1f-d57550cc96cc" xsi:nil="true"/>
-    <ShowIn xmlns="4873beb7-5857-4685-be1f-d57550cc96cc">Show everywhere</ShowIn>
-    <UANotes xmlns="4873beb7-5857-4685-be1f-d57550cc96cc" xsi:nil="true"/>
-    <InternalTagsTaxHTField0 xmlns="4873beb7-5857-4685-be1f-d57550cc96cc">
-      <Terms xmlns="http://schemas.microsoft.com/office/infopath/2007/PartnerControls"/>
-    </InternalTagsTaxHTField0>
-    <CSXHash xmlns="4873beb7-5857-4685-be1f-d57550cc96cc" xsi:nil="true"/>
-    <VoteCount xmlns="4873beb7-5857-4685-be1f-d57550cc96cc" xsi:nil="true"/>
-    <AssetExpire xmlns="4873beb7-5857-4685-be1f-d57550cc96cc">2029-05-12T07:00:00+00:00</AssetExpire>
-    <DSATActionTaken xmlns="4873beb7-5857-4685-be1f-d57550cc96cc" xsi:nil="true"/>
-    <CSXSubmissionMarket xmlns="4873beb7-5857-4685-be1f-d57550cc96cc" xsi:nil="true"/>
-    <LocMarketGroupTiers2 xmlns="4873beb7-5857-4685-be1f-d57550cc96cc" xsi:nil="true"/>
-  </documentManagement>
-</p:properties>
-</file>
-
-<file path=customXml/item2.xml><?xml version="1.0" encoding="utf-8"?>
 <ct:contentTypeSchema xmlns:ct="http://schemas.microsoft.com/office/2006/metadata/contentType" xmlns:ma="http://schemas.microsoft.com/office/2006/metadata/properties/metaAttributes" ct:_="" ma:_="" ma:contentTypeName="TemplateFile" ma:contentTypeID="0x0101006EDDDB5EE6D98C44930B742096920B300400F5B6D36B3EF94B4E9A635CDF2A18F5B8" ma:contentTypeVersion="72" ma:contentTypeDescription="Create a new document." ma:contentTypeScope="" ma:versionID="a23e56308344d904b51738559c3d67c9">
   <xsd:schema xmlns:xsd="http://www.w3.org/2001/XMLSchema" xmlns:xs="http://www.w3.org/2001/XMLSchema" xmlns:p="http://schemas.microsoft.com/office/2006/metadata/properties" xmlns:ns2="4873beb7-5857-4685-be1f-d57550cc96cc" targetNamespace="http://schemas.microsoft.com/office/2006/metadata/properties" ma:root="true" ma:fieldsID="cd0908cc4600e77bf5da051303e00c8d" ns2:_="">
     <xsd:import namespace="4873beb7-5857-4685-be1f-d57550cc96cc"/>
@@ -12912,7 +17534,7 @@
 </ct:contentTypeSchema>
 </file>
 
-<file path=customXml/item3.xml><?xml version="1.0" encoding="utf-8"?>
+<file path=customXml/item2.xml><?xml version="1.0" encoding="utf-8"?>
 <?mso-contentType ?>
 <FormTemplates xmlns="http://schemas.microsoft.com/sharepoint/v3/contenttype/forms">
   <Display>DocumentLibraryForm</Display>
@@ -12921,23 +17543,143 @@
 </FormTemplates>
 </file>
 
-<file path=customXml/itemProps1.xml><?xml version="1.0" encoding="utf-8"?>
-<ds:datastoreItem xmlns:ds="http://schemas.openxmlformats.org/officeDocument/2006/customXml" ds:itemID="{60C67BEE-D13F-4BD2-98A5-34D8A0977F68}">
-  <ds:schemaRefs>
-    <ds:schemaRef ds:uri="http://schemas.microsoft.com/office/infopath/2007/PartnerControls"/>
-    <ds:schemaRef ds:uri="http://schemas.microsoft.com/office/2006/metadata/properties"/>
-    <ds:schemaRef ds:uri="http://purl.org/dc/terms/"/>
-    <ds:schemaRef ds:uri="http://schemas.microsoft.com/office/2006/documentManagement/types"/>
-    <ds:schemaRef ds:uri="http://purl.org/dc/elements/1.1/"/>
-    <ds:schemaRef ds:uri="http://purl.org/dc/dcmitype/"/>
-    <ds:schemaRef ds:uri="http://schemas.openxmlformats.org/package/2006/metadata/core-properties"/>
-    <ds:schemaRef ds:uri="4873beb7-5857-4685-be1f-d57550cc96cc"/>
-    <ds:schemaRef ds:uri="http://www.w3.org/XML/1998/namespace"/>
-  </ds:schemaRefs>
-</ds:datastoreItem>
+<file path=customXml/item3.xml><?xml version="1.0" encoding="utf-8"?>
+<p:properties xmlns:p="http://schemas.microsoft.com/office/2006/metadata/properties" xmlns:xsi="http://www.w3.org/2001/XMLSchema-instance" xmlns:pc="http://schemas.microsoft.com/office/infopath/2007/PartnerControls">
+  <documentManagement>
+    <LocPublishedLinkedAssetsLookup xmlns="4873beb7-5857-4685-be1f-d57550cc96cc" xsi:nil="true"/>
+    <ApprovalStatus xmlns="4873beb7-5857-4685-be1f-d57550cc96cc">InProgress</ApprovalStatus>
+    <MarketSpecific xmlns="4873beb7-5857-4685-be1f-d57550cc96cc">false</MarketSpecific>
+    <LocComments xmlns="4873beb7-5857-4685-be1f-d57550cc96cc" xsi:nil="true"/>
+    <LocLastLocAttemptVersionTypeLookup xmlns="4873beb7-5857-4685-be1f-d57550cc96cc" xsi:nil="true"/>
+    <DirectSourceMarket xmlns="4873beb7-5857-4685-be1f-d57550cc96cc" xsi:nil="true"/>
+    <ThumbnailAssetId xmlns="4873beb7-5857-4685-be1f-d57550cc96cc" xsi:nil="true"/>
+    <PrimaryImageGen xmlns="4873beb7-5857-4685-be1f-d57550cc96cc">false</PrimaryImageGen>
+    <LocNewPublishedVersionLookup xmlns="4873beb7-5857-4685-be1f-d57550cc96cc" xsi:nil="true"/>
+    <LegacyData xmlns="4873beb7-5857-4685-be1f-d57550cc96cc" xsi:nil="true"/>
+    <LocRecommendedHandoff xmlns="4873beb7-5857-4685-be1f-d57550cc96cc" xsi:nil="true"/>
+    <BusinessGroup xmlns="4873beb7-5857-4685-be1f-d57550cc96cc" xsi:nil="true"/>
+    <BlockPublish xmlns="4873beb7-5857-4685-be1f-d57550cc96cc">false</BlockPublish>
+    <TPFriendlyName xmlns="4873beb7-5857-4685-be1f-d57550cc96cc" xsi:nil="true"/>
+    <LocOverallPublishStatusLookup xmlns="4873beb7-5857-4685-be1f-d57550cc96cc" xsi:nil="true"/>
+    <NumericId xmlns="4873beb7-5857-4685-be1f-d57550cc96cc" xsi:nil="true"/>
+    <APEditor xmlns="4873beb7-5857-4685-be1f-d57550cc96cc">
+      <UserInfo>
+        <DisplayName/>
+        <AccountId xsi:nil="true"/>
+        <AccountType/>
+      </UserInfo>
+    </APEditor>
+    <SourceTitle xmlns="4873beb7-5857-4685-be1f-d57550cc96cc" xsi:nil="true"/>
+    <OpenTemplate xmlns="4873beb7-5857-4685-be1f-d57550cc96cc">true</OpenTemplate>
+    <LocOverallLocStatusLookup xmlns="4873beb7-5857-4685-be1f-d57550cc96cc" xsi:nil="true"/>
+    <UALocComments xmlns="4873beb7-5857-4685-be1f-d57550cc96cc" xsi:nil="true"/>
+    <ParentAssetId xmlns="4873beb7-5857-4685-be1f-d57550cc96cc" xsi:nil="true"/>
+    <IntlLangReviewDate xmlns="4873beb7-5857-4685-be1f-d57550cc96cc" xsi:nil="true"/>
+    <FeatureTagsTaxHTField0 xmlns="4873beb7-5857-4685-be1f-d57550cc96cc">
+      <Terms xmlns="http://schemas.microsoft.com/office/infopath/2007/PartnerControls"/>
+    </FeatureTagsTaxHTField0>
+    <PublishStatusLookup xmlns="4873beb7-5857-4685-be1f-d57550cc96cc">
+      <Value>1345093</Value>
+    </PublishStatusLookup>
+    <Providers xmlns="4873beb7-5857-4685-be1f-d57550cc96cc" xsi:nil="true"/>
+    <MachineTranslated xmlns="4873beb7-5857-4685-be1f-d57550cc96cc">false</MachineTranslated>
+    <OriginalSourceMarket xmlns="4873beb7-5857-4685-be1f-d57550cc96cc" xsi:nil="true"/>
+    <APDescription xmlns="4873beb7-5857-4685-be1f-d57550cc96cc">This simple template design works for technology and  businesses, but it's versatile enough to use in other contexts.  It features multiple slide layouts designed for widescreen (16x9 resolution) and includes a sample SmartArt list and chart that are easily editable.</APDescription>
+    <ClipArtFilename xmlns="4873beb7-5857-4685-be1f-d57550cc96cc" xsi:nil="true"/>
+    <ContentItem xmlns="4873beb7-5857-4685-be1f-d57550cc96cc" xsi:nil="true"/>
+    <TPInstallLocation xmlns="4873beb7-5857-4685-be1f-d57550cc96cc" xsi:nil="true"/>
+    <PublishTargets xmlns="4873beb7-5857-4685-be1f-d57550cc96cc">OfficeOnlineVNext</PublishTargets>
+    <TimesCloned xmlns="4873beb7-5857-4685-be1f-d57550cc96cc" xsi:nil="true"/>
+    <AssetStart xmlns="4873beb7-5857-4685-be1f-d57550cc96cc">2011-11-26T00:30:00+00:00</AssetStart>
+    <Provider xmlns="4873beb7-5857-4685-be1f-d57550cc96cc" xsi:nil="true"/>
+    <AcquiredFrom xmlns="4873beb7-5857-4685-be1f-d57550cc96cc">Internal MS</AcquiredFrom>
+    <FriendlyTitle xmlns="4873beb7-5857-4685-be1f-d57550cc96cc" xsi:nil="true"/>
+    <LastHandOff xmlns="4873beb7-5857-4685-be1f-d57550cc96cc" xsi:nil="true"/>
+    <TPClientViewer xmlns="4873beb7-5857-4685-be1f-d57550cc96cc" xsi:nil="true"/>
+    <TemplateStatus xmlns="4873beb7-5857-4685-be1f-d57550cc96cc">Complete</TemplateStatus>
+    <Downloads xmlns="4873beb7-5857-4685-be1f-d57550cc96cc">0</Downloads>
+    <OOCacheId xmlns="4873beb7-5857-4685-be1f-d57550cc96cc" xsi:nil="true"/>
+    <IsDeleted xmlns="4873beb7-5857-4685-be1f-d57550cc96cc">false</IsDeleted>
+    <LocPublishedDependentAssetsLookup xmlns="4873beb7-5857-4685-be1f-d57550cc96cc" xsi:nil="true"/>
+    <TPExecutable xmlns="4873beb7-5857-4685-be1f-d57550cc96cc" xsi:nil="true"/>
+    <EditorialTags xmlns="4873beb7-5857-4685-be1f-d57550cc96cc" xsi:nil="true"/>
+    <SubmitterId xmlns="4873beb7-5857-4685-be1f-d57550cc96cc" xsi:nil="true"/>
+    <ApprovalLog xmlns="4873beb7-5857-4685-be1f-d57550cc96cc" xsi:nil="true"/>
+    <AssetType xmlns="4873beb7-5857-4685-be1f-d57550cc96cc">TP</AssetType>
+    <BugNumber xmlns="4873beb7-5857-4685-be1f-d57550cc96cc" xsi:nil="true"/>
+    <CSXSubmissionDate xmlns="4873beb7-5857-4685-be1f-d57550cc96cc" xsi:nil="true"/>
+    <CSXUpdate xmlns="4873beb7-5857-4685-be1f-d57550cc96cc">false</CSXUpdate>
+    <Milestone xmlns="4873beb7-5857-4685-be1f-d57550cc96cc" xsi:nil="true"/>
+    <RecommendationsModifier xmlns="4873beb7-5857-4685-be1f-d57550cc96cc" xsi:nil="true"/>
+    <OriginAsset xmlns="4873beb7-5857-4685-be1f-d57550cc96cc" xsi:nil="true"/>
+    <TPComponent xmlns="4873beb7-5857-4685-be1f-d57550cc96cc" xsi:nil="true"/>
+    <AssetId xmlns="4873beb7-5857-4685-be1f-d57550cc96cc">TP102787989</AssetId>
+    <IntlLocPriority xmlns="4873beb7-5857-4685-be1f-d57550cc96cc" xsi:nil="true"/>
+    <PolicheckWords xmlns="4873beb7-5857-4685-be1f-d57550cc96cc" xsi:nil="true"/>
+    <TPLaunchHelpLink xmlns="4873beb7-5857-4685-be1f-d57550cc96cc" xsi:nil="true"/>
+    <TPApplication xmlns="4873beb7-5857-4685-be1f-d57550cc96cc" xsi:nil="true"/>
+    <CrawlForDependencies xmlns="4873beb7-5857-4685-be1f-d57550cc96cc">false</CrawlForDependencies>
+    <HandoffToMSDN xmlns="4873beb7-5857-4685-be1f-d57550cc96cc" xsi:nil="true"/>
+    <PlannedPubDate xmlns="4873beb7-5857-4685-be1f-d57550cc96cc" xsi:nil="true"/>
+    <IntlLangReviewer xmlns="4873beb7-5857-4685-be1f-d57550cc96cc" xsi:nil="true"/>
+    <TrustLevel xmlns="4873beb7-5857-4685-be1f-d57550cc96cc">1 Microsoft Managed Content</TrustLevel>
+    <LocLastLocAttemptVersionLookup xmlns="4873beb7-5857-4685-be1f-d57550cc96cc">694266</LocLastLocAttemptVersionLookup>
+    <LocProcessedForHandoffsLookup xmlns="4873beb7-5857-4685-be1f-d57550cc96cc" xsi:nil="true"/>
+    <IsSearchable xmlns="4873beb7-5857-4685-be1f-d57550cc96cc">true</IsSearchable>
+    <TemplateTemplateType xmlns="4873beb7-5857-4685-be1f-d57550cc96cc">PowerPoint Presentation Template</TemplateTemplateType>
+    <CampaignTagsTaxHTField0 xmlns="4873beb7-5857-4685-be1f-d57550cc96cc">
+      <Terms xmlns="http://schemas.microsoft.com/office/infopath/2007/PartnerControls"/>
+    </CampaignTagsTaxHTField0>
+    <TPNamespace xmlns="4873beb7-5857-4685-be1f-d57550cc96cc" xsi:nil="true"/>
+    <LocOverallPreviewStatusLookup xmlns="4873beb7-5857-4685-be1f-d57550cc96cc" xsi:nil="true"/>
+    <TaxCatchAll xmlns="4873beb7-5857-4685-be1f-d57550cc96cc"/>
+    <Markets xmlns="4873beb7-5857-4685-be1f-d57550cc96cc"/>
+    <UAProjectedTotalWords xmlns="4873beb7-5857-4685-be1f-d57550cc96cc" xsi:nil="true"/>
+    <IntlLangReview xmlns="4873beb7-5857-4685-be1f-d57550cc96cc" xsi:nil="true"/>
+    <OutputCachingOn xmlns="4873beb7-5857-4685-be1f-d57550cc96cc">false</OutputCachingOn>
+    <AverageRating xmlns="4873beb7-5857-4685-be1f-d57550cc96cc" xsi:nil="true"/>
+    <APAuthor xmlns="4873beb7-5857-4685-be1f-d57550cc96cc">
+      <UserInfo>
+        <DisplayName>REDMOND\kristaa</DisplayName>
+        <AccountId>136</AccountId>
+        <AccountType/>
+      </UserInfo>
+    </APAuthor>
+    <LocManualTestRequired xmlns="4873beb7-5857-4685-be1f-d57550cc96cc">false</LocManualTestRequired>
+    <TPCommandLine xmlns="4873beb7-5857-4685-be1f-d57550cc96cc" xsi:nil="true"/>
+    <TPAppVersion xmlns="4873beb7-5857-4685-be1f-d57550cc96cc" xsi:nil="true"/>
+    <EditorialStatus xmlns="4873beb7-5857-4685-be1f-d57550cc96cc">Complete</EditorialStatus>
+    <LastModifiedDateTime xmlns="4873beb7-5857-4685-be1f-d57550cc96cc" xsi:nil="true"/>
+    <ScenarioTagsTaxHTField0 xmlns="4873beb7-5857-4685-be1f-d57550cc96cc">
+      <Terms xmlns="http://schemas.microsoft.com/office/infopath/2007/PartnerControls"/>
+    </ScenarioTagsTaxHTField0>
+    <LocProcessedForMarketsLookup xmlns="4873beb7-5857-4685-be1f-d57550cc96cc" xsi:nil="true"/>
+    <TPLaunchHelpLinkType xmlns="4873beb7-5857-4685-be1f-d57550cc96cc">Template</TPLaunchHelpLinkType>
+    <OriginalRelease xmlns="4873beb7-5857-4685-be1f-d57550cc96cc">15</OriginalRelease>
+    <LocalizationTagsTaxHTField0 xmlns="4873beb7-5857-4685-be1f-d57550cc96cc">
+      <Terms xmlns="http://schemas.microsoft.com/office/infopath/2007/PartnerControls"/>
+    </LocalizationTagsTaxHTField0>
+    <UACurrentWords xmlns="4873beb7-5857-4685-be1f-d57550cc96cc" xsi:nil="true"/>
+    <ArtSampleDocs xmlns="4873beb7-5857-4685-be1f-d57550cc96cc" xsi:nil="true"/>
+    <UALocRecommendation xmlns="4873beb7-5857-4685-be1f-d57550cc96cc">Localize</UALocRecommendation>
+    <Manager xmlns="4873beb7-5857-4685-be1f-d57550cc96cc" xsi:nil="true"/>
+    <LocOverallHandbackStatusLookup xmlns="4873beb7-5857-4685-be1f-d57550cc96cc" xsi:nil="true"/>
+    <ShowIn xmlns="4873beb7-5857-4685-be1f-d57550cc96cc">Show everywhere</ShowIn>
+    <UANotes xmlns="4873beb7-5857-4685-be1f-d57550cc96cc" xsi:nil="true"/>
+    <InternalTagsTaxHTField0 xmlns="4873beb7-5857-4685-be1f-d57550cc96cc">
+      <Terms xmlns="http://schemas.microsoft.com/office/infopath/2007/PartnerControls"/>
+    </InternalTagsTaxHTField0>
+    <CSXHash xmlns="4873beb7-5857-4685-be1f-d57550cc96cc" xsi:nil="true"/>
+    <VoteCount xmlns="4873beb7-5857-4685-be1f-d57550cc96cc" xsi:nil="true"/>
+    <AssetExpire xmlns="4873beb7-5857-4685-be1f-d57550cc96cc">2029-05-12T07:00:00+00:00</AssetExpire>
+    <DSATActionTaken xmlns="4873beb7-5857-4685-be1f-d57550cc96cc" xsi:nil="true"/>
+    <CSXSubmissionMarket xmlns="4873beb7-5857-4685-be1f-d57550cc96cc" xsi:nil="true"/>
+    <LocMarketGroupTiers2 xmlns="4873beb7-5857-4685-be1f-d57550cc96cc" xsi:nil="true"/>
+  </documentManagement>
+</p:properties>
 </file>
 
-<file path=customXml/itemProps2.xml><?xml version="1.0" encoding="utf-8"?>
+<file path=customXml/itemProps1.xml><?xml version="1.0" encoding="utf-8"?>
 <ds:datastoreItem xmlns:ds="http://schemas.openxmlformats.org/officeDocument/2006/customXml" ds:itemID="{A09BF4D4-EF60-4196-BFC3-9462D607978C}">
   <ds:schemaRefs>
     <ds:schemaRef ds:uri="http://schemas.microsoft.com/office/2006/metadata/contentType"/>
@@ -12955,10 +17697,26 @@
 </ds:datastoreItem>
 </file>
 
-<file path=customXml/itemProps3.xml><?xml version="1.0" encoding="utf-8"?>
+<file path=customXml/itemProps2.xml><?xml version="1.0" encoding="utf-8"?>
 <ds:datastoreItem xmlns:ds="http://schemas.openxmlformats.org/officeDocument/2006/customXml" ds:itemID="{3836F65B-1B07-41EE-A0E8-BC6EF3855225}">
   <ds:schemaRefs>
     <ds:schemaRef ds:uri="http://schemas.microsoft.com/sharepoint/v3/contenttype/forms"/>
   </ds:schemaRefs>
 </ds:datastoreItem>
+</file>
+
+<file path=customXml/itemProps3.xml><?xml version="1.0" encoding="utf-8"?>
+<ds:datastoreItem xmlns:ds="http://schemas.openxmlformats.org/officeDocument/2006/customXml" ds:itemID="{60C67BEE-D13F-4BD2-98A5-34D8A0977F68}">
+  <ds:schemaRefs>
+    <ds:schemaRef ds:uri="http://purl.org/dc/elements/1.1/"/>
+    <ds:schemaRef ds:uri="http://schemas.openxmlformats.org/package/2006/metadata/core-properties"/>
+    <ds:schemaRef ds:uri="4873beb7-5857-4685-be1f-d57550cc96cc"/>
+    <ds:schemaRef ds:uri="http://schemas.microsoft.com/office/2006/documentManagement/types"/>
+    <ds:schemaRef ds:uri="http://www.w3.org/XML/1998/namespace"/>
+    <ds:schemaRef ds:uri="http://purl.org/dc/dcmitype/"/>
+    <ds:schemaRef ds:uri="http://schemas.microsoft.com/office/infopath/2007/PartnerControls"/>
+    <ds:schemaRef ds:uri="http://schemas.microsoft.com/office/2006/metadata/properties"/>
+    <ds:schemaRef ds:uri="http://purl.org/dc/terms/"/>
+  </ds:schemaRefs>
+</ds:datastoreItem>
 </file>
--- a/Presentation/Resources_and_RAII.pptx
+++ b/Presentation/Resources_and_RAII.pptx
@@ -160,7 +160,7 @@
   <pc:docChgLst>
     <pc:chgData userId="a6837a3618758c92" providerId="LiveId" clId="{7FB8FEF7-CB57-4686-BB3E-C32847BF6455}"/>
     <pc:docChg chg="undo custSel addSld delSld modSld sldOrd modMainMaster">
-      <pc:chgData name="" userId="a6837a3618758c92" providerId="LiveId" clId="{7FB8FEF7-CB57-4686-BB3E-C32847BF6455}" dt="2022-06-06T16:05:20.308" v="3280" actId="255"/>
+      <pc:chgData name="" userId="a6837a3618758c92" providerId="LiveId" clId="{7FB8FEF7-CB57-4686-BB3E-C32847BF6455}" dt="2022-06-06T17:05:06.209" v="3305" actId="20577"/>
       <pc:docMkLst>
         <pc:docMk/>
       </pc:docMkLst>
@@ -303,7 +303,7 @@
         </pc:spChg>
       </pc:sldChg>
       <pc:sldChg chg="addSp delSp modSp add setBg modAnim">
-        <pc:chgData name="" userId="a6837a3618758c92" providerId="LiveId" clId="{7FB8FEF7-CB57-4686-BB3E-C32847BF6455}" dt="2022-06-06T15:41:01.057" v="3173" actId="6549"/>
+        <pc:chgData name="" userId="a6837a3618758c92" providerId="LiveId" clId="{7FB8FEF7-CB57-4686-BB3E-C32847BF6455}" dt="2022-06-06T17:04:40.207" v="3283"/>
         <pc:sldMkLst>
           <pc:docMk/>
           <pc:sldMk cId="1635377593" sldId="275"/>
@@ -414,7 +414,7 @@
         </pc:spChg>
       </pc:sldChg>
       <pc:sldChg chg="addSp delSp modSp add ord modAnim">
-        <pc:chgData name="" userId="a6837a3618758c92" providerId="LiveId" clId="{7FB8FEF7-CB57-4686-BB3E-C32847BF6455}" dt="2022-06-06T15:41:54.390" v="3179"/>
+        <pc:chgData name="" userId="a6837a3618758c92" providerId="LiveId" clId="{7FB8FEF7-CB57-4686-BB3E-C32847BF6455}" dt="2022-06-06T17:05:06.209" v="3305" actId="20577"/>
         <pc:sldMkLst>
           <pc:docMk/>
           <pc:sldMk cId="4274760944" sldId="276"/>
@@ -444,7 +444,7 @@
           </ac:spMkLst>
         </pc:spChg>
         <pc:spChg chg="mod">
-          <ac:chgData name="" userId="a6837a3618758c92" providerId="LiveId" clId="{7FB8FEF7-CB57-4686-BB3E-C32847BF6455}" dt="2022-06-02T16:05:13.195" v="1783" actId="115"/>
+          <ac:chgData name="" userId="a6837a3618758c92" providerId="LiveId" clId="{7FB8FEF7-CB57-4686-BB3E-C32847BF6455}" dt="2022-06-06T17:05:06.209" v="3305" actId="20577"/>
           <ac:spMkLst>
             <pc:docMk/>
             <pc:sldMk cId="4274760944" sldId="276"/>
@@ -12416,6 +12416,33 @@
                                   </p:childTnLst>
                                 </p:cTn>
                               </p:par>
+                              <p:par>
+                                <p:cTn id="65" presetID="1" presetClass="entr" presetSubtype="0" fill="hold" grpId="0" nodeType="withEffect">
+                                  <p:stCondLst>
+                                    <p:cond delay="0"/>
+                                  </p:stCondLst>
+                                  <p:childTnLst>
+                                    <p:set>
+                                      <p:cBhvr>
+                                        <p:cTn id="66" dur="1" fill="hold">
+                                          <p:stCondLst>
+                                            <p:cond delay="0"/>
+                                          </p:stCondLst>
+                                        </p:cTn>
+                                        <p:tgtEl>
+                                          <p:spTgt spid="11"/>
+                                        </p:tgtEl>
+                                        <p:attrNameLst>
+                                          <p:attrName>style.visibility</p:attrName>
+                                        </p:attrNameLst>
+                                      </p:cBhvr>
+                                      <p:to>
+                                        <p:strVal val="visible"/>
+                                      </p:to>
+                                    </p:set>
+                                  </p:childTnLst>
+                                </p:cTn>
+                              </p:par>
                             </p:childTnLst>
                           </p:cTn>
                         </p:par>
@@ -12423,26 +12450,26 @@
                     </p:cTn>
                   </p:par>
                   <p:par>
-                    <p:cTn id="65" fill="hold">
+                    <p:cTn id="67" fill="hold">
                       <p:stCondLst>
                         <p:cond delay="indefinite"/>
                       </p:stCondLst>
                       <p:childTnLst>
                         <p:par>
-                          <p:cTn id="66" fill="hold">
+                          <p:cTn id="68" fill="hold">
                             <p:stCondLst>
                               <p:cond delay="0"/>
                             </p:stCondLst>
                             <p:childTnLst>
                               <p:par>
-                                <p:cTn id="67" presetID="10" presetClass="entr" presetSubtype="0" fill="hold" grpId="0" nodeType="clickEffect">
+                                <p:cTn id="69" presetID="10" presetClass="entr" presetSubtype="0" fill="hold" grpId="0" nodeType="clickEffect">
                                   <p:stCondLst>
                                     <p:cond delay="0"/>
                                   </p:stCondLst>
                                   <p:childTnLst>
                                     <p:set>
                                       <p:cBhvr>
-                                        <p:cTn id="68" dur="1" fill="hold">
+                                        <p:cTn id="70" dur="1" fill="hold">
                                           <p:stCondLst>
                                             <p:cond delay="0"/>
                                           </p:stCondLst>
@@ -12460,7 +12487,7 @@
                                     </p:set>
                                     <p:animEffect transition="in" filter="fade">
                                       <p:cBhvr>
-                                        <p:cTn id="69" dur="500"/>
+                                        <p:cTn id="71" dur="500"/>
                                         <p:tgtEl>
                                           <p:spTgt spid="14"/>
                                         </p:tgtEl>
@@ -12476,26 +12503,26 @@
                     </p:cTn>
                   </p:par>
                   <p:par>
-                    <p:cTn id="70" fill="hold">
+                    <p:cTn id="72" fill="hold">
                       <p:stCondLst>
                         <p:cond delay="indefinite"/>
                       </p:stCondLst>
                       <p:childTnLst>
                         <p:par>
-                          <p:cTn id="71" fill="hold">
+                          <p:cTn id="73" fill="hold">
                             <p:stCondLst>
                               <p:cond delay="0"/>
                             </p:stCondLst>
                             <p:childTnLst>
                               <p:par>
-                                <p:cTn id="72" presetID="10" presetClass="entr" presetSubtype="0" fill="hold" grpId="0" nodeType="clickEffect">
+                                <p:cTn id="74" presetID="10" presetClass="entr" presetSubtype="0" fill="hold" grpId="0" nodeType="clickEffect">
                                   <p:stCondLst>
                                     <p:cond delay="0"/>
                                   </p:stCondLst>
                                   <p:childTnLst>
                                     <p:set>
                                       <p:cBhvr>
-                                        <p:cTn id="73" dur="1" fill="hold">
+                                        <p:cTn id="75" dur="1" fill="hold">
                                           <p:stCondLst>
                                             <p:cond delay="0"/>
                                           </p:stCondLst>
@@ -12513,7 +12540,7 @@
                                     </p:set>
                                     <p:animEffect transition="in" filter="fade">
                                       <p:cBhvr>
-                                        <p:cTn id="74" dur="500"/>
+                                        <p:cTn id="76" dur="500"/>
                                         <p:tgtEl>
                                           <p:spTgt spid="13"/>
                                         </p:tgtEl>
@@ -12529,26 +12556,26 @@
                     </p:cTn>
                   </p:par>
                   <p:par>
-                    <p:cTn id="75" fill="hold">
+                    <p:cTn id="77" fill="hold">
                       <p:stCondLst>
                         <p:cond delay="indefinite"/>
                       </p:stCondLst>
                       <p:childTnLst>
                         <p:par>
-                          <p:cTn id="76" fill="hold">
+                          <p:cTn id="78" fill="hold">
                             <p:stCondLst>
                               <p:cond delay="0"/>
                             </p:stCondLst>
                             <p:childTnLst>
                               <p:par>
-                                <p:cTn id="77" presetID="10" presetClass="entr" presetSubtype="0" fill="hold" grpId="0" nodeType="clickEffect">
+                                <p:cTn id="79" presetID="10" presetClass="entr" presetSubtype="0" fill="hold" grpId="0" nodeType="clickEffect">
                                   <p:stCondLst>
                                     <p:cond delay="0"/>
                                   </p:stCondLst>
                                   <p:childTnLst>
                                     <p:set>
                                       <p:cBhvr>
-                                        <p:cTn id="78" dur="1" fill="hold">
+                                        <p:cTn id="80" dur="1" fill="hold">
                                           <p:stCondLst>
                                             <p:cond delay="0"/>
                                           </p:stCondLst>
@@ -12566,7 +12593,7 @@
                                     </p:set>
                                     <p:animEffect transition="in" filter="fade">
                                       <p:cBhvr>
-                                        <p:cTn id="79" dur="500"/>
+                                        <p:cTn id="81" dur="500"/>
                                         <p:tgtEl>
                                           <p:spTgt spid="7"/>
                                         </p:tgtEl>
@@ -12606,6 +12633,7 @@
       <p:bldP spid="5" grpId="0" build="p"/>
       <p:bldP spid="6" grpId="0" uiExpand="1" build="p" animBg="1"/>
       <p:bldP spid="7" grpId="0" animBg="1"/>
+      <p:bldP spid="11" grpId="0"/>
       <p:bldP spid="13" grpId="0" animBg="1"/>
       <p:bldP spid="14" grpId="0" animBg="1"/>
     </p:bldLst>
@@ -13107,9 +13135,10 @@
               <a:buNone/>
             </a:pPr>
             <a:r>
-              <a:rPr lang="en-US" dirty="0"/>
-              <a:t>Without try-with-resources: </a:t>
-            </a:r>
+              <a:rPr lang="en-US"/>
+              <a:t>Without try-with-resources (no RAII):</a:t>
+            </a:r>
+            <a:endParaRPr lang="en-US" dirty="0"/>
           </a:p>
           <a:p>
             <a:pPr marL="0" indent="0">
@@ -16495,6 +16524,151 @@
 </file>
 
 <file path=customXml/item1.xml><?xml version="1.0" encoding="utf-8"?>
+<p:properties xmlns:p="http://schemas.microsoft.com/office/2006/metadata/properties" xmlns:xsi="http://www.w3.org/2001/XMLSchema-instance" xmlns:pc="http://schemas.microsoft.com/office/infopath/2007/PartnerControls">
+  <documentManagement>
+    <LocPublishedLinkedAssetsLookup xmlns="4873beb7-5857-4685-be1f-d57550cc96cc" xsi:nil="true"/>
+    <ApprovalStatus xmlns="4873beb7-5857-4685-be1f-d57550cc96cc">InProgress</ApprovalStatus>
+    <MarketSpecific xmlns="4873beb7-5857-4685-be1f-d57550cc96cc">false</MarketSpecific>
+    <LocComments xmlns="4873beb7-5857-4685-be1f-d57550cc96cc" xsi:nil="true"/>
+    <LocLastLocAttemptVersionTypeLookup xmlns="4873beb7-5857-4685-be1f-d57550cc96cc" xsi:nil="true"/>
+    <DirectSourceMarket xmlns="4873beb7-5857-4685-be1f-d57550cc96cc" xsi:nil="true"/>
+    <ThumbnailAssetId xmlns="4873beb7-5857-4685-be1f-d57550cc96cc" xsi:nil="true"/>
+    <PrimaryImageGen xmlns="4873beb7-5857-4685-be1f-d57550cc96cc">false</PrimaryImageGen>
+    <LocNewPublishedVersionLookup xmlns="4873beb7-5857-4685-be1f-d57550cc96cc" xsi:nil="true"/>
+    <LegacyData xmlns="4873beb7-5857-4685-be1f-d57550cc96cc" xsi:nil="true"/>
+    <LocRecommendedHandoff xmlns="4873beb7-5857-4685-be1f-d57550cc96cc" xsi:nil="true"/>
+    <BusinessGroup xmlns="4873beb7-5857-4685-be1f-d57550cc96cc" xsi:nil="true"/>
+    <BlockPublish xmlns="4873beb7-5857-4685-be1f-d57550cc96cc">false</BlockPublish>
+    <TPFriendlyName xmlns="4873beb7-5857-4685-be1f-d57550cc96cc" xsi:nil="true"/>
+    <LocOverallPublishStatusLookup xmlns="4873beb7-5857-4685-be1f-d57550cc96cc" xsi:nil="true"/>
+    <NumericId xmlns="4873beb7-5857-4685-be1f-d57550cc96cc" xsi:nil="true"/>
+    <APEditor xmlns="4873beb7-5857-4685-be1f-d57550cc96cc">
+      <UserInfo>
+        <DisplayName/>
+        <AccountId xsi:nil="true"/>
+        <AccountType/>
+      </UserInfo>
+    </APEditor>
+    <SourceTitle xmlns="4873beb7-5857-4685-be1f-d57550cc96cc" xsi:nil="true"/>
+    <OpenTemplate xmlns="4873beb7-5857-4685-be1f-d57550cc96cc">true</OpenTemplate>
+    <LocOverallLocStatusLookup xmlns="4873beb7-5857-4685-be1f-d57550cc96cc" xsi:nil="true"/>
+    <UALocComments xmlns="4873beb7-5857-4685-be1f-d57550cc96cc" xsi:nil="true"/>
+    <ParentAssetId xmlns="4873beb7-5857-4685-be1f-d57550cc96cc" xsi:nil="true"/>
+    <IntlLangReviewDate xmlns="4873beb7-5857-4685-be1f-d57550cc96cc" xsi:nil="true"/>
+    <FeatureTagsTaxHTField0 xmlns="4873beb7-5857-4685-be1f-d57550cc96cc">
+      <Terms xmlns="http://schemas.microsoft.com/office/infopath/2007/PartnerControls"/>
+    </FeatureTagsTaxHTField0>
+    <PublishStatusLookup xmlns="4873beb7-5857-4685-be1f-d57550cc96cc">
+      <Value>1345093</Value>
+    </PublishStatusLookup>
+    <Providers xmlns="4873beb7-5857-4685-be1f-d57550cc96cc" xsi:nil="true"/>
+    <MachineTranslated xmlns="4873beb7-5857-4685-be1f-d57550cc96cc">false</MachineTranslated>
+    <OriginalSourceMarket xmlns="4873beb7-5857-4685-be1f-d57550cc96cc" xsi:nil="true"/>
+    <APDescription xmlns="4873beb7-5857-4685-be1f-d57550cc96cc">This simple template design works for technology and  businesses, but it's versatile enough to use in other contexts.  It features multiple slide layouts designed for widescreen (16x9 resolution) and includes a sample SmartArt list and chart that are easily editable.</APDescription>
+    <ClipArtFilename xmlns="4873beb7-5857-4685-be1f-d57550cc96cc" xsi:nil="true"/>
+    <ContentItem xmlns="4873beb7-5857-4685-be1f-d57550cc96cc" xsi:nil="true"/>
+    <TPInstallLocation xmlns="4873beb7-5857-4685-be1f-d57550cc96cc" xsi:nil="true"/>
+    <PublishTargets xmlns="4873beb7-5857-4685-be1f-d57550cc96cc">OfficeOnlineVNext</PublishTargets>
+    <TimesCloned xmlns="4873beb7-5857-4685-be1f-d57550cc96cc" xsi:nil="true"/>
+    <AssetStart xmlns="4873beb7-5857-4685-be1f-d57550cc96cc">2011-11-26T00:30:00+00:00</AssetStart>
+    <Provider xmlns="4873beb7-5857-4685-be1f-d57550cc96cc" xsi:nil="true"/>
+    <AcquiredFrom xmlns="4873beb7-5857-4685-be1f-d57550cc96cc">Internal MS</AcquiredFrom>
+    <FriendlyTitle xmlns="4873beb7-5857-4685-be1f-d57550cc96cc" xsi:nil="true"/>
+    <LastHandOff xmlns="4873beb7-5857-4685-be1f-d57550cc96cc" xsi:nil="true"/>
+    <TPClientViewer xmlns="4873beb7-5857-4685-be1f-d57550cc96cc" xsi:nil="true"/>
+    <TemplateStatus xmlns="4873beb7-5857-4685-be1f-d57550cc96cc">Complete</TemplateStatus>
+    <Downloads xmlns="4873beb7-5857-4685-be1f-d57550cc96cc">0</Downloads>
+    <OOCacheId xmlns="4873beb7-5857-4685-be1f-d57550cc96cc" xsi:nil="true"/>
+    <IsDeleted xmlns="4873beb7-5857-4685-be1f-d57550cc96cc">false</IsDeleted>
+    <LocPublishedDependentAssetsLookup xmlns="4873beb7-5857-4685-be1f-d57550cc96cc" xsi:nil="true"/>
+    <TPExecutable xmlns="4873beb7-5857-4685-be1f-d57550cc96cc" xsi:nil="true"/>
+    <EditorialTags xmlns="4873beb7-5857-4685-be1f-d57550cc96cc" xsi:nil="true"/>
+    <SubmitterId xmlns="4873beb7-5857-4685-be1f-d57550cc96cc" xsi:nil="true"/>
+    <ApprovalLog xmlns="4873beb7-5857-4685-be1f-d57550cc96cc" xsi:nil="true"/>
+    <AssetType xmlns="4873beb7-5857-4685-be1f-d57550cc96cc">TP</AssetType>
+    <BugNumber xmlns="4873beb7-5857-4685-be1f-d57550cc96cc" xsi:nil="true"/>
+    <CSXSubmissionDate xmlns="4873beb7-5857-4685-be1f-d57550cc96cc" xsi:nil="true"/>
+    <CSXUpdate xmlns="4873beb7-5857-4685-be1f-d57550cc96cc">false</CSXUpdate>
+    <Milestone xmlns="4873beb7-5857-4685-be1f-d57550cc96cc" xsi:nil="true"/>
+    <RecommendationsModifier xmlns="4873beb7-5857-4685-be1f-d57550cc96cc" xsi:nil="true"/>
+    <OriginAsset xmlns="4873beb7-5857-4685-be1f-d57550cc96cc" xsi:nil="true"/>
+    <TPComponent xmlns="4873beb7-5857-4685-be1f-d57550cc96cc" xsi:nil="true"/>
+    <AssetId xmlns="4873beb7-5857-4685-be1f-d57550cc96cc">TP102787989</AssetId>
+    <IntlLocPriority xmlns="4873beb7-5857-4685-be1f-d57550cc96cc" xsi:nil="true"/>
+    <PolicheckWords xmlns="4873beb7-5857-4685-be1f-d57550cc96cc" xsi:nil="true"/>
+    <TPLaunchHelpLink xmlns="4873beb7-5857-4685-be1f-d57550cc96cc" xsi:nil="true"/>
+    <TPApplication xmlns="4873beb7-5857-4685-be1f-d57550cc96cc" xsi:nil="true"/>
+    <CrawlForDependencies xmlns="4873beb7-5857-4685-be1f-d57550cc96cc">false</CrawlForDependencies>
+    <HandoffToMSDN xmlns="4873beb7-5857-4685-be1f-d57550cc96cc" xsi:nil="true"/>
+    <PlannedPubDate xmlns="4873beb7-5857-4685-be1f-d57550cc96cc" xsi:nil="true"/>
+    <IntlLangReviewer xmlns="4873beb7-5857-4685-be1f-d57550cc96cc" xsi:nil="true"/>
+    <TrustLevel xmlns="4873beb7-5857-4685-be1f-d57550cc96cc">1 Microsoft Managed Content</TrustLevel>
+    <LocLastLocAttemptVersionLookup xmlns="4873beb7-5857-4685-be1f-d57550cc96cc">694266</LocLastLocAttemptVersionLookup>
+    <LocProcessedForHandoffsLookup xmlns="4873beb7-5857-4685-be1f-d57550cc96cc" xsi:nil="true"/>
+    <IsSearchable xmlns="4873beb7-5857-4685-be1f-d57550cc96cc">true</IsSearchable>
+    <TemplateTemplateType xmlns="4873beb7-5857-4685-be1f-d57550cc96cc">PowerPoint Presentation Template</TemplateTemplateType>
+    <CampaignTagsTaxHTField0 xmlns="4873beb7-5857-4685-be1f-d57550cc96cc">
+      <Terms xmlns="http://schemas.microsoft.com/office/infopath/2007/PartnerControls"/>
+    </CampaignTagsTaxHTField0>
+    <TPNamespace xmlns="4873beb7-5857-4685-be1f-d57550cc96cc" xsi:nil="true"/>
+    <LocOverallPreviewStatusLookup xmlns="4873beb7-5857-4685-be1f-d57550cc96cc" xsi:nil="true"/>
+    <TaxCatchAll xmlns="4873beb7-5857-4685-be1f-d57550cc96cc"/>
+    <Markets xmlns="4873beb7-5857-4685-be1f-d57550cc96cc"/>
+    <UAProjectedTotalWords xmlns="4873beb7-5857-4685-be1f-d57550cc96cc" xsi:nil="true"/>
+    <IntlLangReview xmlns="4873beb7-5857-4685-be1f-d57550cc96cc" xsi:nil="true"/>
+    <OutputCachingOn xmlns="4873beb7-5857-4685-be1f-d57550cc96cc">false</OutputCachingOn>
+    <AverageRating xmlns="4873beb7-5857-4685-be1f-d57550cc96cc" xsi:nil="true"/>
+    <APAuthor xmlns="4873beb7-5857-4685-be1f-d57550cc96cc">
+      <UserInfo>
+        <DisplayName>REDMOND\kristaa</DisplayName>
+        <AccountId>136</AccountId>
+        <AccountType/>
+      </UserInfo>
+    </APAuthor>
+    <LocManualTestRequired xmlns="4873beb7-5857-4685-be1f-d57550cc96cc">false</LocManualTestRequired>
+    <TPCommandLine xmlns="4873beb7-5857-4685-be1f-d57550cc96cc" xsi:nil="true"/>
+    <TPAppVersion xmlns="4873beb7-5857-4685-be1f-d57550cc96cc" xsi:nil="true"/>
+    <EditorialStatus xmlns="4873beb7-5857-4685-be1f-d57550cc96cc">Complete</EditorialStatus>
+    <LastModifiedDateTime xmlns="4873beb7-5857-4685-be1f-d57550cc96cc" xsi:nil="true"/>
+    <ScenarioTagsTaxHTField0 xmlns="4873beb7-5857-4685-be1f-d57550cc96cc">
+      <Terms xmlns="http://schemas.microsoft.com/office/infopath/2007/PartnerControls"/>
+    </ScenarioTagsTaxHTField0>
+    <LocProcessedForMarketsLookup xmlns="4873beb7-5857-4685-be1f-d57550cc96cc" xsi:nil="true"/>
+    <TPLaunchHelpLinkType xmlns="4873beb7-5857-4685-be1f-d57550cc96cc">Template</TPLaunchHelpLinkType>
+    <OriginalRelease xmlns="4873beb7-5857-4685-be1f-d57550cc96cc">15</OriginalRelease>
+    <LocalizationTagsTaxHTField0 xmlns="4873beb7-5857-4685-be1f-d57550cc96cc">
+      <Terms xmlns="http://schemas.microsoft.com/office/infopath/2007/PartnerControls"/>
+    </LocalizationTagsTaxHTField0>
+    <UACurrentWords xmlns="4873beb7-5857-4685-be1f-d57550cc96cc" xsi:nil="true"/>
+    <ArtSampleDocs xmlns="4873beb7-5857-4685-be1f-d57550cc96cc" xsi:nil="true"/>
+    <UALocRecommendation xmlns="4873beb7-5857-4685-be1f-d57550cc96cc">Localize</UALocRecommendation>
+    <Manager xmlns="4873beb7-5857-4685-be1f-d57550cc96cc" xsi:nil="true"/>
+    <LocOverallHandbackStatusLookup xmlns="4873beb7-5857-4685-be1f-d57550cc96cc" xsi:nil="true"/>
+    <ShowIn xmlns="4873beb7-5857-4685-be1f-d57550cc96cc">Show everywhere</ShowIn>
+    <UANotes xmlns="4873beb7-5857-4685-be1f-d57550cc96cc" xsi:nil="true"/>
+    <InternalTagsTaxHTField0 xmlns="4873beb7-5857-4685-be1f-d57550cc96cc">
+      <Terms xmlns="http://schemas.microsoft.com/office/infopath/2007/PartnerControls"/>
+    </InternalTagsTaxHTField0>
+    <CSXHash xmlns="4873beb7-5857-4685-be1f-d57550cc96cc" xsi:nil="true"/>
+    <VoteCount xmlns="4873beb7-5857-4685-be1f-d57550cc96cc" xsi:nil="true"/>
+    <AssetExpire xmlns="4873beb7-5857-4685-be1f-d57550cc96cc">2029-05-12T07:00:00+00:00</AssetExpire>
+    <DSATActionTaken xmlns="4873beb7-5857-4685-be1f-d57550cc96cc" xsi:nil="true"/>
+    <CSXSubmissionMarket xmlns="4873beb7-5857-4685-be1f-d57550cc96cc" xsi:nil="true"/>
+    <LocMarketGroupTiers2 xmlns="4873beb7-5857-4685-be1f-d57550cc96cc" xsi:nil="true"/>
+  </documentManagement>
+</p:properties>
+</file>
+
+<file path=customXml/item2.xml><?xml version="1.0" encoding="utf-8"?>
+<?mso-contentType ?>
+<FormTemplates xmlns="http://schemas.microsoft.com/sharepoint/v3/contenttype/forms">
+  <Display>DocumentLibraryForm</Display>
+  <Edit>AssetEditForm</Edit>
+  <New>DocumentLibraryForm</New>
+</FormTemplates>
+</file>
+
+<file path=customXml/item3.xml><?xml version="1.0" encoding="utf-8"?>
 <ct:contentTypeSchema xmlns:ct="http://schemas.microsoft.com/office/2006/metadata/contentType" xmlns:ma="http://schemas.microsoft.com/office/2006/metadata/properties/metaAttributes" ct:_="" ma:_="" ma:contentTypeName="TemplateFile" ma:contentTypeID="0x0101006EDDDB5EE6D98C44930B742096920B300400F5B6D36B3EF94B4E9A635CDF2A18F5B8" ma:contentTypeVersion="72" ma:contentTypeDescription="Create a new document." ma:contentTypeScope="" ma:versionID="a23e56308344d904b51738559c3d67c9">
   <xsd:schema xmlns:xsd="http://www.w3.org/2001/XMLSchema" xmlns:xs="http://www.w3.org/2001/XMLSchema" xmlns:p="http://schemas.microsoft.com/office/2006/metadata/properties" xmlns:ns2="4873beb7-5857-4685-be1f-d57550cc96cc" targetNamespace="http://schemas.microsoft.com/office/2006/metadata/properties" ma:root="true" ma:fieldsID="cd0908cc4600e77bf5da051303e00c8d" ns2:_="">
     <xsd:import namespace="4873beb7-5857-4685-be1f-d57550cc96cc"/>
@@ -17534,152 +17708,25 @@
 </ct:contentTypeSchema>
 </file>
 
-<file path=customXml/item2.xml><?xml version="1.0" encoding="utf-8"?>
-<?mso-contentType ?>
-<FormTemplates xmlns="http://schemas.microsoft.com/sharepoint/v3/contenttype/forms">
-  <Display>DocumentLibraryForm</Display>
-  <Edit>AssetEditForm</Edit>
-  <New>DocumentLibraryForm</New>
-</FormTemplates>
+<file path=customXml/itemProps1.xml><?xml version="1.0" encoding="utf-8"?>
+<ds:datastoreItem xmlns:ds="http://schemas.openxmlformats.org/officeDocument/2006/customXml" ds:itemID="{60C67BEE-D13F-4BD2-98A5-34D8A0977F68}">
+  <ds:schemaRefs>
+    <ds:schemaRef ds:uri="http://schemas.microsoft.com/office/2006/metadata/properties"/>
+    <ds:schemaRef ds:uri="http://schemas.microsoft.com/office/infopath/2007/PartnerControls"/>
+    <ds:schemaRef ds:uri="4873beb7-5857-4685-be1f-d57550cc96cc"/>
+  </ds:schemaRefs>
+</ds:datastoreItem>
 </file>
 
-<file path=customXml/item3.xml><?xml version="1.0" encoding="utf-8"?>
-<p:properties xmlns:p="http://schemas.microsoft.com/office/2006/metadata/properties" xmlns:xsi="http://www.w3.org/2001/XMLSchema-instance" xmlns:pc="http://schemas.microsoft.com/office/infopath/2007/PartnerControls">
-  <documentManagement>
-    <LocPublishedLinkedAssetsLookup xmlns="4873beb7-5857-4685-be1f-d57550cc96cc" xsi:nil="true"/>
-    <ApprovalStatus xmlns="4873beb7-5857-4685-be1f-d57550cc96cc">InProgress</ApprovalStatus>
-    <MarketSpecific xmlns="4873beb7-5857-4685-be1f-d57550cc96cc">false</MarketSpecific>
-    <LocComments xmlns="4873beb7-5857-4685-be1f-d57550cc96cc" xsi:nil="true"/>
-    <LocLastLocAttemptVersionTypeLookup xmlns="4873beb7-5857-4685-be1f-d57550cc96cc" xsi:nil="true"/>
-    <DirectSourceMarket xmlns="4873beb7-5857-4685-be1f-d57550cc96cc" xsi:nil="true"/>
-    <ThumbnailAssetId xmlns="4873beb7-5857-4685-be1f-d57550cc96cc" xsi:nil="true"/>
-    <PrimaryImageGen xmlns="4873beb7-5857-4685-be1f-d57550cc96cc">false</PrimaryImageGen>
-    <LocNewPublishedVersionLookup xmlns="4873beb7-5857-4685-be1f-d57550cc96cc" xsi:nil="true"/>
-    <LegacyData xmlns="4873beb7-5857-4685-be1f-d57550cc96cc" xsi:nil="true"/>
-    <LocRecommendedHandoff xmlns="4873beb7-5857-4685-be1f-d57550cc96cc" xsi:nil="true"/>
-    <BusinessGroup xmlns="4873beb7-5857-4685-be1f-d57550cc96cc" xsi:nil="true"/>
-    <BlockPublish xmlns="4873beb7-5857-4685-be1f-d57550cc96cc">false</BlockPublish>
-    <TPFriendlyName xmlns="4873beb7-5857-4685-be1f-d57550cc96cc" xsi:nil="true"/>
-    <LocOverallPublishStatusLookup xmlns="4873beb7-5857-4685-be1f-d57550cc96cc" xsi:nil="true"/>
-    <NumericId xmlns="4873beb7-5857-4685-be1f-d57550cc96cc" xsi:nil="true"/>
-    <APEditor xmlns="4873beb7-5857-4685-be1f-d57550cc96cc">
-      <UserInfo>
-        <DisplayName/>
-        <AccountId xsi:nil="true"/>
-        <AccountType/>
-      </UserInfo>
-    </APEditor>
-    <SourceTitle xmlns="4873beb7-5857-4685-be1f-d57550cc96cc" xsi:nil="true"/>
-    <OpenTemplate xmlns="4873beb7-5857-4685-be1f-d57550cc96cc">true</OpenTemplate>
-    <LocOverallLocStatusLookup xmlns="4873beb7-5857-4685-be1f-d57550cc96cc" xsi:nil="true"/>
-    <UALocComments xmlns="4873beb7-5857-4685-be1f-d57550cc96cc" xsi:nil="true"/>
-    <ParentAssetId xmlns="4873beb7-5857-4685-be1f-d57550cc96cc" xsi:nil="true"/>
-    <IntlLangReviewDate xmlns="4873beb7-5857-4685-be1f-d57550cc96cc" xsi:nil="true"/>
-    <FeatureTagsTaxHTField0 xmlns="4873beb7-5857-4685-be1f-d57550cc96cc">
-      <Terms xmlns="http://schemas.microsoft.com/office/infopath/2007/PartnerControls"/>
-    </FeatureTagsTaxHTField0>
-    <PublishStatusLookup xmlns="4873beb7-5857-4685-be1f-d57550cc96cc">
-      <Value>1345093</Value>
-    </PublishStatusLookup>
-    <Providers xmlns="4873beb7-5857-4685-be1f-d57550cc96cc" xsi:nil="true"/>
-    <MachineTranslated xmlns="4873beb7-5857-4685-be1f-d57550cc96cc">false</MachineTranslated>
-    <OriginalSourceMarket xmlns="4873beb7-5857-4685-be1f-d57550cc96cc" xsi:nil="true"/>
-    <APDescription xmlns="4873beb7-5857-4685-be1f-d57550cc96cc">This simple template design works for technology and  businesses, but it's versatile enough to use in other contexts.  It features multiple slide layouts designed for widescreen (16x9 resolution) and includes a sample SmartArt list and chart that are easily editable.</APDescription>
-    <ClipArtFilename xmlns="4873beb7-5857-4685-be1f-d57550cc96cc" xsi:nil="true"/>
-    <ContentItem xmlns="4873beb7-5857-4685-be1f-d57550cc96cc" xsi:nil="true"/>
-    <TPInstallLocation xmlns="4873beb7-5857-4685-be1f-d57550cc96cc" xsi:nil="true"/>
-    <PublishTargets xmlns="4873beb7-5857-4685-be1f-d57550cc96cc">OfficeOnlineVNext</PublishTargets>
-    <TimesCloned xmlns="4873beb7-5857-4685-be1f-d57550cc96cc" xsi:nil="true"/>
-    <AssetStart xmlns="4873beb7-5857-4685-be1f-d57550cc96cc">2011-11-26T00:30:00+00:00</AssetStart>
-    <Provider xmlns="4873beb7-5857-4685-be1f-d57550cc96cc" xsi:nil="true"/>
-    <AcquiredFrom xmlns="4873beb7-5857-4685-be1f-d57550cc96cc">Internal MS</AcquiredFrom>
-    <FriendlyTitle xmlns="4873beb7-5857-4685-be1f-d57550cc96cc" xsi:nil="true"/>
-    <LastHandOff xmlns="4873beb7-5857-4685-be1f-d57550cc96cc" xsi:nil="true"/>
-    <TPClientViewer xmlns="4873beb7-5857-4685-be1f-d57550cc96cc" xsi:nil="true"/>
-    <TemplateStatus xmlns="4873beb7-5857-4685-be1f-d57550cc96cc">Complete</TemplateStatus>
-    <Downloads xmlns="4873beb7-5857-4685-be1f-d57550cc96cc">0</Downloads>
-    <OOCacheId xmlns="4873beb7-5857-4685-be1f-d57550cc96cc" xsi:nil="true"/>
-    <IsDeleted xmlns="4873beb7-5857-4685-be1f-d57550cc96cc">false</IsDeleted>
-    <LocPublishedDependentAssetsLookup xmlns="4873beb7-5857-4685-be1f-d57550cc96cc" xsi:nil="true"/>
-    <TPExecutable xmlns="4873beb7-5857-4685-be1f-d57550cc96cc" xsi:nil="true"/>
-    <EditorialTags xmlns="4873beb7-5857-4685-be1f-d57550cc96cc" xsi:nil="true"/>
-    <SubmitterId xmlns="4873beb7-5857-4685-be1f-d57550cc96cc" xsi:nil="true"/>
-    <ApprovalLog xmlns="4873beb7-5857-4685-be1f-d57550cc96cc" xsi:nil="true"/>
-    <AssetType xmlns="4873beb7-5857-4685-be1f-d57550cc96cc">TP</AssetType>
-    <BugNumber xmlns="4873beb7-5857-4685-be1f-d57550cc96cc" xsi:nil="true"/>
-    <CSXSubmissionDate xmlns="4873beb7-5857-4685-be1f-d57550cc96cc" xsi:nil="true"/>
-    <CSXUpdate xmlns="4873beb7-5857-4685-be1f-d57550cc96cc">false</CSXUpdate>
-    <Milestone xmlns="4873beb7-5857-4685-be1f-d57550cc96cc" xsi:nil="true"/>
-    <RecommendationsModifier xmlns="4873beb7-5857-4685-be1f-d57550cc96cc" xsi:nil="true"/>
-    <OriginAsset xmlns="4873beb7-5857-4685-be1f-d57550cc96cc" xsi:nil="true"/>
-    <TPComponent xmlns="4873beb7-5857-4685-be1f-d57550cc96cc" xsi:nil="true"/>
-    <AssetId xmlns="4873beb7-5857-4685-be1f-d57550cc96cc">TP102787989</AssetId>
-    <IntlLocPriority xmlns="4873beb7-5857-4685-be1f-d57550cc96cc" xsi:nil="true"/>
-    <PolicheckWords xmlns="4873beb7-5857-4685-be1f-d57550cc96cc" xsi:nil="true"/>
-    <TPLaunchHelpLink xmlns="4873beb7-5857-4685-be1f-d57550cc96cc" xsi:nil="true"/>
-    <TPApplication xmlns="4873beb7-5857-4685-be1f-d57550cc96cc" xsi:nil="true"/>
-    <CrawlForDependencies xmlns="4873beb7-5857-4685-be1f-d57550cc96cc">false</CrawlForDependencies>
-    <HandoffToMSDN xmlns="4873beb7-5857-4685-be1f-d57550cc96cc" xsi:nil="true"/>
-    <PlannedPubDate xmlns="4873beb7-5857-4685-be1f-d57550cc96cc" xsi:nil="true"/>
-    <IntlLangReviewer xmlns="4873beb7-5857-4685-be1f-d57550cc96cc" xsi:nil="true"/>
-    <TrustLevel xmlns="4873beb7-5857-4685-be1f-d57550cc96cc">1 Microsoft Managed Content</TrustLevel>
-    <LocLastLocAttemptVersionLookup xmlns="4873beb7-5857-4685-be1f-d57550cc96cc">694266</LocLastLocAttemptVersionLookup>
-    <LocProcessedForHandoffsLookup xmlns="4873beb7-5857-4685-be1f-d57550cc96cc" xsi:nil="true"/>
-    <IsSearchable xmlns="4873beb7-5857-4685-be1f-d57550cc96cc">true</IsSearchable>
-    <TemplateTemplateType xmlns="4873beb7-5857-4685-be1f-d57550cc96cc">PowerPoint Presentation Template</TemplateTemplateType>
-    <CampaignTagsTaxHTField0 xmlns="4873beb7-5857-4685-be1f-d57550cc96cc">
-      <Terms xmlns="http://schemas.microsoft.com/office/infopath/2007/PartnerControls"/>
-    </CampaignTagsTaxHTField0>
-    <TPNamespace xmlns="4873beb7-5857-4685-be1f-d57550cc96cc" xsi:nil="true"/>
-    <LocOverallPreviewStatusLookup xmlns="4873beb7-5857-4685-be1f-d57550cc96cc" xsi:nil="true"/>
-    <TaxCatchAll xmlns="4873beb7-5857-4685-be1f-d57550cc96cc"/>
-    <Markets xmlns="4873beb7-5857-4685-be1f-d57550cc96cc"/>
-    <UAProjectedTotalWords xmlns="4873beb7-5857-4685-be1f-d57550cc96cc" xsi:nil="true"/>
-    <IntlLangReview xmlns="4873beb7-5857-4685-be1f-d57550cc96cc" xsi:nil="true"/>
-    <OutputCachingOn xmlns="4873beb7-5857-4685-be1f-d57550cc96cc">false</OutputCachingOn>
-    <AverageRating xmlns="4873beb7-5857-4685-be1f-d57550cc96cc" xsi:nil="true"/>
-    <APAuthor xmlns="4873beb7-5857-4685-be1f-d57550cc96cc">
-      <UserInfo>
-        <DisplayName>REDMOND\kristaa</DisplayName>
-        <AccountId>136</AccountId>
-        <AccountType/>
-      </UserInfo>
-    </APAuthor>
-    <LocManualTestRequired xmlns="4873beb7-5857-4685-be1f-d57550cc96cc">false</LocManualTestRequired>
-    <TPCommandLine xmlns="4873beb7-5857-4685-be1f-d57550cc96cc" xsi:nil="true"/>
-    <TPAppVersion xmlns="4873beb7-5857-4685-be1f-d57550cc96cc" xsi:nil="true"/>
-    <EditorialStatus xmlns="4873beb7-5857-4685-be1f-d57550cc96cc">Complete</EditorialStatus>
-    <LastModifiedDateTime xmlns="4873beb7-5857-4685-be1f-d57550cc96cc" xsi:nil="true"/>
-    <ScenarioTagsTaxHTField0 xmlns="4873beb7-5857-4685-be1f-d57550cc96cc">
-      <Terms xmlns="http://schemas.microsoft.com/office/infopath/2007/PartnerControls"/>
-    </ScenarioTagsTaxHTField0>
-    <LocProcessedForMarketsLookup xmlns="4873beb7-5857-4685-be1f-d57550cc96cc" xsi:nil="true"/>
-    <TPLaunchHelpLinkType xmlns="4873beb7-5857-4685-be1f-d57550cc96cc">Template</TPLaunchHelpLinkType>
-    <OriginalRelease xmlns="4873beb7-5857-4685-be1f-d57550cc96cc">15</OriginalRelease>
-    <LocalizationTagsTaxHTField0 xmlns="4873beb7-5857-4685-be1f-d57550cc96cc">
-      <Terms xmlns="http://schemas.microsoft.com/office/infopath/2007/PartnerControls"/>
-    </LocalizationTagsTaxHTField0>
-    <UACurrentWords xmlns="4873beb7-5857-4685-be1f-d57550cc96cc" xsi:nil="true"/>
-    <ArtSampleDocs xmlns="4873beb7-5857-4685-be1f-d57550cc96cc" xsi:nil="true"/>
-    <UALocRecommendation xmlns="4873beb7-5857-4685-be1f-d57550cc96cc">Localize</UALocRecommendation>
-    <Manager xmlns="4873beb7-5857-4685-be1f-d57550cc96cc" xsi:nil="true"/>
-    <LocOverallHandbackStatusLookup xmlns="4873beb7-5857-4685-be1f-d57550cc96cc" xsi:nil="true"/>
-    <ShowIn xmlns="4873beb7-5857-4685-be1f-d57550cc96cc">Show everywhere</ShowIn>
-    <UANotes xmlns="4873beb7-5857-4685-be1f-d57550cc96cc" xsi:nil="true"/>
-    <InternalTagsTaxHTField0 xmlns="4873beb7-5857-4685-be1f-d57550cc96cc">
-      <Terms xmlns="http://schemas.microsoft.com/office/infopath/2007/PartnerControls"/>
-    </InternalTagsTaxHTField0>
-    <CSXHash xmlns="4873beb7-5857-4685-be1f-d57550cc96cc" xsi:nil="true"/>
-    <VoteCount xmlns="4873beb7-5857-4685-be1f-d57550cc96cc" xsi:nil="true"/>
-    <AssetExpire xmlns="4873beb7-5857-4685-be1f-d57550cc96cc">2029-05-12T07:00:00+00:00</AssetExpire>
-    <DSATActionTaken xmlns="4873beb7-5857-4685-be1f-d57550cc96cc" xsi:nil="true"/>
-    <CSXSubmissionMarket xmlns="4873beb7-5857-4685-be1f-d57550cc96cc" xsi:nil="true"/>
-    <LocMarketGroupTiers2 xmlns="4873beb7-5857-4685-be1f-d57550cc96cc" xsi:nil="true"/>
-  </documentManagement>
-</p:properties>
+<file path=customXml/itemProps2.xml><?xml version="1.0" encoding="utf-8"?>
+<ds:datastoreItem xmlns:ds="http://schemas.openxmlformats.org/officeDocument/2006/customXml" ds:itemID="{3836F65B-1B07-41EE-A0E8-BC6EF3855225}">
+  <ds:schemaRefs>
+    <ds:schemaRef ds:uri="http://schemas.microsoft.com/sharepoint/v3/contenttype/forms"/>
+  </ds:schemaRefs>
+</ds:datastoreItem>
 </file>
 
-<file path=customXml/itemProps1.xml><?xml version="1.0" encoding="utf-8"?>
+<file path=customXml/itemProps3.xml><?xml version="1.0" encoding="utf-8"?>
 <ds:datastoreItem xmlns:ds="http://schemas.openxmlformats.org/officeDocument/2006/customXml" ds:itemID="{A09BF4D4-EF60-4196-BFC3-9462D607978C}">
   <ds:schemaRefs>
     <ds:schemaRef ds:uri="http://schemas.microsoft.com/office/2006/metadata/contentType"/>
@@ -17695,28 +17742,4 @@
     <ds:schemaRef ds:uri="http://schemas.microsoft.com/internal/obd"/>
   </ds:schemaRefs>
 </ds:datastoreItem>
-</file>
-
-<file path=customXml/itemProps2.xml><?xml version="1.0" encoding="utf-8"?>
-<ds:datastoreItem xmlns:ds="http://schemas.openxmlformats.org/officeDocument/2006/customXml" ds:itemID="{3836F65B-1B07-41EE-A0E8-BC6EF3855225}">
-  <ds:schemaRefs>
-    <ds:schemaRef ds:uri="http://schemas.microsoft.com/sharepoint/v3/contenttype/forms"/>
-  </ds:schemaRefs>
-</ds:datastoreItem>
-</file>
-
-<file path=customXml/itemProps3.xml><?xml version="1.0" encoding="utf-8"?>
-<ds:datastoreItem xmlns:ds="http://schemas.openxmlformats.org/officeDocument/2006/customXml" ds:itemID="{60C67BEE-D13F-4BD2-98A5-34D8A0977F68}">
-  <ds:schemaRefs>
-    <ds:schemaRef ds:uri="http://purl.org/dc/elements/1.1/"/>
-    <ds:schemaRef ds:uri="http://schemas.openxmlformats.org/package/2006/metadata/core-properties"/>
-    <ds:schemaRef ds:uri="4873beb7-5857-4685-be1f-d57550cc96cc"/>
-    <ds:schemaRef ds:uri="http://schemas.microsoft.com/office/2006/documentManagement/types"/>
-    <ds:schemaRef ds:uri="http://www.w3.org/XML/1998/namespace"/>
-    <ds:schemaRef ds:uri="http://purl.org/dc/dcmitype/"/>
-    <ds:schemaRef ds:uri="http://schemas.microsoft.com/office/infopath/2007/PartnerControls"/>
-    <ds:schemaRef ds:uri="http://schemas.microsoft.com/office/2006/metadata/properties"/>
-    <ds:schemaRef ds:uri="http://purl.org/dc/terms/"/>
-  </ds:schemaRefs>
-</ds:datastoreItem>
 </file>